--- a/4주차.pptx
+++ b/4주차.pptx
@@ -5,16 +5,18 @@
     <p:sldMasterId id="2147483648" r:id="rId1"/>
   </p:sldMasterIdLst>
   <p:notesMasterIdLst>
-    <p:notesMasterId r:id="rId9"/>
+    <p:notesMasterId r:id="rId11"/>
   </p:notesMasterIdLst>
   <p:sldIdLst>
     <p:sldId id="262" r:id="rId2"/>
-    <p:sldId id="282" r:id="rId3"/>
-    <p:sldId id="285" r:id="rId4"/>
+    <p:sldId id="285" r:id="rId3"/>
+    <p:sldId id="294" r:id="rId4"/>
     <p:sldId id="286" r:id="rId5"/>
     <p:sldId id="287" r:id="rId6"/>
     <p:sldId id="288" r:id="rId7"/>
     <p:sldId id="289" r:id="rId8"/>
+    <p:sldId id="290" r:id="rId9"/>
+    <p:sldId id="292" r:id="rId10"/>
   </p:sldIdLst>
   <p:sldSz cx="12192000" cy="6858000"/>
   <p:notesSz cx="6858000" cy="9144000"/>
@@ -517,6 +519,10 @@
           <a:bodyPr/>
           <a:lstStyle/>
           <a:p>
+            <a:r>
+              <a:rPr lang="en-US" altLang="ko-KR" dirty="0"/>
+              <a:t>https://www.youtube.com/watch?v=Bmx2S1dSAV0&amp;list=PL1Kb3QTCLIVtyOuMgyVgT-OeW0PYXl3j5&amp;index=12</a:t>
+            </a:r>
             <a:endParaRPr lang="ko-KR" altLang="en-US" dirty="0"/>
           </a:p>
         </p:txBody>
@@ -538,7 +544,7 @@
           <a:p>
             <a:fld id="{5FAAA766-79CA-47E4-9E45-0D897C7C3898}" type="slidenum">
               <a:rPr lang="ko-KR" altLang="en-US" smtClean="0"/>
-              <a:t>5</a:t>
+              <a:t>4</a:t>
             </a:fld>
             <a:endParaRPr lang="ko-KR" altLang="en-US"/>
           </a:p>
@@ -547,7 +553,7 @@
     </p:spTree>
     <p:extLst>
       <p:ext uri="{BB962C8B-B14F-4D97-AF65-F5344CB8AC3E}">
-        <p14:creationId xmlns:p14="http://schemas.microsoft.com/office/powerpoint/2010/main" val="1258608104"/>
+        <p14:creationId xmlns:p14="http://schemas.microsoft.com/office/powerpoint/2010/main" val="4194237956"/>
       </p:ext>
     </p:extLst>
   </p:cSld>
@@ -622,7 +628,7 @@
           <a:p>
             <a:fld id="{5FAAA766-79CA-47E4-9E45-0D897C7C3898}" type="slidenum">
               <a:rPr lang="ko-KR" altLang="en-US" smtClean="0"/>
-              <a:t>6</a:t>
+              <a:t>5</a:t>
             </a:fld>
             <a:endParaRPr lang="ko-KR" altLang="en-US"/>
           </a:p>
@@ -631,7 +637,7 @@
     </p:spTree>
     <p:extLst>
       <p:ext uri="{BB962C8B-B14F-4D97-AF65-F5344CB8AC3E}">
-        <p14:creationId xmlns:p14="http://schemas.microsoft.com/office/powerpoint/2010/main" val="2164079528"/>
+        <p14:creationId xmlns:p14="http://schemas.microsoft.com/office/powerpoint/2010/main" val="1258608104"/>
       </p:ext>
     </p:extLst>
   </p:cSld>
@@ -685,6 +691,44 @@
           <a:bodyPr/>
           <a:lstStyle/>
           <a:p>
+            <a:r>
+              <a:rPr lang="ko-KR" altLang="en-US" dirty="0"/>
+              <a:t>게이트</a:t>
+            </a:r>
+            <a:endParaRPr lang="en-US" altLang="ko-KR" dirty="0"/>
+          </a:p>
+          <a:p>
+            <a:r>
+              <a:rPr lang="ko-KR" altLang="en-US" dirty="0"/>
+              <a:t>이전의 기억 셀에서 </a:t>
+            </a:r>
+            <a:r>
+              <a:rPr lang="ko-KR" altLang="en-US" dirty="0" err="1"/>
+              <a:t>필요없는</a:t>
+            </a:r>
+            <a:r>
+              <a:rPr lang="ko-KR" altLang="en-US" dirty="0"/>
+              <a:t> 부분 제거 </a:t>
+            </a:r>
+            <a:r>
+              <a:rPr lang="en-US" altLang="ko-KR" dirty="0"/>
+              <a:t>+ </a:t>
+            </a:r>
+            <a:r>
+              <a:rPr lang="ko-KR" altLang="en-US" dirty="0"/>
+              <a:t>새로운 내용 추가 </a:t>
+            </a:r>
+            <a:r>
+              <a:rPr lang="en-US" altLang="ko-KR" dirty="0"/>
+              <a:t>= </a:t>
+            </a:r>
+            <a:r>
+              <a:rPr lang="ko-KR" altLang="en-US" dirty="0"/>
+              <a:t>갱신 기억 셀 </a:t>
+            </a:r>
+            <a:endParaRPr lang="en-US" altLang="ko-KR" dirty="0"/>
+          </a:p>
+          <a:p>
             <a:endParaRPr lang="ko-KR" altLang="en-US" dirty="0"/>
           </a:p>
         </p:txBody>
@@ -706,6 +750,90 @@
           <a:p>
             <a:fld id="{5FAAA766-79CA-47E4-9E45-0D897C7C3898}" type="slidenum">
               <a:rPr lang="ko-KR" altLang="en-US" smtClean="0"/>
+              <a:t>6</a:t>
+            </a:fld>
+            <a:endParaRPr lang="ko-KR" altLang="en-US"/>
+          </a:p>
+        </p:txBody>
+      </p:sp>
+    </p:spTree>
+    <p:extLst>
+      <p:ext uri="{BB962C8B-B14F-4D97-AF65-F5344CB8AC3E}">
+        <p14:creationId xmlns:p14="http://schemas.microsoft.com/office/powerpoint/2010/main" val="2164079528"/>
+      </p:ext>
+    </p:extLst>
+  </p:cSld>
+  <p:clrMapOvr>
+    <a:masterClrMapping/>
+  </p:clrMapOvr>
+</p:notes>
+</file>
+
+<file path=ppt/notesSlides/notesSlide4.xml><?xml version="1.0" encoding="utf-8"?>
+<p:notes xmlns:a="http://schemas.openxmlformats.org/drawingml/2006/main" xmlns:r="http://schemas.openxmlformats.org/officeDocument/2006/relationships" xmlns:p="http://schemas.openxmlformats.org/presentationml/2006/main">
+  <p:cSld>
+    <p:spTree>
+      <p:nvGrpSpPr>
+        <p:cNvPr id="1" name=""/>
+        <p:cNvGrpSpPr/>
+        <p:nvPr/>
+      </p:nvGrpSpPr>
+      <p:grpSpPr>
+        <a:xfrm>
+          <a:off x="0" y="0"/>
+          <a:ext cx="0" cy="0"/>
+          <a:chOff x="0" y="0"/>
+          <a:chExt cx="0" cy="0"/>
+        </a:xfrm>
+      </p:grpSpPr>
+      <p:sp>
+        <p:nvSpPr>
+          <p:cNvPr id="2" name="슬라이드 이미지 개체 틀 1"/>
+          <p:cNvSpPr>
+            <a:spLocks noGrp="1" noRot="1" noChangeAspect="1"/>
+          </p:cNvSpPr>
+          <p:nvPr>
+            <p:ph type="sldImg"/>
+          </p:nvPr>
+        </p:nvSpPr>
+        <p:spPr/>
+      </p:sp>
+      <p:sp>
+        <p:nvSpPr>
+          <p:cNvPr id="3" name="슬라이드 노트 개체 틀 2"/>
+          <p:cNvSpPr>
+            <a:spLocks noGrp="1"/>
+          </p:cNvSpPr>
+          <p:nvPr>
+            <p:ph type="body" idx="1"/>
+          </p:nvPr>
+        </p:nvSpPr>
+        <p:spPr/>
+        <p:txBody>
+          <a:bodyPr/>
+          <a:lstStyle/>
+          <a:p>
+            <a:endParaRPr lang="ko-KR" altLang="en-US" dirty="0"/>
+          </a:p>
+        </p:txBody>
+      </p:sp>
+      <p:sp>
+        <p:nvSpPr>
+          <p:cNvPr id="4" name="슬라이드 번호 개체 틀 3"/>
+          <p:cNvSpPr>
+            <a:spLocks noGrp="1"/>
+          </p:cNvSpPr>
+          <p:nvPr>
+            <p:ph type="sldNum" sz="quarter" idx="5"/>
+          </p:nvPr>
+        </p:nvSpPr>
+        <p:spPr/>
+        <p:txBody>
+          <a:bodyPr/>
+          <a:lstStyle/>
+          <a:p>
+            <a:fld id="{5FAAA766-79CA-47E4-9E45-0D897C7C3898}" type="slidenum">
+              <a:rPr lang="ko-KR" altLang="en-US" smtClean="0"/>
               <a:t>7</a:t>
             </a:fld>
             <a:endParaRPr lang="ko-KR" altLang="en-US"/>
@@ -716,6 +844,174 @@
     <p:extLst>
       <p:ext uri="{BB962C8B-B14F-4D97-AF65-F5344CB8AC3E}">
         <p14:creationId xmlns:p14="http://schemas.microsoft.com/office/powerpoint/2010/main" val="1006482676"/>
+      </p:ext>
+    </p:extLst>
+  </p:cSld>
+  <p:clrMapOvr>
+    <a:masterClrMapping/>
+  </p:clrMapOvr>
+</p:notes>
+</file>
+
+<file path=ppt/notesSlides/notesSlide5.xml><?xml version="1.0" encoding="utf-8"?>
+<p:notes xmlns:a="http://schemas.openxmlformats.org/drawingml/2006/main" xmlns:r="http://schemas.openxmlformats.org/officeDocument/2006/relationships" xmlns:p="http://schemas.openxmlformats.org/presentationml/2006/main">
+  <p:cSld>
+    <p:spTree>
+      <p:nvGrpSpPr>
+        <p:cNvPr id="1" name=""/>
+        <p:cNvGrpSpPr/>
+        <p:nvPr/>
+      </p:nvGrpSpPr>
+      <p:grpSpPr>
+        <a:xfrm>
+          <a:off x="0" y="0"/>
+          <a:ext cx="0" cy="0"/>
+          <a:chOff x="0" y="0"/>
+          <a:chExt cx="0" cy="0"/>
+        </a:xfrm>
+      </p:grpSpPr>
+      <p:sp>
+        <p:nvSpPr>
+          <p:cNvPr id="2" name="슬라이드 이미지 개체 틀 1"/>
+          <p:cNvSpPr>
+            <a:spLocks noGrp="1" noRot="1" noChangeAspect="1"/>
+          </p:cNvSpPr>
+          <p:nvPr>
+            <p:ph type="sldImg"/>
+          </p:nvPr>
+        </p:nvSpPr>
+        <p:spPr/>
+      </p:sp>
+      <p:sp>
+        <p:nvSpPr>
+          <p:cNvPr id="3" name="슬라이드 노트 개체 틀 2"/>
+          <p:cNvSpPr>
+            <a:spLocks noGrp="1"/>
+          </p:cNvSpPr>
+          <p:nvPr>
+            <p:ph type="body" idx="1"/>
+          </p:nvPr>
+        </p:nvSpPr>
+        <p:spPr/>
+        <p:txBody>
+          <a:bodyPr/>
+          <a:lstStyle/>
+          <a:p>
+            <a:endParaRPr lang="ko-KR" altLang="en-US" dirty="0"/>
+          </a:p>
+        </p:txBody>
+      </p:sp>
+      <p:sp>
+        <p:nvSpPr>
+          <p:cNvPr id="4" name="슬라이드 번호 개체 틀 3"/>
+          <p:cNvSpPr>
+            <a:spLocks noGrp="1"/>
+          </p:cNvSpPr>
+          <p:nvPr>
+            <p:ph type="sldNum" sz="quarter" idx="5"/>
+          </p:nvPr>
+        </p:nvSpPr>
+        <p:spPr/>
+        <p:txBody>
+          <a:bodyPr/>
+          <a:lstStyle/>
+          <a:p>
+            <a:fld id="{5FAAA766-79CA-47E4-9E45-0D897C7C3898}" type="slidenum">
+              <a:rPr lang="ko-KR" altLang="en-US" smtClean="0"/>
+              <a:t>8</a:t>
+            </a:fld>
+            <a:endParaRPr lang="ko-KR" altLang="en-US"/>
+          </a:p>
+        </p:txBody>
+      </p:sp>
+    </p:spTree>
+    <p:extLst>
+      <p:ext uri="{BB962C8B-B14F-4D97-AF65-F5344CB8AC3E}">
+        <p14:creationId xmlns:p14="http://schemas.microsoft.com/office/powerpoint/2010/main" val="3534730762"/>
+      </p:ext>
+    </p:extLst>
+  </p:cSld>
+  <p:clrMapOvr>
+    <a:masterClrMapping/>
+  </p:clrMapOvr>
+</p:notes>
+</file>
+
+<file path=ppt/notesSlides/notesSlide6.xml><?xml version="1.0" encoding="utf-8"?>
+<p:notes xmlns:a="http://schemas.openxmlformats.org/drawingml/2006/main" xmlns:r="http://schemas.openxmlformats.org/officeDocument/2006/relationships" xmlns:p="http://schemas.openxmlformats.org/presentationml/2006/main">
+  <p:cSld>
+    <p:spTree>
+      <p:nvGrpSpPr>
+        <p:cNvPr id="1" name=""/>
+        <p:cNvGrpSpPr/>
+        <p:nvPr/>
+      </p:nvGrpSpPr>
+      <p:grpSpPr>
+        <a:xfrm>
+          <a:off x="0" y="0"/>
+          <a:ext cx="0" cy="0"/>
+          <a:chOff x="0" y="0"/>
+          <a:chExt cx="0" cy="0"/>
+        </a:xfrm>
+      </p:grpSpPr>
+      <p:sp>
+        <p:nvSpPr>
+          <p:cNvPr id="2" name="슬라이드 이미지 개체 틀 1"/>
+          <p:cNvSpPr>
+            <a:spLocks noGrp="1" noRot="1" noChangeAspect="1"/>
+          </p:cNvSpPr>
+          <p:nvPr>
+            <p:ph type="sldImg"/>
+          </p:nvPr>
+        </p:nvSpPr>
+        <p:spPr/>
+      </p:sp>
+      <p:sp>
+        <p:nvSpPr>
+          <p:cNvPr id="3" name="슬라이드 노트 개체 틀 2"/>
+          <p:cNvSpPr>
+            <a:spLocks noGrp="1"/>
+          </p:cNvSpPr>
+          <p:nvPr>
+            <p:ph type="body" idx="1"/>
+          </p:nvPr>
+        </p:nvSpPr>
+        <p:spPr/>
+        <p:txBody>
+          <a:bodyPr/>
+          <a:lstStyle/>
+          <a:p>
+            <a:endParaRPr lang="ko-KR" altLang="en-US" dirty="0"/>
+          </a:p>
+        </p:txBody>
+      </p:sp>
+      <p:sp>
+        <p:nvSpPr>
+          <p:cNvPr id="4" name="슬라이드 번호 개체 틀 3"/>
+          <p:cNvSpPr>
+            <a:spLocks noGrp="1"/>
+          </p:cNvSpPr>
+          <p:nvPr>
+            <p:ph type="sldNum" sz="quarter" idx="5"/>
+          </p:nvPr>
+        </p:nvSpPr>
+        <p:spPr/>
+        <p:txBody>
+          <a:bodyPr/>
+          <a:lstStyle/>
+          <a:p>
+            <a:fld id="{5FAAA766-79CA-47E4-9E45-0D897C7C3898}" type="slidenum">
+              <a:rPr lang="ko-KR" altLang="en-US" smtClean="0"/>
+              <a:t>9</a:t>
+            </a:fld>
+            <a:endParaRPr lang="ko-KR" altLang="en-US"/>
+          </a:p>
+        </p:txBody>
+      </p:sp>
+    </p:spTree>
+    <p:extLst>
+      <p:ext uri="{BB962C8B-B14F-4D97-AF65-F5344CB8AC3E}">
+        <p14:creationId xmlns:p14="http://schemas.microsoft.com/office/powerpoint/2010/main" val="3546463941"/>
       </p:ext>
     </p:extLst>
   </p:cSld>
@@ -4055,7 +4351,7 @@
               </a:r>
               <a:r>
                 <a:rPr lang="ko-KR" altLang="en-US" sz="2800" dirty="0"/>
-                <a:t> 리뷰</a:t>
+                <a:t> </a:t>
               </a:r>
             </a:p>
           </p:txBody>
@@ -4243,26 +4539,35 @@
           <a:lstStyle/>
           <a:p>
             <a:r>
-              <a:rPr lang="ko-KR" altLang="en-US" sz="2400"/>
-              <a:t>실행</a:t>
+              <a:rPr lang="en-US" altLang="ko-KR" sz="2400" dirty="0"/>
+              <a:t>Vis-Causal / </a:t>
+            </a:r>
+            <a:r>
+              <a:rPr lang="en-US" altLang="ko-KR" sz="2400" dirty="0" err="1"/>
+              <a:t>ResNetAsContext</a:t>
+            </a:r>
+            <a:r>
+              <a:rPr lang="en-US" altLang="ko-KR" sz="2400" dirty="0"/>
+              <a:t> Model </a:t>
+            </a:r>
+            <a:r>
+              <a:rPr lang="ko-KR" altLang="en-US" sz="2400" dirty="0"/>
+              <a:t>사용</a:t>
             </a:r>
             <a:r>
               <a:rPr lang="en-US" altLang="ko-KR" sz="2400" dirty="0"/>
               <a:t> </a:t>
             </a:r>
-            <a:r>
-              <a:rPr lang="ko-KR" altLang="en-US" sz="2400" dirty="0"/>
-              <a:t>결과</a:t>
-            </a:r>
+            <a:endParaRPr lang="ko-KR" altLang="en-US" sz="2400" dirty="0"/>
           </a:p>
         </p:txBody>
       </p:sp>
       <p:pic>
         <p:nvPicPr>
-          <p:cNvPr id="11" name="Picture 3">
+          <p:cNvPr id="2" name="그림 1">
             <a:extLst>
               <a:ext uri="{FF2B5EF4-FFF2-40B4-BE49-F238E27FC236}">
-                <a16:creationId xmlns:a16="http://schemas.microsoft.com/office/drawing/2014/main" id="{B1537176-CF14-4EBA-B2AF-0337A722EA85}"/>
+                <a16:creationId xmlns:a16="http://schemas.microsoft.com/office/drawing/2014/main" id="{8164A83C-1077-4A6E-BEE8-857EDAD1AEEC}"/>
               </a:ext>
             </a:extLst>
           </p:cNvPr>
@@ -4279,23 +4584,231 @@
         </p:blipFill>
         <p:spPr>
           <a:xfrm>
-            <a:off x="782346" y="1126068"/>
-            <a:ext cx="10428291" cy="5549901"/>
+            <a:off x="8344404" y="434761"/>
+            <a:ext cx="3180766" cy="6423239"/>
+          </a:xfrm>
+          <a:prstGeom prst="rect">
+            <a:avLst/>
+          </a:prstGeom>
+        </p:spPr>
+      </p:pic>
+      <p:sp>
+        <p:nvSpPr>
+          <p:cNvPr id="3" name="TextBox 2">
+            <a:extLst>
+              <a:ext uri="{FF2B5EF4-FFF2-40B4-BE49-F238E27FC236}">
+                <a16:creationId xmlns:a16="http://schemas.microsoft.com/office/drawing/2014/main" id="{7F08EA38-BF7B-4423-A30D-D1B3B0CCF4B1}"/>
+              </a:ext>
+            </a:extLst>
+          </p:cNvPr>
+          <p:cNvSpPr txBox="1"/>
+          <p:nvPr/>
+        </p:nvSpPr>
+        <p:spPr>
+          <a:xfrm>
+            <a:off x="547007" y="1175658"/>
+            <a:ext cx="7058025" cy="3139321"/>
           </a:xfrm>
           <a:prstGeom prst="rect">
             <a:avLst/>
           </a:prstGeom>
           <a:noFill/>
-          <a:ln>
-            <a:noFill/>
-          </a:ln>
-          <a:effectLst/>
         </p:spPr>
-      </p:pic>
+        <p:txBody>
+          <a:bodyPr wrap="square" rtlCol="0">
+            <a:spAutoFit/>
+          </a:bodyPr>
+          <a:lstStyle/>
+          <a:p>
+            <a:r>
+              <a:rPr lang="en-US" altLang="ko-KR" dirty="0"/>
+              <a:t>Resnet</a:t>
+            </a:r>
+            <a:r>
+              <a:rPr lang="ko-KR" altLang="en-US" dirty="0"/>
+              <a:t>에서 </a:t>
+            </a:r>
+            <a:r>
+              <a:rPr lang="en-US" altLang="ko-KR" dirty="0"/>
+              <a:t>feature </a:t>
+            </a:r>
+            <a:r>
+              <a:rPr lang="ko-KR" altLang="en-US" dirty="0"/>
+              <a:t>값을 추출하여 </a:t>
+            </a:r>
+            <a:r>
+              <a:rPr lang="en-US" altLang="ko-KR" dirty="0"/>
+              <a:t>context </a:t>
+            </a:r>
+            <a:r>
+              <a:rPr lang="ko-KR" altLang="en-US" dirty="0"/>
+              <a:t>값 대신 사용</a:t>
+            </a:r>
+            <a:r>
+              <a:rPr lang="en-US" altLang="ko-KR" dirty="0"/>
+              <a:t>.</a:t>
+            </a:r>
+          </a:p>
+          <a:p>
+            <a:endParaRPr lang="en-US" altLang="ko-KR" dirty="0"/>
+          </a:p>
+          <a:p>
+            <a:r>
+              <a:rPr lang="en-US" altLang="ko-KR" dirty="0"/>
+              <a:t>Resnet152 </a:t>
+            </a:r>
+            <a:r>
+              <a:rPr lang="ko-KR" altLang="en-US" dirty="0"/>
+              <a:t>마지막 </a:t>
+            </a:r>
+            <a:r>
+              <a:rPr lang="en-US" altLang="ko-KR" dirty="0" err="1"/>
+              <a:t>avgpool</a:t>
+            </a:r>
+            <a:r>
+              <a:rPr lang="en-US" altLang="ko-KR" dirty="0"/>
+              <a:t> </a:t>
+            </a:r>
+            <a:r>
+              <a:rPr lang="ko-KR" altLang="en-US" dirty="0"/>
+              <a:t>계층을 얻음</a:t>
+            </a:r>
+            <a:endParaRPr lang="en-US" altLang="ko-KR" dirty="0"/>
+          </a:p>
+          <a:p>
+            <a:r>
+              <a:rPr lang="en-US" altLang="ko-KR" dirty="0"/>
+              <a:t>layer = model._</a:t>
+            </a:r>
+            <a:r>
+              <a:rPr lang="en-US" altLang="ko-KR" dirty="0" err="1"/>
+              <a:t>modules.get</a:t>
+            </a:r>
+            <a:r>
+              <a:rPr lang="en-US" altLang="ko-KR" dirty="0"/>
+              <a:t>('</a:t>
+            </a:r>
+            <a:r>
+              <a:rPr lang="en-US" altLang="ko-KR" dirty="0" err="1"/>
+              <a:t>avgpool</a:t>
+            </a:r>
+            <a:r>
+              <a:rPr lang="en-US" altLang="ko-KR" dirty="0"/>
+              <a:t>’)</a:t>
+            </a:r>
+          </a:p>
+          <a:p>
+            <a:endParaRPr lang="en-US" altLang="ko-KR" dirty="0"/>
+          </a:p>
+          <a:p>
+            <a:r>
+              <a:rPr lang="en-US" altLang="ko-KR" dirty="0"/>
+              <a:t>Hook</a:t>
+            </a:r>
+            <a:r>
+              <a:rPr lang="ko-KR" altLang="en-US" dirty="0"/>
+              <a:t>을 사용하기위한 </a:t>
+            </a:r>
+            <a:r>
+              <a:rPr lang="en-US" altLang="ko-KR" dirty="0"/>
+              <a:t>extractor </a:t>
+            </a:r>
+            <a:r>
+              <a:rPr lang="ko-KR" altLang="en-US" dirty="0"/>
+              <a:t>정의</a:t>
+            </a:r>
+            <a:endParaRPr lang="en-US" altLang="ko-KR" dirty="0"/>
+          </a:p>
+          <a:p>
+            <a:r>
+              <a:rPr lang="ko-KR" altLang="en-US" dirty="0"/>
+              <a:t>마지막층 출력을 </a:t>
+            </a:r>
+            <a:r>
+              <a:rPr lang="en-US" altLang="ko-KR" dirty="0" err="1"/>
+              <a:t>register_forward_hook</a:t>
+            </a:r>
+            <a:r>
+              <a:rPr lang="ko-KR" altLang="en-US" dirty="0"/>
+              <a:t>을 사용하여 복사</a:t>
+            </a:r>
+            <a:r>
+              <a:rPr lang="en-US" altLang="ko-KR" dirty="0"/>
+              <a:t>.</a:t>
+            </a:r>
+          </a:p>
+          <a:p>
+            <a:endParaRPr lang="en-US" altLang="ko-KR" dirty="0"/>
+          </a:p>
+          <a:p>
+            <a:r>
+              <a:rPr lang="en-US" altLang="ko-KR" dirty="0" err="1"/>
+              <a:t>Img</a:t>
+            </a:r>
+            <a:r>
+              <a:rPr lang="ko-KR" altLang="en-US" dirty="0"/>
+              <a:t> </a:t>
+            </a:r>
+            <a:r>
+              <a:rPr lang="en-US" altLang="ko-KR" dirty="0"/>
+              <a:t>filename, </a:t>
+            </a:r>
+            <a:r>
+              <a:rPr lang="en-US" altLang="ko-KR" dirty="0" err="1"/>
+              <a:t>extracedfeature</a:t>
+            </a:r>
+            <a:r>
+              <a:rPr lang="en-US" altLang="ko-KR" dirty="0"/>
+              <a:t> </a:t>
+            </a:r>
+            <a:r>
+              <a:rPr lang="en-US" altLang="ko-KR" dirty="0" err="1"/>
+              <a:t>dataframe</a:t>
+            </a:r>
+            <a:r>
+              <a:rPr lang="en-US" altLang="ko-KR" dirty="0"/>
+              <a:t> </a:t>
+            </a:r>
+            <a:r>
+              <a:rPr lang="ko-KR" altLang="en-US" dirty="0" err="1"/>
+              <a:t>저장후</a:t>
+            </a:r>
+            <a:r>
+              <a:rPr lang="ko-KR" altLang="en-US" dirty="0"/>
+              <a:t> </a:t>
+            </a:r>
+            <a:r>
+              <a:rPr lang="en-US" altLang="ko-KR" dirty="0" err="1"/>
+              <a:t>pkl</a:t>
+            </a:r>
+            <a:r>
+              <a:rPr lang="ko-KR" altLang="en-US" dirty="0"/>
+              <a:t> 파일로 저장</a:t>
+            </a:r>
+            <a:r>
+              <a:rPr lang="en-US" altLang="ko-KR" dirty="0"/>
+              <a:t>.</a:t>
+            </a:r>
+          </a:p>
+          <a:p>
+            <a:endParaRPr lang="en-US" altLang="ko-KR" dirty="0"/>
+          </a:p>
+          <a:p>
+            <a:r>
+              <a:rPr lang="ko-KR" altLang="en-US" dirty="0"/>
+              <a:t>추출한 특징 크기 </a:t>
+            </a:r>
+            <a:r>
+              <a:rPr lang="en-US" altLang="ko-KR" dirty="0"/>
+              <a:t>2048 </a:t>
+            </a:r>
+          </a:p>
+        </p:txBody>
+      </p:sp>
     </p:spTree>
     <p:extLst>
       <p:ext uri="{BB962C8B-B14F-4D97-AF65-F5344CB8AC3E}">
-        <p14:creationId xmlns:p14="http://schemas.microsoft.com/office/powerpoint/2010/main" val="619552536"/>
+        <p14:creationId xmlns:p14="http://schemas.microsoft.com/office/powerpoint/2010/main" val="3782898680"/>
       </p:ext>
     </p:extLst>
   </p:cSld>
@@ -4445,8 +4958,12 @@
           <a:lstStyle/>
           <a:p>
             <a:r>
-              <a:rPr lang="en-US" altLang="ko-KR" sz="2400" dirty="0" err="1"/>
-              <a:t>ResNetAsContext</a:t>
+              <a:rPr lang="en-US" altLang="ko-KR" sz="2400" dirty="0"/>
+              <a:t>Vis-Causal </a:t>
+            </a:r>
+            <a:r>
+              <a:rPr lang="ko-KR" altLang="en-US" sz="2400" dirty="0"/>
+              <a:t>실행 결과 추가</a:t>
             </a:r>
             <a:r>
               <a:rPr lang="en-US" altLang="ko-KR" sz="2400" dirty="0"/>
@@ -4456,42 +4973,12 @@
           </a:p>
         </p:txBody>
       </p:sp>
-      <p:pic>
-        <p:nvPicPr>
-          <p:cNvPr id="2" name="그림 1">
+      <p:sp>
+        <p:nvSpPr>
+          <p:cNvPr id="5" name="TextBox 4">
             <a:extLst>
               <a:ext uri="{FF2B5EF4-FFF2-40B4-BE49-F238E27FC236}">
-                <a16:creationId xmlns:a16="http://schemas.microsoft.com/office/drawing/2014/main" id="{8164A83C-1077-4A6E-BEE8-857EDAD1AEEC}"/>
-              </a:ext>
-            </a:extLst>
-          </p:cNvPr>
-          <p:cNvPicPr>
-            <a:picLocks noChangeAspect="1"/>
-          </p:cNvPicPr>
-          <p:nvPr/>
-        </p:nvPicPr>
-        <p:blipFill>
-          <a:blip r:embed="rId2"/>
-          <a:stretch>
-            <a:fillRect/>
-          </a:stretch>
-        </p:blipFill>
-        <p:spPr>
-          <a:xfrm>
-            <a:off x="7510100" y="412863"/>
-            <a:ext cx="3180766" cy="6423239"/>
-          </a:xfrm>
-          <a:prstGeom prst="rect">
-            <a:avLst/>
-          </a:prstGeom>
-        </p:spPr>
-      </p:pic>
-      <p:sp>
-        <p:nvSpPr>
-          <p:cNvPr id="3" name="TextBox 2">
-            <a:extLst>
-              <a:ext uri="{FF2B5EF4-FFF2-40B4-BE49-F238E27FC236}">
-                <a16:creationId xmlns:a16="http://schemas.microsoft.com/office/drawing/2014/main" id="{7F08EA38-BF7B-4423-A30D-D1B3B0CCF4B1}"/>
+                <a16:creationId xmlns:a16="http://schemas.microsoft.com/office/drawing/2014/main" id="{485CEAA9-0B3E-432B-9279-BBC8FC703840}"/>
               </a:ext>
             </a:extLst>
           </p:cNvPr>
@@ -4500,8 +4987,8 @@
         </p:nvSpPr>
         <p:spPr>
           <a:xfrm>
-            <a:off x="547007" y="1175658"/>
-            <a:ext cx="7058025" cy="2308324"/>
+            <a:off x="524656" y="1124262"/>
+            <a:ext cx="10373193" cy="1477328"/>
           </a:xfrm>
           <a:prstGeom prst="rect">
             <a:avLst/>
@@ -4514,135 +5001,87 @@
           </a:bodyPr>
           <a:lstStyle/>
           <a:p>
+            <a:pPr marL="285750" indent="-285750">
+              <a:buFontTx/>
+              <a:buChar char="-"/>
+            </a:pPr>
             <a:r>
               <a:rPr lang="en-US" altLang="ko-KR" dirty="0"/>
-              <a:t>Resnet152 </a:t>
+              <a:t>GPT-2</a:t>
+            </a:r>
+          </a:p>
+          <a:p>
+            <a:pPr marL="285750" indent="-285750">
+              <a:buFontTx/>
+              <a:buChar char="-"/>
+            </a:pPr>
+            <a:endParaRPr lang="en-US" altLang="ko-KR" dirty="0"/>
+          </a:p>
+          <a:p>
+            <a:pPr marL="285750" indent="-285750">
+              <a:buFontTx/>
+              <a:buChar char="-"/>
+            </a:pPr>
+            <a:r>
+              <a:rPr lang="en-US" altLang="ko-KR" dirty="0"/>
+              <a:t>Epoch </a:t>
             </a:r>
             <a:r>
               <a:rPr lang="ko-KR" altLang="en-US" dirty="0"/>
-              <a:t>마지막 </a:t>
-            </a:r>
-            <a:r>
-              <a:rPr lang="en-US" altLang="ko-KR" dirty="0" err="1"/>
-              <a:t>avgpool</a:t>
+              <a:t>늘린 경우 </a:t>
             </a:r>
             <a:r>
               <a:rPr lang="en-US" altLang="ko-KR" dirty="0"/>
-              <a:t> </a:t>
-            </a:r>
-            <a:r>
-              <a:rPr lang="ko-KR" altLang="en-US" dirty="0"/>
-              <a:t>계층을 얻음</a:t>
-            </a:r>
+              <a:t>loss</a:t>
+            </a:r>
+          </a:p>
+          <a:p>
+            <a:pPr marL="285750" indent="-285750">
+              <a:buFontTx/>
+              <a:buChar char="-"/>
+            </a:pPr>
             <a:endParaRPr lang="en-US" altLang="ko-KR" dirty="0"/>
           </a:p>
           <a:p>
+            <a:pPr marL="285750" indent="-285750">
+              <a:buFontTx/>
+              <a:buChar char="-"/>
+            </a:pPr>
             <a:r>
               <a:rPr lang="en-US" altLang="ko-KR" dirty="0"/>
-              <a:t>layer = model._</a:t>
-            </a:r>
-            <a:r>
-              <a:rPr lang="en-US" altLang="ko-KR" dirty="0" err="1"/>
-              <a:t>modules.get</a:t>
-            </a:r>
-            <a:r>
-              <a:rPr lang="en-US" altLang="ko-KR" dirty="0"/>
-              <a:t>('</a:t>
-            </a:r>
-            <a:r>
-              <a:rPr lang="en-US" altLang="ko-KR" dirty="0" err="1"/>
-              <a:t>avgpool</a:t>
-            </a:r>
-            <a:r>
-              <a:rPr lang="en-US" altLang="ko-KR" dirty="0"/>
-              <a:t>’)</a:t>
-            </a:r>
-          </a:p>
-          <a:p>
-            <a:endParaRPr lang="en-US" altLang="ko-KR" dirty="0"/>
-          </a:p>
-          <a:p>
-            <a:r>
-              <a:rPr lang="ko-KR" altLang="en-US" dirty="0"/>
-              <a:t>마지막층 출력을 </a:t>
-            </a:r>
-            <a:r>
-              <a:rPr lang="en-US" altLang="ko-KR" dirty="0" err="1"/>
-              <a:t>register_forward_hook</a:t>
-            </a:r>
-            <a:r>
-              <a:rPr lang="ko-KR" altLang="en-US" dirty="0"/>
-              <a:t>을 사용하여 복사</a:t>
-            </a:r>
-            <a:r>
-              <a:rPr lang="en-US" altLang="ko-KR" dirty="0"/>
-              <a:t>.</a:t>
-            </a:r>
-          </a:p>
-          <a:p>
-            <a:endParaRPr lang="en-US" altLang="ko-KR" dirty="0"/>
-          </a:p>
-          <a:p>
-            <a:r>
-              <a:rPr lang="en-US" altLang="ko-KR" dirty="0" err="1"/>
-              <a:t>Img</a:t>
+              <a:t>Print</a:t>
             </a:r>
             <a:r>
               <a:rPr lang="ko-KR" altLang="en-US" dirty="0"/>
               <a:t> </a:t>
             </a:r>
             <a:r>
-              <a:rPr lang="en-US" altLang="ko-KR" dirty="0"/>
-              <a:t>filename, </a:t>
-            </a:r>
-            <a:r>
               <a:rPr lang="en-US" altLang="ko-KR" dirty="0" err="1"/>
-              <a:t>extracedfeature</a:t>
-            </a:r>
-            <a:r>
-              <a:rPr lang="en-US" altLang="ko-KR" dirty="0"/>
-              <a:t> </a:t>
-            </a:r>
-            <a:r>
-              <a:rPr lang="en-US" altLang="ko-KR" dirty="0" err="1"/>
-              <a:t>dataframe</a:t>
-            </a:r>
-            <a:r>
-              <a:rPr lang="en-US" altLang="ko-KR" dirty="0"/>
-              <a:t> </a:t>
-            </a:r>
-            <a:r>
-              <a:rPr lang="ko-KR" altLang="en-US" dirty="0" err="1"/>
-              <a:t>저장후</a:t>
+              <a:t>gt</a:t>
             </a:r>
             <a:r>
               <a:rPr lang="ko-KR" altLang="en-US" dirty="0"/>
               <a:t> </a:t>
             </a:r>
             <a:r>
-              <a:rPr lang="en-US" altLang="ko-KR" dirty="0" err="1"/>
-              <a:t>pkl</a:t>
+              <a:rPr lang="en-US" altLang="ko-KR" dirty="0"/>
+              <a:t>and</a:t>
             </a:r>
             <a:r>
               <a:rPr lang="ko-KR" altLang="en-US" dirty="0"/>
-              <a:t> 파일로 저장</a:t>
+              <a:t> </a:t>
             </a:r>
             <a:r>
               <a:rPr lang="en-US" altLang="ko-KR" dirty="0"/>
-              <a:t>.</a:t>
-            </a:r>
-          </a:p>
-          <a:p>
-            <a:endParaRPr lang="en-US" altLang="ko-KR" dirty="0"/>
-          </a:p>
-          <a:p>
+              <a:t>result</a:t>
+            </a:r>
             <a:r>
               <a:rPr lang="ko-KR" altLang="en-US" dirty="0"/>
-              <a:t>추출한 특징 크기 </a:t>
+              <a:t> </a:t>
             </a:r>
             <a:r>
               <a:rPr lang="en-US" altLang="ko-KR" dirty="0"/>
-              <a:t>2048 </a:t>
+              <a:t>sentence</a:t>
             </a:r>
           </a:p>
         </p:txBody>
@@ -4650,7 +5089,7 @@
     </p:spTree>
     <p:extLst>
       <p:ext uri="{BB962C8B-B14F-4D97-AF65-F5344CB8AC3E}">
-        <p14:creationId xmlns:p14="http://schemas.microsoft.com/office/powerpoint/2010/main" val="3782898680"/>
+        <p14:creationId xmlns:p14="http://schemas.microsoft.com/office/powerpoint/2010/main" val="956808064"/>
       </p:ext>
     </p:extLst>
   </p:cSld>
@@ -4786,7 +5225,7 @@
         <p:spPr>
           <a:xfrm>
             <a:off x="231339" y="182031"/>
-            <a:ext cx="11782163" cy="369332"/>
+            <a:ext cx="11782163" cy="461665"/>
           </a:xfrm>
           <a:prstGeom prst="rect">
             <a:avLst/>
@@ -4800,7 +5239,7 @@
           <a:lstStyle/>
           <a:p>
             <a:r>
-              <a:rPr lang="en-US" altLang="ko-KR" dirty="0"/>
+              <a:rPr lang="en-US" altLang="ko-KR" sz="2400" dirty="0"/>
               <a:t>Show, Attend and Tell: Neural Image Caption Generation with Visual Attention</a:t>
             </a:r>
             <a:endParaRPr lang="ko-KR" altLang="en-US" sz="2400" dirty="0"/>
@@ -4821,8 +5260,8 @@
         </p:nvSpPr>
         <p:spPr>
           <a:xfrm>
-            <a:off x="231339" y="1106261"/>
-            <a:ext cx="11234057" cy="5215338"/>
+            <a:off x="231339" y="1560219"/>
+            <a:ext cx="11782163" cy="3368679"/>
           </a:xfrm>
           <a:prstGeom prst="rect">
             <a:avLst/>
@@ -4835,18 +5274,104 @@
           </a:bodyPr>
           <a:lstStyle/>
           <a:p>
-            <a:pPr>
+            <a:pPr marL="285750" indent="-285750">
               <a:lnSpc>
                 <a:spcPct val="150000"/>
               </a:lnSpc>
+              <a:buFont typeface="Arial" panose="020B0604020202020204" pitchFamily="34" charset="0"/>
+              <a:buChar char="•"/>
             </a:pPr>
+            <a:endParaRPr lang="en-US" altLang="ko-KR" sz="1600" dirty="0"/>
+          </a:p>
+          <a:p>
+            <a:pPr marL="285750" indent="-285750">
+              <a:lnSpc>
+                <a:spcPct val="150000"/>
+              </a:lnSpc>
+              <a:buFont typeface="Arial" panose="020B0604020202020204" pitchFamily="34" charset="0"/>
+              <a:buChar char="•"/>
+            </a:pPr>
             <a:r>
               <a:rPr lang="ko-KR" altLang="en-US" sz="1600" dirty="0"/>
-              <a:t>﻿저자</a:t>
+              <a:t>﻿</a:t>
             </a:r>
             <a:r>
               <a:rPr lang="en-US" altLang="ko-KR" sz="1600" dirty="0"/>
-              <a:t>~~</a:t>
+              <a:t>Xu </a:t>
+            </a:r>
+            <a:r>
+              <a:rPr lang="en-US" altLang="ko-KR" sz="1600" dirty="0" err="1"/>
+              <a:t>el</a:t>
+            </a:r>
+            <a:r>
+              <a:rPr lang="en-US" altLang="ko-KR" sz="1600" dirty="0"/>
+              <a:t> al, Show, Attend and Tell: Neural Image Caption Generation with Visual Attention, , ICML </a:t>
+            </a:r>
+            <a:r>
+              <a:rPr lang="en-US" altLang="ko-KR" sz="1600" b="0" i="0" dirty="0">
+                <a:solidFill>
+                  <a:srgbClr val="000000"/>
+                </a:solidFill>
+                <a:effectLst/>
+                <a:latin typeface="Malgun Gothic" panose="020B0503020000020004" pitchFamily="50" charset="-127"/>
+                <a:ea typeface="Malgun Gothic" panose="020B0503020000020004" pitchFamily="50" charset="-127"/>
+              </a:rPr>
+              <a:t>2015.</a:t>
+            </a:r>
+          </a:p>
+          <a:p>
+            <a:pPr marL="285750" indent="-285750">
+              <a:lnSpc>
+                <a:spcPct val="150000"/>
+              </a:lnSpc>
+              <a:buFont typeface="Arial" panose="020B0604020202020204" pitchFamily="34" charset="0"/>
+              <a:buChar char="•"/>
+            </a:pPr>
+            <a:r>
+              <a:rPr lang="ko-KR" altLang="en-US" sz="1600" dirty="0">
+                <a:solidFill>
+                  <a:srgbClr val="000000"/>
+                </a:solidFill>
+                <a:latin typeface="Malgun Gothic" panose="020B0503020000020004" pitchFamily="50" charset="-127"/>
+                <a:ea typeface="Malgun Gothic" panose="020B0503020000020004" pitchFamily="50" charset="-127"/>
+              </a:rPr>
+              <a:t>배경</a:t>
+            </a:r>
+            <a:r>
+              <a:rPr lang="en-US" altLang="ko-KR" sz="1600" dirty="0">
+                <a:solidFill>
+                  <a:srgbClr val="000000"/>
+                </a:solidFill>
+                <a:latin typeface="Malgun Gothic" panose="020B0503020000020004" pitchFamily="50" charset="-127"/>
+                <a:ea typeface="Malgun Gothic" panose="020B0503020000020004" pitchFamily="50" charset="-127"/>
+              </a:rPr>
+              <a:t>…</a:t>
+            </a:r>
+            <a:endParaRPr lang="en-US" altLang="ko-KR" sz="1600" dirty="0"/>
+          </a:p>
+          <a:p>
+            <a:pPr marL="285750" indent="-285750">
+              <a:lnSpc>
+                <a:spcPct val="150000"/>
+              </a:lnSpc>
+              <a:buFont typeface="Arial" panose="020B0604020202020204" pitchFamily="34" charset="0"/>
+              <a:buChar char="•"/>
+            </a:pPr>
+            <a:r>
+              <a:rPr lang="ko-KR" altLang="en-US" sz="1600" dirty="0"/>
+              <a:t>﻿전체 이미지를 동일한 비중으로 압축하는 대신</a:t>
+            </a:r>
+            <a:r>
+              <a:rPr lang="en-US" altLang="ko-KR" sz="1600" dirty="0"/>
+              <a:t>, attention</a:t>
+            </a:r>
+            <a:r>
+              <a:rPr lang="ko-KR" altLang="en-US" sz="1600" dirty="0"/>
+              <a:t>을 통해 필요에 따라 두드러진 특징을 동적으로 표시할 수 있다</a:t>
+            </a:r>
+            <a:r>
+              <a:rPr lang="en-US" altLang="ko-KR" sz="1600" dirty="0"/>
+              <a:t>.</a:t>
             </a:r>
           </a:p>
           <a:p>
@@ -4858,131 +5383,140 @@
             <a:endParaRPr lang="en-US" altLang="ko-KR" sz="1600" dirty="0"/>
           </a:p>
           <a:p>
-            <a:pPr>
+            <a:pPr marL="285750" indent="-285750">
               <a:lnSpc>
                 <a:spcPct val="150000"/>
               </a:lnSpc>
+              <a:buFont typeface="Arial" panose="020B0604020202020204" pitchFamily="34" charset="0"/>
+              <a:buChar char="•"/>
             </a:pPr>
             <a:r>
               <a:rPr lang="ko-KR" altLang="en-US" sz="1600" dirty="0"/>
-              <a:t>기계 번역 및 객체 감지 작업에서 영감을 받아 이미지 내용을 설명하는 방법을 자동으로 학습하는 주의 기반 모델을 소개</a:t>
+              <a:t>논문의 기여</a:t>
             </a:r>
             <a:endParaRPr lang="en-US" altLang="ko-KR" sz="1600" dirty="0"/>
           </a:p>
           <a:p>
-            <a:pPr>
+            <a:pPr marL="285750" indent="-285750">
               <a:lnSpc>
                 <a:spcPct val="150000"/>
               </a:lnSpc>
+              <a:buFontTx/>
+              <a:buChar char="-"/>
             </a:pPr>
             <a:r>
               <a:rPr lang="ko-KR" altLang="en-US" sz="1600" dirty="0"/>
-              <a:t>﻿이미지에 대한 캡션을 자동으로 생성</a:t>
-            </a:r>
-            <a:endParaRPr lang="en-US" altLang="ko-KR" sz="1600" dirty="0"/>
-          </a:p>
-          <a:p>
-            <a:pPr>
+              <a:t>두 가지 </a:t>
+            </a:r>
+            <a:r>
+              <a:rPr lang="en-US" altLang="ko-KR" sz="1600" dirty="0"/>
+              <a:t>attention based image</a:t>
+            </a:r>
+            <a:r>
+              <a:rPr lang="ko-KR" altLang="en-US" sz="1600" dirty="0"/>
+              <a:t> </a:t>
+            </a:r>
+            <a:r>
+              <a:rPr lang="en-US" altLang="ko-KR" sz="1600" dirty="0"/>
+              <a:t>caption</a:t>
+            </a:r>
+            <a:r>
+              <a:rPr lang="ko-KR" altLang="en-US" sz="1600" dirty="0"/>
+              <a:t> </a:t>
+            </a:r>
+            <a:r>
+              <a:rPr lang="en-US" altLang="ko-KR" sz="1600" dirty="0"/>
+              <a:t>generator</a:t>
+            </a:r>
+            <a:r>
+              <a:rPr lang="ko-KR" altLang="en-US" sz="1600" dirty="0"/>
+              <a:t>을 사용</a:t>
+            </a:r>
+            <a:r>
+              <a:rPr lang="en-US" altLang="ko-KR" sz="1600" dirty="0"/>
+              <a:t>.</a:t>
+            </a:r>
+          </a:p>
+          <a:p>
+            <a:pPr marL="285750" indent="-285750">
               <a:lnSpc>
                 <a:spcPct val="150000"/>
               </a:lnSpc>
+              <a:buFontTx/>
+              <a:buChar char="-"/>
             </a:pPr>
-            <a:endParaRPr lang="en-US" altLang="ko-KR" sz="1600" dirty="0"/>
-          </a:p>
-          <a:p>
-            <a:pPr>
+            <a:r>
+              <a:rPr lang="en-US" altLang="ko-KR" sz="1600" dirty="0"/>
+              <a:t>Attention</a:t>
+            </a:r>
+            <a:r>
+              <a:rPr lang="ko-KR" altLang="en-US" sz="1600" dirty="0"/>
+              <a:t>이 초점을 맞추는 </a:t>
+            </a:r>
+            <a:r>
+              <a:rPr lang="en-US" altLang="ko-KR" sz="1600" dirty="0"/>
+              <a:t>‘</a:t>
+            </a:r>
+            <a:r>
+              <a:rPr lang="ko-KR" altLang="en-US" sz="1600" dirty="0"/>
+              <a:t>시점</a:t>
+            </a:r>
+            <a:r>
+              <a:rPr lang="en-US" altLang="ko-KR" sz="1600" dirty="0"/>
+              <a:t>’</a:t>
+            </a:r>
+            <a:r>
+              <a:rPr lang="ko-KR" altLang="en-US" sz="1600" dirty="0"/>
+              <a:t>과 </a:t>
+            </a:r>
+            <a:r>
+              <a:rPr lang="en-US" altLang="ko-KR" sz="1600" dirty="0"/>
+              <a:t>‘</a:t>
+            </a:r>
+            <a:r>
+              <a:rPr lang="ko-KR" altLang="en-US" sz="1600" dirty="0"/>
+              <a:t>무엇</a:t>
+            </a:r>
+            <a:r>
+              <a:rPr lang="en-US" altLang="ko-KR" sz="1600" dirty="0"/>
+              <a:t>＇</a:t>
+            </a:r>
+            <a:r>
+              <a:rPr lang="ko-KR" altLang="en-US" sz="1600" dirty="0"/>
+              <a:t>을 시각화 하여 결과를 해석하고 어떻게 프레임워크가 학습하는지 보여준다</a:t>
+            </a:r>
+            <a:r>
+              <a:rPr lang="en-US" altLang="ko-KR" sz="1600" dirty="0"/>
+              <a:t>.</a:t>
+            </a:r>
+          </a:p>
+          <a:p>
+            <a:pPr marL="285750" indent="-285750">
               <a:lnSpc>
                 <a:spcPct val="150000"/>
               </a:lnSpc>
+              <a:buFontTx/>
+              <a:buChar char="-"/>
             </a:pPr>
             <a:r>
+              <a:rPr lang="ko-KR" altLang="en-US" sz="1600" dirty="0"/>
+              <a:t>세 가지 데이터셋</a:t>
+            </a:r>
+            <a:r>
               <a:rPr lang="en-US" altLang="ko-KR" sz="1600" dirty="0"/>
-              <a:t>Rather than compress an entire image into a static representation, attention allows for salient features to dynamically come to the forefront as needed. </a:t>
-            </a:r>
-          </a:p>
-          <a:p>
-            <a:pPr>
-              <a:lnSpc>
-                <a:spcPct val="150000"/>
-              </a:lnSpc>
-            </a:pPr>
-            <a:endParaRPr lang="en-US" altLang="ko-KR" sz="1600" dirty="0"/>
-          </a:p>
-          <a:p>
-            <a:pPr>
-              <a:lnSpc>
-                <a:spcPct val="150000"/>
-              </a:lnSpc>
-            </a:pPr>
+              <a:t>(Flickr9k, Flickr30k and MS COCO)</a:t>
+            </a:r>
             <a:r>
               <a:rPr lang="ko-KR" altLang="en-US" sz="1600" dirty="0"/>
-              <a:t>논문의 기여</a:t>
-            </a:r>
-            <a:endParaRPr lang="en-US" altLang="ko-KR" sz="1600" dirty="0"/>
-          </a:p>
-          <a:p>
-            <a:pPr>
-              <a:lnSpc>
-                <a:spcPct val="150000"/>
-              </a:lnSpc>
-            </a:pPr>
+              <a:t>으로 </a:t>
+            </a:r>
             <a:r>
               <a:rPr lang="en-US" altLang="ko-KR" sz="1600" dirty="0"/>
-              <a:t>We introduce two attention-based image caption </a:t>
-            </a:r>
-            <a:r>
-              <a:rPr lang="en-US" altLang="ko-KR" sz="1600" dirty="0" err="1"/>
-              <a:t>generator</a:t>
-            </a:r>
-            <a:r>
-              <a:rPr lang="en-US" altLang="ko-KR" sz="1600" dirty="0"/>
-              <a:t> : soft and hard attention mechanism</a:t>
-            </a:r>
-          </a:p>
-          <a:p>
-            <a:pPr>
-              <a:lnSpc>
-                <a:spcPct val="150000"/>
-              </a:lnSpc>
-            </a:pPr>
-            <a:r>
-              <a:rPr lang="en-US" altLang="ko-KR" sz="1600" dirty="0"/>
-              <a:t>We show how we can gain insight and interpret the results of this framework by visualizing “where” and “what” the attention focused on</a:t>
-            </a:r>
-          </a:p>
-          <a:p>
-            <a:pPr>
-              <a:lnSpc>
-                <a:spcPct val="150000"/>
-              </a:lnSpc>
-            </a:pPr>
+              <a:t>caption</a:t>
+            </a:r>
             <a:r>
               <a:rPr lang="ko-KR" altLang="en-US" sz="1600" dirty="0"/>
-              <a:t>﻿</a:t>
-            </a:r>
-            <a:r>
-              <a:rPr lang="en-US" altLang="ko-KR" sz="1600" dirty="0"/>
-              <a:t>three benchmark datasets: Flickr9k, Flickr30k and MS COCO</a:t>
-            </a:r>
-            <a:r>
-              <a:rPr lang="ko-KR" altLang="en-US" sz="1600" dirty="0"/>
-              <a:t>에서 최첨단 성능</a:t>
-            </a:r>
-            <a:r>
-              <a:rPr lang="en-US" altLang="ko-KR" sz="1600" dirty="0"/>
-              <a:t>(</a:t>
-            </a:r>
-            <a:r>
-              <a:rPr lang="ko-KR" altLang="en-US" sz="1600" dirty="0"/>
-              <a:t>섹션 </a:t>
-            </a:r>
-            <a:r>
-              <a:rPr lang="en-US" altLang="ko-KR" sz="1600" dirty="0"/>
-              <a:t>5.3)</a:t>
-            </a:r>
-            <a:r>
-              <a:rPr lang="ko-KR" altLang="en-US" sz="1600" dirty="0"/>
-              <a:t>으로 캡션 생성 시 주의 유용성을 정량적으로 검증</a:t>
+              <a:t> 생성 시 유용성을 정량적으로 검증</a:t>
             </a:r>
           </a:p>
         </p:txBody>
@@ -5141,20 +5675,7 @@
           <a:p>
             <a:r>
               <a:rPr lang="en-US" altLang="ko-KR" sz="2400" dirty="0"/>
-              <a:t>Image Caption Generation with Attention Mechanism </a:t>
-            </a:r>
-            <a:r>
-              <a:rPr lang="en-US" altLang="ko-KR" sz="2400" dirty="0">
-                <a:solidFill>
-                  <a:srgbClr val="333333"/>
-                </a:solidFill>
-                <a:latin typeface="맑은 고딕" panose="020B0503020000020004" pitchFamily="50" charset="-127"/>
-              </a:rPr>
-              <a:t>- </a:t>
-            </a:r>
-            <a:r>
-              <a:rPr lang="en-US" altLang="ko-KR" sz="2400" dirty="0"/>
-              <a:t>Model</a:t>
+              <a:t>Model - encoder</a:t>
             </a:r>
             <a:endParaRPr lang="ko-KR" altLang="en-US" sz="2400" dirty="0"/>
           </a:p>
@@ -5175,7 +5696,7 @@
         <p:spPr>
           <a:xfrm>
             <a:off x="231339" y="1055240"/>
-            <a:ext cx="11782163" cy="1154290"/>
+            <a:ext cx="11782163" cy="1523622"/>
           </a:xfrm>
           <a:prstGeom prst="rect">
             <a:avLst/>
@@ -5187,6 +5708,24 @@
             <a:spAutoFit/>
           </a:bodyPr>
           <a:lstStyle/>
+          <a:p>
+            <a:pPr>
+              <a:lnSpc>
+                <a:spcPct val="150000"/>
+              </a:lnSpc>
+            </a:pPr>
+            <a:r>
+              <a:rPr lang="en-US" altLang="ko-KR" sz="1600" dirty="0"/>
+              <a:t>Image Caption Generation with Attention Mechanism : encoder – decoder </a:t>
+            </a:r>
+            <a:endParaRPr lang="en-US" altLang="ko-KR" sz="1600" dirty="0">
+              <a:solidFill>
+                <a:srgbClr val="333333"/>
+              </a:solidFill>
+              <a:latin typeface="맑은 고딕" panose="020B0503020000020004" pitchFamily="50" charset="-127"/>
+              <a:ea typeface="맑은 고딕" panose="020B0503020000020004" pitchFamily="50" charset="-127"/>
+            </a:endParaRPr>
+          </a:p>
           <a:p>
             <a:pPr marL="285750" indent="-285750">
               <a:lnSpc>
@@ -5590,7 +6129,7 @@
             </a:r>
           </a:p>
           <a:p>
-            <a:pPr algn="just" eaLnBrk="0" fontAlgn="base" latinLnBrk="0" hangingPunct="0">
+            <a:pPr marL="285750" indent="-285750" algn="just" eaLnBrk="0" fontAlgn="base" latinLnBrk="0" hangingPunct="0">
               <a:lnSpc>
                 <a:spcPct val="150000"/>
               </a:lnSpc>
@@ -5600,36 +6139,191 @@
               <a:spcAft>
                 <a:spcPct val="0"/>
               </a:spcAft>
+              <a:buFontTx/>
+              <a:buChar char="-"/>
             </a:pPr>
             <a:r>
+              <a:rPr lang="ko-KR" altLang="en-US" sz="1600" dirty="0">
+                <a:latin typeface="맑은 고딕" panose="020B0503020000020004" pitchFamily="50" charset="-127"/>
+              </a:rPr>
+              <a:t>이미지의 특징을 </a:t>
+            </a:r>
+            <a:r>
               <a:rPr lang="en-US" altLang="ko-KR" sz="1600" dirty="0">
                 <a:latin typeface="맑은 고딕" panose="020B0503020000020004" pitchFamily="50" charset="-127"/>
               </a:rPr>
-              <a:t>-  </a:t>
+              <a:t>CNN</a:t>
             </a:r>
             <a:r>
               <a:rPr lang="ko-KR" altLang="en-US" sz="1600" dirty="0">
                 <a:latin typeface="맑은 고딕" panose="020B0503020000020004" pitchFamily="50" charset="-127"/>
               </a:rPr>
-              <a:t>이미지의 특징을 추출하기위해 </a:t>
+              <a:t> 하위 </a:t>
             </a:r>
             <a:r>
               <a:rPr lang="en-US" altLang="ko-KR" sz="1600" dirty="0">
                 <a:latin typeface="맑은 고딕" panose="020B0503020000020004" pitchFamily="50" charset="-127"/>
               </a:rPr>
-              <a:t>CNN</a:t>
+              <a:t>layer</a:t>
             </a:r>
             <a:r>
               <a:rPr lang="ko-KR" altLang="en-US" sz="1600" dirty="0">
                 <a:latin typeface="맑은 고딕" panose="020B0503020000020004" pitchFamily="50" charset="-127"/>
               </a:rPr>
-              <a:t>을 사용한다</a:t>
+              <a:t>에서</a:t>
             </a:r>
             <a:r>
               <a:rPr lang="en-US" altLang="ko-KR" sz="1600" dirty="0">
                 <a:latin typeface="맑은 고딕" panose="020B0503020000020004" pitchFamily="50" charset="-127"/>
               </a:rPr>
+              <a:t> </a:t>
+            </a:r>
+            <a:r>
+              <a:rPr lang="ko-KR" altLang="en-US" sz="1600" dirty="0">
+                <a:latin typeface="맑은 고딕" panose="020B0503020000020004" pitchFamily="50" charset="-127"/>
+              </a:rPr>
+              <a:t>추출</a:t>
+            </a:r>
+            <a:r>
+              <a:rPr lang="en-US" altLang="ko-KR" sz="1600" dirty="0">
+                <a:latin typeface="맑은 고딕" panose="020B0503020000020004" pitchFamily="50" charset="-127"/>
+              </a:rPr>
               <a:t>.</a:t>
+            </a:r>
+          </a:p>
+          <a:p>
+            <a:pPr marL="285750" indent="-285750" algn="just" eaLnBrk="0" fontAlgn="base" latinLnBrk="0" hangingPunct="0">
+              <a:lnSpc>
+                <a:spcPct val="150000"/>
+              </a:lnSpc>
+              <a:spcBef>
+                <a:spcPct val="0"/>
+              </a:spcBef>
+              <a:spcAft>
+                <a:spcPct val="0"/>
+              </a:spcAft>
+              <a:buFontTx/>
+              <a:buChar char="-"/>
+            </a:pPr>
+            <a:r>
+              <a:rPr lang="ko-KR" altLang="ko-KR" sz="1600" dirty="0">
+                <a:solidFill>
+                  <a:srgbClr val="333333"/>
+                </a:solidFill>
+                <a:latin typeface="맑은 고딕" panose="020B0503020000020004" pitchFamily="50" charset="-127"/>
+                <a:ea typeface="맑은 고딕" panose="020B0503020000020004" pitchFamily="50" charset="-127"/>
+              </a:rPr>
+              <a:t>이미지를 </a:t>
+            </a:r>
+            <a:r>
+              <a:rPr lang="ko-KR" altLang="ko-KR" sz="1600" dirty="0" err="1">
+                <a:solidFill>
+                  <a:srgbClr val="333333"/>
+                </a:solidFill>
+                <a:latin typeface="맑은 고딕" panose="020B0503020000020004" pitchFamily="50" charset="-127"/>
+                <a:ea typeface="맑은 고딕" panose="020B0503020000020004" pitchFamily="50" charset="-127"/>
+              </a:rPr>
+              <a:t>input으로</a:t>
+            </a:r>
+            <a:r>
+              <a:rPr lang="ko-KR" altLang="ko-KR" sz="1600" dirty="0">
+                <a:solidFill>
+                  <a:srgbClr val="333333"/>
+                </a:solidFill>
+                <a:latin typeface="맑은 고딕" panose="020B0503020000020004" pitchFamily="50" charset="-127"/>
+                <a:ea typeface="맑은 고딕" panose="020B0503020000020004" pitchFamily="50" charset="-127"/>
+              </a:rPr>
+              <a:t> 받아, </a:t>
+            </a:r>
+            <a:r>
+              <a:rPr lang="ko-KR" altLang="ko-KR" sz="1600" dirty="0" err="1">
+                <a:solidFill>
+                  <a:srgbClr val="333333"/>
+                </a:solidFill>
+                <a:latin typeface="맑은 고딕" panose="020B0503020000020004" pitchFamily="50" charset="-127"/>
+                <a:ea typeface="맑은 고딕" panose="020B0503020000020004" pitchFamily="50" charset="-127"/>
+              </a:rPr>
+              <a:t>output으로</a:t>
+            </a:r>
+            <a:r>
+              <a:rPr lang="ko-KR" altLang="ko-KR" sz="1600" dirty="0">
+                <a:solidFill>
+                  <a:srgbClr val="333333"/>
+                </a:solidFill>
+                <a:latin typeface="맑은 고딕" panose="020B0503020000020004" pitchFamily="50" charset="-127"/>
+                <a:ea typeface="맑은 고딕" panose="020B0503020000020004" pitchFamily="50" charset="-127"/>
+              </a:rPr>
+              <a:t> </a:t>
+            </a:r>
+            <a:r>
+              <a:rPr lang="ko-KR" altLang="ko-KR" sz="1600" dirty="0" err="1">
+                <a:solidFill>
+                  <a:srgbClr val="333333"/>
+                </a:solidFill>
+                <a:latin typeface="맑은 고딕" panose="020B0503020000020004" pitchFamily="50" charset="-127"/>
+                <a:ea typeface="맑은 고딕" panose="020B0503020000020004" pitchFamily="50" charset="-127"/>
+              </a:rPr>
+              <a:t>feature</a:t>
+            </a:r>
+            <a:r>
+              <a:rPr lang="ko-KR" altLang="ko-KR" sz="1600" dirty="0">
+                <a:solidFill>
+                  <a:srgbClr val="333333"/>
+                </a:solidFill>
+                <a:latin typeface="맑은 고딕" panose="020B0503020000020004" pitchFamily="50" charset="-127"/>
+                <a:ea typeface="맑은 고딕" panose="020B0503020000020004" pitchFamily="50" charset="-127"/>
+              </a:rPr>
+              <a:t> </a:t>
+            </a:r>
+            <a:r>
+              <a:rPr lang="ko-KR" altLang="ko-KR" sz="1600" dirty="0" err="1">
+                <a:solidFill>
+                  <a:srgbClr val="333333"/>
+                </a:solidFill>
+                <a:latin typeface="맑은 고딕" panose="020B0503020000020004" pitchFamily="50" charset="-127"/>
+                <a:ea typeface="맑은 고딕" panose="020B0503020000020004" pitchFamily="50" charset="-127"/>
+              </a:rPr>
+              <a:t>vector</a:t>
+            </a:r>
+            <a:r>
+              <a:rPr lang="ko-KR" altLang="ko-KR" sz="1600" dirty="0">
+                <a:solidFill>
+                  <a:srgbClr val="333333"/>
+                </a:solidFill>
+                <a:latin typeface="맑은 고딕" panose="020B0503020000020004" pitchFamily="50" charset="-127"/>
+                <a:ea typeface="맑은 고딕" panose="020B0503020000020004" pitchFamily="50" charset="-127"/>
+              </a:rPr>
+              <a:t> </a:t>
+            </a:r>
+            <a:r>
+              <a:rPr lang="en-US" altLang="ko-KR" sz="1600" dirty="0">
+                <a:solidFill>
+                  <a:srgbClr val="333333"/>
+                </a:solidFill>
+                <a:latin typeface="맑은 고딕" panose="020B0503020000020004" pitchFamily="50" charset="-127"/>
+                <a:ea typeface="맑은 고딕" panose="020B0503020000020004" pitchFamily="50" charset="-127"/>
+              </a:rPr>
+              <a:t>a</a:t>
+            </a:r>
+            <a:r>
+              <a:rPr lang="ko-KR" altLang="ko-KR" sz="1600" dirty="0">
+                <a:solidFill>
+                  <a:srgbClr val="333333"/>
+                </a:solidFill>
+                <a:latin typeface="맑은 고딕" panose="020B0503020000020004" pitchFamily="50" charset="-127"/>
+                <a:ea typeface="맑은 고딕" panose="020B0503020000020004" pitchFamily="50" charset="-127"/>
+              </a:rPr>
+              <a:t>를 내보낸다</a:t>
+            </a:r>
+            <a:r>
+              <a:rPr lang="en-US" altLang="ko-KR" sz="1600" dirty="0">
+                <a:solidFill>
+                  <a:srgbClr val="333333"/>
+                </a:solidFill>
+                <a:latin typeface="맑은 고딕" panose="020B0503020000020004" pitchFamily="50" charset="-127"/>
+                <a:ea typeface="맑은 고딕" panose="020B0503020000020004" pitchFamily="50" charset="-127"/>
+              </a:rPr>
+              <a:t>. </a:t>
             </a:r>
           </a:p>
           <a:p>
@@ -5647,47 +6341,7 @@
               <a:buChar char="-"/>
             </a:pPr>
             <a:r>
-              <a:rPr lang="ko-KR" altLang="ko-KR" sz="1600" dirty="0">
-                <a:solidFill>
-                  <a:srgbClr val="333333"/>
-                </a:solidFill>
-                <a:latin typeface="맑은 고딕" panose="020B0503020000020004" pitchFamily="50" charset="-127"/>
-                <a:ea typeface="맑은 고딕" panose="020B0503020000020004" pitchFamily="50" charset="-127"/>
-              </a:rPr>
-              <a:t>이미지를 </a:t>
-            </a:r>
-            <a:r>
-              <a:rPr lang="ko-KR" altLang="ko-KR" sz="1600" dirty="0" err="1">
-                <a:solidFill>
-                  <a:srgbClr val="333333"/>
-                </a:solidFill>
-                <a:latin typeface="맑은 고딕" panose="020B0503020000020004" pitchFamily="50" charset="-127"/>
-                <a:ea typeface="맑은 고딕" panose="020B0503020000020004" pitchFamily="50" charset="-127"/>
-              </a:rPr>
-              <a:t>input으로</a:t>
-            </a:r>
-            <a:r>
-              <a:rPr lang="ko-KR" altLang="ko-KR" sz="1600" dirty="0">
-                <a:solidFill>
-                  <a:srgbClr val="333333"/>
-                </a:solidFill>
-                <a:latin typeface="맑은 고딕" panose="020B0503020000020004" pitchFamily="50" charset="-127"/>
-                <a:ea typeface="맑은 고딕" panose="020B0503020000020004" pitchFamily="50" charset="-127"/>
-              </a:rPr>
-              <a:t> 받아, </a:t>
-            </a:r>
-            <a:r>
-              <a:rPr lang="ko-KR" altLang="ko-KR" sz="1600" dirty="0" err="1">
-                <a:solidFill>
-                  <a:srgbClr val="333333"/>
-                </a:solidFill>
-                <a:latin typeface="맑은 고딕" panose="020B0503020000020004" pitchFamily="50" charset="-127"/>
-                <a:ea typeface="맑은 고딕" panose="020B0503020000020004" pitchFamily="50" charset="-127"/>
-              </a:rPr>
-              <a:t>output으로</a:t>
-            </a:r>
-            <a:r>
-              <a:rPr lang="ko-KR" altLang="ko-KR" sz="1600" dirty="0">
+              <a:rPr lang="ko-KR" altLang="en-US" sz="1600" dirty="0">
                 <a:solidFill>
                   <a:srgbClr val="333333"/>
                 </a:solidFill>
@@ -5695,111 +6349,6 @@
                 <a:ea typeface="맑은 고딕" panose="020B0503020000020004" pitchFamily="50" charset="-127"/>
               </a:rPr>
               <a:t> </a:t>
-            </a:r>
-            <a:r>
-              <a:rPr lang="ko-KR" altLang="ko-KR" sz="1600" dirty="0" err="1">
-                <a:solidFill>
-                  <a:srgbClr val="333333"/>
-                </a:solidFill>
-                <a:latin typeface="맑은 고딕" panose="020B0503020000020004" pitchFamily="50" charset="-127"/>
-                <a:ea typeface="맑은 고딕" panose="020B0503020000020004" pitchFamily="50" charset="-127"/>
-              </a:rPr>
-              <a:t>feature</a:t>
-            </a:r>
-            <a:r>
-              <a:rPr lang="ko-KR" altLang="ko-KR" sz="1600" dirty="0">
-                <a:solidFill>
-                  <a:srgbClr val="333333"/>
-                </a:solidFill>
-                <a:latin typeface="맑은 고딕" panose="020B0503020000020004" pitchFamily="50" charset="-127"/>
-                <a:ea typeface="맑은 고딕" panose="020B0503020000020004" pitchFamily="50" charset="-127"/>
-              </a:rPr>
-              <a:t> </a:t>
-            </a:r>
-            <a:r>
-              <a:rPr lang="ko-KR" altLang="ko-KR" sz="1600" dirty="0" err="1">
-                <a:solidFill>
-                  <a:srgbClr val="333333"/>
-                </a:solidFill>
-                <a:latin typeface="맑은 고딕" panose="020B0503020000020004" pitchFamily="50" charset="-127"/>
-                <a:ea typeface="맑은 고딕" panose="020B0503020000020004" pitchFamily="50" charset="-127"/>
-              </a:rPr>
-              <a:t>vector</a:t>
-            </a:r>
-            <a:r>
-              <a:rPr lang="ko-KR" altLang="ko-KR" sz="1600" dirty="0">
-                <a:solidFill>
-                  <a:srgbClr val="333333"/>
-                </a:solidFill>
-                <a:latin typeface="맑은 고딕" panose="020B0503020000020004" pitchFamily="50" charset="-127"/>
-                <a:ea typeface="맑은 고딕" panose="020B0503020000020004" pitchFamily="50" charset="-127"/>
-              </a:rPr>
-              <a:t> </a:t>
-            </a:r>
-            <a:r>
-              <a:rPr lang="en-US" altLang="ko-KR" sz="1600" dirty="0">
-                <a:solidFill>
-                  <a:srgbClr val="333333"/>
-                </a:solidFill>
-                <a:latin typeface="맑은 고딕" panose="020B0503020000020004" pitchFamily="50" charset="-127"/>
-                <a:ea typeface="맑은 고딕" panose="020B0503020000020004" pitchFamily="50" charset="-127"/>
-              </a:rPr>
-              <a:t>a</a:t>
-            </a:r>
-            <a:r>
-              <a:rPr lang="ko-KR" altLang="ko-KR" sz="1600" dirty="0">
-                <a:solidFill>
-                  <a:srgbClr val="333333"/>
-                </a:solidFill>
-                <a:latin typeface="맑은 고딕" panose="020B0503020000020004" pitchFamily="50" charset="-127"/>
-                <a:ea typeface="맑은 고딕" panose="020B0503020000020004" pitchFamily="50" charset="-127"/>
-              </a:rPr>
-              <a:t>를 내보낸다</a:t>
-            </a:r>
-            <a:r>
-              <a:rPr lang="en-US" altLang="ko-KR" sz="1600" dirty="0">
-                <a:solidFill>
-                  <a:srgbClr val="333333"/>
-                </a:solidFill>
-                <a:latin typeface="맑은 고딕" panose="020B0503020000020004" pitchFamily="50" charset="-127"/>
-                <a:ea typeface="맑은 고딕" panose="020B0503020000020004" pitchFamily="50" charset="-127"/>
-              </a:rPr>
-              <a:t>. </a:t>
-            </a:r>
-          </a:p>
-          <a:p>
-            <a:pPr marL="285750" lvl="0" indent="-285750" algn="just" eaLnBrk="0" fontAlgn="base" latinLnBrk="0" hangingPunct="0">
-              <a:lnSpc>
-                <a:spcPct val="150000"/>
-              </a:lnSpc>
-              <a:spcBef>
-                <a:spcPct val="0"/>
-              </a:spcBef>
-              <a:spcAft>
-                <a:spcPct val="0"/>
-              </a:spcAft>
-              <a:buFontTx/>
-              <a:buChar char="-"/>
-            </a:pPr>
-            <a:r>
-              <a:rPr lang="en-US" altLang="ko-KR" sz="1600" dirty="0">
-                <a:solidFill>
-                  <a:srgbClr val="333333"/>
-                </a:solidFill>
-                <a:latin typeface="맑은 고딕" panose="020B0503020000020004" pitchFamily="50" charset="-127"/>
-                <a:ea typeface="맑은 고딕" panose="020B0503020000020004" pitchFamily="50" charset="-127"/>
-              </a:rPr>
-              <a:t>extractor</a:t>
-            </a:r>
-            <a:r>
-              <a:rPr lang="ko-KR" altLang="en-US" sz="1600" dirty="0">
-                <a:solidFill>
-                  <a:srgbClr val="333333"/>
-                </a:solidFill>
-                <a:latin typeface="맑은 고딕" panose="020B0503020000020004" pitchFamily="50" charset="-127"/>
-                <a:ea typeface="맑은 고딕" panose="020B0503020000020004" pitchFamily="50" charset="-127"/>
-              </a:rPr>
-              <a:t>는 </a:t>
             </a:r>
             <a:r>
               <a:rPr lang="en-US" altLang="ko-KR" sz="1600" dirty="0">
@@ -6234,20 +6783,7 @@
           <a:p>
             <a:r>
               <a:rPr lang="en-US" altLang="ko-KR" sz="2400" dirty="0"/>
-              <a:t>Image Caption Generation with Attention Mechanism </a:t>
-            </a:r>
-            <a:r>
-              <a:rPr lang="en-US" altLang="ko-KR" sz="2400" dirty="0">
-                <a:solidFill>
-                  <a:srgbClr val="333333"/>
-                </a:solidFill>
-                <a:latin typeface="맑은 고딕" panose="020B0503020000020004" pitchFamily="50" charset="-127"/>
-              </a:rPr>
-              <a:t>- </a:t>
-            </a:r>
-            <a:r>
-              <a:rPr lang="en-US" altLang="ko-KR" sz="2400" dirty="0"/>
-              <a:t>Model</a:t>
+              <a:t>Model - decoder</a:t>
             </a:r>
             <a:endParaRPr lang="ko-KR" altLang="en-US" sz="2400" dirty="0"/>
           </a:p>
@@ -6268,7 +6804,7 @@
         <p:spPr>
           <a:xfrm>
             <a:off x="231338" y="1007762"/>
-            <a:ext cx="11782163" cy="3738011"/>
+            <a:ext cx="11782163" cy="4846007"/>
           </a:xfrm>
           <a:prstGeom prst="rect">
             <a:avLst/>
@@ -6288,12 +6824,81 @@
               <a:buFont typeface="Arial" panose="020B0604020202020204" pitchFamily="34" charset="0"/>
               <a:buChar char="•"/>
             </a:pPr>
+            <a:endParaRPr lang="en-US" altLang="ko-KR" sz="1600" dirty="0">
+              <a:latin typeface="맑은 고딕" panose="020B0503020000020004" pitchFamily="50" charset="-127"/>
+              <a:ea typeface="맑은 고딕" panose="020B0503020000020004" pitchFamily="50" charset="-127"/>
+            </a:endParaRPr>
+          </a:p>
+          <a:p>
+            <a:pPr marL="285750" indent="-285750">
+              <a:lnSpc>
+                <a:spcPct val="150000"/>
+              </a:lnSpc>
+              <a:buFont typeface="Arial" panose="020B0604020202020204" pitchFamily="34" charset="0"/>
+              <a:buChar char="•"/>
+            </a:pPr>
             <a:r>
               <a:rPr lang="en-US" altLang="ko-KR" sz="1600" dirty="0">
                 <a:latin typeface="맑은 고딕" panose="020B0503020000020004" pitchFamily="50" charset="-127"/>
                 <a:ea typeface="맑은 고딕" panose="020B0503020000020004" pitchFamily="50" charset="-127"/>
               </a:rPr>
               <a:t>DECODER: LONG SHORT-TERM MEMORY NETWORK</a:t>
+            </a:r>
+          </a:p>
+          <a:p>
+            <a:pPr>
+              <a:lnSpc>
+                <a:spcPct val="150000"/>
+              </a:lnSpc>
+            </a:pPr>
+            <a:r>
+              <a:rPr lang="en-US" altLang="ko-KR" sz="1600" dirty="0">
+                <a:latin typeface="맑은 고딕" panose="020B0503020000020004" pitchFamily="50" charset="-127"/>
+                <a:ea typeface="맑은 고딕" panose="020B0503020000020004" pitchFamily="50" charset="-127"/>
+              </a:rPr>
+              <a:t> - LSTM </a:t>
+            </a:r>
+            <a:r>
+              <a:rPr lang="ko-KR" altLang="en-US" sz="1600" dirty="0">
+                <a:latin typeface="맑은 고딕" panose="020B0503020000020004" pitchFamily="50" charset="-127"/>
+                <a:ea typeface="맑은 고딕" panose="020B0503020000020004" pitchFamily="50" charset="-127"/>
+              </a:rPr>
+              <a:t>초기 값은 </a:t>
+            </a:r>
+            <a:r>
+              <a:rPr lang="en-US" altLang="ko-KR" sz="1600" dirty="0">
+                <a:latin typeface="맑은 고딕" panose="020B0503020000020004" pitchFamily="50" charset="-127"/>
+                <a:ea typeface="맑은 고딕" panose="020B0503020000020004" pitchFamily="50" charset="-127"/>
+              </a:rPr>
+              <a:t>feature vector</a:t>
+            </a:r>
+            <a:r>
+              <a:rPr lang="ko-KR" altLang="en-US" sz="1600" dirty="0">
+                <a:latin typeface="맑은 고딕" panose="020B0503020000020004" pitchFamily="50" charset="-127"/>
+                <a:ea typeface="맑은 고딕" panose="020B0503020000020004" pitchFamily="50" charset="-127"/>
+              </a:rPr>
+              <a:t>의</a:t>
+            </a:r>
+            <a:r>
+              <a:rPr lang="en-US" altLang="ko-KR" sz="1600" dirty="0">
+                <a:latin typeface="맑은 고딕" panose="020B0503020000020004" pitchFamily="50" charset="-127"/>
+                <a:ea typeface="맑은 고딕" panose="020B0503020000020004" pitchFamily="50" charset="-127"/>
+              </a:rPr>
+              <a:t> </a:t>
+            </a:r>
+            <a:r>
+              <a:rPr lang="ko-KR" altLang="en-US" sz="1600" dirty="0">
+                <a:latin typeface="맑은 고딕" panose="020B0503020000020004" pitchFamily="50" charset="-127"/>
+                <a:ea typeface="맑은 고딕" panose="020B0503020000020004" pitchFamily="50" charset="-127"/>
+              </a:rPr>
+              <a:t>평균값</a:t>
+            </a:r>
+            <a:r>
+              <a:rPr lang="en-US" altLang="ko-KR" sz="1600" dirty="0">
+                <a:latin typeface="맑은 고딕" panose="020B0503020000020004" pitchFamily="50" charset="-127"/>
+                <a:ea typeface="맑은 고딕" panose="020B0503020000020004" pitchFamily="50" charset="-127"/>
+              </a:rPr>
+              <a:t>.</a:t>
             </a:r>
           </a:p>
           <a:p>
@@ -6305,19 +6910,192 @@
               <a:buChar char="-"/>
             </a:pPr>
             <a:r>
-              <a:rPr lang="en-US" altLang="ko-KR" sz="1600" dirty="0" err="1">
-                <a:latin typeface="맑은 고딕" panose="020B0503020000020004" pitchFamily="50" charset="-127"/>
-                <a:ea typeface="맑은 고딕" panose="020B0503020000020004" pitchFamily="50" charset="-127"/>
-              </a:rPr>
-              <a:t>i</a:t>
-            </a:r>
-            <a:r>
-              <a:rPr lang="en-US" altLang="ko-KR" sz="1600" dirty="0">
-                <a:latin typeface="맑은 고딕" panose="020B0503020000020004" pitchFamily="50" charset="-127"/>
-                <a:ea typeface="맑은 고딕" panose="020B0503020000020004" pitchFamily="50" charset="-127"/>
-              </a:rPr>
-              <a:t> : / o : / c : / f :</a:t>
-            </a:r>
+              <a:rPr lang="ko-KR" altLang="ko-KR" sz="1600" dirty="0" err="1">
+                <a:solidFill>
+                  <a:srgbClr val="333333"/>
+                </a:solidFill>
+                <a:latin typeface="맑은 고딕" panose="020B0503020000020004" pitchFamily="50" charset="-127"/>
+                <a:ea typeface="맑은 고딕" panose="020B0503020000020004" pitchFamily="50" charset="-127"/>
+              </a:rPr>
+              <a:t>LSTM은</a:t>
+            </a:r>
+            <a:r>
+              <a:rPr lang="ko-KR" altLang="ko-KR" sz="1600" dirty="0">
+                <a:solidFill>
+                  <a:srgbClr val="333333"/>
+                </a:solidFill>
+                <a:latin typeface="맑은 고딕" panose="020B0503020000020004" pitchFamily="50" charset="-127"/>
+                <a:ea typeface="맑은 고딕" panose="020B0503020000020004" pitchFamily="50" charset="-127"/>
+              </a:rPr>
+              <a:t> 매 </a:t>
+            </a:r>
+            <a:r>
+              <a:rPr lang="ko-KR" altLang="ko-KR" sz="1600" dirty="0" err="1">
+                <a:solidFill>
+                  <a:srgbClr val="333333"/>
+                </a:solidFill>
+                <a:latin typeface="맑은 고딕" panose="020B0503020000020004" pitchFamily="50" charset="-127"/>
+                <a:ea typeface="맑은 고딕" panose="020B0503020000020004" pitchFamily="50" charset="-127"/>
+              </a:rPr>
+              <a:t>time</a:t>
+            </a:r>
+            <a:r>
+              <a:rPr lang="ko-KR" altLang="ko-KR" sz="1600" dirty="0">
+                <a:solidFill>
+                  <a:srgbClr val="333333"/>
+                </a:solidFill>
+                <a:latin typeface="맑은 고딕" panose="020B0503020000020004" pitchFamily="50" charset="-127"/>
+                <a:ea typeface="맑은 고딕" panose="020B0503020000020004" pitchFamily="50" charset="-127"/>
+              </a:rPr>
+              <a:t> </a:t>
+            </a:r>
+            <a:r>
+              <a:rPr lang="ko-KR" altLang="ko-KR" sz="1600" dirty="0" err="1">
+                <a:solidFill>
+                  <a:srgbClr val="333333"/>
+                </a:solidFill>
+                <a:latin typeface="맑은 고딕" panose="020B0503020000020004" pitchFamily="50" charset="-127"/>
+                <a:ea typeface="맑은 고딕" panose="020B0503020000020004" pitchFamily="50" charset="-127"/>
+              </a:rPr>
+              <a:t>stamp</a:t>
+            </a:r>
+            <a:r>
+              <a:rPr lang="ko-KR" altLang="ko-KR" sz="1600" dirty="0">
+                <a:solidFill>
+                  <a:srgbClr val="333333"/>
+                </a:solidFill>
+                <a:latin typeface="맑은 고딕" panose="020B0503020000020004" pitchFamily="50" charset="-127"/>
+                <a:ea typeface="맑은 고딕" panose="020B0503020000020004" pitchFamily="50" charset="-127"/>
+              </a:rPr>
+              <a:t> </a:t>
+            </a:r>
+            <a:r>
+              <a:rPr lang="ko-KR" altLang="ko-KR" sz="1600" dirty="0" err="1">
+                <a:solidFill>
+                  <a:srgbClr val="333333"/>
+                </a:solidFill>
+                <a:latin typeface="맑은 고딕" panose="020B0503020000020004" pitchFamily="50" charset="-127"/>
+                <a:ea typeface="맑은 고딕" panose="020B0503020000020004" pitchFamily="50" charset="-127"/>
+              </a:rPr>
+              <a:t>t</a:t>
+            </a:r>
+            <a:r>
+              <a:rPr lang="ko-KR" altLang="ko-KR" sz="1600" dirty="0">
+                <a:solidFill>
+                  <a:srgbClr val="333333"/>
+                </a:solidFill>
+                <a:latin typeface="맑은 고딕" panose="020B0503020000020004" pitchFamily="50" charset="-127"/>
+                <a:ea typeface="맑은 고딕" panose="020B0503020000020004" pitchFamily="50" charset="-127"/>
+              </a:rPr>
+              <a:t> 마다 </a:t>
+            </a:r>
+            <a:r>
+              <a:rPr lang="ko-KR" altLang="ko-KR" sz="1600" dirty="0" err="1">
+                <a:solidFill>
+                  <a:srgbClr val="333333"/>
+                </a:solidFill>
+                <a:latin typeface="맑은 고딕" panose="020B0503020000020004" pitchFamily="50" charset="-127"/>
+                <a:ea typeface="맑은 고딕" panose="020B0503020000020004" pitchFamily="50" charset="-127"/>
+              </a:rPr>
+              <a:t>caption</a:t>
+            </a:r>
+            <a:r>
+              <a:rPr lang="ko-KR" altLang="ko-KR" sz="1600" dirty="0">
+                <a:solidFill>
+                  <a:srgbClr val="333333"/>
+                </a:solidFill>
+                <a:latin typeface="맑은 고딕" panose="020B0503020000020004" pitchFamily="50" charset="-127"/>
+                <a:ea typeface="맑은 고딕" panose="020B0503020000020004" pitchFamily="50" charset="-127"/>
+              </a:rPr>
+              <a:t> </a:t>
+            </a:r>
+            <a:r>
+              <a:rPr lang="ko-KR" altLang="ko-KR" sz="1600" dirty="0" err="1">
+                <a:solidFill>
+                  <a:srgbClr val="333333"/>
+                </a:solidFill>
+                <a:latin typeface="맑은 고딕" panose="020B0503020000020004" pitchFamily="50" charset="-127"/>
+                <a:ea typeface="맑은 고딕" panose="020B0503020000020004" pitchFamily="50" charset="-127"/>
+              </a:rPr>
+              <a:t>vector</a:t>
+            </a:r>
+            <a:r>
+              <a:rPr lang="ko-KR" altLang="ko-KR" sz="1600" dirty="0">
+                <a:solidFill>
+                  <a:srgbClr val="333333"/>
+                </a:solidFill>
+                <a:latin typeface="맑은 고딕" panose="020B0503020000020004" pitchFamily="50" charset="-127"/>
+                <a:ea typeface="맑은 고딕" panose="020B0503020000020004" pitchFamily="50" charset="-127"/>
+              </a:rPr>
+              <a:t> </a:t>
+            </a:r>
+            <a:r>
+              <a:rPr lang="ko-KR" altLang="ko-KR" sz="1600" dirty="0" err="1">
+                <a:solidFill>
+                  <a:srgbClr val="333333"/>
+                </a:solidFill>
+                <a:latin typeface="맑은 고딕" panose="020B0503020000020004" pitchFamily="50" charset="-127"/>
+                <a:ea typeface="맑은 고딕" panose="020B0503020000020004" pitchFamily="50" charset="-127"/>
+              </a:rPr>
+              <a:t>y의</a:t>
+            </a:r>
+            <a:r>
+              <a:rPr lang="ko-KR" altLang="ko-KR" sz="1600" dirty="0">
+                <a:solidFill>
+                  <a:srgbClr val="333333"/>
+                </a:solidFill>
+                <a:latin typeface="맑은 고딕" panose="020B0503020000020004" pitchFamily="50" charset="-127"/>
+                <a:ea typeface="맑은 고딕" panose="020B0503020000020004" pitchFamily="50" charset="-127"/>
+              </a:rPr>
+              <a:t> 한 </a:t>
+            </a:r>
+            <a:r>
+              <a:rPr lang="ko-KR" altLang="en-US" sz="1600" dirty="0">
+                <a:solidFill>
+                  <a:srgbClr val="333333"/>
+                </a:solidFill>
+                <a:latin typeface="맑은 고딕" panose="020B0503020000020004" pitchFamily="50" charset="-127"/>
+                <a:ea typeface="맑은 고딕" panose="020B0503020000020004" pitchFamily="50" charset="-127"/>
+              </a:rPr>
+              <a:t>요소</a:t>
+            </a:r>
+            <a:r>
+              <a:rPr lang="ko-KR" altLang="ko-KR" sz="1600" dirty="0">
+                <a:solidFill>
+                  <a:srgbClr val="333333"/>
+                </a:solidFill>
+                <a:latin typeface="맑은 고딕" panose="020B0503020000020004" pitchFamily="50" charset="-127"/>
+                <a:ea typeface="맑은 고딕" panose="020B0503020000020004" pitchFamily="50" charset="-127"/>
+              </a:rPr>
+              <a:t> </a:t>
+            </a:r>
+            <a:r>
+              <a:rPr lang="ko-KR" altLang="ko-KR" sz="1600" dirty="0" err="1">
+                <a:solidFill>
+                  <a:srgbClr val="333333"/>
+                </a:solidFill>
+                <a:latin typeface="맑은 고딕" panose="020B0503020000020004" pitchFamily="50" charset="-127"/>
+                <a:ea typeface="맑은 고딕" panose="020B0503020000020004" pitchFamily="50" charset="-127"/>
+              </a:rPr>
+              <a:t>yt를</a:t>
+            </a:r>
+            <a:r>
+              <a:rPr lang="ko-KR" altLang="ko-KR" sz="1600" dirty="0">
+                <a:solidFill>
+                  <a:srgbClr val="333333"/>
+                </a:solidFill>
+                <a:latin typeface="맑은 고딕" panose="020B0503020000020004" pitchFamily="50" charset="-127"/>
+                <a:ea typeface="맑은 고딕" panose="020B0503020000020004" pitchFamily="50" charset="-127"/>
+              </a:rPr>
+              <a:t> 생성한다.</a:t>
+            </a:r>
+            <a:endParaRPr lang="en-US" altLang="ko-KR" sz="1600" dirty="0">
+              <a:solidFill>
+                <a:srgbClr val="333333"/>
+              </a:solidFill>
+              <a:latin typeface="맑은 고딕" panose="020B0503020000020004" pitchFamily="50" charset="-127"/>
+              <a:ea typeface="맑은 고딕" panose="020B0503020000020004" pitchFamily="50" charset="-127"/>
+            </a:endParaRPr>
           </a:p>
           <a:p>
             <a:pPr marL="285750" indent="-285750">
@@ -6328,19 +7106,460 @@
               <a:buChar char="-"/>
             </a:pPr>
             <a:r>
+              <a:rPr lang="ko-KR" altLang="ko-KR" sz="1600" dirty="0">
+                <a:solidFill>
+                  <a:srgbClr val="333333"/>
+                </a:solidFill>
+                <a:latin typeface="맑은 고딕" panose="020B0503020000020004" pitchFamily="50" charset="-127"/>
+                <a:ea typeface="맑은 고딕" panose="020B0503020000020004" pitchFamily="50" charset="-127"/>
+              </a:rPr>
+              <a:t>LSTM </a:t>
+            </a:r>
+            <a:r>
+              <a:rPr lang="ko-KR" altLang="ko-KR" sz="1600" dirty="0" err="1">
+                <a:solidFill>
+                  <a:srgbClr val="333333"/>
+                </a:solidFill>
+                <a:latin typeface="맑은 고딕" panose="020B0503020000020004" pitchFamily="50" charset="-127"/>
+                <a:ea typeface="맑은 고딕" panose="020B0503020000020004" pitchFamily="50" charset="-127"/>
+              </a:rPr>
+              <a:t>cell</a:t>
+            </a:r>
+            <a:r>
+              <a:rPr lang="ko-KR" altLang="ko-KR" sz="1600" dirty="0">
+                <a:solidFill>
+                  <a:srgbClr val="333333"/>
+                </a:solidFill>
+                <a:latin typeface="맑은 고딕" panose="020B0503020000020004" pitchFamily="50" charset="-127"/>
+                <a:ea typeface="맑은 고딕" panose="020B0503020000020004" pitchFamily="50" charset="-127"/>
+              </a:rPr>
+              <a:t> 하나에 </a:t>
+            </a:r>
+            <a:r>
+              <a:rPr lang="ko-KR" altLang="ko-KR" sz="1600" dirty="0" err="1">
+                <a:solidFill>
+                  <a:srgbClr val="333333"/>
+                </a:solidFill>
+                <a:latin typeface="맑은 고딕" panose="020B0503020000020004" pitchFamily="50" charset="-127"/>
+                <a:ea typeface="맑은 고딕" panose="020B0503020000020004" pitchFamily="50" charset="-127"/>
+              </a:rPr>
+              <a:t>input으로</a:t>
+            </a:r>
+            <a:r>
+              <a:rPr lang="ko-KR" altLang="ko-KR" sz="1600" dirty="0">
+                <a:solidFill>
+                  <a:srgbClr val="333333"/>
+                </a:solidFill>
+                <a:latin typeface="맑은 고딕" panose="020B0503020000020004" pitchFamily="50" charset="-127"/>
+                <a:ea typeface="맑은 고딕" panose="020B0503020000020004" pitchFamily="50" charset="-127"/>
+              </a:rPr>
+              <a:t> 들어오는</a:t>
+            </a:r>
+            <a:r>
+              <a:rPr lang="en-US" altLang="ko-KR" sz="1600" dirty="0">
+                <a:solidFill>
+                  <a:srgbClr val="333333"/>
+                </a:solidFill>
+                <a:latin typeface="맑은 고딕" panose="020B0503020000020004" pitchFamily="50" charset="-127"/>
+                <a:ea typeface="맑은 고딕" panose="020B0503020000020004" pitchFamily="50" charset="-127"/>
+              </a:rPr>
+              <a:t> </a:t>
+            </a:r>
+            <a:r>
               <a:rPr lang="ko-KR" altLang="en-US" sz="1600" dirty="0">
-                <a:latin typeface="맑은 고딕" panose="020B0503020000020004" pitchFamily="50" charset="-127"/>
-                <a:ea typeface="맑은 고딕" panose="020B0503020000020004" pitchFamily="50" charset="-127"/>
-              </a:rPr>
-              <a:t>계산 설명 </a:t>
+                <a:solidFill>
+                  <a:srgbClr val="333333"/>
+                </a:solidFill>
+                <a:latin typeface="맑은 고딕" panose="020B0503020000020004" pitchFamily="50" charset="-127"/>
+                <a:ea typeface="맑은 고딕" panose="020B0503020000020004" pitchFamily="50" charset="-127"/>
+              </a:rPr>
+              <a:t>값</a:t>
+            </a:r>
+            <a:endParaRPr lang="en-US" altLang="ko-KR" sz="1600" dirty="0">
+              <a:solidFill>
+                <a:srgbClr val="333333"/>
+              </a:solidFill>
+              <a:latin typeface="맑은 고딕" panose="020B0503020000020004" pitchFamily="50" charset="-127"/>
+              <a:ea typeface="맑은 고딕" panose="020B0503020000020004" pitchFamily="50" charset="-127"/>
+            </a:endParaRPr>
+          </a:p>
+          <a:p>
+            <a:pPr marL="742950" lvl="1" indent="-285750">
+              <a:lnSpc>
+                <a:spcPct val="150000"/>
+              </a:lnSpc>
+              <a:buFontTx/>
+              <a:buChar char="-"/>
+            </a:pPr>
+            <a:r>
+              <a:rPr lang="ko-KR" altLang="ko-KR" sz="1600" dirty="0">
+                <a:solidFill>
+                  <a:srgbClr val="333333"/>
+                </a:solidFill>
+                <a:latin typeface="맑은 고딕" panose="020B0503020000020004" pitchFamily="50" charset="-127"/>
+                <a:ea typeface="맑은 고딕" panose="020B0503020000020004" pitchFamily="50" charset="-127"/>
+              </a:rPr>
+              <a:t>ht−1</a:t>
             </a:r>
             <a:r>
               <a:rPr lang="en-US" altLang="ko-KR" sz="1600" dirty="0">
-                <a:latin typeface="맑은 고딕" panose="020B0503020000020004" pitchFamily="50" charset="-127"/>
-                <a:ea typeface="맑은 고딕" panose="020B0503020000020004" pitchFamily="50" charset="-127"/>
-              </a:rPr>
-              <a:t>~</a:t>
-            </a:r>
+                <a:solidFill>
+                  <a:srgbClr val="333333"/>
+                </a:solidFill>
+                <a:latin typeface="맑은 고딕" panose="020B0503020000020004" pitchFamily="50" charset="-127"/>
+                <a:ea typeface="맑은 고딕" panose="020B0503020000020004" pitchFamily="50" charset="-127"/>
+              </a:rPr>
+              <a:t> : </a:t>
+            </a:r>
+            <a:r>
+              <a:rPr lang="ko-KR" altLang="ko-KR" sz="1600" dirty="0">
+                <a:solidFill>
+                  <a:srgbClr val="333333"/>
+                </a:solidFill>
+                <a:latin typeface="맑은 고딕" panose="020B0503020000020004" pitchFamily="50" charset="-127"/>
+                <a:ea typeface="맑은 고딕" panose="020B0503020000020004" pitchFamily="50" charset="-127"/>
+              </a:rPr>
+              <a:t>전 </a:t>
+            </a:r>
+            <a:r>
+              <a:rPr lang="ko-KR" altLang="ko-KR" sz="1600" dirty="0" err="1">
+                <a:solidFill>
+                  <a:srgbClr val="333333"/>
+                </a:solidFill>
+                <a:latin typeface="맑은 고딕" panose="020B0503020000020004" pitchFamily="50" charset="-127"/>
+                <a:ea typeface="맑은 고딕" panose="020B0503020000020004" pitchFamily="50" charset="-127"/>
+              </a:rPr>
+              <a:t>hidden</a:t>
+            </a:r>
+            <a:r>
+              <a:rPr lang="ko-KR" altLang="ko-KR" sz="1600" dirty="0">
+                <a:solidFill>
+                  <a:srgbClr val="333333"/>
+                </a:solidFill>
+                <a:latin typeface="맑은 고딕" panose="020B0503020000020004" pitchFamily="50" charset="-127"/>
+                <a:ea typeface="맑은 고딕" panose="020B0503020000020004" pitchFamily="50" charset="-127"/>
+              </a:rPr>
+              <a:t> </a:t>
+            </a:r>
+            <a:r>
+              <a:rPr lang="ko-KR" altLang="ko-KR" sz="1600" dirty="0" err="1">
+                <a:solidFill>
+                  <a:srgbClr val="333333"/>
+                </a:solidFill>
+                <a:latin typeface="맑은 고딕" panose="020B0503020000020004" pitchFamily="50" charset="-127"/>
+                <a:ea typeface="맑은 고딕" panose="020B0503020000020004" pitchFamily="50" charset="-127"/>
+              </a:rPr>
+              <a:t>state</a:t>
+            </a:r>
+            <a:r>
+              <a:rPr lang="en-US" altLang="ko-KR" sz="1600" dirty="0">
+                <a:solidFill>
+                  <a:srgbClr val="333333"/>
+                </a:solidFill>
+                <a:latin typeface="맑은 고딕" panose="020B0503020000020004" pitchFamily="50" charset="-127"/>
+                <a:ea typeface="맑은 고딕" panose="020B0503020000020004" pitchFamily="50" charset="-127"/>
+              </a:rPr>
+              <a:t> </a:t>
+            </a:r>
+            <a:r>
+              <a:rPr lang="ko-KR" altLang="en-US" sz="1600" dirty="0">
+                <a:solidFill>
+                  <a:srgbClr val="333333"/>
+                </a:solidFill>
+                <a:latin typeface="맑은 고딕" panose="020B0503020000020004" pitchFamily="50" charset="-127"/>
+                <a:ea typeface="맑은 고딕" panose="020B0503020000020004" pitchFamily="50" charset="-127"/>
+              </a:rPr>
+              <a:t>벡터</a:t>
+            </a:r>
+            <a:r>
+              <a:rPr lang="en-US" altLang="ko-KR" sz="1600" dirty="0">
+                <a:solidFill>
+                  <a:srgbClr val="333333"/>
+                </a:solidFill>
+                <a:latin typeface="맑은 고딕" panose="020B0503020000020004" pitchFamily="50" charset="-127"/>
+                <a:ea typeface="맑은 고딕" panose="020B0503020000020004" pitchFamily="50" charset="-127"/>
+              </a:rPr>
+              <a:t>.</a:t>
+            </a:r>
+            <a:r>
+              <a:rPr lang="ko-KR" altLang="ko-KR" sz="1600" dirty="0">
+                <a:solidFill>
+                  <a:srgbClr val="333333"/>
+                </a:solidFill>
+                <a:latin typeface="맑은 고딕" panose="020B0503020000020004" pitchFamily="50" charset="-127"/>
+                <a:ea typeface="맑은 고딕" panose="020B0503020000020004" pitchFamily="50" charset="-127"/>
+              </a:rPr>
+              <a:t> </a:t>
+            </a:r>
+            <a:endParaRPr lang="en-US" altLang="ko-KR" sz="1600" dirty="0">
+              <a:solidFill>
+                <a:srgbClr val="333333"/>
+              </a:solidFill>
+              <a:latin typeface="맑은 고딕" panose="020B0503020000020004" pitchFamily="50" charset="-127"/>
+              <a:ea typeface="맑은 고딕" panose="020B0503020000020004" pitchFamily="50" charset="-127"/>
+            </a:endParaRPr>
+          </a:p>
+          <a:p>
+            <a:pPr marL="742950" lvl="1" indent="-285750">
+              <a:lnSpc>
+                <a:spcPct val="150000"/>
+              </a:lnSpc>
+              <a:buFontTx/>
+              <a:buChar char="-"/>
+            </a:pPr>
+            <a:r>
+              <a:rPr lang="ko-KR" altLang="ko-KR" sz="1600" dirty="0">
+                <a:solidFill>
+                  <a:srgbClr val="333333"/>
+                </a:solidFill>
+                <a:latin typeface="맑은 고딕" panose="020B0503020000020004" pitchFamily="50" charset="-127"/>
+                <a:ea typeface="맑은 고딕" panose="020B0503020000020004" pitchFamily="50" charset="-127"/>
+              </a:rPr>
+              <a:t>Eyt−1</a:t>
+            </a:r>
+            <a:r>
+              <a:rPr lang="en-US" altLang="ko-KR" sz="1600" dirty="0">
+                <a:solidFill>
+                  <a:srgbClr val="333333"/>
+                </a:solidFill>
+                <a:latin typeface="맑은 고딕" panose="020B0503020000020004" pitchFamily="50" charset="-127"/>
+                <a:ea typeface="맑은 고딕" panose="020B0503020000020004" pitchFamily="50" charset="-127"/>
+              </a:rPr>
+              <a:t>: t</a:t>
+            </a:r>
+            <a:r>
+              <a:rPr lang="ko-KR" altLang="ko-KR" sz="1600" dirty="0">
+                <a:solidFill>
+                  <a:srgbClr val="333333"/>
+                </a:solidFill>
+                <a:latin typeface="맑은 고딕" panose="020B0503020000020004" pitchFamily="50" charset="-127"/>
+                <a:ea typeface="맑은 고딕" panose="020B0503020000020004" pitchFamily="50" charset="-127"/>
+              </a:rPr>
+              <a:t>−1 시점에서 생성된 </a:t>
+            </a:r>
+            <a:r>
+              <a:rPr lang="ko-KR" altLang="ko-KR" sz="1600" dirty="0" err="1">
+                <a:solidFill>
+                  <a:srgbClr val="333333"/>
+                </a:solidFill>
+                <a:latin typeface="맑은 고딕" panose="020B0503020000020004" pitchFamily="50" charset="-127"/>
+                <a:ea typeface="맑은 고딕" panose="020B0503020000020004" pitchFamily="50" charset="-127"/>
+              </a:rPr>
+              <a:t>caption</a:t>
+            </a:r>
+            <a:r>
+              <a:rPr lang="ko-KR" altLang="ko-KR" sz="1600" dirty="0">
+                <a:solidFill>
+                  <a:srgbClr val="333333"/>
+                </a:solidFill>
+                <a:latin typeface="맑은 고딕" panose="020B0503020000020004" pitchFamily="50" charset="-127"/>
+                <a:ea typeface="맑은 고딕" panose="020B0503020000020004" pitchFamily="50" charset="-127"/>
+              </a:rPr>
+              <a:t> yt−1</a:t>
+            </a:r>
+            <a:r>
+              <a:rPr lang="ko-KR" altLang="en-US" sz="1600" dirty="0">
+                <a:solidFill>
+                  <a:srgbClr val="333333"/>
+                </a:solidFill>
+                <a:latin typeface="맑은 고딕" panose="020B0503020000020004" pitchFamily="50" charset="-127"/>
+                <a:ea typeface="맑은 고딕" panose="020B0503020000020004" pitchFamily="50" charset="-127"/>
+              </a:rPr>
+              <a:t>의 </a:t>
+            </a:r>
+            <a:r>
+              <a:rPr lang="ko-KR" altLang="en-US" sz="1600" dirty="0" err="1">
+                <a:solidFill>
+                  <a:srgbClr val="333333"/>
+                </a:solidFill>
+                <a:latin typeface="맑은 고딕" panose="020B0503020000020004" pitchFamily="50" charset="-127"/>
+                <a:ea typeface="맑은 고딕" panose="020B0503020000020004" pitchFamily="50" charset="-127"/>
+              </a:rPr>
+              <a:t>임베딩</a:t>
+            </a:r>
+            <a:r>
+              <a:rPr lang="ko-KR" altLang="en-US" sz="1600" dirty="0">
+                <a:solidFill>
+                  <a:srgbClr val="333333"/>
+                </a:solidFill>
+                <a:latin typeface="맑은 고딕" panose="020B0503020000020004" pitchFamily="50" charset="-127"/>
+                <a:ea typeface="맑은 고딕" panose="020B0503020000020004" pitchFamily="50" charset="-127"/>
+              </a:rPr>
+              <a:t> 벡터</a:t>
+            </a:r>
+            <a:r>
+              <a:rPr lang="en-US" altLang="ko-KR" sz="1600" dirty="0">
+                <a:solidFill>
+                  <a:srgbClr val="333333"/>
+                </a:solidFill>
+                <a:latin typeface="맑은 고딕" panose="020B0503020000020004" pitchFamily="50" charset="-127"/>
+                <a:ea typeface="맑은 고딕" panose="020B0503020000020004" pitchFamily="50" charset="-127"/>
+              </a:rPr>
+              <a:t>.</a:t>
+            </a:r>
+            <a:r>
+              <a:rPr lang="ko-KR" altLang="ko-KR" sz="1600" dirty="0">
+                <a:solidFill>
+                  <a:srgbClr val="333333"/>
+                </a:solidFill>
+                <a:latin typeface="맑은 고딕" panose="020B0503020000020004" pitchFamily="50" charset="-127"/>
+                <a:ea typeface="맑은 고딕" panose="020B0503020000020004" pitchFamily="50" charset="-127"/>
+              </a:rPr>
+              <a:t> </a:t>
+            </a:r>
+            <a:endParaRPr lang="en-US" altLang="ko-KR" sz="1600" dirty="0">
+              <a:solidFill>
+                <a:srgbClr val="333333"/>
+              </a:solidFill>
+              <a:latin typeface="맑은 고딕" panose="020B0503020000020004" pitchFamily="50" charset="-127"/>
+              <a:ea typeface="맑은 고딕" panose="020B0503020000020004" pitchFamily="50" charset="-127"/>
+            </a:endParaRPr>
+          </a:p>
+          <a:p>
+            <a:pPr marL="742950" lvl="1" indent="-285750">
+              <a:lnSpc>
+                <a:spcPct val="150000"/>
+              </a:lnSpc>
+              <a:buFontTx/>
+              <a:buChar char="-"/>
+            </a:pPr>
+            <a:r>
+              <a:rPr lang="ko-KR" altLang="ko-KR" sz="1600" dirty="0" err="1">
+                <a:solidFill>
+                  <a:srgbClr val="333333"/>
+                </a:solidFill>
+                <a:latin typeface="맑은 고딕" panose="020B0503020000020004" pitchFamily="50" charset="-127"/>
+                <a:ea typeface="맑은 고딕" panose="020B0503020000020004" pitchFamily="50" charset="-127"/>
+              </a:rPr>
+              <a:t>z</a:t>
+            </a:r>
+            <a:r>
+              <a:rPr lang="ko-KR" altLang="ko-KR" sz="1600" dirty="0">
+                <a:solidFill>
+                  <a:srgbClr val="333333"/>
+                </a:solidFill>
+                <a:latin typeface="맑은 고딕" panose="020B0503020000020004" pitchFamily="50" charset="-127"/>
+                <a:ea typeface="맑은 고딕" panose="020B0503020000020004" pitchFamily="50" charset="-127"/>
+              </a:rPr>
+              <a:t>^</a:t>
+            </a:r>
+            <a:r>
+              <a:rPr lang="en-US" altLang="ko-KR" sz="1600" dirty="0">
+                <a:solidFill>
+                  <a:srgbClr val="333333"/>
+                </a:solidFill>
+                <a:latin typeface="맑은 고딕" panose="020B0503020000020004" pitchFamily="50" charset="-127"/>
+                <a:ea typeface="맑은 고딕" panose="020B0503020000020004" pitchFamily="50" charset="-127"/>
+              </a:rPr>
+              <a:t>t :</a:t>
+            </a:r>
+            <a:r>
+              <a:rPr lang="ko-KR" altLang="ko-KR" sz="1600" dirty="0">
+                <a:solidFill>
+                  <a:srgbClr val="333333"/>
+                </a:solidFill>
+                <a:latin typeface="맑은 고딕" panose="020B0503020000020004" pitchFamily="50" charset="-127"/>
+                <a:ea typeface="맑은 고딕" panose="020B0503020000020004" pitchFamily="50" charset="-127"/>
+              </a:rPr>
+              <a:t> </a:t>
+            </a:r>
+            <a:r>
+              <a:rPr lang="ko-KR" altLang="ko-KR" sz="1600" dirty="0" err="1">
+                <a:solidFill>
+                  <a:srgbClr val="333333"/>
+                </a:solidFill>
+                <a:latin typeface="맑은 고딕" panose="020B0503020000020004" pitchFamily="50" charset="-127"/>
+                <a:ea typeface="맑은 고딕" panose="020B0503020000020004" pitchFamily="50" charset="-127"/>
+              </a:rPr>
+              <a:t>context</a:t>
+            </a:r>
+            <a:r>
+              <a:rPr lang="ko-KR" altLang="ko-KR" sz="1600" dirty="0">
+                <a:solidFill>
+                  <a:srgbClr val="333333"/>
+                </a:solidFill>
+                <a:latin typeface="맑은 고딕" panose="020B0503020000020004" pitchFamily="50" charset="-127"/>
+                <a:ea typeface="맑은 고딕" panose="020B0503020000020004" pitchFamily="50" charset="-127"/>
+              </a:rPr>
+              <a:t> </a:t>
+            </a:r>
+            <a:r>
+              <a:rPr lang="ko-KR" altLang="ko-KR" sz="1600" dirty="0" err="1">
+                <a:solidFill>
+                  <a:srgbClr val="333333"/>
+                </a:solidFill>
+                <a:latin typeface="맑은 고딕" panose="020B0503020000020004" pitchFamily="50" charset="-127"/>
+                <a:ea typeface="맑은 고딕" panose="020B0503020000020004" pitchFamily="50" charset="-127"/>
+              </a:rPr>
+              <a:t>vector</a:t>
+            </a:r>
+            <a:r>
+              <a:rPr lang="en-US" altLang="ko-KR" sz="1600" dirty="0">
+                <a:solidFill>
+                  <a:srgbClr val="333333"/>
+                </a:solidFill>
+                <a:latin typeface="맑은 고딕" panose="020B0503020000020004" pitchFamily="50" charset="-127"/>
+                <a:ea typeface="맑은 고딕" panose="020B0503020000020004" pitchFamily="50" charset="-127"/>
+              </a:rPr>
+              <a:t>.</a:t>
+            </a:r>
+            <a:r>
+              <a:rPr lang="ko-KR" altLang="ko-KR" sz="1600" dirty="0">
+                <a:solidFill>
+                  <a:srgbClr val="333333"/>
+                </a:solidFill>
+                <a:latin typeface="맑은 고딕" panose="020B0503020000020004" pitchFamily="50" charset="-127"/>
+                <a:ea typeface="맑은 고딕" panose="020B0503020000020004" pitchFamily="50" charset="-127"/>
+              </a:rPr>
+              <a:t> </a:t>
+            </a:r>
+            <a:r>
+              <a:rPr lang="ko-KR" altLang="ko-KR" sz="1600" dirty="0" err="1">
+                <a:solidFill>
+                  <a:srgbClr val="333333"/>
+                </a:solidFill>
+                <a:latin typeface="맑은 고딕" panose="020B0503020000020004" pitchFamily="50" charset="-127"/>
+                <a:ea typeface="맑은 고딕" panose="020B0503020000020004" pitchFamily="50" charset="-127"/>
+              </a:rPr>
+              <a:t>attention</a:t>
+            </a:r>
+            <a:r>
+              <a:rPr lang="ko-KR" altLang="ko-KR" sz="1600" dirty="0">
+                <a:solidFill>
+                  <a:srgbClr val="333333"/>
+                </a:solidFill>
+                <a:latin typeface="맑은 고딕" panose="020B0503020000020004" pitchFamily="50" charset="-127"/>
+                <a:ea typeface="맑은 고딕" panose="020B0503020000020004" pitchFamily="50" charset="-127"/>
+              </a:rPr>
+              <a:t> </a:t>
+            </a:r>
+            <a:r>
+              <a:rPr lang="ko-KR" altLang="ko-KR" sz="1600" dirty="0" err="1">
+                <a:solidFill>
+                  <a:srgbClr val="333333"/>
+                </a:solidFill>
+                <a:latin typeface="맑은 고딕" panose="020B0503020000020004" pitchFamily="50" charset="-127"/>
+                <a:ea typeface="맑은 고딕" panose="020B0503020000020004" pitchFamily="50" charset="-127"/>
+              </a:rPr>
+              <a:t>model에</a:t>
+            </a:r>
+            <a:r>
+              <a:rPr lang="ko-KR" altLang="ko-KR" sz="1600" dirty="0">
+                <a:solidFill>
+                  <a:srgbClr val="333333"/>
+                </a:solidFill>
+                <a:latin typeface="맑은 고딕" panose="020B0503020000020004" pitchFamily="50" charset="-127"/>
+                <a:ea typeface="맑은 고딕" panose="020B0503020000020004" pitchFamily="50" charset="-127"/>
+              </a:rPr>
+              <a:t> 의해서 결정</a:t>
+            </a:r>
+            <a:endParaRPr lang="en-US" altLang="ko-KR" sz="1600" dirty="0">
+              <a:solidFill>
+                <a:srgbClr val="333333"/>
+              </a:solidFill>
+              <a:latin typeface="맑은 고딕" panose="020B0503020000020004" pitchFamily="50" charset="-127"/>
+              <a:ea typeface="맑은 고딕" panose="020B0503020000020004" pitchFamily="50" charset="-127"/>
+            </a:endParaRPr>
           </a:p>
           <a:p>
             <a:pPr marL="285750" indent="-285750">
@@ -6350,27 +7569,19 @@
               <a:buFontTx/>
               <a:buChar char="-"/>
             </a:pPr>
-            <a:endParaRPr lang="en-US" altLang="ko-KR" sz="1600" dirty="0">
-              <a:latin typeface="맑은 고딕" panose="020B0503020000020004" pitchFamily="50" charset="-127"/>
-              <a:ea typeface="맑은 고딕" panose="020B0503020000020004" pitchFamily="50" charset="-127"/>
-            </a:endParaRPr>
-          </a:p>
-          <a:p>
-            <a:pPr>
-              <a:lnSpc>
-                <a:spcPct val="150000"/>
-              </a:lnSpc>
-            </a:pPr>
             <a:r>
               <a:rPr lang="en-US" altLang="ko-KR" sz="1600" dirty="0">
-                <a:latin typeface="맑은 고딕" panose="020B0503020000020004" pitchFamily="50" charset="-127"/>
-                <a:ea typeface="맑은 고딕" panose="020B0503020000020004" pitchFamily="50" charset="-127"/>
-              </a:rPr>
-              <a:t> </a:t>
-            </a:r>
-          </a:p>
-          <a:p>
-            <a:pPr marL="285750" indent="-285750">
+                <a:solidFill>
+                  <a:srgbClr val="333333"/>
+                </a:solidFill>
+                <a:latin typeface="맑은 고딕" panose="020B0503020000020004" pitchFamily="50" charset="-127"/>
+                <a:ea typeface="맑은 고딕" panose="020B0503020000020004" pitchFamily="50" charset="-127"/>
+              </a:rPr>
+              <a:t>gate</a:t>
+            </a:r>
+          </a:p>
+          <a:p>
+            <a:pPr marL="742950" lvl="1" indent="-285750">
               <a:lnSpc>
                 <a:spcPct val="150000"/>
               </a:lnSpc>
@@ -6378,184 +7589,146 @@
               <a:buChar char="-"/>
             </a:pPr>
             <a:r>
-              <a:rPr lang="ko-KR" altLang="ko-KR" sz="1600" dirty="0" err="1">
-                <a:solidFill>
-                  <a:srgbClr val="333333"/>
-                </a:solidFill>
-                <a:latin typeface="맑은 고딕" panose="020B0503020000020004" pitchFamily="50" charset="-127"/>
-                <a:ea typeface="맑은 고딕" panose="020B0503020000020004" pitchFamily="50" charset="-127"/>
-              </a:rPr>
-              <a:t>LSTM은</a:t>
-            </a:r>
-            <a:r>
-              <a:rPr lang="ko-KR" altLang="ko-KR" sz="1600" dirty="0">
-                <a:solidFill>
-                  <a:srgbClr val="333333"/>
-                </a:solidFill>
-                <a:latin typeface="맑은 고딕" panose="020B0503020000020004" pitchFamily="50" charset="-127"/>
-                <a:ea typeface="맑은 고딕" panose="020B0503020000020004" pitchFamily="50" charset="-127"/>
-              </a:rPr>
-              <a:t> 매 </a:t>
-            </a:r>
-            <a:r>
-              <a:rPr lang="ko-KR" altLang="ko-KR" sz="1600" dirty="0" err="1">
-                <a:solidFill>
-                  <a:srgbClr val="333333"/>
-                </a:solidFill>
-                <a:latin typeface="맑은 고딕" panose="020B0503020000020004" pitchFamily="50" charset="-127"/>
-                <a:ea typeface="맑은 고딕" panose="020B0503020000020004" pitchFamily="50" charset="-127"/>
-              </a:rPr>
-              <a:t>time</a:t>
-            </a:r>
-            <a:r>
-              <a:rPr lang="ko-KR" altLang="ko-KR" sz="1600" dirty="0">
-                <a:solidFill>
-                  <a:srgbClr val="333333"/>
-                </a:solidFill>
-                <a:latin typeface="맑은 고딕" panose="020B0503020000020004" pitchFamily="50" charset="-127"/>
-                <a:ea typeface="맑은 고딕" panose="020B0503020000020004" pitchFamily="50" charset="-127"/>
-              </a:rPr>
-              <a:t> </a:t>
-            </a:r>
-            <a:r>
-              <a:rPr lang="ko-KR" altLang="ko-KR" sz="1600" dirty="0" err="1">
-                <a:solidFill>
-                  <a:srgbClr val="333333"/>
-                </a:solidFill>
-                <a:latin typeface="맑은 고딕" panose="020B0503020000020004" pitchFamily="50" charset="-127"/>
-                <a:ea typeface="맑은 고딕" panose="020B0503020000020004" pitchFamily="50" charset="-127"/>
-              </a:rPr>
-              <a:t>stamp</a:t>
-            </a:r>
-            <a:r>
-              <a:rPr lang="ko-KR" altLang="ko-KR" sz="1600" dirty="0">
-                <a:solidFill>
-                  <a:srgbClr val="333333"/>
-                </a:solidFill>
-                <a:latin typeface="맑은 고딕" panose="020B0503020000020004" pitchFamily="50" charset="-127"/>
-                <a:ea typeface="맑은 고딕" panose="020B0503020000020004" pitchFamily="50" charset="-127"/>
-              </a:rPr>
-              <a:t> </a:t>
-            </a:r>
-            <a:r>
-              <a:rPr lang="ko-KR" altLang="ko-KR" sz="1600" dirty="0" err="1">
-                <a:solidFill>
-                  <a:srgbClr val="333333"/>
-                </a:solidFill>
-                <a:latin typeface="맑은 고딕" panose="020B0503020000020004" pitchFamily="50" charset="-127"/>
-                <a:ea typeface="맑은 고딕" panose="020B0503020000020004" pitchFamily="50" charset="-127"/>
-              </a:rPr>
-              <a:t>t</a:t>
-            </a:r>
-            <a:r>
-              <a:rPr lang="ko-KR" altLang="ko-KR" sz="1600" dirty="0">
-                <a:solidFill>
-                  <a:srgbClr val="333333"/>
-                </a:solidFill>
-                <a:latin typeface="맑은 고딕" panose="020B0503020000020004" pitchFamily="50" charset="-127"/>
-                <a:ea typeface="맑은 고딕" panose="020B0503020000020004" pitchFamily="50" charset="-127"/>
-              </a:rPr>
-              <a:t> 마다 </a:t>
-            </a:r>
-            <a:r>
-              <a:rPr lang="ko-KR" altLang="ko-KR" sz="1600" dirty="0" err="1">
-                <a:solidFill>
-                  <a:srgbClr val="333333"/>
-                </a:solidFill>
-                <a:latin typeface="맑은 고딕" panose="020B0503020000020004" pitchFamily="50" charset="-127"/>
-                <a:ea typeface="맑은 고딕" panose="020B0503020000020004" pitchFamily="50" charset="-127"/>
-              </a:rPr>
-              <a:t>caption</a:t>
-            </a:r>
-            <a:r>
-              <a:rPr lang="ko-KR" altLang="ko-KR" sz="1600" dirty="0">
-                <a:solidFill>
-                  <a:srgbClr val="333333"/>
-                </a:solidFill>
-                <a:latin typeface="맑은 고딕" panose="020B0503020000020004" pitchFamily="50" charset="-127"/>
-                <a:ea typeface="맑은 고딕" panose="020B0503020000020004" pitchFamily="50" charset="-127"/>
-              </a:rPr>
-              <a:t> </a:t>
-            </a:r>
-            <a:r>
-              <a:rPr lang="ko-KR" altLang="ko-KR" sz="1600" dirty="0" err="1">
-                <a:solidFill>
-                  <a:srgbClr val="333333"/>
-                </a:solidFill>
-                <a:latin typeface="맑은 고딕" panose="020B0503020000020004" pitchFamily="50" charset="-127"/>
-                <a:ea typeface="맑은 고딕" panose="020B0503020000020004" pitchFamily="50" charset="-127"/>
-              </a:rPr>
-              <a:t>vector</a:t>
-            </a:r>
-            <a:r>
-              <a:rPr lang="ko-KR" altLang="ko-KR" sz="1600" dirty="0">
-                <a:solidFill>
-                  <a:srgbClr val="333333"/>
-                </a:solidFill>
-                <a:latin typeface="맑은 고딕" panose="020B0503020000020004" pitchFamily="50" charset="-127"/>
-                <a:ea typeface="맑은 고딕" panose="020B0503020000020004" pitchFamily="50" charset="-127"/>
-              </a:rPr>
-              <a:t> </a:t>
-            </a:r>
-            <a:r>
-              <a:rPr lang="ko-KR" altLang="ko-KR" sz="1600" dirty="0" err="1">
-                <a:solidFill>
-                  <a:srgbClr val="333333"/>
-                </a:solidFill>
-                <a:latin typeface="맑은 고딕" panose="020B0503020000020004" pitchFamily="50" charset="-127"/>
-                <a:ea typeface="맑은 고딕" panose="020B0503020000020004" pitchFamily="50" charset="-127"/>
-              </a:rPr>
-              <a:t>y의</a:t>
-            </a:r>
-            <a:r>
-              <a:rPr lang="ko-KR" altLang="ko-KR" sz="1600" dirty="0">
-                <a:solidFill>
-                  <a:srgbClr val="333333"/>
-                </a:solidFill>
-                <a:latin typeface="맑은 고딕" panose="020B0503020000020004" pitchFamily="50" charset="-127"/>
-                <a:ea typeface="맑은 고딕" panose="020B0503020000020004" pitchFamily="50" charset="-127"/>
-              </a:rPr>
-              <a:t> 한 </a:t>
+              <a:rPr lang="en-US" altLang="ko-KR" sz="1600" dirty="0">
+                <a:latin typeface="맑은 고딕" panose="020B0503020000020004" pitchFamily="50" charset="-127"/>
+                <a:ea typeface="맑은 고딕" panose="020B0503020000020004" pitchFamily="50" charset="-127"/>
+              </a:rPr>
+              <a:t>C : </a:t>
             </a:r>
             <a:r>
               <a:rPr lang="ko-KR" altLang="en-US" sz="1600" dirty="0">
-                <a:solidFill>
-                  <a:srgbClr val="333333"/>
-                </a:solidFill>
-                <a:latin typeface="맑은 고딕" panose="020B0503020000020004" pitchFamily="50" charset="-127"/>
-                <a:ea typeface="맑은 고딕" panose="020B0503020000020004" pitchFamily="50" charset="-127"/>
-              </a:rPr>
-              <a:t>요소</a:t>
-            </a:r>
-            <a:r>
-              <a:rPr lang="ko-KR" altLang="ko-KR" sz="1600" dirty="0">
-                <a:solidFill>
-                  <a:srgbClr val="333333"/>
-                </a:solidFill>
-                <a:latin typeface="맑은 고딕" panose="020B0503020000020004" pitchFamily="50" charset="-127"/>
-                <a:ea typeface="맑은 고딕" panose="020B0503020000020004" pitchFamily="50" charset="-127"/>
-              </a:rPr>
-              <a:t> </a:t>
-            </a:r>
-            <a:r>
-              <a:rPr lang="ko-KR" altLang="ko-KR" sz="1600" dirty="0" err="1">
-                <a:solidFill>
-                  <a:srgbClr val="333333"/>
-                </a:solidFill>
-                <a:latin typeface="맑은 고딕" panose="020B0503020000020004" pitchFamily="50" charset="-127"/>
-                <a:ea typeface="맑은 고딕" panose="020B0503020000020004" pitchFamily="50" charset="-127"/>
-              </a:rPr>
-              <a:t>yt를</a:t>
-            </a:r>
-            <a:r>
-              <a:rPr lang="ko-KR" altLang="ko-KR" sz="1600" dirty="0">
-                <a:solidFill>
-                  <a:srgbClr val="333333"/>
-                </a:solidFill>
-                <a:latin typeface="맑은 고딕" panose="020B0503020000020004" pitchFamily="50" charset="-127"/>
-                <a:ea typeface="맑은 고딕" panose="020B0503020000020004" pitchFamily="50" charset="-127"/>
-              </a:rPr>
-              <a:t> 생성한다.</a:t>
+                <a:latin typeface="맑은 고딕" panose="020B0503020000020004" pitchFamily="50" charset="-127"/>
+                <a:ea typeface="맑은 고딕" panose="020B0503020000020004" pitchFamily="50" charset="-127"/>
+              </a:rPr>
+              <a:t>갱신된 기억 셀 </a:t>
+            </a:r>
+            <a:r>
+              <a:rPr lang="en-US" altLang="ko-KR" sz="1600" dirty="0">
+                <a:latin typeface="맑은 고딕" panose="020B0503020000020004" pitchFamily="50" charset="-127"/>
+                <a:ea typeface="맑은 고딕" panose="020B0503020000020004" pitchFamily="50" charset="-127"/>
+              </a:rPr>
+              <a:t>, f : c</a:t>
+            </a:r>
+            <a:r>
+              <a:rPr lang="ko-KR" altLang="en-US" sz="1600" dirty="0">
+                <a:latin typeface="맑은 고딕" panose="020B0503020000020004" pitchFamily="50" charset="-127"/>
+                <a:ea typeface="맑은 고딕" panose="020B0503020000020004" pitchFamily="50" charset="-127"/>
+              </a:rPr>
+              <a:t>에서 불필요한 내용을 제거 </a:t>
+            </a:r>
+            <a:endParaRPr lang="en-US" altLang="ko-KR" sz="1600" dirty="0">
+              <a:latin typeface="맑은 고딕" panose="020B0503020000020004" pitchFamily="50" charset="-127"/>
+              <a:ea typeface="맑은 고딕" panose="020B0503020000020004" pitchFamily="50" charset="-127"/>
+            </a:endParaRPr>
+          </a:p>
+          <a:p>
+            <a:pPr marL="742950" lvl="1" indent="-285750">
+              <a:lnSpc>
+                <a:spcPct val="150000"/>
+              </a:lnSpc>
+              <a:buFontTx/>
+              <a:buChar char="-"/>
+            </a:pPr>
+            <a:r>
+              <a:rPr lang="en-US" altLang="ko-KR" sz="1600" dirty="0">
+                <a:latin typeface="맑은 고딕" panose="020B0503020000020004" pitchFamily="50" charset="-127"/>
+                <a:ea typeface="맑은 고딕" panose="020B0503020000020004" pitchFamily="50" charset="-127"/>
+              </a:rPr>
+              <a:t>O : </a:t>
+            </a:r>
+            <a:r>
+              <a:rPr lang="ko-KR" altLang="en-US" sz="1600" dirty="0">
+                <a:latin typeface="맑은 고딕" panose="020B0503020000020004" pitchFamily="50" charset="-127"/>
+                <a:ea typeface="맑은 고딕" panose="020B0503020000020004" pitchFamily="50" charset="-127"/>
+              </a:rPr>
+              <a:t>다음 </a:t>
+            </a:r>
+            <a:r>
+              <a:rPr lang="en-US" altLang="ko-KR" sz="1600" dirty="0">
+                <a:latin typeface="맑은 고딕" panose="020B0503020000020004" pitchFamily="50" charset="-127"/>
+                <a:ea typeface="맑은 고딕" panose="020B0503020000020004" pitchFamily="50" charset="-127"/>
+              </a:rPr>
+              <a:t>h</a:t>
+            </a:r>
+            <a:r>
+              <a:rPr lang="ko-KR" altLang="en-US" sz="1600" dirty="0">
+                <a:latin typeface="맑은 고딕" panose="020B0503020000020004" pitchFamily="50" charset="-127"/>
+                <a:ea typeface="맑은 고딕" panose="020B0503020000020004" pitchFamily="50" charset="-127"/>
+              </a:rPr>
+              <a:t>의 출력을 결정 </a:t>
+            </a:r>
+            <a:r>
+              <a:rPr lang="en-US" altLang="ko-KR" sz="1600" dirty="0">
+                <a:latin typeface="맑은 고딕" panose="020B0503020000020004" pitchFamily="50" charset="-127"/>
+                <a:ea typeface="맑은 고딕" panose="020B0503020000020004" pitchFamily="50" charset="-127"/>
+              </a:rPr>
+              <a:t>, </a:t>
+            </a:r>
+            <a:r>
+              <a:rPr lang="en-US" altLang="ko-KR" sz="1600" dirty="0" err="1">
+                <a:latin typeface="맑은 고딕" panose="020B0503020000020004" pitchFamily="50" charset="-127"/>
+                <a:ea typeface="맑은 고딕" panose="020B0503020000020004" pitchFamily="50" charset="-127"/>
+              </a:rPr>
+              <a:t>i</a:t>
+            </a:r>
+            <a:r>
+              <a:rPr lang="en-US" altLang="ko-KR" sz="1600" dirty="0">
+                <a:latin typeface="맑은 고딕" panose="020B0503020000020004" pitchFamily="50" charset="-127"/>
+                <a:ea typeface="맑은 고딕" panose="020B0503020000020004" pitchFamily="50" charset="-127"/>
+              </a:rPr>
+              <a:t> : </a:t>
+            </a:r>
+            <a:r>
+              <a:rPr lang="ko-KR" altLang="en-US" sz="1600" dirty="0">
+                <a:latin typeface="맑은 고딕" panose="020B0503020000020004" pitchFamily="50" charset="-127"/>
+                <a:ea typeface="맑은 고딕" panose="020B0503020000020004" pitchFamily="50" charset="-127"/>
+              </a:rPr>
+              <a:t>기억 셀 추가 내용 조정</a:t>
+            </a:r>
+            <a:endParaRPr lang="en-US" altLang="ko-KR" sz="1600" dirty="0">
+              <a:latin typeface="맑은 고딕" panose="020B0503020000020004" pitchFamily="50" charset="-127"/>
+              <a:ea typeface="맑은 고딕" panose="020B0503020000020004" pitchFamily="50" charset="-127"/>
+            </a:endParaRPr>
+          </a:p>
+          <a:p>
+            <a:pPr marL="742950" lvl="1" indent="-285750">
+              <a:lnSpc>
+                <a:spcPct val="150000"/>
+              </a:lnSpc>
+              <a:buFontTx/>
+              <a:buChar char="-"/>
+            </a:pPr>
+            <a:r>
+              <a:rPr lang="en-US" altLang="ko-KR" sz="1600" dirty="0"/>
+              <a:t>W•, U•, Z• ,</a:t>
+            </a:r>
+            <a:r>
+              <a:rPr lang="en-US" altLang="ko-KR" sz="1600" dirty="0">
+                <a:latin typeface="맑은 고딕" panose="020B0503020000020004" pitchFamily="50" charset="-127"/>
+                <a:ea typeface="맑은 고딕" panose="020B0503020000020004" pitchFamily="50" charset="-127"/>
+              </a:rPr>
+              <a:t> b : </a:t>
+            </a:r>
+            <a:r>
+              <a:rPr lang="ko-KR" altLang="en-US" sz="1600" dirty="0">
+                <a:latin typeface="맑은 고딕" panose="020B0503020000020004" pitchFamily="50" charset="-127"/>
+                <a:ea typeface="맑은 고딕" panose="020B0503020000020004" pitchFamily="50" charset="-127"/>
+              </a:rPr>
+              <a:t>입력 가중치</a:t>
+            </a:r>
+            <a:r>
+              <a:rPr lang="en-US" altLang="ko-KR" sz="1600" dirty="0">
+                <a:latin typeface="맑은 고딕" panose="020B0503020000020004" pitchFamily="50" charset="-127"/>
+                <a:ea typeface="맑은 고딕" panose="020B0503020000020004" pitchFamily="50" charset="-127"/>
+              </a:rPr>
+              <a:t>, </a:t>
+            </a:r>
+            <a:r>
+              <a:rPr lang="ko-KR" altLang="en-US" sz="1600" dirty="0">
+                <a:latin typeface="맑은 고딕" panose="020B0503020000020004" pitchFamily="50" charset="-127"/>
+                <a:ea typeface="맑은 고딕" panose="020B0503020000020004" pitchFamily="50" charset="-127"/>
+              </a:rPr>
+              <a:t>편향 값</a:t>
             </a:r>
             <a:endParaRPr lang="en-US" altLang="ko-KR" sz="1600" dirty="0">
               <a:solidFill>
@@ -6566,472 +7739,15 @@
             </a:endParaRPr>
           </a:p>
           <a:p>
-            <a:pPr marL="285750" indent="-285750">
+            <a:pPr lvl="1">
               <a:lnSpc>
                 <a:spcPct val="150000"/>
               </a:lnSpc>
-              <a:buFontTx/>
-              <a:buChar char="-"/>
             </a:pPr>
-            <a:r>
-              <a:rPr lang="ko-KR" altLang="ko-KR" sz="1600" dirty="0">
-                <a:solidFill>
-                  <a:srgbClr val="333333"/>
-                </a:solidFill>
-                <a:latin typeface="맑은 고딕" panose="020B0503020000020004" pitchFamily="50" charset="-127"/>
-                <a:ea typeface="맑은 고딕" panose="020B0503020000020004" pitchFamily="50" charset="-127"/>
-              </a:rPr>
-              <a:t>LSTM </a:t>
-            </a:r>
-            <a:r>
-              <a:rPr lang="ko-KR" altLang="ko-KR" sz="1600" dirty="0" err="1">
-                <a:solidFill>
-                  <a:srgbClr val="333333"/>
-                </a:solidFill>
-                <a:latin typeface="맑은 고딕" panose="020B0503020000020004" pitchFamily="50" charset="-127"/>
-                <a:ea typeface="맑은 고딕" panose="020B0503020000020004" pitchFamily="50" charset="-127"/>
-              </a:rPr>
-              <a:t>cell</a:t>
-            </a:r>
-            <a:r>
-              <a:rPr lang="ko-KR" altLang="ko-KR" sz="1600" dirty="0">
-                <a:solidFill>
-                  <a:srgbClr val="333333"/>
-                </a:solidFill>
-                <a:latin typeface="맑은 고딕" panose="020B0503020000020004" pitchFamily="50" charset="-127"/>
-                <a:ea typeface="맑은 고딕" panose="020B0503020000020004" pitchFamily="50" charset="-127"/>
-              </a:rPr>
-              <a:t> 하나에 </a:t>
-            </a:r>
-            <a:r>
-              <a:rPr lang="ko-KR" altLang="ko-KR" sz="1600" dirty="0" err="1">
-                <a:solidFill>
-                  <a:srgbClr val="333333"/>
-                </a:solidFill>
-                <a:latin typeface="맑은 고딕" panose="020B0503020000020004" pitchFamily="50" charset="-127"/>
-                <a:ea typeface="맑은 고딕" panose="020B0503020000020004" pitchFamily="50" charset="-127"/>
-              </a:rPr>
-              <a:t>input으로</a:t>
-            </a:r>
-            <a:r>
-              <a:rPr lang="ko-KR" altLang="ko-KR" sz="1600" dirty="0">
-                <a:solidFill>
-                  <a:srgbClr val="333333"/>
-                </a:solidFill>
-                <a:latin typeface="맑은 고딕" panose="020B0503020000020004" pitchFamily="50" charset="-127"/>
-                <a:ea typeface="맑은 고딕" panose="020B0503020000020004" pitchFamily="50" charset="-127"/>
-              </a:rPr>
-              <a:t> 들어오는</a:t>
-            </a:r>
-            <a:r>
-              <a:rPr lang="en-US" altLang="ko-KR" sz="1600" dirty="0">
-                <a:solidFill>
-                  <a:srgbClr val="333333"/>
-                </a:solidFill>
-                <a:latin typeface="맑은 고딕" panose="020B0503020000020004" pitchFamily="50" charset="-127"/>
-                <a:ea typeface="맑은 고딕" panose="020B0503020000020004" pitchFamily="50" charset="-127"/>
-              </a:rPr>
-              <a:t> </a:t>
-            </a:r>
-            <a:r>
-              <a:rPr lang="ko-KR" altLang="en-US" sz="1600" dirty="0">
-                <a:solidFill>
-                  <a:srgbClr val="333333"/>
-                </a:solidFill>
-                <a:latin typeface="맑은 고딕" panose="020B0503020000020004" pitchFamily="50" charset="-127"/>
-                <a:ea typeface="맑은 고딕" panose="020B0503020000020004" pitchFamily="50" charset="-127"/>
-              </a:rPr>
-              <a:t>값</a:t>
-            </a:r>
             <a:endParaRPr lang="en-US" altLang="ko-KR" sz="1600" dirty="0">
               <a:solidFill>
                 <a:srgbClr val="333333"/>
               </a:solidFill>
-              <a:latin typeface="맑은 고딕" panose="020B0503020000020004" pitchFamily="50" charset="-127"/>
-              <a:ea typeface="맑은 고딕" panose="020B0503020000020004" pitchFamily="50" charset="-127"/>
-            </a:endParaRPr>
-          </a:p>
-          <a:p>
-            <a:pPr marL="742950" lvl="1" indent="-285750">
-              <a:lnSpc>
-                <a:spcPct val="150000"/>
-              </a:lnSpc>
-              <a:buFontTx/>
-              <a:buChar char="-"/>
-            </a:pPr>
-            <a:r>
-              <a:rPr lang="ko-KR" altLang="ko-KR" sz="1600" dirty="0">
-                <a:solidFill>
-                  <a:srgbClr val="333333"/>
-                </a:solidFill>
-                <a:latin typeface="맑은 고딕" panose="020B0503020000020004" pitchFamily="50" charset="-127"/>
-                <a:ea typeface="맑은 고딕" panose="020B0503020000020004" pitchFamily="50" charset="-127"/>
-              </a:rPr>
-              <a:t>ht−1</a:t>
-            </a:r>
-            <a:r>
-              <a:rPr lang="en-US" altLang="ko-KR" sz="1600" dirty="0">
-                <a:solidFill>
-                  <a:srgbClr val="333333"/>
-                </a:solidFill>
-                <a:latin typeface="맑은 고딕" panose="020B0503020000020004" pitchFamily="50" charset="-127"/>
-                <a:ea typeface="맑은 고딕" panose="020B0503020000020004" pitchFamily="50" charset="-127"/>
-              </a:rPr>
-              <a:t> : </a:t>
-            </a:r>
-            <a:r>
-              <a:rPr lang="ko-KR" altLang="ko-KR" sz="1600" dirty="0">
-                <a:solidFill>
-                  <a:srgbClr val="333333"/>
-                </a:solidFill>
-                <a:latin typeface="맑은 고딕" panose="020B0503020000020004" pitchFamily="50" charset="-127"/>
-                <a:ea typeface="맑은 고딕" panose="020B0503020000020004" pitchFamily="50" charset="-127"/>
-              </a:rPr>
-              <a:t>전 </a:t>
-            </a:r>
-            <a:r>
-              <a:rPr lang="ko-KR" altLang="ko-KR" sz="1600" dirty="0" err="1">
-                <a:solidFill>
-                  <a:srgbClr val="333333"/>
-                </a:solidFill>
-                <a:latin typeface="맑은 고딕" panose="020B0503020000020004" pitchFamily="50" charset="-127"/>
-                <a:ea typeface="맑은 고딕" panose="020B0503020000020004" pitchFamily="50" charset="-127"/>
-              </a:rPr>
-              <a:t>hidden</a:t>
-            </a:r>
-            <a:r>
-              <a:rPr lang="ko-KR" altLang="ko-KR" sz="1600" dirty="0">
-                <a:solidFill>
-                  <a:srgbClr val="333333"/>
-                </a:solidFill>
-                <a:latin typeface="맑은 고딕" panose="020B0503020000020004" pitchFamily="50" charset="-127"/>
-                <a:ea typeface="맑은 고딕" panose="020B0503020000020004" pitchFamily="50" charset="-127"/>
-              </a:rPr>
-              <a:t> </a:t>
-            </a:r>
-            <a:r>
-              <a:rPr lang="ko-KR" altLang="ko-KR" sz="1600" dirty="0" err="1">
-                <a:solidFill>
-                  <a:srgbClr val="333333"/>
-                </a:solidFill>
-                <a:latin typeface="맑은 고딕" panose="020B0503020000020004" pitchFamily="50" charset="-127"/>
-                <a:ea typeface="맑은 고딕" panose="020B0503020000020004" pitchFamily="50" charset="-127"/>
-              </a:rPr>
-              <a:t>state</a:t>
-            </a:r>
-            <a:r>
-              <a:rPr lang="en-US" altLang="ko-KR" sz="1600" dirty="0">
-                <a:solidFill>
-                  <a:srgbClr val="333333"/>
-                </a:solidFill>
-                <a:latin typeface="맑은 고딕" panose="020B0503020000020004" pitchFamily="50" charset="-127"/>
-                <a:ea typeface="맑은 고딕" panose="020B0503020000020004" pitchFamily="50" charset="-127"/>
-              </a:rPr>
-              <a:t> </a:t>
-            </a:r>
-            <a:r>
-              <a:rPr lang="ko-KR" altLang="en-US" sz="1600" dirty="0">
-                <a:solidFill>
-                  <a:srgbClr val="333333"/>
-                </a:solidFill>
-                <a:latin typeface="맑은 고딕" panose="020B0503020000020004" pitchFamily="50" charset="-127"/>
-                <a:ea typeface="맑은 고딕" panose="020B0503020000020004" pitchFamily="50" charset="-127"/>
-              </a:rPr>
-              <a:t>벡터</a:t>
-            </a:r>
-            <a:r>
-              <a:rPr lang="en-US" altLang="ko-KR" sz="1600" dirty="0">
-                <a:solidFill>
-                  <a:srgbClr val="333333"/>
-                </a:solidFill>
-                <a:latin typeface="맑은 고딕" panose="020B0503020000020004" pitchFamily="50" charset="-127"/>
-                <a:ea typeface="맑은 고딕" panose="020B0503020000020004" pitchFamily="50" charset="-127"/>
-              </a:rPr>
-              <a:t>.</a:t>
-            </a:r>
-            <a:r>
-              <a:rPr lang="ko-KR" altLang="ko-KR" sz="1600" dirty="0">
-                <a:solidFill>
-                  <a:srgbClr val="333333"/>
-                </a:solidFill>
-                <a:latin typeface="맑은 고딕" panose="020B0503020000020004" pitchFamily="50" charset="-127"/>
-                <a:ea typeface="맑은 고딕" panose="020B0503020000020004" pitchFamily="50" charset="-127"/>
-              </a:rPr>
-              <a:t> </a:t>
-            </a:r>
-            <a:endParaRPr lang="en-US" altLang="ko-KR" sz="1600" dirty="0">
-              <a:solidFill>
-                <a:srgbClr val="333333"/>
-              </a:solidFill>
-              <a:latin typeface="맑은 고딕" panose="020B0503020000020004" pitchFamily="50" charset="-127"/>
-              <a:ea typeface="맑은 고딕" panose="020B0503020000020004" pitchFamily="50" charset="-127"/>
-            </a:endParaRPr>
-          </a:p>
-          <a:p>
-            <a:pPr marL="742950" lvl="1" indent="-285750">
-              <a:lnSpc>
-                <a:spcPct val="150000"/>
-              </a:lnSpc>
-              <a:buFontTx/>
-              <a:buChar char="-"/>
-            </a:pPr>
-            <a:r>
-              <a:rPr lang="ko-KR" altLang="ko-KR" sz="1600" dirty="0">
-                <a:solidFill>
-                  <a:srgbClr val="333333"/>
-                </a:solidFill>
-                <a:latin typeface="맑은 고딕" panose="020B0503020000020004" pitchFamily="50" charset="-127"/>
-                <a:ea typeface="맑은 고딕" panose="020B0503020000020004" pitchFamily="50" charset="-127"/>
-              </a:rPr>
-              <a:t>Eyt−1</a:t>
-            </a:r>
-            <a:r>
-              <a:rPr lang="en-US" altLang="ko-KR" sz="1600" dirty="0">
-                <a:solidFill>
-                  <a:srgbClr val="333333"/>
-                </a:solidFill>
-                <a:latin typeface="맑은 고딕" panose="020B0503020000020004" pitchFamily="50" charset="-127"/>
-                <a:ea typeface="맑은 고딕" panose="020B0503020000020004" pitchFamily="50" charset="-127"/>
-              </a:rPr>
-              <a:t>: t</a:t>
-            </a:r>
-            <a:r>
-              <a:rPr lang="ko-KR" altLang="ko-KR" sz="1600" dirty="0">
-                <a:solidFill>
-                  <a:srgbClr val="333333"/>
-                </a:solidFill>
-                <a:latin typeface="맑은 고딕" panose="020B0503020000020004" pitchFamily="50" charset="-127"/>
-                <a:ea typeface="맑은 고딕" panose="020B0503020000020004" pitchFamily="50" charset="-127"/>
-              </a:rPr>
-              <a:t>−1 시점에서 생성된 </a:t>
-            </a:r>
-            <a:r>
-              <a:rPr lang="ko-KR" altLang="ko-KR" sz="1600" dirty="0" err="1">
-                <a:solidFill>
-                  <a:srgbClr val="333333"/>
-                </a:solidFill>
-                <a:latin typeface="맑은 고딕" panose="020B0503020000020004" pitchFamily="50" charset="-127"/>
-                <a:ea typeface="맑은 고딕" panose="020B0503020000020004" pitchFamily="50" charset="-127"/>
-              </a:rPr>
-              <a:t>caption</a:t>
-            </a:r>
-            <a:r>
-              <a:rPr lang="ko-KR" altLang="ko-KR" sz="1600" dirty="0">
-                <a:solidFill>
-                  <a:srgbClr val="333333"/>
-                </a:solidFill>
-                <a:latin typeface="맑은 고딕" panose="020B0503020000020004" pitchFamily="50" charset="-127"/>
-                <a:ea typeface="맑은 고딕" panose="020B0503020000020004" pitchFamily="50" charset="-127"/>
-              </a:rPr>
-              <a:t> yt−1</a:t>
-            </a:r>
-            <a:r>
-              <a:rPr lang="ko-KR" altLang="en-US" sz="1600" dirty="0">
-                <a:solidFill>
-                  <a:srgbClr val="333333"/>
-                </a:solidFill>
-                <a:latin typeface="맑은 고딕" panose="020B0503020000020004" pitchFamily="50" charset="-127"/>
-                <a:ea typeface="맑은 고딕" panose="020B0503020000020004" pitchFamily="50" charset="-127"/>
-              </a:rPr>
-              <a:t>의 </a:t>
-            </a:r>
-            <a:r>
-              <a:rPr lang="ko-KR" altLang="en-US" sz="1600" dirty="0" err="1">
-                <a:solidFill>
-                  <a:srgbClr val="333333"/>
-                </a:solidFill>
-                <a:latin typeface="맑은 고딕" panose="020B0503020000020004" pitchFamily="50" charset="-127"/>
-                <a:ea typeface="맑은 고딕" panose="020B0503020000020004" pitchFamily="50" charset="-127"/>
-              </a:rPr>
-              <a:t>임베딩</a:t>
-            </a:r>
-            <a:r>
-              <a:rPr lang="ko-KR" altLang="en-US" sz="1600" dirty="0">
-                <a:solidFill>
-                  <a:srgbClr val="333333"/>
-                </a:solidFill>
-                <a:latin typeface="맑은 고딕" panose="020B0503020000020004" pitchFamily="50" charset="-127"/>
-                <a:ea typeface="맑은 고딕" panose="020B0503020000020004" pitchFamily="50" charset="-127"/>
-              </a:rPr>
-              <a:t> 벡터</a:t>
-            </a:r>
-            <a:r>
-              <a:rPr lang="en-US" altLang="ko-KR" sz="1600" dirty="0">
-                <a:solidFill>
-                  <a:srgbClr val="333333"/>
-                </a:solidFill>
-                <a:latin typeface="맑은 고딕" panose="020B0503020000020004" pitchFamily="50" charset="-127"/>
-                <a:ea typeface="맑은 고딕" panose="020B0503020000020004" pitchFamily="50" charset="-127"/>
-              </a:rPr>
-              <a:t>.</a:t>
-            </a:r>
-            <a:r>
-              <a:rPr lang="ko-KR" altLang="ko-KR" sz="1600" dirty="0">
-                <a:solidFill>
-                  <a:srgbClr val="333333"/>
-                </a:solidFill>
-                <a:latin typeface="맑은 고딕" panose="020B0503020000020004" pitchFamily="50" charset="-127"/>
-                <a:ea typeface="맑은 고딕" panose="020B0503020000020004" pitchFamily="50" charset="-127"/>
-              </a:rPr>
-              <a:t> </a:t>
-            </a:r>
-            <a:endParaRPr lang="en-US" altLang="ko-KR" sz="1600" dirty="0">
-              <a:solidFill>
-                <a:srgbClr val="333333"/>
-              </a:solidFill>
-              <a:latin typeface="맑은 고딕" panose="020B0503020000020004" pitchFamily="50" charset="-127"/>
-              <a:ea typeface="맑은 고딕" panose="020B0503020000020004" pitchFamily="50" charset="-127"/>
-            </a:endParaRPr>
-          </a:p>
-          <a:p>
-            <a:pPr marL="742950" lvl="1" indent="-285750">
-              <a:lnSpc>
-                <a:spcPct val="150000"/>
-              </a:lnSpc>
-              <a:buFontTx/>
-              <a:buChar char="-"/>
-            </a:pPr>
-            <a:r>
-              <a:rPr lang="ko-KR" altLang="ko-KR" sz="1600" dirty="0" err="1">
-                <a:solidFill>
-                  <a:srgbClr val="333333"/>
-                </a:solidFill>
-                <a:latin typeface="맑은 고딕" panose="020B0503020000020004" pitchFamily="50" charset="-127"/>
-                <a:ea typeface="맑은 고딕" panose="020B0503020000020004" pitchFamily="50" charset="-127"/>
-              </a:rPr>
-              <a:t>z</a:t>
-            </a:r>
-            <a:r>
-              <a:rPr lang="ko-KR" altLang="ko-KR" sz="1600" dirty="0">
-                <a:solidFill>
-                  <a:srgbClr val="333333"/>
-                </a:solidFill>
-                <a:latin typeface="맑은 고딕" panose="020B0503020000020004" pitchFamily="50" charset="-127"/>
-                <a:ea typeface="맑은 고딕" panose="020B0503020000020004" pitchFamily="50" charset="-127"/>
-              </a:rPr>
-              <a:t>^</a:t>
-            </a:r>
-            <a:r>
-              <a:rPr lang="en-US" altLang="ko-KR" sz="1600" dirty="0">
-                <a:solidFill>
-                  <a:srgbClr val="333333"/>
-                </a:solidFill>
-                <a:latin typeface="맑은 고딕" panose="020B0503020000020004" pitchFamily="50" charset="-127"/>
-                <a:ea typeface="맑은 고딕" panose="020B0503020000020004" pitchFamily="50" charset="-127"/>
-              </a:rPr>
-              <a:t>t :</a:t>
-            </a:r>
-            <a:r>
-              <a:rPr lang="ko-KR" altLang="ko-KR" sz="1600" dirty="0">
-                <a:solidFill>
-                  <a:srgbClr val="333333"/>
-                </a:solidFill>
-                <a:latin typeface="맑은 고딕" panose="020B0503020000020004" pitchFamily="50" charset="-127"/>
-                <a:ea typeface="맑은 고딕" panose="020B0503020000020004" pitchFamily="50" charset="-127"/>
-              </a:rPr>
-              <a:t> </a:t>
-            </a:r>
-            <a:r>
-              <a:rPr lang="ko-KR" altLang="ko-KR" sz="1600" dirty="0" err="1">
-                <a:solidFill>
-                  <a:srgbClr val="333333"/>
-                </a:solidFill>
-                <a:latin typeface="맑은 고딕" panose="020B0503020000020004" pitchFamily="50" charset="-127"/>
-                <a:ea typeface="맑은 고딕" panose="020B0503020000020004" pitchFamily="50" charset="-127"/>
-              </a:rPr>
-              <a:t>context</a:t>
-            </a:r>
-            <a:r>
-              <a:rPr lang="ko-KR" altLang="ko-KR" sz="1600" dirty="0">
-                <a:solidFill>
-                  <a:srgbClr val="333333"/>
-                </a:solidFill>
-                <a:latin typeface="맑은 고딕" panose="020B0503020000020004" pitchFamily="50" charset="-127"/>
-                <a:ea typeface="맑은 고딕" panose="020B0503020000020004" pitchFamily="50" charset="-127"/>
-              </a:rPr>
-              <a:t> </a:t>
-            </a:r>
-            <a:r>
-              <a:rPr lang="ko-KR" altLang="ko-KR" sz="1600" dirty="0" err="1">
-                <a:solidFill>
-                  <a:srgbClr val="333333"/>
-                </a:solidFill>
-                <a:latin typeface="맑은 고딕" panose="020B0503020000020004" pitchFamily="50" charset="-127"/>
-                <a:ea typeface="맑은 고딕" panose="020B0503020000020004" pitchFamily="50" charset="-127"/>
-              </a:rPr>
-              <a:t>vector</a:t>
-            </a:r>
-            <a:r>
-              <a:rPr lang="en-US" altLang="ko-KR" sz="1600" dirty="0">
-                <a:solidFill>
-                  <a:srgbClr val="333333"/>
-                </a:solidFill>
-                <a:latin typeface="맑은 고딕" panose="020B0503020000020004" pitchFamily="50" charset="-127"/>
-                <a:ea typeface="맑은 고딕" panose="020B0503020000020004" pitchFamily="50" charset="-127"/>
-              </a:rPr>
-              <a:t>.</a:t>
-            </a:r>
-            <a:r>
-              <a:rPr lang="ko-KR" altLang="ko-KR" sz="1600" dirty="0">
-                <a:solidFill>
-                  <a:srgbClr val="333333"/>
-                </a:solidFill>
-                <a:latin typeface="맑은 고딕" panose="020B0503020000020004" pitchFamily="50" charset="-127"/>
-                <a:ea typeface="맑은 고딕" panose="020B0503020000020004" pitchFamily="50" charset="-127"/>
-              </a:rPr>
-              <a:t> </a:t>
-            </a:r>
-            <a:r>
-              <a:rPr lang="ko-KR" altLang="ko-KR" sz="1600" dirty="0" err="1">
-                <a:solidFill>
-                  <a:srgbClr val="333333"/>
-                </a:solidFill>
-                <a:latin typeface="맑은 고딕" panose="020B0503020000020004" pitchFamily="50" charset="-127"/>
-                <a:ea typeface="맑은 고딕" panose="020B0503020000020004" pitchFamily="50" charset="-127"/>
-              </a:rPr>
-              <a:t>attention</a:t>
-            </a:r>
-            <a:r>
-              <a:rPr lang="ko-KR" altLang="ko-KR" sz="1600" dirty="0">
-                <a:solidFill>
-                  <a:srgbClr val="333333"/>
-                </a:solidFill>
-                <a:latin typeface="맑은 고딕" panose="020B0503020000020004" pitchFamily="50" charset="-127"/>
-                <a:ea typeface="맑은 고딕" panose="020B0503020000020004" pitchFamily="50" charset="-127"/>
-              </a:rPr>
-              <a:t> </a:t>
-            </a:r>
-            <a:r>
-              <a:rPr lang="ko-KR" altLang="ko-KR" sz="1600" dirty="0" err="1">
-                <a:solidFill>
-                  <a:srgbClr val="333333"/>
-                </a:solidFill>
-                <a:latin typeface="맑은 고딕" panose="020B0503020000020004" pitchFamily="50" charset="-127"/>
-                <a:ea typeface="맑은 고딕" panose="020B0503020000020004" pitchFamily="50" charset="-127"/>
-              </a:rPr>
-              <a:t>model에</a:t>
-            </a:r>
-            <a:r>
-              <a:rPr lang="ko-KR" altLang="ko-KR" sz="1600" dirty="0">
-                <a:solidFill>
-                  <a:srgbClr val="333333"/>
-                </a:solidFill>
-                <a:latin typeface="맑은 고딕" panose="020B0503020000020004" pitchFamily="50" charset="-127"/>
-                <a:ea typeface="맑은 고딕" panose="020B0503020000020004" pitchFamily="50" charset="-127"/>
-              </a:rPr>
-              <a:t> 의해서 결정</a:t>
-            </a:r>
-            <a:r>
-              <a:rPr lang="en-US" altLang="ko-KR" sz="1600" dirty="0">
-                <a:solidFill>
-                  <a:srgbClr val="333333"/>
-                </a:solidFill>
-                <a:latin typeface="맑은 고딕" panose="020B0503020000020004" pitchFamily="50" charset="-127"/>
-                <a:ea typeface="맑은 고딕" panose="020B0503020000020004" pitchFamily="50" charset="-127"/>
-              </a:rPr>
-              <a:t>.</a:t>
-            </a:r>
-            <a:endParaRPr lang="ko-KR" altLang="en-US" sz="1600" dirty="0">
               <a:latin typeface="맑은 고딕" panose="020B0503020000020004" pitchFamily="50" charset="-127"/>
               <a:ea typeface="맑은 고딕" panose="020B0503020000020004" pitchFamily="50" charset="-127"/>
             </a:endParaRPr>
@@ -7060,8 +7776,38 @@
         </p:blipFill>
         <p:spPr>
           <a:xfrm>
-            <a:off x="7699813" y="1404122"/>
+            <a:off x="7625615" y="1007762"/>
             <a:ext cx="3973967" cy="3038311"/>
+          </a:xfrm>
+          <a:prstGeom prst="rect">
+            <a:avLst/>
+          </a:prstGeom>
+        </p:spPr>
+      </p:pic>
+      <p:pic>
+        <p:nvPicPr>
+          <p:cNvPr id="11" name="그림 10">
+            <a:extLst>
+              <a:ext uri="{FF2B5EF4-FFF2-40B4-BE49-F238E27FC236}">
+                <a16:creationId xmlns:a16="http://schemas.microsoft.com/office/drawing/2014/main" id="{38B58C58-A127-4294-A23E-604D46BE5AB4}"/>
+              </a:ext>
+            </a:extLst>
+          </p:cNvPr>
+          <p:cNvPicPr>
+            <a:picLocks noChangeAspect="1"/>
+          </p:cNvPicPr>
+          <p:nvPr/>
+        </p:nvPicPr>
+        <p:blipFill>
+          <a:blip r:embed="rId4"/>
+          <a:stretch>
+            <a:fillRect/>
+          </a:stretch>
+        </p:blipFill>
+        <p:spPr>
+          <a:xfrm>
+            <a:off x="6807727" y="4607734"/>
+            <a:ext cx="4791855" cy="1619573"/>
           </a:xfrm>
           <a:prstGeom prst="rect">
             <a:avLst/>
@@ -7221,21 +7967,15 @@
           <a:lstStyle/>
           <a:p>
             <a:r>
+              <a:rPr lang="en-US" altLang="ko-KR" sz="2400" dirty="0">
+                <a:latin typeface="맑은 고딕" panose="020B0503020000020004" pitchFamily="50" charset="-127"/>
+                <a:ea typeface="맑은 고딕" panose="020B0503020000020004" pitchFamily="50" charset="-127"/>
+              </a:rPr>
+              <a:t>Attention</a:t>
+            </a:r>
+            <a:r>
               <a:rPr lang="en-US" altLang="ko-KR" sz="2400" dirty="0"/>
-              <a:t>Image Caption Generation with Attention Mechanism </a:t>
-            </a:r>
-            <a:r>
-              <a:rPr lang="en-US" altLang="ko-KR" sz="2400" dirty="0">
-                <a:solidFill>
-                  <a:srgbClr val="333333"/>
-                </a:solidFill>
-                <a:latin typeface="맑은 고딕" panose="020B0503020000020004" pitchFamily="50" charset="-127"/>
-              </a:rPr>
-              <a:t>- </a:t>
-            </a:r>
-            <a:r>
-              <a:rPr lang="en-US" altLang="ko-KR" sz="2400" dirty="0"/>
-              <a:t>Model</a:t>
+              <a:t> mechanism </a:t>
             </a:r>
             <a:endParaRPr lang="ko-KR" altLang="en-US" sz="2400" dirty="0"/>
           </a:p>
@@ -7273,16 +8013,16 @@
               <a:lnSpc>
                 <a:spcPct val="150000"/>
               </a:lnSpc>
-              <a:buFont typeface="Arial" panose="020B0604020202020204" pitchFamily="34" charset="0"/>
-              <a:buChar char="•"/>
+              <a:buFontTx/>
+              <a:buChar char="-"/>
             </a:pPr>
-            <a:r>
-              <a:rPr lang="en-US" altLang="ko-KR" sz="1600" dirty="0">
-                <a:latin typeface="맑은 고딕" panose="020B0503020000020004" pitchFamily="50" charset="-127"/>
-                <a:ea typeface="맑은 고딕" panose="020B0503020000020004" pitchFamily="50" charset="-127"/>
-              </a:rPr>
-              <a:t>Attention mechanism</a:t>
-            </a:r>
+            <a:endParaRPr lang="en-US" altLang="ko-KR" sz="1600" dirty="0">
+              <a:solidFill>
+                <a:srgbClr val="333333"/>
+              </a:solidFill>
+              <a:latin typeface="맑은 고딕" panose="020B0503020000020004" pitchFamily="50" charset="-127"/>
+              <a:ea typeface="맑은 고딕" panose="020B0503020000020004" pitchFamily="50" charset="-127"/>
+            </a:endParaRPr>
           </a:p>
           <a:p>
             <a:pPr marL="285750" indent="-285750">
@@ -7293,21 +8033,130 @@
               <a:buChar char="-"/>
             </a:pPr>
             <a:r>
-              <a:rPr lang="en-US" altLang="ko-KR" sz="1600" dirty="0" err="1">
-                <a:latin typeface="맑은 고딕" panose="020B0503020000020004" pitchFamily="50" charset="-127"/>
-                <a:ea typeface="맑은 고딕" panose="020B0503020000020004" pitchFamily="50" charset="-127"/>
-              </a:rPr>
-              <a:t>zˆt</a:t>
+              <a:rPr lang="ko-KR" altLang="ko-KR" sz="1600" dirty="0" err="1">
+                <a:solidFill>
+                  <a:srgbClr val="333333"/>
+                </a:solidFill>
+                <a:latin typeface="맑은 고딕" panose="020B0503020000020004" pitchFamily="50" charset="-127"/>
+                <a:ea typeface="맑은 고딕" panose="020B0503020000020004" pitchFamily="50" charset="-127"/>
+              </a:rPr>
+              <a:t>z^t</a:t>
+            </a:r>
+            <a:r>
+              <a:rPr lang="en-US" altLang="ko-KR" sz="1600" dirty="0">
+                <a:solidFill>
+                  <a:srgbClr val="333333"/>
+                </a:solidFill>
+                <a:latin typeface="맑은 고딕" panose="020B0503020000020004" pitchFamily="50" charset="-127"/>
+                <a:ea typeface="맑은 고딕" panose="020B0503020000020004" pitchFamily="50" charset="-127"/>
+              </a:rPr>
+              <a:t> : </a:t>
             </a:r>
             <a:r>
               <a:rPr lang="ko-KR" altLang="en-US" sz="1600" dirty="0">
-                <a:latin typeface="맑은 고딕" panose="020B0503020000020004" pitchFamily="50" charset="-127"/>
-                <a:ea typeface="맑은 고딕" panose="020B0503020000020004" pitchFamily="50" charset="-127"/>
-              </a:rPr>
-              <a:t>를 계산하는 메커니즘</a:t>
+                <a:solidFill>
+                  <a:srgbClr val="333333"/>
+                </a:solidFill>
+                <a:latin typeface="맑은 고딕" panose="020B0503020000020004" pitchFamily="50" charset="-127"/>
+                <a:ea typeface="맑은 고딕" panose="020B0503020000020004" pitchFamily="50" charset="-127"/>
+              </a:rPr>
+              <a:t>시간</a:t>
             </a:r>
             <a:r>
               <a:rPr lang="en-US" altLang="ko-KR" sz="1600" dirty="0">
+                <a:solidFill>
+                  <a:srgbClr val="333333"/>
+                </a:solidFill>
+                <a:latin typeface="맑은 고딕" panose="020B0503020000020004" pitchFamily="50" charset="-127"/>
+                <a:ea typeface="맑은 고딕" panose="020B0503020000020004" pitchFamily="50" charset="-127"/>
+              </a:rPr>
+              <a:t> t </a:t>
+            </a:r>
+            <a:r>
+              <a:rPr lang="ko-KR" altLang="en-US" sz="1600" dirty="0">
+                <a:solidFill>
+                  <a:srgbClr val="333333"/>
+                </a:solidFill>
+                <a:latin typeface="맑은 고딕" panose="020B0503020000020004" pitchFamily="50" charset="-127"/>
+                <a:ea typeface="맑은 고딕" panose="020B0503020000020004" pitchFamily="50" charset="-127"/>
+              </a:rPr>
+              <a:t>에서</a:t>
+            </a:r>
+            <a:r>
+              <a:rPr lang="en-US" altLang="ko-KR" sz="1600" dirty="0">
+                <a:solidFill>
+                  <a:srgbClr val="333333"/>
+                </a:solidFill>
+                <a:latin typeface="맑은 고딕" panose="020B0503020000020004" pitchFamily="50" charset="-127"/>
+                <a:ea typeface="맑은 고딕" panose="020B0503020000020004" pitchFamily="50" charset="-127"/>
+              </a:rPr>
+              <a:t> feature</a:t>
+            </a:r>
+            <a:r>
+              <a:rPr lang="ko-KR" altLang="en-US" sz="1600" dirty="0">
+                <a:solidFill>
+                  <a:srgbClr val="333333"/>
+                </a:solidFill>
+                <a:latin typeface="맑은 고딕" panose="020B0503020000020004" pitchFamily="50" charset="-127"/>
+                <a:ea typeface="맑은 고딕" panose="020B0503020000020004" pitchFamily="50" charset="-127"/>
+              </a:rPr>
+              <a:t> </a:t>
+            </a:r>
+            <a:r>
+              <a:rPr lang="en-US" altLang="ko-KR" sz="1600" dirty="0">
+                <a:solidFill>
+                  <a:srgbClr val="333333"/>
+                </a:solidFill>
+                <a:latin typeface="맑은 고딕" panose="020B0503020000020004" pitchFamily="50" charset="-127"/>
+                <a:ea typeface="맑은 고딕" panose="020B0503020000020004" pitchFamily="50" charset="-127"/>
+              </a:rPr>
+              <a:t>vector</a:t>
+            </a:r>
+            <a:r>
+              <a:rPr lang="ko-KR" altLang="en-US" sz="1600" dirty="0">
+                <a:solidFill>
+                  <a:srgbClr val="333333"/>
+                </a:solidFill>
+                <a:latin typeface="맑은 고딕" panose="020B0503020000020004" pitchFamily="50" charset="-127"/>
+                <a:ea typeface="맑은 고딕" panose="020B0503020000020004" pitchFamily="50" charset="-127"/>
+              </a:rPr>
+              <a:t> </a:t>
+            </a:r>
+            <a:r>
+              <a:rPr lang="en-US" altLang="ko-KR" sz="1600" b="1" dirty="0">
+                <a:solidFill>
+                  <a:srgbClr val="333333"/>
+                </a:solidFill>
+                <a:latin typeface="맑은 고딕" panose="020B0503020000020004" pitchFamily="50" charset="-127"/>
+                <a:ea typeface="맑은 고딕" panose="020B0503020000020004" pitchFamily="50" charset="-127"/>
+              </a:rPr>
+              <a:t>a</a:t>
+            </a:r>
+            <a:r>
+              <a:rPr lang="ko-KR" altLang="en-US" sz="1600" b="1" dirty="0">
+                <a:solidFill>
+                  <a:srgbClr val="333333"/>
+                </a:solidFill>
+                <a:latin typeface="맑은 고딕" panose="020B0503020000020004" pitchFamily="50" charset="-127"/>
+                <a:ea typeface="맑은 고딕" panose="020B0503020000020004" pitchFamily="50" charset="-127"/>
+              </a:rPr>
+              <a:t>를</a:t>
+            </a:r>
+            <a:r>
+              <a:rPr lang="ko-KR" altLang="en-US" sz="1600" dirty="0">
+                <a:solidFill>
+                  <a:srgbClr val="333333"/>
+                </a:solidFill>
+                <a:latin typeface="맑은 고딕" panose="020B0503020000020004" pitchFamily="50" charset="-127"/>
+                <a:ea typeface="맑은 고딕" panose="020B0503020000020004" pitchFamily="50" charset="-127"/>
+              </a:rPr>
+              <a:t> 초점을 맞출 부분을 고려하여 표현한 것</a:t>
+            </a:r>
+            <a:r>
+              <a:rPr lang="en-US" altLang="ko-KR" sz="1600" dirty="0">
+                <a:solidFill>
+                  <a:srgbClr val="333333"/>
+                </a:solidFill>
                 <a:latin typeface="맑은 고딕" panose="020B0503020000020004" pitchFamily="50" charset="-127"/>
                 <a:ea typeface="맑은 고딕" panose="020B0503020000020004" pitchFamily="50" charset="-127"/>
               </a:rPr>
@@ -7323,129 +8172,34 @@
               <a:buChar char="-"/>
             </a:pPr>
             <a:r>
-              <a:rPr lang="ko-KR" altLang="ko-KR" sz="1600" dirty="0" err="1">
-                <a:solidFill>
-                  <a:srgbClr val="333333"/>
-                </a:solidFill>
-                <a:latin typeface="맑은 고딕" panose="020B0503020000020004" pitchFamily="50" charset="-127"/>
-                <a:ea typeface="맑은 고딕" panose="020B0503020000020004" pitchFamily="50" charset="-127"/>
-              </a:rPr>
-              <a:t>z^t는</a:t>
-            </a:r>
-            <a:r>
-              <a:rPr lang="ko-KR" altLang="ko-KR" sz="1600" dirty="0">
-                <a:solidFill>
-                  <a:srgbClr val="333333"/>
-                </a:solidFill>
-                <a:latin typeface="맑은 고딕" panose="020B0503020000020004" pitchFamily="50" charset="-127"/>
-                <a:ea typeface="맑은 고딕" panose="020B0503020000020004" pitchFamily="50" charset="-127"/>
-              </a:rPr>
-              <a:t> CNN </a:t>
-            </a:r>
-            <a:r>
-              <a:rPr lang="ko-KR" altLang="ko-KR" sz="1600" dirty="0" err="1">
-                <a:solidFill>
-                  <a:srgbClr val="333333"/>
-                </a:solidFill>
-                <a:latin typeface="맑은 고딕" panose="020B0503020000020004" pitchFamily="50" charset="-127"/>
-                <a:ea typeface="맑은 고딕" panose="020B0503020000020004" pitchFamily="50" charset="-127"/>
-              </a:rPr>
-              <a:t>encoder</a:t>
-            </a:r>
-            <a:r>
-              <a:rPr lang="ko-KR" altLang="ko-KR" sz="1600" dirty="0">
-                <a:solidFill>
-                  <a:srgbClr val="333333"/>
-                </a:solidFill>
-                <a:latin typeface="맑은 고딕" panose="020B0503020000020004" pitchFamily="50" charset="-127"/>
-                <a:ea typeface="맑은 고딕" panose="020B0503020000020004" pitchFamily="50" charset="-127"/>
-              </a:rPr>
-              <a:t> </a:t>
-            </a:r>
-            <a:r>
-              <a:rPr lang="ko-KR" altLang="ko-KR" sz="1600" dirty="0" err="1">
-                <a:solidFill>
-                  <a:srgbClr val="333333"/>
-                </a:solidFill>
-                <a:latin typeface="맑은 고딕" panose="020B0503020000020004" pitchFamily="50" charset="-127"/>
-                <a:ea typeface="맑은 고딕" panose="020B0503020000020004" pitchFamily="50" charset="-127"/>
-              </a:rPr>
-              <a:t>output</a:t>
-            </a:r>
-            <a:r>
-              <a:rPr lang="ko-KR" altLang="ko-KR" sz="1600" dirty="0">
-                <a:solidFill>
-                  <a:srgbClr val="333333"/>
-                </a:solidFill>
-                <a:latin typeface="맑은 고딕" panose="020B0503020000020004" pitchFamily="50" charset="-127"/>
-                <a:ea typeface="맑은 고딕" panose="020B0503020000020004" pitchFamily="50" charset="-127"/>
-              </a:rPr>
-              <a:t> </a:t>
-            </a:r>
-            <a:r>
-              <a:rPr lang="ko-KR" altLang="ko-KR" sz="1600" dirty="0" err="1">
-                <a:solidFill>
-                  <a:srgbClr val="333333"/>
-                </a:solidFill>
-                <a:latin typeface="맑은 고딕" panose="020B0503020000020004" pitchFamily="50" charset="-127"/>
-                <a:ea typeface="맑은 고딕" panose="020B0503020000020004" pitchFamily="50" charset="-127"/>
-              </a:rPr>
-              <a:t>a와</a:t>
-            </a:r>
-            <a:r>
-              <a:rPr lang="ko-KR" altLang="ko-KR" sz="1600" dirty="0">
-                <a:solidFill>
-                  <a:srgbClr val="333333"/>
-                </a:solidFill>
-                <a:latin typeface="맑은 고딕" panose="020B0503020000020004" pitchFamily="50" charset="-127"/>
-                <a:ea typeface="맑은 고딕" panose="020B0503020000020004" pitchFamily="50" charset="-127"/>
-              </a:rPr>
-              <a:t> 바로 전 </a:t>
-            </a:r>
-            <a:r>
-              <a:rPr lang="ko-KR" altLang="ko-KR" sz="1600" dirty="0" err="1">
-                <a:solidFill>
-                  <a:srgbClr val="333333"/>
-                </a:solidFill>
-                <a:latin typeface="맑은 고딕" panose="020B0503020000020004" pitchFamily="50" charset="-127"/>
-                <a:ea typeface="맑은 고딕" panose="020B0503020000020004" pitchFamily="50" charset="-127"/>
-              </a:rPr>
-              <a:t>hidden</a:t>
-            </a:r>
-            <a:r>
-              <a:rPr lang="ko-KR" altLang="ko-KR" sz="1600" dirty="0">
-                <a:solidFill>
-                  <a:srgbClr val="333333"/>
-                </a:solidFill>
-                <a:latin typeface="맑은 고딕" panose="020B0503020000020004" pitchFamily="50" charset="-127"/>
-                <a:ea typeface="맑은 고딕" panose="020B0503020000020004" pitchFamily="50" charset="-127"/>
-              </a:rPr>
-              <a:t> </a:t>
-            </a:r>
-            <a:r>
-              <a:rPr lang="ko-KR" altLang="ko-KR" sz="1600" dirty="0" err="1">
-                <a:solidFill>
-                  <a:srgbClr val="333333"/>
-                </a:solidFill>
-                <a:latin typeface="맑은 고딕" panose="020B0503020000020004" pitchFamily="50" charset="-127"/>
-                <a:ea typeface="맑은 고딕" panose="020B0503020000020004" pitchFamily="50" charset="-127"/>
-              </a:rPr>
-              <a:t>state</a:t>
-            </a:r>
-            <a:r>
-              <a:rPr lang="ko-KR" altLang="ko-KR" sz="1600" dirty="0">
-                <a:solidFill>
-                  <a:srgbClr val="333333"/>
-                </a:solidFill>
-                <a:latin typeface="맑은 고딕" panose="020B0503020000020004" pitchFamily="50" charset="-127"/>
-                <a:ea typeface="맑은 고딕" panose="020B0503020000020004" pitchFamily="50" charset="-127"/>
-              </a:rPr>
-              <a:t> ht−1에 의해 결정된다.</a:t>
+              <a:rPr lang="en-US" altLang="ko-KR" sz="1600" dirty="0">
+                <a:latin typeface="맑은 고딕" panose="020B0503020000020004" pitchFamily="50" charset="-127"/>
+                <a:ea typeface="맑은 고딕" panose="020B0503020000020004" pitchFamily="50" charset="-127"/>
+              </a:rPr>
+              <a:t>ai : </a:t>
+            </a:r>
+            <a:r>
+              <a:rPr lang="ko-KR" altLang="en-US" sz="1600" dirty="0">
+                <a:latin typeface="맑은 고딕" panose="020B0503020000020004" pitchFamily="50" charset="-127"/>
+                <a:ea typeface="맑은 고딕" panose="020B0503020000020004" pitchFamily="50" charset="-127"/>
+              </a:rPr>
+              <a:t>이미지 위치 </a:t>
+            </a:r>
+            <a:r>
+              <a:rPr lang="en-US" altLang="ko-KR" sz="1600" dirty="0" err="1">
+                <a:latin typeface="맑은 고딕" panose="020B0503020000020004" pitchFamily="50" charset="-127"/>
+                <a:ea typeface="맑은 고딕" panose="020B0503020000020004" pitchFamily="50" charset="-127"/>
+              </a:rPr>
+              <a:t>i</a:t>
+            </a:r>
+            <a:r>
+              <a:rPr lang="ko-KR" altLang="en-US" sz="1600" dirty="0">
+                <a:latin typeface="맑은 고딕" panose="020B0503020000020004" pitchFamily="50" charset="-127"/>
+                <a:ea typeface="맑은 고딕" panose="020B0503020000020004" pitchFamily="50" charset="-127"/>
+              </a:rPr>
+              <a:t>가 단어를 생성하기 위해 집중할 올바른 장소일 확률 </a:t>
             </a:r>
             <a:endParaRPr lang="en-US" altLang="ko-KR" sz="1600" dirty="0">
-              <a:solidFill>
-                <a:srgbClr val="333333"/>
-              </a:solidFill>
               <a:latin typeface="맑은 고딕" panose="020B0503020000020004" pitchFamily="50" charset="-127"/>
               <a:ea typeface="맑은 고딕" panose="020B0503020000020004" pitchFamily="50" charset="-127"/>
             </a:endParaRPr>
@@ -7459,11 +8213,25 @@
               <a:buChar char="-"/>
             </a:pPr>
             <a:r>
+              <a:rPr lang="en-US" altLang="ko-KR" sz="1600" dirty="0" err="1">
+                <a:latin typeface="맑은 고딕" panose="020B0503020000020004" pitchFamily="50" charset="-127"/>
+                <a:ea typeface="맑은 고딕" panose="020B0503020000020004" pitchFamily="50" charset="-127"/>
+              </a:rPr>
+              <a:t>Ati</a:t>
+            </a:r>
+            <a:r>
+              <a:rPr lang="ko-KR" altLang="en-US" sz="1600" dirty="0">
+                <a:latin typeface="맑은 고딕" panose="020B0503020000020004" pitchFamily="50" charset="-127"/>
+                <a:ea typeface="맑은 고딕" panose="020B0503020000020004" pitchFamily="50" charset="-127"/>
+              </a:rPr>
+              <a:t> </a:t>
+            </a:r>
+            <a:r>
               <a:rPr lang="en-US" altLang="ko-KR" sz="1600" dirty="0">
                 <a:latin typeface="맑은 고딕" panose="020B0503020000020004" pitchFamily="50" charset="-127"/>
                 <a:ea typeface="맑은 고딕" panose="020B0503020000020004" pitchFamily="50" charset="-127"/>
               </a:rPr>
-              <a:t>at</a:t>
+              <a:t>:</a:t>
             </a:r>
             <a:r>
               <a:rPr lang="ko-KR" altLang="en-US" sz="1600" dirty="0">
@@ -7477,49 +8245,77 @@
                 <a:latin typeface="맑은 고딕" panose="020B0503020000020004" pitchFamily="50" charset="-127"/>
                 <a:ea typeface="맑은 고딕" panose="020B0503020000020004" pitchFamily="50" charset="-127"/>
               </a:rPr>
-              <a:t>:</a:t>
+              <a:t>time t</a:t>
             </a:r>
             <a:r>
               <a:rPr lang="ko-KR" altLang="en-US" sz="1600" dirty="0">
                 <a:latin typeface="맑은 고딕" panose="020B0503020000020004" pitchFamily="50" charset="-127"/>
                 <a:ea typeface="맑은 고딕" panose="020B0503020000020004" pitchFamily="50" charset="-127"/>
               </a:rPr>
-              <a:t> </a:t>
+              <a:t>에서의 </a:t>
             </a:r>
             <a:r>
               <a:rPr lang="en-US" altLang="ko-KR" sz="1600" dirty="0">
                 <a:latin typeface="맑은 고딕" panose="020B0503020000020004" pitchFamily="50" charset="-127"/>
                 <a:ea typeface="맑은 고딕" panose="020B0503020000020004" pitchFamily="50" charset="-127"/>
               </a:rPr>
-              <a:t>time t</a:t>
+              <a:t>a</a:t>
             </a:r>
             <a:r>
               <a:rPr lang="ko-KR" altLang="en-US" sz="1600" dirty="0">
                 <a:latin typeface="맑은 고딕" panose="020B0503020000020004" pitchFamily="50" charset="-127"/>
                 <a:ea typeface="맑은 고딕" panose="020B0503020000020004" pitchFamily="50" charset="-127"/>
               </a:rPr>
-              <a:t>에서의 </a:t>
+              <a:t>의 </a:t>
+            </a:r>
+            <a:r>
+              <a:rPr lang="en-US" altLang="ko-KR" sz="1600" dirty="0" err="1">
+                <a:latin typeface="맑은 고딕" panose="020B0503020000020004" pitchFamily="50" charset="-127"/>
+                <a:ea typeface="맑은 고딕" panose="020B0503020000020004" pitchFamily="50" charset="-127"/>
+              </a:rPr>
+              <a:t>i</a:t>
+            </a:r>
+            <a:r>
+              <a:rPr lang="ko-KR" altLang="en-US" sz="1600" dirty="0">
+                <a:latin typeface="맑은 고딕" panose="020B0503020000020004" pitchFamily="50" charset="-127"/>
+                <a:ea typeface="맑은 고딕" panose="020B0503020000020004" pitchFamily="50" charset="-127"/>
+              </a:rPr>
+              <a:t>번째 요소인 </a:t>
+            </a:r>
+            <a:r>
+              <a:rPr lang="en-US" altLang="ko-KR" sz="1600" b="1" dirty="0">
+                <a:latin typeface="맑은 고딕" panose="020B0503020000020004" pitchFamily="50" charset="-127"/>
+                <a:ea typeface="맑은 고딕" panose="020B0503020000020004" pitchFamily="50" charset="-127"/>
+              </a:rPr>
+              <a:t>ai</a:t>
+            </a:r>
+            <a:r>
+              <a:rPr lang="ko-KR" altLang="en-US" sz="1600" dirty="0">
+                <a:latin typeface="맑은 고딕" panose="020B0503020000020004" pitchFamily="50" charset="-127"/>
+                <a:ea typeface="맑은 고딕" panose="020B0503020000020004" pitchFamily="50" charset="-127"/>
+              </a:rPr>
+              <a:t>의 </a:t>
             </a:r>
             <a:r>
               <a:rPr lang="en-US" altLang="ko-KR" sz="1600" dirty="0">
                 <a:latin typeface="맑은 고딕" panose="020B0503020000020004" pitchFamily="50" charset="-127"/>
                 <a:ea typeface="맑은 고딕" panose="020B0503020000020004" pitchFamily="50" charset="-127"/>
               </a:rPr>
-              <a:t>a</a:t>
+              <a:t>weight value </a:t>
             </a:r>
             <a:r>
               <a:rPr lang="ko-KR" altLang="en-US" sz="1600" dirty="0">
                 <a:latin typeface="맑은 고딕" panose="020B0503020000020004" pitchFamily="50" charset="-127"/>
                 <a:ea typeface="맑은 고딕" panose="020B0503020000020004" pitchFamily="50" charset="-127"/>
               </a:rPr>
-              <a:t>의 </a:t>
+              <a:t>값</a:t>
             </a:r>
             <a:r>
               <a:rPr lang="en-US" altLang="ko-KR" sz="1600" dirty="0">
                 <a:latin typeface="맑은 고딕" panose="020B0503020000020004" pitchFamily="50" charset="-127"/>
                 <a:ea typeface="맑은 고딕" panose="020B0503020000020004" pitchFamily="50" charset="-127"/>
               </a:rPr>
-              <a:t>weight vector.</a:t>
+              <a:t>. &lt; 1</a:t>
             </a:r>
           </a:p>
           <a:p>
@@ -7535,106 +8331,54 @@
                 <a:latin typeface="맑은 고딕" panose="020B0503020000020004" pitchFamily="50" charset="-127"/>
                 <a:ea typeface="맑은 고딕" panose="020B0503020000020004" pitchFamily="50" charset="-127"/>
               </a:rPr>
+              <a:t>fatt</a:t>
+            </a:r>
+            <a:r>
+              <a:rPr lang="en-US" altLang="ko-KR" sz="1600" dirty="0">
+                <a:latin typeface="맑은 고딕" panose="020B0503020000020004" pitchFamily="50" charset="-127"/>
+                <a:ea typeface="맑은 고딕" panose="020B0503020000020004" pitchFamily="50" charset="-127"/>
+              </a:rPr>
+              <a:t> : </a:t>
+            </a:r>
+            <a:r>
+              <a:rPr lang="en-US" altLang="ko-KR" sz="1600" dirty="0" err="1">
+                <a:latin typeface="맑은 고딕" panose="020B0503020000020004" pitchFamily="50" charset="-127"/>
+                <a:ea typeface="맑은 고딕" panose="020B0503020000020004" pitchFamily="50" charset="-127"/>
+              </a:rPr>
               <a:t>ati</a:t>
             </a:r>
             <a:r>
+              <a:rPr lang="en-US" altLang="ko-KR" sz="1600" dirty="0">
+                <a:latin typeface="맑은 고딕" panose="020B0503020000020004" pitchFamily="50" charset="-127"/>
+                <a:ea typeface="맑은 고딕" panose="020B0503020000020004" pitchFamily="50" charset="-127"/>
+              </a:rPr>
+              <a:t> </a:t>
+            </a:r>
+            <a:r>
               <a:rPr lang="ko-KR" altLang="en-US" sz="1600" dirty="0">
                 <a:latin typeface="맑은 고딕" panose="020B0503020000020004" pitchFamily="50" charset="-127"/>
                 <a:ea typeface="맑은 고딕" panose="020B0503020000020004" pitchFamily="50" charset="-127"/>
               </a:rPr>
-              <a:t> </a:t>
+              <a:t>값을 계산하기 위한 </a:t>
             </a:r>
             <a:r>
               <a:rPr lang="en-US" altLang="ko-KR" sz="1600" dirty="0">
                 <a:latin typeface="맑은 고딕" panose="020B0503020000020004" pitchFamily="50" charset="-127"/>
                 <a:ea typeface="맑은 고딕" panose="020B0503020000020004" pitchFamily="50" charset="-127"/>
               </a:rPr>
-              <a:t>:</a:t>
+              <a:t>attention </a:t>
             </a:r>
             <a:r>
               <a:rPr lang="ko-KR" altLang="en-US" sz="1600" dirty="0">
                 <a:latin typeface="맑은 고딕" panose="020B0503020000020004" pitchFamily="50" charset="-127"/>
                 <a:ea typeface="맑은 고딕" panose="020B0503020000020004" pitchFamily="50" charset="-127"/>
               </a:rPr>
-              <a:t> </a:t>
-            </a:r>
-            <a:r>
-              <a:rPr lang="en-US" altLang="ko-KR" sz="1600" dirty="0">
-                <a:latin typeface="맑은 고딕" panose="020B0503020000020004" pitchFamily="50" charset="-127"/>
-                <a:ea typeface="맑은 고딕" panose="020B0503020000020004" pitchFamily="50" charset="-127"/>
-              </a:rPr>
-              <a:t>time t</a:t>
-            </a:r>
-            <a:r>
-              <a:rPr lang="ko-KR" altLang="en-US" sz="1600" dirty="0">
-                <a:latin typeface="맑은 고딕" panose="020B0503020000020004" pitchFamily="50" charset="-127"/>
-                <a:ea typeface="맑은 고딕" panose="020B0503020000020004" pitchFamily="50" charset="-127"/>
-              </a:rPr>
-              <a:t>에서의 </a:t>
-            </a:r>
-            <a:r>
-              <a:rPr lang="en-US" altLang="ko-KR" sz="1600" dirty="0">
-                <a:latin typeface="맑은 고딕" panose="020B0503020000020004" pitchFamily="50" charset="-127"/>
-                <a:ea typeface="맑은 고딕" panose="020B0503020000020004" pitchFamily="50" charset="-127"/>
-              </a:rPr>
-              <a:t>a</a:t>
-            </a:r>
-            <a:r>
-              <a:rPr lang="ko-KR" altLang="en-US" sz="1600" dirty="0">
-                <a:latin typeface="맑은 고딕" panose="020B0503020000020004" pitchFamily="50" charset="-127"/>
-                <a:ea typeface="맑은 고딕" panose="020B0503020000020004" pitchFamily="50" charset="-127"/>
-              </a:rPr>
-              <a:t>의 </a:t>
-            </a:r>
-            <a:r>
-              <a:rPr lang="en-US" altLang="ko-KR" sz="1600" dirty="0" err="1">
-                <a:latin typeface="맑은 고딕" panose="020B0503020000020004" pitchFamily="50" charset="-127"/>
-                <a:ea typeface="맑은 고딕" panose="020B0503020000020004" pitchFamily="50" charset="-127"/>
-              </a:rPr>
-              <a:t>i</a:t>
-            </a:r>
-            <a:r>
-              <a:rPr lang="ko-KR" altLang="en-US" sz="1600" dirty="0">
-                <a:latin typeface="맑은 고딕" panose="020B0503020000020004" pitchFamily="50" charset="-127"/>
-                <a:ea typeface="맑은 고딕" panose="020B0503020000020004" pitchFamily="50" charset="-127"/>
-              </a:rPr>
-              <a:t>번째 요소인 </a:t>
-            </a:r>
-            <a:r>
-              <a:rPr lang="en-US" altLang="ko-KR" sz="1600" dirty="0">
-                <a:latin typeface="맑은 고딕" panose="020B0503020000020004" pitchFamily="50" charset="-127"/>
-                <a:ea typeface="맑은 고딕" panose="020B0503020000020004" pitchFamily="50" charset="-127"/>
-              </a:rPr>
-              <a:t>ai</a:t>
-            </a:r>
-            <a:r>
-              <a:rPr lang="ko-KR" altLang="en-US" sz="1600" dirty="0">
-                <a:latin typeface="맑은 고딕" panose="020B0503020000020004" pitchFamily="50" charset="-127"/>
-                <a:ea typeface="맑은 고딕" panose="020B0503020000020004" pitchFamily="50" charset="-127"/>
-              </a:rPr>
-              <a:t>의 </a:t>
-            </a:r>
-            <a:r>
-              <a:rPr lang="en-US" altLang="ko-KR" sz="1600" dirty="0">
-                <a:latin typeface="맑은 고딕" panose="020B0503020000020004" pitchFamily="50" charset="-127"/>
-                <a:ea typeface="맑은 고딕" panose="020B0503020000020004" pitchFamily="50" charset="-127"/>
-              </a:rPr>
-              <a:t>weight value </a:t>
-            </a:r>
-            <a:r>
-              <a:rPr lang="ko-KR" altLang="en-US" sz="1600" dirty="0">
-                <a:latin typeface="맑은 고딕" panose="020B0503020000020004" pitchFamily="50" charset="-127"/>
-                <a:ea typeface="맑은 고딕" panose="020B0503020000020004" pitchFamily="50" charset="-127"/>
-              </a:rPr>
-              <a:t>값</a:t>
-            </a:r>
-            <a:r>
-              <a:rPr lang="en-US" altLang="ko-KR" sz="1600" dirty="0">
-                <a:latin typeface="맑은 고딕" panose="020B0503020000020004" pitchFamily="50" charset="-127"/>
-                <a:ea typeface="맑은 고딕" panose="020B0503020000020004" pitchFamily="50" charset="-127"/>
-              </a:rPr>
-              <a:t>.</a:t>
-            </a:r>
+              <a:t>모델</a:t>
+            </a:r>
+            <a:endParaRPr lang="en-US" altLang="ko-KR" sz="1600" dirty="0">
+              <a:latin typeface="맑은 고딕" panose="020B0503020000020004" pitchFamily="50" charset="-127"/>
+              <a:ea typeface="맑은 고딕" panose="020B0503020000020004" pitchFamily="50" charset="-127"/>
+            </a:endParaRPr>
           </a:p>
           <a:p>
             <a:pPr>
@@ -7796,16 +8540,15 @@
           </p:cNvPicPr>
           <p:nvPr/>
         </p:nvPicPr>
-        <p:blipFill>
+        <p:blipFill rotWithShape="1">
           <a:blip r:embed="rId3"/>
-          <a:stretch>
-            <a:fillRect/>
-          </a:stretch>
+          <a:srcRect t="34086" r="15583" b="-4014"/>
+          <a:stretch/>
         </p:blipFill>
         <p:spPr>
           <a:xfrm>
-            <a:off x="8529506" y="1118437"/>
-            <a:ext cx="3581400" cy="1628775"/>
+            <a:off x="2242775" y="4202620"/>
+            <a:ext cx="3023295" cy="1138994"/>
           </a:xfrm>
           <a:prstGeom prst="rect">
             <a:avLst/>
@@ -7834,8 +8577,37 @@
         </p:blipFill>
         <p:spPr>
           <a:xfrm>
-            <a:off x="8653331" y="3652615"/>
+            <a:off x="8439362" y="1539195"/>
             <a:ext cx="3333750" cy="781050"/>
+          </a:xfrm>
+          <a:prstGeom prst="rect">
+            <a:avLst/>
+          </a:prstGeom>
+        </p:spPr>
+      </p:pic>
+      <p:pic>
+        <p:nvPicPr>
+          <p:cNvPr id="11" name="그림 10">
+            <a:extLst>
+              <a:ext uri="{FF2B5EF4-FFF2-40B4-BE49-F238E27FC236}">
+                <a16:creationId xmlns:a16="http://schemas.microsoft.com/office/drawing/2014/main" id="{E24FD537-A273-4F6F-9198-4EB1686790DE}"/>
+              </a:ext>
+            </a:extLst>
+          </p:cNvPr>
+          <p:cNvPicPr>
+            <a:picLocks noChangeAspect="1"/>
+          </p:cNvPicPr>
+          <p:nvPr/>
+        </p:nvPicPr>
+        <p:blipFill rotWithShape="1">
+          <a:blip r:embed="rId3"/>
+          <a:srcRect r="24728" b="61378"/>
+          <a:stretch/>
+        </p:blipFill>
+        <p:spPr>
+          <a:xfrm>
+            <a:off x="5578038" y="4457582"/>
+            <a:ext cx="2695787" cy="629069"/>
           </a:xfrm>
           <a:prstGeom prst="rect">
             <a:avLst/>
@@ -7846,6 +8618,2075 @@
     <p:extLst>
       <p:ext uri="{BB962C8B-B14F-4D97-AF65-F5344CB8AC3E}">
         <p14:creationId xmlns:p14="http://schemas.microsoft.com/office/powerpoint/2010/main" val="2752223115"/>
+      </p:ext>
+    </p:extLst>
+  </p:cSld>
+  <p:clrMapOvr>
+    <a:masterClrMapping/>
+  </p:clrMapOvr>
+</p:sld>
+</file>
+
+<file path=ppt/slides/slide8.xml><?xml version="1.0" encoding="utf-8"?>
+<p:sld xmlns:a="http://schemas.openxmlformats.org/drawingml/2006/main" xmlns:r="http://schemas.openxmlformats.org/officeDocument/2006/relationships" xmlns:p="http://schemas.openxmlformats.org/presentationml/2006/main">
+  <p:cSld>
+    <p:spTree>
+      <p:nvGrpSpPr>
+        <p:cNvPr id="1" name=""/>
+        <p:cNvGrpSpPr/>
+        <p:nvPr/>
+      </p:nvGrpSpPr>
+      <p:grpSpPr>
+        <a:xfrm>
+          <a:off x="0" y="0"/>
+          <a:ext cx="0" cy="0"/>
+          <a:chOff x="0" y="0"/>
+          <a:chExt cx="0" cy="0"/>
+        </a:xfrm>
+      </p:grpSpPr>
+      <p:sp>
+        <p:nvSpPr>
+          <p:cNvPr id="8" name="직사각형 7">
+            <a:extLst>
+              <a:ext uri="{FF2B5EF4-FFF2-40B4-BE49-F238E27FC236}">
+                <a16:creationId xmlns:a16="http://schemas.microsoft.com/office/drawing/2014/main" id="{212AE0A1-5F92-478A-A843-443E581BDF91}"/>
+              </a:ext>
+            </a:extLst>
+          </p:cNvPr>
+          <p:cNvSpPr/>
+          <p:nvPr/>
+        </p:nvSpPr>
+        <p:spPr>
+          <a:xfrm>
+            <a:off x="0" y="-1"/>
+            <a:ext cx="12192000" cy="825731"/>
+          </a:xfrm>
+          <a:prstGeom prst="rect">
+            <a:avLst/>
+          </a:prstGeom>
+          <a:solidFill>
+            <a:schemeClr val="accent6">
+              <a:lumMod val="40000"/>
+              <a:lumOff val="60000"/>
+            </a:schemeClr>
+          </a:solidFill>
+          <a:ln>
+            <a:solidFill>
+              <a:schemeClr val="accent6">
+                <a:lumMod val="40000"/>
+                <a:lumOff val="60000"/>
+              </a:schemeClr>
+            </a:solidFill>
+          </a:ln>
+        </p:spPr>
+        <p:style>
+          <a:lnRef idx="2">
+            <a:schemeClr val="accent1">
+              <a:shade val="50000"/>
+            </a:schemeClr>
+          </a:lnRef>
+          <a:fillRef idx="1">
+            <a:schemeClr val="accent1"/>
+          </a:fillRef>
+          <a:effectRef idx="0">
+            <a:schemeClr val="accent1"/>
+          </a:effectRef>
+          <a:fontRef idx="minor">
+            <a:schemeClr val="lt1"/>
+          </a:fontRef>
+        </p:style>
+        <p:txBody>
+          <a:bodyPr rtlCol="0" anchor="ctr"/>
+          <a:lstStyle/>
+          <a:p>
+            <a:pPr algn="ctr"/>
+            <a:endParaRPr lang="ko-KR" altLang="en-US"/>
+          </a:p>
+        </p:txBody>
+      </p:sp>
+      <p:sp>
+        <p:nvSpPr>
+          <p:cNvPr id="4" name="슬라이드 번호 개체 틀 3">
+            <a:extLst>
+              <a:ext uri="{FF2B5EF4-FFF2-40B4-BE49-F238E27FC236}">
+                <a16:creationId xmlns:a16="http://schemas.microsoft.com/office/drawing/2014/main" id="{B11A7AB9-7540-40FD-94B6-0135A3ED289C}"/>
+              </a:ext>
+            </a:extLst>
+          </p:cNvPr>
+          <p:cNvSpPr>
+            <a:spLocks noGrp="1"/>
+          </p:cNvSpPr>
+          <p:nvPr>
+            <p:ph type="sldNum" sz="quarter" idx="12"/>
+          </p:nvPr>
+        </p:nvSpPr>
+        <p:spPr>
+          <a:xfrm>
+            <a:off x="8563187" y="6379936"/>
+            <a:ext cx="2743200" cy="365125"/>
+          </a:xfrm>
+        </p:spPr>
+        <p:txBody>
+          <a:bodyPr/>
+          <a:lstStyle/>
+          <a:p>
+            <a:fld id="{C3EC3709-AF19-4BC3-8020-8E9C5E0E1F7D}" type="slidenum">
+              <a:rPr lang="ko-KR" altLang="en-US" smtClean="0"/>
+              <a:t>8</a:t>
+            </a:fld>
+            <a:endParaRPr lang="ko-KR" altLang="en-US"/>
+          </a:p>
+        </p:txBody>
+      </p:sp>
+      <p:sp>
+        <p:nvSpPr>
+          <p:cNvPr id="9" name="TextBox 8">
+            <a:extLst>
+              <a:ext uri="{FF2B5EF4-FFF2-40B4-BE49-F238E27FC236}">
+                <a16:creationId xmlns:a16="http://schemas.microsoft.com/office/drawing/2014/main" id="{19B6216F-12C7-418D-A944-6484C1992BBE}"/>
+              </a:ext>
+            </a:extLst>
+          </p:cNvPr>
+          <p:cNvSpPr txBox="1"/>
+          <p:nvPr/>
+        </p:nvSpPr>
+        <p:spPr>
+          <a:xfrm>
+            <a:off x="231339" y="182031"/>
+            <a:ext cx="11782163" cy="461665"/>
+          </a:xfrm>
+          <a:prstGeom prst="rect">
+            <a:avLst/>
+          </a:prstGeom>
+          <a:noFill/>
+        </p:spPr>
+        <p:txBody>
+          <a:bodyPr wrap="square" rtlCol="0">
+            <a:spAutoFit/>
+          </a:bodyPr>
+          <a:lstStyle/>
+          <a:p>
+            <a:r>
+              <a:rPr lang="en-US" altLang="ko-KR" sz="2400" dirty="0"/>
+              <a:t>Attention – Hard </a:t>
+            </a:r>
+            <a:endParaRPr lang="ko-KR" altLang="en-US" sz="2400" dirty="0"/>
+          </a:p>
+        </p:txBody>
+      </p:sp>
+      <p:sp>
+        <p:nvSpPr>
+          <p:cNvPr id="5" name="TextBox 4">
+            <a:extLst>
+              <a:ext uri="{FF2B5EF4-FFF2-40B4-BE49-F238E27FC236}">
+                <a16:creationId xmlns:a16="http://schemas.microsoft.com/office/drawing/2014/main" id="{F314C4F2-F522-449C-8FBB-430B3F4A7343}"/>
+              </a:ext>
+            </a:extLst>
+          </p:cNvPr>
+          <p:cNvSpPr txBox="1"/>
+          <p:nvPr/>
+        </p:nvSpPr>
+        <p:spPr>
+          <a:xfrm>
+            <a:off x="204918" y="1007762"/>
+            <a:ext cx="11782163" cy="4107343"/>
+          </a:xfrm>
+          <a:prstGeom prst="rect">
+            <a:avLst/>
+          </a:prstGeom>
+          <a:noFill/>
+        </p:spPr>
+        <p:txBody>
+          <a:bodyPr wrap="square" rtlCol="0">
+            <a:spAutoFit/>
+          </a:bodyPr>
+          <a:lstStyle/>
+          <a:p>
+            <a:pPr marL="285750" indent="-285750">
+              <a:lnSpc>
+                <a:spcPct val="150000"/>
+              </a:lnSpc>
+              <a:buFont typeface="Arial" panose="020B0604020202020204" pitchFamily="34" charset="0"/>
+              <a:buChar char="•"/>
+            </a:pPr>
+            <a:endParaRPr lang="en-US" altLang="ko-KR" sz="1600" dirty="0">
+              <a:latin typeface="맑은 고딕" panose="020B0503020000020004" pitchFamily="50" charset="-127"/>
+              <a:ea typeface="맑은 고딕" panose="020B0503020000020004" pitchFamily="50" charset="-127"/>
+            </a:endParaRPr>
+          </a:p>
+          <a:p>
+            <a:pPr marL="285750" indent="-285750">
+              <a:lnSpc>
+                <a:spcPct val="150000"/>
+              </a:lnSpc>
+              <a:buFont typeface="Arial" panose="020B0604020202020204" pitchFamily="34" charset="0"/>
+              <a:buChar char="•"/>
+            </a:pPr>
+            <a:r>
+              <a:rPr lang="en-US" altLang="ko-KR" sz="1600" dirty="0">
+                <a:latin typeface="맑은 고딕" panose="020B0503020000020004" pitchFamily="50" charset="-127"/>
+                <a:ea typeface="맑은 고딕" panose="020B0503020000020004" pitchFamily="50" charset="-127"/>
+              </a:rPr>
+              <a:t>Hard attention : feature vector </a:t>
+            </a:r>
+            <a:r>
+              <a:rPr lang="ko-KR" altLang="en-US" sz="1600" b="0" i="0" dirty="0">
+                <a:solidFill>
+                  <a:srgbClr val="333333"/>
+                </a:solidFill>
+                <a:effectLst/>
+                <a:latin typeface="Apple SD Gothic Neo"/>
+              </a:rPr>
+              <a:t>중 하나의 위치만</a:t>
+            </a:r>
+            <a:r>
+              <a:rPr lang="en-US" altLang="ko-KR" sz="1600" b="0" i="0" dirty="0">
+                <a:solidFill>
+                  <a:srgbClr val="333333"/>
+                </a:solidFill>
+                <a:effectLst/>
+                <a:latin typeface="Apple SD Gothic Neo"/>
+              </a:rPr>
+              <a:t> </a:t>
+            </a:r>
+            <a:r>
+              <a:rPr lang="ko-KR" altLang="en-US" sz="1600" b="0" i="0" dirty="0">
+                <a:solidFill>
+                  <a:srgbClr val="333333"/>
+                </a:solidFill>
+                <a:effectLst/>
+                <a:latin typeface="Apple SD Gothic Neo"/>
+              </a:rPr>
+              <a:t>집중</a:t>
+            </a:r>
+            <a:endParaRPr lang="en-US" altLang="ko-KR" sz="1600" b="0" i="0" dirty="0">
+              <a:solidFill>
+                <a:srgbClr val="333333"/>
+              </a:solidFill>
+              <a:effectLst/>
+              <a:latin typeface="Apple SD Gothic Neo"/>
+            </a:endParaRPr>
+          </a:p>
+          <a:p>
+            <a:pPr marL="285750" indent="-285750">
+              <a:lnSpc>
+                <a:spcPct val="150000"/>
+              </a:lnSpc>
+              <a:buFontTx/>
+              <a:buChar char="-"/>
+            </a:pPr>
+            <a:r>
+              <a:rPr lang="en-US" altLang="ko-KR" sz="1600" b="0" i="0" dirty="0">
+                <a:solidFill>
+                  <a:srgbClr val="333333"/>
+                </a:solidFill>
+                <a:effectLst/>
+                <a:latin typeface="Apple SD Gothic Neo"/>
+              </a:rPr>
+              <a:t>St</a:t>
+            </a:r>
+            <a:r>
+              <a:rPr lang="ko-KR" altLang="en-US" sz="1600" dirty="0">
+                <a:solidFill>
+                  <a:srgbClr val="333333"/>
+                </a:solidFill>
+                <a:latin typeface="Apple SD Gothic Neo"/>
+              </a:rPr>
+              <a:t> </a:t>
+            </a:r>
+            <a:r>
+              <a:rPr lang="en-US" altLang="ko-KR" sz="1600" dirty="0">
+                <a:solidFill>
+                  <a:srgbClr val="333333"/>
+                </a:solidFill>
+                <a:latin typeface="Apple SD Gothic Neo"/>
+              </a:rPr>
+              <a:t>:</a:t>
+            </a:r>
+            <a:r>
+              <a:rPr lang="ko-KR" altLang="en-US" sz="1600" dirty="0">
+                <a:solidFill>
+                  <a:srgbClr val="333333"/>
+                </a:solidFill>
+                <a:latin typeface="Apple SD Gothic Neo"/>
+              </a:rPr>
+              <a:t> </a:t>
+            </a:r>
+            <a:r>
+              <a:rPr lang="ko-KR" altLang="en-US" sz="1600" b="0" i="0" dirty="0">
+                <a:solidFill>
+                  <a:srgbClr val="333333"/>
+                </a:solidFill>
+                <a:effectLst/>
+                <a:latin typeface="Apple SD Gothic Neo"/>
+              </a:rPr>
+              <a:t> </a:t>
+            </a:r>
+            <a:r>
+              <a:rPr lang="en-US" altLang="ko-KR" sz="1600" b="0" i="0" dirty="0">
+                <a:solidFill>
+                  <a:srgbClr val="333333"/>
+                </a:solidFill>
+                <a:effectLst/>
+                <a:latin typeface="Apple SD Gothic Neo"/>
+              </a:rPr>
+              <a:t>(</a:t>
+            </a:r>
+            <a:r>
+              <a:rPr lang="en-US" altLang="ko-KR" sz="1600" dirty="0">
+                <a:latin typeface="맑은 고딕" panose="020B0503020000020004" pitchFamily="50" charset="-127"/>
+                <a:ea typeface="맑은 고딕" panose="020B0503020000020004" pitchFamily="50" charset="-127"/>
+              </a:rPr>
+              <a:t>feature vector </a:t>
+            </a:r>
+            <a:r>
+              <a:rPr lang="ko-KR" altLang="en-US" sz="1600" b="0" i="0" dirty="0">
+                <a:solidFill>
+                  <a:srgbClr val="333333"/>
+                </a:solidFill>
+                <a:effectLst/>
+                <a:latin typeface="Apple SD Gothic Neo"/>
+              </a:rPr>
+              <a:t>의 차원 </a:t>
+            </a:r>
+            <a:r>
+              <a:rPr lang="en-US" altLang="ko-KR" sz="1600" b="0" i="0" dirty="0">
+                <a:solidFill>
+                  <a:srgbClr val="333333"/>
+                </a:solidFill>
+                <a:effectLst/>
+                <a:latin typeface="Apple SD Gothic Neo"/>
+              </a:rPr>
+              <a:t>D) * 1 </a:t>
+            </a:r>
+            <a:r>
+              <a:rPr lang="ko-KR" altLang="en-US" sz="1600" b="0" i="0" dirty="0">
+                <a:solidFill>
+                  <a:srgbClr val="333333"/>
+                </a:solidFill>
+                <a:effectLst/>
+                <a:latin typeface="Apple SD Gothic Neo"/>
+              </a:rPr>
+              <a:t>크기의 </a:t>
+            </a:r>
+            <a:r>
+              <a:rPr lang="en-US" altLang="ko-KR" sz="1600" b="0" i="0" dirty="0">
+                <a:solidFill>
+                  <a:srgbClr val="333333"/>
+                </a:solidFill>
+                <a:effectLst/>
+                <a:latin typeface="Apple SD Gothic Neo"/>
+              </a:rPr>
+              <a:t>vector</a:t>
+            </a:r>
+            <a:r>
+              <a:rPr lang="en-US" altLang="ko-KR" sz="1600" dirty="0">
+                <a:solidFill>
+                  <a:srgbClr val="333333"/>
+                </a:solidFill>
+                <a:latin typeface="Apple SD Gothic Neo"/>
+              </a:rPr>
+              <a:t>.</a:t>
+            </a:r>
+            <a:r>
+              <a:rPr lang="en-US" altLang="ko-KR" sz="1600" b="0" i="0" dirty="0">
+                <a:solidFill>
+                  <a:srgbClr val="333333"/>
+                </a:solidFill>
+                <a:effectLst/>
+                <a:latin typeface="Apple SD Gothic Neo"/>
+              </a:rPr>
+              <a:t> </a:t>
+            </a:r>
+            <a:r>
+              <a:rPr lang="ko-KR" altLang="en-US" sz="1600" b="0" i="0" dirty="0">
+                <a:solidFill>
+                  <a:srgbClr val="333333"/>
+                </a:solidFill>
+                <a:effectLst/>
+                <a:latin typeface="Apple SD Gothic Neo"/>
+              </a:rPr>
+              <a:t>전부다 </a:t>
+            </a:r>
+            <a:r>
+              <a:rPr lang="en-US" altLang="ko-KR" sz="1600" b="0" i="0" dirty="0">
+                <a:solidFill>
+                  <a:srgbClr val="333333"/>
+                </a:solidFill>
+                <a:effectLst/>
+                <a:latin typeface="Apple SD Gothic Neo"/>
+              </a:rPr>
+              <a:t>0</a:t>
+            </a:r>
+            <a:r>
+              <a:rPr lang="ko-KR" altLang="en-US" sz="1600" b="0" i="0" dirty="0">
+                <a:solidFill>
+                  <a:srgbClr val="333333"/>
+                </a:solidFill>
+                <a:effectLst/>
+                <a:latin typeface="Apple SD Gothic Neo"/>
+              </a:rPr>
+              <a:t>이고 하나의 값만 </a:t>
+            </a:r>
+            <a:r>
+              <a:rPr lang="en-US" altLang="ko-KR" sz="1600" b="0" i="0" dirty="0">
+                <a:solidFill>
+                  <a:srgbClr val="333333"/>
+                </a:solidFill>
+                <a:effectLst/>
+                <a:latin typeface="Apple SD Gothic Neo"/>
+              </a:rPr>
+              <a:t>1</a:t>
+            </a:r>
+            <a:r>
+              <a:rPr lang="ko-KR" altLang="en-US" sz="1600" b="0" i="0" dirty="0">
+                <a:solidFill>
+                  <a:srgbClr val="333333"/>
+                </a:solidFill>
+                <a:effectLst/>
+                <a:latin typeface="Apple SD Gothic Neo"/>
+              </a:rPr>
+              <a:t>이다</a:t>
+            </a:r>
+            <a:r>
+              <a:rPr lang="en-US" altLang="ko-KR" sz="1600" b="0" i="0" dirty="0">
+                <a:solidFill>
+                  <a:srgbClr val="333333"/>
+                </a:solidFill>
+                <a:effectLst/>
+                <a:latin typeface="Apple SD Gothic Neo"/>
+              </a:rPr>
+              <a:t>. (one-hot encoding) . </a:t>
+            </a:r>
+            <a:r>
+              <a:rPr lang="ko-KR" altLang="en-US" sz="1600" b="0" i="0" dirty="0">
+                <a:solidFill>
+                  <a:srgbClr val="333333"/>
+                </a:solidFill>
+                <a:effectLst/>
+                <a:latin typeface="Apple SD Gothic Neo"/>
+              </a:rPr>
+              <a:t>즉 </a:t>
+            </a:r>
+            <a:r>
+              <a:rPr lang="en-US" altLang="ko-KR" sz="1600" b="0" i="0" dirty="0" err="1">
+                <a:solidFill>
+                  <a:srgbClr val="333333"/>
+                </a:solidFill>
+                <a:effectLst/>
+                <a:latin typeface="Apple SD Gothic Neo"/>
+              </a:rPr>
+              <a:t>st</a:t>
+            </a:r>
+            <a:r>
+              <a:rPr lang="ko-KR" altLang="en-US" sz="1600" b="0" i="0" dirty="0">
+                <a:solidFill>
+                  <a:srgbClr val="333333"/>
+                </a:solidFill>
+                <a:effectLst/>
+                <a:latin typeface="Apple SD Gothic Neo"/>
+              </a:rPr>
+              <a:t>의 </a:t>
+            </a:r>
+            <a:r>
+              <a:rPr lang="en-US" altLang="ko-KR" sz="1600" b="0" i="0" dirty="0" err="1">
+                <a:solidFill>
+                  <a:srgbClr val="333333"/>
+                </a:solidFill>
+                <a:effectLst/>
+                <a:latin typeface="Apple SD Gothic Neo"/>
+              </a:rPr>
+              <a:t>i</a:t>
+            </a:r>
+            <a:r>
+              <a:rPr lang="ko-KR" altLang="en-US" sz="1600" b="0" i="0" dirty="0">
+                <a:solidFill>
+                  <a:srgbClr val="333333"/>
+                </a:solidFill>
+                <a:effectLst/>
+                <a:latin typeface="Apple SD Gothic Neo"/>
+              </a:rPr>
+              <a:t>번째 인덱스 값이 </a:t>
+            </a:r>
+            <a:r>
+              <a:rPr lang="en-US" altLang="ko-KR" sz="1600" b="0" i="0" dirty="0">
+                <a:solidFill>
+                  <a:srgbClr val="333333"/>
+                </a:solidFill>
+                <a:effectLst/>
+                <a:latin typeface="Apple SD Gothic Neo"/>
+              </a:rPr>
+              <a:t>1</a:t>
+            </a:r>
+            <a:r>
+              <a:rPr lang="ko-KR" altLang="en-US" sz="1600" b="0" i="0" dirty="0">
+                <a:solidFill>
+                  <a:srgbClr val="333333"/>
+                </a:solidFill>
+                <a:effectLst/>
+                <a:latin typeface="Apple SD Gothic Neo"/>
+              </a:rPr>
+              <a:t>이라면 </a:t>
+            </a:r>
+            <a:r>
+              <a:rPr lang="en-US" altLang="ko-KR" sz="1600" dirty="0">
+                <a:latin typeface="맑은 고딕" panose="020B0503020000020004" pitchFamily="50" charset="-127"/>
+                <a:ea typeface="맑은 고딕" panose="020B0503020000020004" pitchFamily="50" charset="-127"/>
+              </a:rPr>
+              <a:t>feature</a:t>
+            </a:r>
+            <a:r>
+              <a:rPr lang="en-US" altLang="ko-KR" sz="1600" b="0" i="0" dirty="0">
+                <a:solidFill>
+                  <a:srgbClr val="333333"/>
+                </a:solidFill>
+                <a:effectLst/>
+                <a:latin typeface="Apple SD Gothic Neo"/>
+              </a:rPr>
+              <a:t> vector</a:t>
+            </a:r>
+            <a:r>
+              <a:rPr lang="ko-KR" altLang="en-US" sz="1600" b="0" i="0" dirty="0">
+                <a:solidFill>
+                  <a:srgbClr val="333333"/>
+                </a:solidFill>
+                <a:effectLst/>
+                <a:latin typeface="Apple SD Gothic Neo"/>
+              </a:rPr>
+              <a:t>의 </a:t>
+            </a:r>
+            <a:r>
+              <a:rPr lang="en-US" altLang="ko-KR" sz="1600" b="0" i="0" dirty="0" err="1">
+                <a:solidFill>
+                  <a:srgbClr val="333333"/>
+                </a:solidFill>
+                <a:effectLst/>
+                <a:latin typeface="Apple SD Gothic Neo"/>
+              </a:rPr>
+              <a:t>i</a:t>
+            </a:r>
+            <a:r>
+              <a:rPr lang="ko-KR" altLang="en-US" sz="1600" b="0" i="0" dirty="0">
+                <a:solidFill>
+                  <a:srgbClr val="333333"/>
+                </a:solidFill>
+                <a:effectLst/>
+                <a:latin typeface="Apple SD Gothic Neo"/>
+              </a:rPr>
+              <a:t>번째 위치를 선택하게 된다</a:t>
+            </a:r>
+            <a:r>
+              <a:rPr lang="en-US" altLang="ko-KR" sz="1600" b="0" i="0" dirty="0">
+                <a:solidFill>
+                  <a:srgbClr val="333333"/>
+                </a:solidFill>
+                <a:effectLst/>
+                <a:latin typeface="Apple SD Gothic Neo"/>
+              </a:rPr>
+              <a:t>.</a:t>
+            </a:r>
+            <a:endParaRPr lang="en-US" altLang="ko-KR" sz="1600" dirty="0">
+              <a:solidFill>
+                <a:srgbClr val="333333"/>
+              </a:solidFill>
+              <a:latin typeface="Apple SD Gothic Neo"/>
+            </a:endParaRPr>
+          </a:p>
+          <a:p>
+            <a:pPr marL="285750" indent="-285750">
+              <a:lnSpc>
+                <a:spcPct val="150000"/>
+              </a:lnSpc>
+              <a:buFontTx/>
+              <a:buChar char="-"/>
+            </a:pPr>
+            <a:r>
+              <a:rPr lang="ko-KR" altLang="en-US" sz="1600" b="0" i="0" dirty="0">
+                <a:solidFill>
+                  <a:srgbClr val="000000"/>
+                </a:solidFill>
+                <a:effectLst/>
+                <a:latin typeface="Malgun Gothic" panose="020B0503020000020004" pitchFamily="50" charset="-127"/>
+                <a:ea typeface="Malgun Gothic" panose="020B0503020000020004" pitchFamily="50" charset="-127"/>
+              </a:rPr>
+              <a:t>﻿</a:t>
+            </a:r>
+            <a:r>
+              <a:rPr lang="en-US" altLang="ko-KR" sz="1600" b="0" i="0" dirty="0" err="1">
+                <a:solidFill>
+                  <a:srgbClr val="000000"/>
+                </a:solidFill>
+                <a:effectLst/>
+                <a:latin typeface="Malgun Gothic" panose="020B0503020000020004" pitchFamily="50" charset="-127"/>
+                <a:ea typeface="Malgun Gothic" panose="020B0503020000020004" pitchFamily="50" charset="-127"/>
+              </a:rPr>
+              <a:t>st,i</a:t>
+            </a:r>
+            <a:r>
+              <a:rPr lang="en-US" altLang="ko-KR" sz="1600" b="0" i="0" dirty="0">
+                <a:solidFill>
+                  <a:srgbClr val="000000"/>
+                </a:solidFill>
+                <a:effectLst/>
+                <a:latin typeface="Malgun Gothic" panose="020B0503020000020004" pitchFamily="50" charset="-127"/>
+                <a:ea typeface="Malgun Gothic" panose="020B0503020000020004" pitchFamily="50" charset="-127"/>
+              </a:rPr>
+              <a:t> : </a:t>
+            </a:r>
+            <a:r>
+              <a:rPr lang="en-US" altLang="ko-KR" sz="1600" b="0" i="0" dirty="0" err="1">
+                <a:solidFill>
+                  <a:srgbClr val="000000"/>
+                </a:solidFill>
+                <a:effectLst/>
+                <a:latin typeface="Malgun Gothic" panose="020B0503020000020004" pitchFamily="50" charset="-127"/>
+                <a:ea typeface="Malgun Gothic" panose="020B0503020000020004" pitchFamily="50" charset="-127"/>
+              </a:rPr>
+              <a:t>st</a:t>
+            </a:r>
+            <a:r>
+              <a:rPr lang="ko-KR" altLang="en-US" sz="1600" b="0" i="0" dirty="0">
+                <a:solidFill>
+                  <a:srgbClr val="000000"/>
+                </a:solidFill>
+                <a:effectLst/>
+                <a:latin typeface="Malgun Gothic" panose="020B0503020000020004" pitchFamily="50" charset="-127"/>
+                <a:ea typeface="Malgun Gothic" panose="020B0503020000020004" pitchFamily="50" charset="-127"/>
+              </a:rPr>
+              <a:t>의 </a:t>
+            </a:r>
+            <a:r>
+              <a:rPr lang="en-US" altLang="ko-KR" sz="1600" b="0" i="0" dirty="0" err="1">
+                <a:solidFill>
+                  <a:srgbClr val="000000"/>
+                </a:solidFill>
+                <a:effectLst/>
+                <a:latin typeface="Malgun Gothic" panose="020B0503020000020004" pitchFamily="50" charset="-127"/>
+                <a:ea typeface="Malgun Gothic" panose="020B0503020000020004" pitchFamily="50" charset="-127"/>
+              </a:rPr>
+              <a:t>i</a:t>
+            </a:r>
+            <a:r>
+              <a:rPr lang="ko-KR" altLang="en-US" sz="1600" b="0" i="0" dirty="0">
+                <a:solidFill>
+                  <a:srgbClr val="000000"/>
+                </a:solidFill>
+                <a:effectLst/>
+                <a:latin typeface="Malgun Gothic" panose="020B0503020000020004" pitchFamily="50" charset="-127"/>
+                <a:ea typeface="Malgun Gothic" panose="020B0503020000020004" pitchFamily="50" charset="-127"/>
+              </a:rPr>
+              <a:t>번째</a:t>
+            </a:r>
+            <a:r>
+              <a:rPr lang="en-US" altLang="ko-KR" sz="1600" b="0" i="0" dirty="0">
+                <a:solidFill>
+                  <a:srgbClr val="000000"/>
+                </a:solidFill>
+                <a:effectLst/>
+                <a:latin typeface="Malgun Gothic" panose="020B0503020000020004" pitchFamily="50" charset="-127"/>
+                <a:ea typeface="Malgun Gothic" panose="020B0503020000020004" pitchFamily="50" charset="-127"/>
+              </a:rPr>
+              <a:t> </a:t>
+            </a:r>
+            <a:r>
+              <a:rPr lang="ko-KR" altLang="en-US" sz="1600" b="0" i="0" dirty="0">
+                <a:solidFill>
+                  <a:srgbClr val="000000"/>
+                </a:solidFill>
+                <a:effectLst/>
+                <a:latin typeface="Malgun Gothic" panose="020B0503020000020004" pitchFamily="50" charset="-127"/>
+                <a:ea typeface="Malgun Gothic" panose="020B0503020000020004" pitchFamily="50" charset="-127"/>
+              </a:rPr>
+              <a:t>위치</a:t>
+            </a:r>
+            <a:r>
+              <a:rPr lang="en-US" altLang="ko-KR" sz="1600" b="0" i="0" dirty="0">
+                <a:solidFill>
+                  <a:srgbClr val="000000"/>
+                </a:solidFill>
+                <a:effectLst/>
+                <a:latin typeface="Malgun Gothic" panose="020B0503020000020004" pitchFamily="50" charset="-127"/>
+                <a:ea typeface="Malgun Gothic" panose="020B0503020000020004" pitchFamily="50" charset="-127"/>
+              </a:rPr>
+              <a:t> </a:t>
+            </a:r>
+            <a:r>
+              <a:rPr lang="ko-KR" altLang="en-US" sz="1600" b="0" i="0" dirty="0">
+                <a:solidFill>
+                  <a:srgbClr val="000000"/>
+                </a:solidFill>
+                <a:effectLst/>
+                <a:latin typeface="Malgun Gothic" panose="020B0503020000020004" pitchFamily="50" charset="-127"/>
+                <a:ea typeface="Malgun Gothic" panose="020B0503020000020004" pitchFamily="50" charset="-127"/>
+              </a:rPr>
+              <a:t>변수</a:t>
+            </a:r>
+            <a:r>
+              <a:rPr lang="en-US" altLang="ko-KR" sz="1600" b="0" i="0" dirty="0">
+                <a:solidFill>
+                  <a:srgbClr val="000000"/>
+                </a:solidFill>
+                <a:effectLst/>
+                <a:latin typeface="Malgun Gothic" panose="020B0503020000020004" pitchFamily="50" charset="-127"/>
+                <a:ea typeface="Malgun Gothic" panose="020B0503020000020004" pitchFamily="50" charset="-127"/>
+              </a:rPr>
+              <a:t>.</a:t>
+            </a:r>
+          </a:p>
+          <a:p>
+            <a:pPr marL="285750" indent="-285750">
+              <a:lnSpc>
+                <a:spcPct val="150000"/>
+              </a:lnSpc>
+              <a:buFontTx/>
+              <a:buChar char="-"/>
+            </a:pPr>
+            <a:r>
+              <a:rPr lang="en-US" altLang="ko-KR" sz="1600" dirty="0" err="1">
+                <a:solidFill>
+                  <a:srgbClr val="333333"/>
+                </a:solidFill>
+                <a:latin typeface="Apple SD Gothic Neo"/>
+              </a:rPr>
+              <a:t>a</a:t>
+            </a:r>
+            <a:r>
+              <a:rPr lang="en-US" altLang="ko-KR" sz="1600" b="0" i="0" dirty="0" err="1">
+                <a:solidFill>
+                  <a:srgbClr val="333333"/>
+                </a:solidFill>
+                <a:effectLst/>
+                <a:latin typeface="Apple SD Gothic Neo"/>
+              </a:rPr>
+              <a:t>t,i</a:t>
+            </a:r>
+            <a:r>
+              <a:rPr lang="en-US" altLang="ko-KR" sz="1600" b="0" i="0" dirty="0">
+                <a:solidFill>
+                  <a:srgbClr val="333333"/>
+                </a:solidFill>
+                <a:effectLst/>
+                <a:latin typeface="Apple SD Gothic Neo"/>
+              </a:rPr>
+              <a:t> : </a:t>
+            </a:r>
+            <a:r>
+              <a:rPr lang="ko-KR" altLang="en-US" sz="1600" b="0" i="0" dirty="0">
+                <a:solidFill>
+                  <a:srgbClr val="333333"/>
+                </a:solidFill>
+                <a:effectLst/>
+                <a:latin typeface="Apple SD Gothic Neo"/>
+              </a:rPr>
+              <a:t>시간 </a:t>
+            </a:r>
+            <a:r>
+              <a:rPr lang="en-US" altLang="ko-KR" sz="1600" b="0" i="0" dirty="0">
+                <a:solidFill>
+                  <a:srgbClr val="333333"/>
+                </a:solidFill>
+                <a:effectLst/>
+                <a:latin typeface="Apple SD Gothic Neo"/>
+              </a:rPr>
+              <a:t>t </a:t>
+            </a:r>
+            <a:r>
+              <a:rPr lang="ko-KR" altLang="en-US" sz="1600" b="0" i="0" dirty="0">
+                <a:solidFill>
+                  <a:srgbClr val="333333"/>
+                </a:solidFill>
+                <a:effectLst/>
+                <a:latin typeface="Apple SD Gothic Neo"/>
+              </a:rPr>
+              <a:t>에서  </a:t>
+            </a:r>
+            <a:r>
+              <a:rPr lang="en-US" altLang="ko-KR" sz="1600" b="0" i="0" dirty="0" err="1">
+                <a:solidFill>
+                  <a:srgbClr val="333333"/>
+                </a:solidFill>
+                <a:effectLst/>
+                <a:latin typeface="Apple SD Gothic Neo"/>
+              </a:rPr>
+              <a:t>st,i</a:t>
+            </a:r>
+            <a:r>
+              <a:rPr lang="en-US" altLang="ko-KR" sz="1600" b="0" i="0" dirty="0">
+                <a:solidFill>
+                  <a:srgbClr val="333333"/>
+                </a:solidFill>
+                <a:effectLst/>
+                <a:latin typeface="Apple SD Gothic Neo"/>
+              </a:rPr>
+              <a:t> </a:t>
+            </a:r>
+            <a:r>
+              <a:rPr lang="en-US" altLang="ko-KR" sz="1600" dirty="0">
+                <a:solidFill>
+                  <a:srgbClr val="333333"/>
+                </a:solidFill>
+                <a:latin typeface="Apple SD Gothic Neo"/>
+              </a:rPr>
+              <a:t>=</a:t>
+            </a:r>
+            <a:r>
+              <a:rPr lang="ko-KR" altLang="en-US" sz="1600" dirty="0">
+                <a:solidFill>
+                  <a:srgbClr val="333333"/>
+                </a:solidFill>
+                <a:latin typeface="Apple SD Gothic Neo"/>
+              </a:rPr>
+              <a:t> </a:t>
+            </a:r>
+            <a:r>
+              <a:rPr lang="en-US" altLang="ko-KR" sz="1600" dirty="0">
+                <a:solidFill>
+                  <a:srgbClr val="333333"/>
+                </a:solidFill>
+                <a:latin typeface="Apple SD Gothic Neo"/>
+              </a:rPr>
+              <a:t>1</a:t>
+            </a:r>
+            <a:r>
+              <a:rPr lang="ko-KR" altLang="en-US" sz="1600" dirty="0">
+                <a:solidFill>
+                  <a:srgbClr val="333333"/>
+                </a:solidFill>
+                <a:latin typeface="Apple SD Gothic Neo"/>
+              </a:rPr>
+              <a:t>일 확률</a:t>
+            </a:r>
+            <a:r>
+              <a:rPr lang="en-US" altLang="ko-KR" sz="1600" dirty="0">
+                <a:solidFill>
+                  <a:srgbClr val="333333"/>
+                </a:solidFill>
+                <a:latin typeface="Apple SD Gothic Neo"/>
+              </a:rPr>
+              <a:t>. </a:t>
+            </a:r>
+            <a:r>
+              <a:rPr lang="ko-KR" altLang="en-US" sz="1600" dirty="0">
+                <a:solidFill>
+                  <a:srgbClr val="333333"/>
+                </a:solidFill>
+                <a:latin typeface="Apple SD Gothic Neo"/>
+              </a:rPr>
+              <a:t>이미지 벡터 </a:t>
+            </a:r>
+            <a:r>
+              <a:rPr lang="en-US" altLang="ko-KR" sz="1600" dirty="0">
+                <a:solidFill>
+                  <a:srgbClr val="333333"/>
+                </a:solidFill>
+                <a:latin typeface="Apple SD Gothic Neo"/>
+              </a:rPr>
+              <a:t>ai</a:t>
+            </a:r>
+            <a:r>
+              <a:rPr lang="ko-KR" altLang="en-US" sz="1600" dirty="0">
+                <a:solidFill>
+                  <a:srgbClr val="333333"/>
+                </a:solidFill>
+                <a:latin typeface="Apple SD Gothic Neo"/>
+              </a:rPr>
+              <a:t>와 이전 단계 </a:t>
+            </a:r>
+            <a:r>
+              <a:rPr lang="en-US" altLang="ko-KR" sz="1600" dirty="0" err="1">
+                <a:solidFill>
+                  <a:srgbClr val="333333"/>
+                </a:solidFill>
+                <a:latin typeface="Apple SD Gothic Neo"/>
+              </a:rPr>
+              <a:t>lstm</a:t>
+            </a:r>
+            <a:r>
+              <a:rPr lang="en-US" altLang="ko-KR" sz="1600" dirty="0">
+                <a:solidFill>
+                  <a:srgbClr val="333333"/>
+                </a:solidFill>
+                <a:latin typeface="Apple SD Gothic Neo"/>
+              </a:rPr>
+              <a:t> output</a:t>
+            </a:r>
+            <a:r>
+              <a:rPr lang="ko-KR" altLang="en-US" sz="1600" dirty="0">
+                <a:solidFill>
+                  <a:srgbClr val="333333"/>
+                </a:solidFill>
+                <a:latin typeface="Apple SD Gothic Neo"/>
+              </a:rPr>
+              <a:t> </a:t>
+            </a:r>
+            <a:r>
+              <a:rPr lang="en-US" altLang="ko-KR" sz="1600" dirty="0">
+                <a:solidFill>
+                  <a:srgbClr val="333333"/>
+                </a:solidFill>
+                <a:latin typeface="Apple SD Gothic Neo"/>
+              </a:rPr>
+              <a:t>vector</a:t>
+            </a:r>
+            <a:r>
+              <a:rPr lang="ko-KR" altLang="en-US" sz="1600" dirty="0">
+                <a:solidFill>
+                  <a:srgbClr val="333333"/>
+                </a:solidFill>
+                <a:latin typeface="Apple SD Gothic Neo"/>
+              </a:rPr>
+              <a:t> 간의 유사도 </a:t>
+            </a:r>
+            <a:r>
+              <a:rPr lang="en-US" altLang="ko-KR" sz="1600" dirty="0">
+                <a:solidFill>
+                  <a:srgbClr val="333333"/>
+                </a:solidFill>
+                <a:latin typeface="Apple SD Gothic Neo"/>
+              </a:rPr>
+              <a:t>( </a:t>
+            </a:r>
+            <a:r>
+              <a:rPr lang="ko-KR" altLang="en-US" sz="1600" dirty="0">
+                <a:solidFill>
+                  <a:srgbClr val="333333"/>
+                </a:solidFill>
+                <a:latin typeface="Apple SD Gothic Neo"/>
+              </a:rPr>
+              <a:t>내적</a:t>
+            </a:r>
+            <a:r>
+              <a:rPr lang="en-US" altLang="ko-KR" sz="1600" dirty="0">
+                <a:solidFill>
+                  <a:srgbClr val="333333"/>
+                </a:solidFill>
+                <a:latin typeface="Apple SD Gothic Neo"/>
+              </a:rPr>
+              <a:t>, </a:t>
+            </a:r>
+            <a:r>
+              <a:rPr lang="en-US" altLang="ko-KR" sz="1600" dirty="0" err="1">
+                <a:solidFill>
+                  <a:srgbClr val="333333"/>
+                </a:solidFill>
+                <a:latin typeface="Apple SD Gothic Neo"/>
+              </a:rPr>
+              <a:t>concat</a:t>
+            </a:r>
+            <a:r>
+              <a:rPr lang="en-US" altLang="ko-KR" sz="1600" dirty="0">
+                <a:solidFill>
+                  <a:srgbClr val="333333"/>
+                </a:solidFill>
+                <a:latin typeface="Apple SD Gothic Neo"/>
+              </a:rPr>
+              <a:t> ..) </a:t>
+            </a:r>
+            <a:r>
+              <a:rPr lang="ko-KR" altLang="en-US" sz="1600" dirty="0">
+                <a:solidFill>
+                  <a:srgbClr val="333333"/>
+                </a:solidFill>
+                <a:latin typeface="Apple SD Gothic Neo"/>
+              </a:rPr>
+              <a:t>계산을</a:t>
+            </a:r>
+            <a:r>
+              <a:rPr lang="en-US" altLang="ko-KR" sz="1600" dirty="0">
+                <a:solidFill>
+                  <a:srgbClr val="333333"/>
+                </a:solidFill>
+                <a:latin typeface="Apple SD Gothic Neo"/>
+              </a:rPr>
+              <a:t>  </a:t>
+            </a:r>
+            <a:r>
+              <a:rPr lang="ko-KR" altLang="en-US" sz="1600" dirty="0">
+                <a:solidFill>
+                  <a:srgbClr val="333333"/>
+                </a:solidFill>
+                <a:latin typeface="Apple SD Gothic Neo"/>
+              </a:rPr>
+              <a:t>통해 </a:t>
+            </a:r>
+            <a:r>
+              <a:rPr lang="en-US" altLang="ko-KR" sz="1600" dirty="0" err="1">
+                <a:solidFill>
+                  <a:srgbClr val="333333"/>
+                </a:solidFill>
+                <a:latin typeface="Apple SD Gothic Neo"/>
+              </a:rPr>
+              <a:t>softmax</a:t>
+            </a:r>
+            <a:r>
+              <a:rPr lang="en-US" altLang="ko-KR" sz="1600" dirty="0">
+                <a:solidFill>
+                  <a:srgbClr val="333333"/>
+                </a:solidFill>
+                <a:latin typeface="Apple SD Gothic Neo"/>
+              </a:rPr>
+              <a:t> </a:t>
+            </a:r>
+            <a:r>
+              <a:rPr lang="ko-KR" altLang="en-US" sz="1600" dirty="0">
+                <a:solidFill>
+                  <a:srgbClr val="333333"/>
+                </a:solidFill>
+                <a:latin typeface="Apple SD Gothic Neo"/>
+              </a:rPr>
+              <a:t>를</a:t>
+            </a:r>
+            <a:r>
+              <a:rPr lang="en-US" altLang="ko-KR" sz="1600" dirty="0">
+                <a:solidFill>
+                  <a:srgbClr val="333333"/>
+                </a:solidFill>
+                <a:latin typeface="Apple SD Gothic Neo"/>
+              </a:rPr>
+              <a:t> </a:t>
+            </a:r>
+            <a:r>
+              <a:rPr lang="ko-KR" altLang="en-US" sz="1600" dirty="0">
+                <a:solidFill>
+                  <a:srgbClr val="333333"/>
+                </a:solidFill>
+                <a:latin typeface="Apple SD Gothic Neo"/>
+              </a:rPr>
+              <a:t>취해 확률 값을 계산하여 구한다</a:t>
+            </a:r>
+            <a:r>
+              <a:rPr lang="en-US" altLang="ko-KR" sz="1600" dirty="0">
+                <a:solidFill>
+                  <a:srgbClr val="333333"/>
+                </a:solidFill>
+                <a:latin typeface="Apple SD Gothic Neo"/>
+              </a:rPr>
+              <a:t>.</a:t>
+            </a:r>
+          </a:p>
+          <a:p>
+            <a:pPr marL="285750" indent="-285750">
+              <a:lnSpc>
+                <a:spcPct val="150000"/>
+              </a:lnSpc>
+              <a:buFontTx/>
+              <a:buChar char="-"/>
+            </a:pPr>
+            <a:r>
+              <a:rPr lang="en-US" altLang="ko-KR" sz="1600" dirty="0" err="1">
+                <a:latin typeface="맑은 고딕" panose="020B0503020000020004" pitchFamily="50" charset="-127"/>
+                <a:ea typeface="맑은 고딕" panose="020B0503020000020004" pitchFamily="50" charset="-127"/>
+              </a:rPr>
+              <a:t>z^t</a:t>
+            </a:r>
+            <a:r>
+              <a:rPr lang="en-US" altLang="ko-KR" sz="1600" dirty="0">
+                <a:latin typeface="맑은 고딕" panose="020B0503020000020004" pitchFamily="50" charset="-127"/>
+                <a:ea typeface="맑은 고딕" panose="020B0503020000020004" pitchFamily="50" charset="-127"/>
+              </a:rPr>
+              <a:t>  : context</a:t>
+            </a:r>
+            <a:r>
+              <a:rPr lang="ko-KR" altLang="en-US" sz="1600" dirty="0">
+                <a:latin typeface="맑은 고딕" panose="020B0503020000020004" pitchFamily="50" charset="-127"/>
+                <a:ea typeface="맑은 고딕" panose="020B0503020000020004" pitchFamily="50" charset="-127"/>
+              </a:rPr>
+              <a:t> </a:t>
+            </a:r>
+            <a:r>
+              <a:rPr lang="en-US" altLang="ko-KR" sz="1600" dirty="0">
+                <a:latin typeface="맑은 고딕" panose="020B0503020000020004" pitchFamily="50" charset="-127"/>
+                <a:ea typeface="맑은 고딕" panose="020B0503020000020004" pitchFamily="50" charset="-127"/>
+              </a:rPr>
+              <a:t>vector.  feature vector </a:t>
+            </a:r>
+            <a:r>
+              <a:rPr lang="ko-KR" altLang="en-US" sz="1600" dirty="0">
+                <a:latin typeface="맑은 고딕" panose="020B0503020000020004" pitchFamily="50" charset="-127"/>
+                <a:ea typeface="맑은 고딕" panose="020B0503020000020004" pitchFamily="50" charset="-127"/>
+              </a:rPr>
+              <a:t>값 중 확률 값이 가장 높은 하나의 위치만 선택한 결과 값이 된다</a:t>
+            </a:r>
+            <a:r>
+              <a:rPr lang="en-US" altLang="ko-KR" sz="1600" dirty="0">
+                <a:latin typeface="맑은 고딕" panose="020B0503020000020004" pitchFamily="50" charset="-127"/>
+                <a:ea typeface="맑은 고딕" panose="020B0503020000020004" pitchFamily="50" charset="-127"/>
+              </a:rPr>
+              <a:t>.</a:t>
+            </a:r>
+            <a:endParaRPr lang="ko-KR" altLang="ko-KR" sz="1600" dirty="0">
+              <a:latin typeface="맑은 고딕" panose="020B0503020000020004" pitchFamily="50" charset="-127"/>
+              <a:ea typeface="맑은 고딕" panose="020B0503020000020004" pitchFamily="50" charset="-127"/>
+            </a:endParaRPr>
+          </a:p>
+          <a:p>
+            <a:pPr marL="285750" indent="-285750">
+              <a:lnSpc>
+                <a:spcPct val="150000"/>
+              </a:lnSpc>
+              <a:buFontTx/>
+              <a:buChar char="-"/>
+            </a:pPr>
+            <a:endParaRPr lang="en-US" altLang="ko-KR" sz="1600" dirty="0">
+              <a:latin typeface="맑은 고딕" panose="020B0503020000020004" pitchFamily="50" charset="-127"/>
+              <a:ea typeface="맑은 고딕" panose="020B0503020000020004" pitchFamily="50" charset="-127"/>
+            </a:endParaRPr>
+          </a:p>
+          <a:p>
+            <a:pPr marL="285750" indent="-285750">
+              <a:lnSpc>
+                <a:spcPct val="150000"/>
+              </a:lnSpc>
+              <a:buFontTx/>
+              <a:buChar char="-"/>
+            </a:pPr>
+            <a:endParaRPr lang="en-US" altLang="ko-KR" sz="1600" dirty="0">
+              <a:latin typeface="맑은 고딕" panose="020B0503020000020004" pitchFamily="50" charset="-127"/>
+              <a:ea typeface="맑은 고딕" panose="020B0503020000020004" pitchFamily="50" charset="-127"/>
+            </a:endParaRPr>
+          </a:p>
+          <a:p>
+            <a:pPr marL="285750" indent="-285750">
+              <a:lnSpc>
+                <a:spcPct val="150000"/>
+              </a:lnSpc>
+              <a:buFontTx/>
+              <a:buChar char="-"/>
+            </a:pPr>
+            <a:endParaRPr lang="ko-KR" altLang="en-US" sz="1600" dirty="0">
+              <a:latin typeface="맑은 고딕" panose="020B0503020000020004" pitchFamily="50" charset="-127"/>
+              <a:ea typeface="맑은 고딕" panose="020B0503020000020004" pitchFamily="50" charset="-127"/>
+            </a:endParaRPr>
+          </a:p>
+        </p:txBody>
+      </p:sp>
+      <p:pic>
+        <p:nvPicPr>
+          <p:cNvPr id="3" name="그림 2">
+            <a:extLst>
+              <a:ext uri="{FF2B5EF4-FFF2-40B4-BE49-F238E27FC236}">
+                <a16:creationId xmlns:a16="http://schemas.microsoft.com/office/drawing/2014/main" id="{32B0C60B-1C2F-40D6-9250-AD98FEE5BC37}"/>
+              </a:ext>
+            </a:extLst>
+          </p:cNvPr>
+          <p:cNvPicPr>
+            <a:picLocks noChangeAspect="1"/>
+          </p:cNvPicPr>
+          <p:nvPr/>
+        </p:nvPicPr>
+        <p:blipFill>
+          <a:blip r:embed="rId3"/>
+          <a:stretch>
+            <a:fillRect/>
+          </a:stretch>
+        </p:blipFill>
+        <p:spPr>
+          <a:xfrm>
+            <a:off x="3574277" y="4561443"/>
+            <a:ext cx="4133110" cy="1471387"/>
+          </a:xfrm>
+          <a:prstGeom prst="rect">
+            <a:avLst/>
+          </a:prstGeom>
+        </p:spPr>
+      </p:pic>
+    </p:spTree>
+    <p:extLst>
+      <p:ext uri="{BB962C8B-B14F-4D97-AF65-F5344CB8AC3E}">
+        <p14:creationId xmlns:p14="http://schemas.microsoft.com/office/powerpoint/2010/main" val="4248876346"/>
+      </p:ext>
+    </p:extLst>
+  </p:cSld>
+  <p:clrMapOvr>
+    <a:masterClrMapping/>
+  </p:clrMapOvr>
+</p:sld>
+</file>
+
+<file path=ppt/slides/slide9.xml><?xml version="1.0" encoding="utf-8"?>
+<p:sld xmlns:a="http://schemas.openxmlformats.org/drawingml/2006/main" xmlns:r="http://schemas.openxmlformats.org/officeDocument/2006/relationships" xmlns:p="http://schemas.openxmlformats.org/presentationml/2006/main">
+  <p:cSld>
+    <p:spTree>
+      <p:nvGrpSpPr>
+        <p:cNvPr id="1" name=""/>
+        <p:cNvGrpSpPr/>
+        <p:nvPr/>
+      </p:nvGrpSpPr>
+      <p:grpSpPr>
+        <a:xfrm>
+          <a:off x="0" y="0"/>
+          <a:ext cx="0" cy="0"/>
+          <a:chOff x="0" y="0"/>
+          <a:chExt cx="0" cy="0"/>
+        </a:xfrm>
+      </p:grpSpPr>
+      <p:pic>
+        <p:nvPicPr>
+          <p:cNvPr id="11" name="그림 10">
+            <a:extLst>
+              <a:ext uri="{FF2B5EF4-FFF2-40B4-BE49-F238E27FC236}">
+                <a16:creationId xmlns:a16="http://schemas.microsoft.com/office/drawing/2014/main" id="{696B99BD-1751-4061-8422-4164C9210664}"/>
+              </a:ext>
+            </a:extLst>
+          </p:cNvPr>
+          <p:cNvPicPr>
+            <a:picLocks noChangeAspect="1"/>
+          </p:cNvPicPr>
+          <p:nvPr/>
+        </p:nvPicPr>
+        <p:blipFill>
+          <a:blip r:embed="rId3"/>
+          <a:stretch>
+            <a:fillRect/>
+          </a:stretch>
+        </p:blipFill>
+        <p:spPr>
+          <a:xfrm>
+            <a:off x="8308168" y="3638089"/>
+            <a:ext cx="3678913" cy="2071027"/>
+          </a:xfrm>
+          <a:prstGeom prst="rect">
+            <a:avLst/>
+          </a:prstGeom>
+        </p:spPr>
+      </p:pic>
+      <p:sp>
+        <p:nvSpPr>
+          <p:cNvPr id="8" name="직사각형 7">
+            <a:extLst>
+              <a:ext uri="{FF2B5EF4-FFF2-40B4-BE49-F238E27FC236}">
+                <a16:creationId xmlns:a16="http://schemas.microsoft.com/office/drawing/2014/main" id="{212AE0A1-5F92-478A-A843-443E581BDF91}"/>
+              </a:ext>
+            </a:extLst>
+          </p:cNvPr>
+          <p:cNvSpPr/>
+          <p:nvPr/>
+        </p:nvSpPr>
+        <p:spPr>
+          <a:xfrm>
+            <a:off x="0" y="-1"/>
+            <a:ext cx="12192000" cy="825731"/>
+          </a:xfrm>
+          <a:prstGeom prst="rect">
+            <a:avLst/>
+          </a:prstGeom>
+          <a:solidFill>
+            <a:schemeClr val="accent6">
+              <a:lumMod val="40000"/>
+              <a:lumOff val="60000"/>
+            </a:schemeClr>
+          </a:solidFill>
+          <a:ln>
+            <a:solidFill>
+              <a:schemeClr val="accent6">
+                <a:lumMod val="40000"/>
+                <a:lumOff val="60000"/>
+              </a:schemeClr>
+            </a:solidFill>
+          </a:ln>
+        </p:spPr>
+        <p:style>
+          <a:lnRef idx="2">
+            <a:schemeClr val="accent1">
+              <a:shade val="50000"/>
+            </a:schemeClr>
+          </a:lnRef>
+          <a:fillRef idx="1">
+            <a:schemeClr val="accent1"/>
+          </a:fillRef>
+          <a:effectRef idx="0">
+            <a:schemeClr val="accent1"/>
+          </a:effectRef>
+          <a:fontRef idx="minor">
+            <a:schemeClr val="lt1"/>
+          </a:fontRef>
+        </p:style>
+        <p:txBody>
+          <a:bodyPr rtlCol="0" anchor="ctr"/>
+          <a:lstStyle/>
+          <a:p>
+            <a:pPr algn="ctr"/>
+            <a:endParaRPr lang="ko-KR" altLang="en-US"/>
+          </a:p>
+        </p:txBody>
+      </p:sp>
+      <p:sp>
+        <p:nvSpPr>
+          <p:cNvPr id="4" name="슬라이드 번호 개체 틀 3">
+            <a:extLst>
+              <a:ext uri="{FF2B5EF4-FFF2-40B4-BE49-F238E27FC236}">
+                <a16:creationId xmlns:a16="http://schemas.microsoft.com/office/drawing/2014/main" id="{B11A7AB9-7540-40FD-94B6-0135A3ED289C}"/>
+              </a:ext>
+            </a:extLst>
+          </p:cNvPr>
+          <p:cNvSpPr>
+            <a:spLocks noGrp="1"/>
+          </p:cNvSpPr>
+          <p:nvPr>
+            <p:ph type="sldNum" sz="quarter" idx="12"/>
+          </p:nvPr>
+        </p:nvSpPr>
+        <p:spPr>
+          <a:xfrm>
+            <a:off x="8563187" y="6379936"/>
+            <a:ext cx="2743200" cy="365125"/>
+          </a:xfrm>
+        </p:spPr>
+        <p:txBody>
+          <a:bodyPr/>
+          <a:lstStyle/>
+          <a:p>
+            <a:fld id="{C3EC3709-AF19-4BC3-8020-8E9C5E0E1F7D}" type="slidenum">
+              <a:rPr lang="ko-KR" altLang="en-US" smtClean="0"/>
+              <a:t>9</a:t>
+            </a:fld>
+            <a:endParaRPr lang="ko-KR" altLang="en-US"/>
+          </a:p>
+        </p:txBody>
+      </p:sp>
+      <p:sp>
+        <p:nvSpPr>
+          <p:cNvPr id="9" name="TextBox 8">
+            <a:extLst>
+              <a:ext uri="{FF2B5EF4-FFF2-40B4-BE49-F238E27FC236}">
+                <a16:creationId xmlns:a16="http://schemas.microsoft.com/office/drawing/2014/main" id="{19B6216F-12C7-418D-A944-6484C1992BBE}"/>
+              </a:ext>
+            </a:extLst>
+          </p:cNvPr>
+          <p:cNvSpPr txBox="1"/>
+          <p:nvPr/>
+        </p:nvSpPr>
+        <p:spPr>
+          <a:xfrm>
+            <a:off x="231339" y="182031"/>
+            <a:ext cx="11782163" cy="461665"/>
+          </a:xfrm>
+          <a:prstGeom prst="rect">
+            <a:avLst/>
+          </a:prstGeom>
+          <a:noFill/>
+        </p:spPr>
+        <p:txBody>
+          <a:bodyPr wrap="square" rtlCol="0">
+            <a:spAutoFit/>
+          </a:bodyPr>
+          <a:lstStyle/>
+          <a:p>
+            <a:r>
+              <a:rPr lang="en-US" altLang="ko-KR" sz="2400" dirty="0"/>
+              <a:t>Attention – Hard </a:t>
+            </a:r>
+            <a:endParaRPr lang="ko-KR" altLang="en-US" sz="2400" dirty="0"/>
+          </a:p>
+        </p:txBody>
+      </p:sp>
+      <p:sp>
+        <p:nvSpPr>
+          <p:cNvPr id="5" name="TextBox 4">
+            <a:extLst>
+              <a:ext uri="{FF2B5EF4-FFF2-40B4-BE49-F238E27FC236}">
+                <a16:creationId xmlns:a16="http://schemas.microsoft.com/office/drawing/2014/main" id="{F314C4F2-F522-449C-8FBB-430B3F4A7343}"/>
+              </a:ext>
+            </a:extLst>
+          </p:cNvPr>
+          <p:cNvSpPr txBox="1"/>
+          <p:nvPr/>
+        </p:nvSpPr>
+        <p:spPr>
+          <a:xfrm>
+            <a:off x="204918" y="1007762"/>
+            <a:ext cx="11782163" cy="4846007"/>
+          </a:xfrm>
+          <a:prstGeom prst="rect">
+            <a:avLst/>
+          </a:prstGeom>
+          <a:noFill/>
+        </p:spPr>
+        <p:txBody>
+          <a:bodyPr wrap="square" rtlCol="0">
+            <a:spAutoFit/>
+          </a:bodyPr>
+          <a:lstStyle/>
+          <a:p>
+            <a:pPr marL="285750" indent="-285750">
+              <a:lnSpc>
+                <a:spcPct val="150000"/>
+              </a:lnSpc>
+              <a:buFont typeface="Arial" panose="020B0604020202020204" pitchFamily="34" charset="0"/>
+              <a:buChar char="•"/>
+            </a:pPr>
+            <a:endParaRPr lang="en-US" altLang="ko-KR" sz="1600" dirty="0">
+              <a:latin typeface="맑은 고딕" panose="020B0503020000020004" pitchFamily="50" charset="-127"/>
+              <a:ea typeface="맑은 고딕" panose="020B0503020000020004" pitchFamily="50" charset="-127"/>
+            </a:endParaRPr>
+          </a:p>
+          <a:p>
+            <a:pPr marL="285750" indent="-285750">
+              <a:lnSpc>
+                <a:spcPct val="150000"/>
+              </a:lnSpc>
+              <a:buFontTx/>
+              <a:buChar char="-"/>
+            </a:pPr>
+            <a:r>
+              <a:rPr lang="en-US" altLang="ko-KR" sz="1600" dirty="0">
+                <a:latin typeface="맑은 고딕" panose="020B0503020000020004" pitchFamily="50" charset="-127"/>
+                <a:ea typeface="맑은 고딕" panose="020B0503020000020004" pitchFamily="50" charset="-127"/>
+              </a:rPr>
+              <a:t>Loss function</a:t>
+            </a:r>
+          </a:p>
+          <a:p>
+            <a:pPr marL="742950" lvl="1" indent="-285750">
+              <a:lnSpc>
+                <a:spcPct val="150000"/>
+              </a:lnSpc>
+              <a:buFontTx/>
+              <a:buChar char="-"/>
+            </a:pPr>
+            <a:r>
+              <a:rPr lang="en-US" altLang="ko-KR" sz="1600" dirty="0">
+                <a:latin typeface="맑은 고딕" panose="020B0503020000020004" pitchFamily="50" charset="-127"/>
+                <a:ea typeface="맑은 고딕" panose="020B0503020000020004" pitchFamily="50" charset="-127"/>
+              </a:rPr>
+              <a:t>Feature vector a </a:t>
+            </a:r>
+            <a:r>
+              <a:rPr lang="ko-KR" altLang="en-US" sz="1600" dirty="0">
+                <a:latin typeface="맑은 고딕" panose="020B0503020000020004" pitchFamily="50" charset="-127"/>
+                <a:ea typeface="맑은 고딕" panose="020B0503020000020004" pitchFamily="50" charset="-127"/>
+              </a:rPr>
+              <a:t>에</a:t>
+            </a:r>
+            <a:r>
+              <a:rPr lang="en-US" altLang="ko-KR" sz="1600" dirty="0">
+                <a:latin typeface="맑은 고딕" panose="020B0503020000020004" pitchFamily="50" charset="-127"/>
+                <a:ea typeface="맑은 고딕" panose="020B0503020000020004" pitchFamily="50" charset="-127"/>
+              </a:rPr>
+              <a:t> </a:t>
+            </a:r>
+            <a:r>
+              <a:rPr lang="ko-KR" altLang="en-US" sz="1600" dirty="0">
+                <a:latin typeface="맑은 고딕" panose="020B0503020000020004" pitchFamily="50" charset="-127"/>
+                <a:ea typeface="맑은 고딕" panose="020B0503020000020004" pitchFamily="50" charset="-127"/>
+              </a:rPr>
+              <a:t>대한 </a:t>
+            </a:r>
+            <a:r>
+              <a:rPr lang="en-US" altLang="ko-KR" sz="1600" dirty="0">
+                <a:latin typeface="맑은 고딕" panose="020B0503020000020004" pitchFamily="50" charset="-127"/>
+                <a:ea typeface="맑은 고딕" panose="020B0503020000020004" pitchFamily="50" charset="-127"/>
+              </a:rPr>
+              <a:t>caption y</a:t>
+            </a:r>
+            <a:r>
+              <a:rPr lang="ko-KR" altLang="en-US" sz="1600" dirty="0">
+                <a:latin typeface="맑은 고딕" panose="020B0503020000020004" pitchFamily="50" charset="-127"/>
+                <a:ea typeface="맑은 고딕" panose="020B0503020000020004" pitchFamily="50" charset="-127"/>
+              </a:rPr>
+              <a:t>의 확률 값에 </a:t>
+            </a:r>
+            <a:r>
+              <a:rPr lang="en-US" altLang="ko-KR" sz="1600" dirty="0">
+                <a:latin typeface="맑은 고딕" panose="020B0503020000020004" pitchFamily="50" charset="-127"/>
+                <a:ea typeface="맑은 고딕" panose="020B0503020000020004" pitchFamily="50" charset="-127"/>
+              </a:rPr>
+              <a:t>log</a:t>
+            </a:r>
+          </a:p>
+          <a:p>
+            <a:pPr marL="285750" indent="-285750">
+              <a:lnSpc>
+                <a:spcPct val="150000"/>
+              </a:lnSpc>
+              <a:buFontTx/>
+              <a:buChar char="-"/>
+            </a:pPr>
+            <a:endParaRPr lang="en-US" altLang="ko-KR" sz="1600" dirty="0">
+              <a:latin typeface="맑은 고딕" panose="020B0503020000020004" pitchFamily="50" charset="-127"/>
+              <a:ea typeface="맑은 고딕" panose="020B0503020000020004" pitchFamily="50" charset="-127"/>
+            </a:endParaRPr>
+          </a:p>
+          <a:p>
+            <a:pPr marL="285750" indent="-285750">
+              <a:lnSpc>
+                <a:spcPct val="150000"/>
+              </a:lnSpc>
+              <a:buFontTx/>
+              <a:buChar char="-"/>
+            </a:pPr>
+            <a:r>
+              <a:rPr lang="en-US" altLang="ko-KR" sz="1600" dirty="0">
+                <a:latin typeface="맑은 고딕" panose="020B0503020000020004" pitchFamily="50" charset="-127"/>
+                <a:ea typeface="맑은 고딕" panose="020B0503020000020004" pitchFamily="50" charset="-127"/>
+              </a:rPr>
+              <a:t>Backwards</a:t>
+            </a:r>
+          </a:p>
+          <a:p>
+            <a:pPr marL="742950" lvl="1" indent="-285750">
+              <a:lnSpc>
+                <a:spcPct val="150000"/>
+              </a:lnSpc>
+              <a:buFontTx/>
+              <a:buChar char="-"/>
+            </a:pPr>
+            <a:r>
+              <a:rPr lang="en-US" altLang="ko-KR" sz="1600" dirty="0">
+                <a:latin typeface="맑은 고딕" panose="020B0503020000020004" pitchFamily="50" charset="-127"/>
+                <a:ea typeface="맑은 고딕" panose="020B0503020000020004" pitchFamily="50" charset="-127"/>
+              </a:rPr>
+              <a:t>Loss </a:t>
+            </a:r>
+            <a:r>
+              <a:rPr lang="en-US" altLang="ko-KR" sz="1600" dirty="0" err="1">
+                <a:latin typeface="맑은 고딕" panose="020B0503020000020004" pitchFamily="50" charset="-127"/>
+                <a:ea typeface="맑은 고딕" panose="020B0503020000020004" pitchFamily="50" charset="-127"/>
+              </a:rPr>
+              <a:t>functiond</a:t>
+            </a:r>
+            <a:r>
+              <a:rPr lang="ko-KR" altLang="en-US" sz="1600" dirty="0">
+                <a:latin typeface="맑은 고딕" panose="020B0503020000020004" pitchFamily="50" charset="-127"/>
+                <a:ea typeface="맑은 고딕" panose="020B0503020000020004" pitchFamily="50" charset="-127"/>
+              </a:rPr>
+              <a:t>을 </a:t>
+            </a:r>
+            <a:r>
+              <a:rPr lang="en-US" altLang="ko-KR" sz="1600" dirty="0" err="1">
+                <a:latin typeface="맑은 고딕" panose="020B0503020000020004" pitchFamily="50" charset="-127"/>
+                <a:ea typeface="맑은 고딕" panose="020B0503020000020004" pitchFamily="50" charset="-127"/>
+              </a:rPr>
+              <a:t>nn</a:t>
+            </a:r>
+            <a:r>
+              <a:rPr lang="ko-KR" altLang="en-US" sz="1600" dirty="0">
+                <a:latin typeface="맑은 고딕" panose="020B0503020000020004" pitchFamily="50" charset="-127"/>
+                <a:ea typeface="맑은 고딕" panose="020B0503020000020004" pitchFamily="50" charset="-127"/>
+              </a:rPr>
+              <a:t>의 </a:t>
+            </a:r>
+            <a:r>
+              <a:rPr lang="en-US" altLang="ko-KR" sz="1600" dirty="0">
+                <a:latin typeface="맑은 고딕" panose="020B0503020000020004" pitchFamily="50" charset="-127"/>
+                <a:ea typeface="맑은 고딕" panose="020B0503020000020004" pitchFamily="50" charset="-127"/>
+              </a:rPr>
+              <a:t>weight parameter w</a:t>
+            </a:r>
+            <a:r>
+              <a:rPr lang="ko-KR" altLang="en-US" sz="1600" dirty="0">
+                <a:latin typeface="맑은 고딕" panose="020B0503020000020004" pitchFamily="50" charset="-127"/>
+                <a:ea typeface="맑은 고딕" panose="020B0503020000020004" pitchFamily="50" charset="-127"/>
+              </a:rPr>
+              <a:t>로 미분한다</a:t>
+            </a:r>
+            <a:r>
+              <a:rPr lang="en-US" altLang="ko-KR" sz="1600" dirty="0">
+                <a:latin typeface="맑은 고딕" panose="020B0503020000020004" pitchFamily="50" charset="-127"/>
+                <a:ea typeface="맑은 고딕" panose="020B0503020000020004" pitchFamily="50" charset="-127"/>
+              </a:rPr>
+              <a:t>.</a:t>
+            </a:r>
+          </a:p>
+          <a:p>
+            <a:pPr marL="742950" lvl="1" indent="-285750">
+              <a:lnSpc>
+                <a:spcPct val="150000"/>
+              </a:lnSpc>
+              <a:buFontTx/>
+              <a:buChar char="-"/>
+            </a:pPr>
+            <a:r>
+              <a:rPr lang="ko-KR" altLang="en-US" sz="1600" dirty="0">
+                <a:latin typeface="맑은 고딕" panose="020B0503020000020004" pitchFamily="50" charset="-127"/>
+                <a:ea typeface="맑은 고딕" panose="020B0503020000020004" pitchFamily="50" charset="-127"/>
+              </a:rPr>
+              <a:t>모든 </a:t>
+            </a:r>
+            <a:r>
+              <a:rPr lang="en-US" altLang="ko-KR" sz="1600" dirty="0">
+                <a:latin typeface="맑은 고딕" panose="020B0503020000020004" pitchFamily="50" charset="-127"/>
+                <a:ea typeface="맑은 고딕" panose="020B0503020000020004" pitchFamily="50" charset="-127"/>
+              </a:rPr>
+              <a:t>s</a:t>
+            </a:r>
+            <a:r>
+              <a:rPr lang="ko-KR" altLang="en-US" sz="1600" dirty="0">
+                <a:latin typeface="맑은 고딕" panose="020B0503020000020004" pitchFamily="50" charset="-127"/>
+                <a:ea typeface="맑은 고딕" panose="020B0503020000020004" pitchFamily="50" charset="-127"/>
+              </a:rPr>
+              <a:t>에 대하여 값을 계산하기 어려움</a:t>
+            </a:r>
+            <a:r>
+              <a:rPr lang="en-US" altLang="ko-KR" sz="1600" dirty="0">
+                <a:latin typeface="맑은 고딕" panose="020B0503020000020004" pitchFamily="50" charset="-127"/>
+                <a:ea typeface="맑은 고딕" panose="020B0503020000020004" pitchFamily="50" charset="-127"/>
+              </a:rPr>
+              <a:t>. </a:t>
+            </a:r>
+            <a:r>
+              <a:rPr lang="ko-KR" altLang="en-US" sz="1600" dirty="0">
+                <a:latin typeface="맑은 고딕" panose="020B0503020000020004" pitchFamily="50" charset="-127"/>
+                <a:ea typeface="맑은 고딕" panose="020B0503020000020004" pitchFamily="50" charset="-127"/>
+              </a:rPr>
+              <a:t> </a:t>
+            </a:r>
+            <a:r>
+              <a:rPr lang="en-US" altLang="ko-KR" sz="1600" dirty="0">
+                <a:latin typeface="맑은 고딕" panose="020B0503020000020004" pitchFamily="50" charset="-127"/>
+                <a:ea typeface="맑은 고딕" panose="020B0503020000020004" pitchFamily="50" charset="-127"/>
+              </a:rPr>
+              <a:t>( s</a:t>
+            </a:r>
+            <a:r>
+              <a:rPr lang="ko-KR" altLang="en-US" sz="1600" dirty="0">
+                <a:latin typeface="맑은 고딕" panose="020B0503020000020004" pitchFamily="50" charset="-127"/>
+                <a:ea typeface="맑은 고딕" panose="020B0503020000020004" pitchFamily="50" charset="-127"/>
+              </a:rPr>
+              <a:t> 크기 </a:t>
+            </a:r>
+            <a:r>
+              <a:rPr lang="en-US" altLang="ko-KR" sz="1600" dirty="0">
+                <a:latin typeface="맑은 고딕" panose="020B0503020000020004" pitchFamily="50" charset="-127"/>
+                <a:ea typeface="맑은 고딕" panose="020B0503020000020004" pitchFamily="50" charset="-127"/>
+              </a:rPr>
+              <a:t>=</a:t>
+            </a:r>
+            <a:r>
+              <a:rPr lang="ko-KR" altLang="en-US" sz="1600" dirty="0">
+                <a:latin typeface="맑은 고딕" panose="020B0503020000020004" pitchFamily="50" charset="-127"/>
+                <a:ea typeface="맑은 고딕" panose="020B0503020000020004" pitchFamily="50" charset="-127"/>
+              </a:rPr>
+              <a:t> </a:t>
+            </a:r>
+            <a:r>
+              <a:rPr lang="en-US" altLang="ko-KR" sz="1600" dirty="0">
+                <a:latin typeface="맑은 고딕" panose="020B0503020000020004" pitchFamily="50" charset="-127"/>
+                <a:ea typeface="맑은 고딕" panose="020B0503020000020004" pitchFamily="50" charset="-127"/>
+              </a:rPr>
+              <a:t>Feature</a:t>
+            </a:r>
+            <a:r>
+              <a:rPr lang="ko-KR" altLang="en-US" sz="1600" dirty="0">
+                <a:latin typeface="맑은 고딕" panose="020B0503020000020004" pitchFamily="50" charset="-127"/>
+                <a:ea typeface="맑은 고딕" panose="020B0503020000020004" pitchFamily="50" charset="-127"/>
+              </a:rPr>
+              <a:t> </a:t>
+            </a:r>
+            <a:r>
+              <a:rPr lang="en-US" altLang="ko-KR" sz="1600" dirty="0">
+                <a:latin typeface="맑은 고딕" panose="020B0503020000020004" pitchFamily="50" charset="-127"/>
+                <a:ea typeface="맑은 고딕" panose="020B0503020000020004" pitchFamily="50" charset="-127"/>
+              </a:rPr>
+              <a:t>vector</a:t>
+            </a:r>
+            <a:r>
+              <a:rPr lang="ko-KR" altLang="en-US" sz="1600" dirty="0">
+                <a:latin typeface="맑은 고딕" panose="020B0503020000020004" pitchFamily="50" charset="-127"/>
+                <a:ea typeface="맑은 고딕" panose="020B0503020000020004" pitchFamily="50" charset="-127"/>
+              </a:rPr>
+              <a:t> </a:t>
+            </a:r>
+            <a:r>
+              <a:rPr lang="en-US" altLang="ko-KR" sz="1600" dirty="0">
+                <a:latin typeface="맑은 고딕" panose="020B0503020000020004" pitchFamily="50" charset="-127"/>
+                <a:ea typeface="맑은 고딕" panose="020B0503020000020004" pitchFamily="50" charset="-127"/>
+              </a:rPr>
+              <a:t>dimension)</a:t>
+            </a:r>
+          </a:p>
+          <a:p>
+            <a:pPr marL="742950" lvl="1" indent="-285750">
+              <a:lnSpc>
+                <a:spcPct val="150000"/>
+              </a:lnSpc>
+              <a:buFontTx/>
+              <a:buChar char="-"/>
+            </a:pPr>
+            <a:r>
+              <a:rPr lang="en-US" altLang="ko-KR" sz="1600" dirty="0" err="1">
+                <a:latin typeface="맑은 고딕" panose="020B0503020000020004" pitchFamily="50" charset="-127"/>
+                <a:ea typeface="맑은 고딕" panose="020B0503020000020004" pitchFamily="50" charset="-127"/>
+              </a:rPr>
+              <a:t>st</a:t>
+            </a:r>
+            <a:r>
+              <a:rPr lang="ko-KR" altLang="en-US" sz="1600" dirty="0">
+                <a:latin typeface="맑은 고딕" panose="020B0503020000020004" pitchFamily="50" charset="-127"/>
+                <a:ea typeface="맑은 고딕" panose="020B0503020000020004" pitchFamily="50" charset="-127"/>
+              </a:rPr>
+              <a:t>를 </a:t>
+            </a:r>
+            <a:r>
+              <a:rPr lang="en-US" altLang="ko-KR" sz="1600" dirty="0">
+                <a:latin typeface="맑은 고딕" panose="020B0503020000020004" pitchFamily="50" charset="-127"/>
+                <a:ea typeface="맑은 고딕" panose="020B0503020000020004" pitchFamily="50" charset="-127"/>
+              </a:rPr>
+              <a:t>n</a:t>
+            </a:r>
+            <a:r>
+              <a:rPr lang="ko-KR" altLang="en-US" sz="1600" dirty="0">
+                <a:latin typeface="맑은 고딕" panose="020B0503020000020004" pitchFamily="50" charset="-127"/>
+                <a:ea typeface="맑은 고딕" panose="020B0503020000020004" pitchFamily="50" charset="-127"/>
+              </a:rPr>
+              <a:t>번 </a:t>
+            </a:r>
+            <a:r>
+              <a:rPr lang="en-US" altLang="ko-KR" sz="1600" dirty="0">
+                <a:latin typeface="맑은 고딕" panose="020B0503020000020004" pitchFamily="50" charset="-127"/>
+                <a:ea typeface="맑은 고딕" panose="020B0503020000020004" pitchFamily="50" charset="-127"/>
+              </a:rPr>
+              <a:t>sampling</a:t>
+            </a:r>
+            <a:r>
+              <a:rPr lang="ko-KR" altLang="en-US" sz="1600" dirty="0">
+                <a:latin typeface="맑은 고딕" panose="020B0503020000020004" pitchFamily="50" charset="-127"/>
+                <a:ea typeface="맑은 고딕" panose="020B0503020000020004" pitchFamily="50" charset="-127"/>
+              </a:rPr>
+              <a:t>하고</a:t>
+            </a:r>
+            <a:r>
+              <a:rPr lang="en-US" altLang="ko-KR" sz="1600" dirty="0">
+                <a:latin typeface="맑은 고딕" panose="020B0503020000020004" pitchFamily="50" charset="-127"/>
+                <a:ea typeface="맑은 고딕" panose="020B0503020000020004" pitchFamily="50" charset="-127"/>
+              </a:rPr>
+              <a:t>, </a:t>
+            </a:r>
+            <a:r>
+              <a:rPr lang="ko-KR" altLang="en-US" sz="1600" dirty="0">
+                <a:latin typeface="맑은 고딕" panose="020B0503020000020004" pitchFamily="50" charset="-127"/>
+                <a:ea typeface="맑은 고딕" panose="020B0503020000020004" pitchFamily="50" charset="-127"/>
+              </a:rPr>
+              <a:t>평균 값을 </a:t>
+            </a:r>
+            <a:r>
+              <a:rPr lang="ko-KR" altLang="en-US" sz="1600" dirty="0" err="1">
+                <a:latin typeface="맑은 고딕" panose="020B0503020000020004" pitchFamily="50" charset="-127"/>
+                <a:ea typeface="맑은 고딕" panose="020B0503020000020004" pitchFamily="50" charset="-127"/>
+              </a:rPr>
+              <a:t>낸것을</a:t>
+            </a:r>
+            <a:r>
+              <a:rPr lang="ko-KR" altLang="en-US" sz="1600" dirty="0">
+                <a:latin typeface="맑은 고딕" panose="020B0503020000020004" pitchFamily="50" charset="-127"/>
+                <a:ea typeface="맑은 고딕" panose="020B0503020000020004" pitchFamily="50" charset="-127"/>
+              </a:rPr>
+              <a:t> 대신 사용</a:t>
+            </a:r>
+            <a:endParaRPr lang="en-US" altLang="ko-KR" sz="1600" dirty="0">
+              <a:latin typeface="맑은 고딕" panose="020B0503020000020004" pitchFamily="50" charset="-127"/>
+              <a:ea typeface="맑은 고딕" panose="020B0503020000020004" pitchFamily="50" charset="-127"/>
+            </a:endParaRPr>
+          </a:p>
+          <a:p>
+            <a:pPr marL="742950" lvl="1" indent="-285750">
+              <a:lnSpc>
+                <a:spcPct val="150000"/>
+              </a:lnSpc>
+              <a:buFontTx/>
+              <a:buChar char="-"/>
+            </a:pPr>
+            <a:r>
+              <a:rPr lang="en-US" altLang="ko-KR" sz="1600" dirty="0">
+                <a:latin typeface="맑은 고딕" panose="020B0503020000020004" pitchFamily="50" charset="-127"/>
+                <a:ea typeface="맑은 고딕" panose="020B0503020000020004" pitchFamily="50" charset="-127"/>
+              </a:rPr>
+              <a:t>Sampling</a:t>
+            </a:r>
+            <a:r>
+              <a:rPr lang="ko-KR" altLang="en-US" sz="1600" dirty="0">
+                <a:latin typeface="맑은 고딕" panose="020B0503020000020004" pitchFamily="50" charset="-127"/>
+                <a:ea typeface="맑은 고딕" panose="020B0503020000020004" pitchFamily="50" charset="-127"/>
+              </a:rPr>
+              <a:t>을 할 </a:t>
+            </a:r>
+            <a:r>
+              <a:rPr lang="ko-KR" altLang="en-US" sz="1600" dirty="0" err="1">
+                <a:latin typeface="맑은 고딕" panose="020B0503020000020004" pitchFamily="50" charset="-127"/>
+                <a:ea typeface="맑은 고딕" panose="020B0503020000020004" pitchFamily="50" charset="-127"/>
+              </a:rPr>
+              <a:t>떄</a:t>
+            </a:r>
+            <a:r>
+              <a:rPr lang="ko-KR" altLang="en-US" sz="1600" dirty="0">
+                <a:latin typeface="맑은 고딕" panose="020B0503020000020004" pitchFamily="50" charset="-127"/>
+                <a:ea typeface="맑은 고딕" panose="020B0503020000020004" pitchFamily="50" charset="-127"/>
+              </a:rPr>
+              <a:t> 분산이 커지는 것을 방지하기 위해 </a:t>
+            </a:r>
+            <a:r>
+              <a:rPr lang="en-US" altLang="ko-KR" sz="1600" b="0" i="0" dirty="0">
+                <a:solidFill>
+                  <a:srgbClr val="333333"/>
+                </a:solidFill>
+                <a:effectLst/>
+                <a:latin typeface="Apple SD Gothic Neo"/>
+              </a:rPr>
+              <a:t> exponential moving average ,</a:t>
+            </a:r>
+          </a:p>
+          <a:p>
+            <a:pPr lvl="1">
+              <a:lnSpc>
+                <a:spcPct val="150000"/>
+              </a:lnSpc>
+            </a:pPr>
+            <a:r>
+              <a:rPr lang="en-US" altLang="ko-KR" sz="1600" dirty="0">
+                <a:solidFill>
+                  <a:srgbClr val="333333"/>
+                </a:solidFill>
+                <a:latin typeface="Apple SD Gothic Neo"/>
+              </a:rPr>
+              <a:t>      </a:t>
+            </a:r>
+            <a:r>
+              <a:rPr lang="ko-KR" altLang="en-US" sz="1600" b="0" i="0" dirty="0">
+                <a:solidFill>
+                  <a:srgbClr val="333333"/>
+                </a:solidFill>
+                <a:effectLst/>
+                <a:latin typeface="Apple SD Gothic Neo"/>
+              </a:rPr>
+              <a:t>다항</a:t>
+            </a:r>
+            <a:r>
+              <a:rPr lang="en-US" altLang="ko-KR" sz="1600" b="0" i="0" dirty="0">
+                <a:solidFill>
+                  <a:srgbClr val="333333"/>
+                </a:solidFill>
+                <a:effectLst/>
+                <a:latin typeface="Apple SD Gothic Neo"/>
+              </a:rPr>
+              <a:t> </a:t>
+            </a:r>
+            <a:r>
+              <a:rPr lang="ko-KR" altLang="en-US" sz="1600" b="0" i="0" dirty="0">
+                <a:solidFill>
+                  <a:srgbClr val="333333"/>
+                </a:solidFill>
+                <a:effectLst/>
+                <a:latin typeface="Apple SD Gothic Neo"/>
+              </a:rPr>
+              <a:t>분포의 엔트로피 </a:t>
+            </a:r>
+            <a:r>
+              <a:rPr lang="en-US" altLang="ko-KR" sz="1600" b="0" i="0" dirty="0">
+                <a:solidFill>
+                  <a:srgbClr val="333333"/>
+                </a:solidFill>
+                <a:effectLst/>
+                <a:latin typeface="Apple SD Gothic Neo"/>
+              </a:rPr>
+              <a:t>H[s]</a:t>
+            </a:r>
+            <a:r>
+              <a:rPr lang="ko-KR" altLang="en-US" sz="1600" b="0" i="0" dirty="0">
+                <a:solidFill>
+                  <a:srgbClr val="333333"/>
+                </a:solidFill>
+                <a:effectLst/>
+                <a:latin typeface="Apple SD Gothic Neo"/>
+              </a:rPr>
+              <a:t>의</a:t>
+            </a:r>
+            <a:r>
+              <a:rPr lang="en-US" altLang="ko-KR" sz="1600" b="0" i="0" dirty="0">
+                <a:solidFill>
+                  <a:srgbClr val="333333"/>
+                </a:solidFill>
+                <a:effectLst/>
+                <a:latin typeface="Apple SD Gothic Neo"/>
+              </a:rPr>
+              <a:t> </a:t>
+            </a:r>
+            <a:r>
+              <a:rPr lang="ko-KR" altLang="en-US" sz="1600" b="0" i="0" dirty="0">
+                <a:solidFill>
+                  <a:srgbClr val="333333"/>
+                </a:solidFill>
+                <a:effectLst/>
+                <a:latin typeface="Apple SD Gothic Neo"/>
+              </a:rPr>
+              <a:t>기울기사용</a:t>
+            </a:r>
+            <a:r>
+              <a:rPr lang="ko-KR" altLang="en-US" sz="1600" dirty="0">
+                <a:latin typeface="맑은 고딕" panose="020B0503020000020004" pitchFamily="50" charset="-127"/>
+                <a:ea typeface="맑은 고딕" panose="020B0503020000020004" pitchFamily="50" charset="-127"/>
+              </a:rPr>
+              <a:t> </a:t>
+            </a:r>
+            <a:endParaRPr lang="en-US" altLang="ko-KR" sz="1600" dirty="0">
+              <a:latin typeface="맑은 고딕" panose="020B0503020000020004" pitchFamily="50" charset="-127"/>
+              <a:ea typeface="맑은 고딕" panose="020B0503020000020004" pitchFamily="50" charset="-127"/>
+            </a:endParaRPr>
+          </a:p>
+          <a:p>
+            <a:pPr marL="285750" indent="-285750">
+              <a:lnSpc>
+                <a:spcPct val="150000"/>
+              </a:lnSpc>
+              <a:buFontTx/>
+              <a:buChar char="-"/>
+            </a:pPr>
+            <a:endParaRPr lang="en-US" altLang="ko-KR" sz="1600" dirty="0">
+              <a:latin typeface="맑은 고딕" panose="020B0503020000020004" pitchFamily="50" charset="-127"/>
+              <a:ea typeface="맑은 고딕" panose="020B0503020000020004" pitchFamily="50" charset="-127"/>
+            </a:endParaRPr>
+          </a:p>
+          <a:p>
+            <a:pPr marL="285750" indent="-285750">
+              <a:lnSpc>
+                <a:spcPct val="150000"/>
+              </a:lnSpc>
+              <a:buFontTx/>
+              <a:buChar char="-"/>
+            </a:pPr>
+            <a:endParaRPr lang="en-US" altLang="ko-KR" sz="1600" dirty="0">
+              <a:latin typeface="맑은 고딕" panose="020B0503020000020004" pitchFamily="50" charset="-127"/>
+              <a:ea typeface="맑은 고딕" panose="020B0503020000020004" pitchFamily="50" charset="-127"/>
+            </a:endParaRPr>
+          </a:p>
+          <a:p>
+            <a:pPr marL="285750" indent="-285750">
+              <a:lnSpc>
+                <a:spcPct val="150000"/>
+              </a:lnSpc>
+              <a:buFontTx/>
+              <a:buChar char="-"/>
+            </a:pPr>
+            <a:endParaRPr lang="ko-KR" altLang="en-US" sz="1600" dirty="0">
+              <a:latin typeface="맑은 고딕" panose="020B0503020000020004" pitchFamily="50" charset="-127"/>
+              <a:ea typeface="맑은 고딕" panose="020B0503020000020004" pitchFamily="50" charset="-127"/>
+            </a:endParaRPr>
+          </a:p>
+        </p:txBody>
+      </p:sp>
+      <p:pic>
+        <p:nvPicPr>
+          <p:cNvPr id="10" name="그림 9">
+            <a:extLst>
+              <a:ext uri="{FF2B5EF4-FFF2-40B4-BE49-F238E27FC236}">
+                <a16:creationId xmlns:a16="http://schemas.microsoft.com/office/drawing/2014/main" id="{8C39FBF7-DF93-4A99-BEFC-8143365238B3}"/>
+              </a:ext>
+            </a:extLst>
+          </p:cNvPr>
+          <p:cNvPicPr>
+            <a:picLocks noChangeAspect="1"/>
+          </p:cNvPicPr>
+          <p:nvPr/>
+        </p:nvPicPr>
+        <p:blipFill>
+          <a:blip r:embed="rId4"/>
+          <a:stretch>
+            <a:fillRect/>
+          </a:stretch>
+        </p:blipFill>
+        <p:spPr>
+          <a:xfrm>
+            <a:off x="7929774" y="2299104"/>
+            <a:ext cx="4010025" cy="1336675"/>
+          </a:xfrm>
+          <a:prstGeom prst="rect">
+            <a:avLst/>
+          </a:prstGeom>
+        </p:spPr>
+      </p:pic>
+      <p:pic>
+        <p:nvPicPr>
+          <p:cNvPr id="12" name="그림 11">
+            <a:extLst>
+              <a:ext uri="{FF2B5EF4-FFF2-40B4-BE49-F238E27FC236}">
+                <a16:creationId xmlns:a16="http://schemas.microsoft.com/office/drawing/2014/main" id="{9155C1DC-8152-439D-A407-93BEB0BF12F6}"/>
+              </a:ext>
+            </a:extLst>
+          </p:cNvPr>
+          <p:cNvPicPr>
+            <a:picLocks noChangeAspect="1"/>
+          </p:cNvPicPr>
+          <p:nvPr/>
+        </p:nvPicPr>
+        <p:blipFill>
+          <a:blip r:embed="rId5"/>
+          <a:stretch>
+            <a:fillRect/>
+          </a:stretch>
+        </p:blipFill>
+        <p:spPr>
+          <a:xfrm>
+            <a:off x="5864295" y="5873965"/>
+            <a:ext cx="3352800" cy="485775"/>
+          </a:xfrm>
+          <a:prstGeom prst="rect">
+            <a:avLst/>
+          </a:prstGeom>
+        </p:spPr>
+      </p:pic>
+      <p:pic>
+        <p:nvPicPr>
+          <p:cNvPr id="13" name="그림 12">
+            <a:extLst>
+              <a:ext uri="{FF2B5EF4-FFF2-40B4-BE49-F238E27FC236}">
+                <a16:creationId xmlns:a16="http://schemas.microsoft.com/office/drawing/2014/main" id="{C6FD9DBB-20E0-4AF3-9D45-9F0B24E6C1BD}"/>
+              </a:ext>
+            </a:extLst>
+          </p:cNvPr>
+          <p:cNvPicPr>
+            <a:picLocks noChangeAspect="1"/>
+          </p:cNvPicPr>
+          <p:nvPr/>
+        </p:nvPicPr>
+        <p:blipFill>
+          <a:blip r:embed="rId6"/>
+          <a:stretch>
+            <a:fillRect/>
+          </a:stretch>
+        </p:blipFill>
+        <p:spPr>
+          <a:xfrm>
+            <a:off x="1068182" y="5295673"/>
+            <a:ext cx="4276725" cy="1266825"/>
+          </a:xfrm>
+          <a:prstGeom prst="rect">
+            <a:avLst/>
+          </a:prstGeom>
+        </p:spPr>
+      </p:pic>
+      <p:pic>
+        <p:nvPicPr>
+          <p:cNvPr id="15" name="그림 14">
+            <a:extLst>
+              <a:ext uri="{FF2B5EF4-FFF2-40B4-BE49-F238E27FC236}">
+                <a16:creationId xmlns:a16="http://schemas.microsoft.com/office/drawing/2014/main" id="{7535AB92-8CAF-43EC-BE37-BBF24A9B6E14}"/>
+              </a:ext>
+            </a:extLst>
+          </p:cNvPr>
+          <p:cNvPicPr>
+            <a:picLocks noChangeAspect="1"/>
+          </p:cNvPicPr>
+          <p:nvPr/>
+        </p:nvPicPr>
+        <p:blipFill>
+          <a:blip r:embed="rId7"/>
+          <a:stretch>
+            <a:fillRect/>
+          </a:stretch>
+        </p:blipFill>
+        <p:spPr>
+          <a:xfrm>
+            <a:off x="6339902" y="1674453"/>
+            <a:ext cx="5448300" cy="476250"/>
+          </a:xfrm>
+          <a:prstGeom prst="rect">
+            <a:avLst/>
+          </a:prstGeom>
+        </p:spPr>
+      </p:pic>
+    </p:spTree>
+    <p:extLst>
+      <p:ext uri="{BB962C8B-B14F-4D97-AF65-F5344CB8AC3E}">
+        <p14:creationId xmlns:p14="http://schemas.microsoft.com/office/powerpoint/2010/main" val="3934627080"/>
       </p:ext>
     </p:extLst>
   </p:cSld>

--- a/4주차.pptx
+++ b/4주차.pptx
@@ -5,7 +5,7 @@
     <p:sldMasterId id="2147483648" r:id="rId1"/>
   </p:sldMasterIdLst>
   <p:notesMasterIdLst>
-    <p:notesMasterId r:id="rId11"/>
+    <p:notesMasterId r:id="rId14"/>
   </p:notesMasterIdLst>
   <p:sldIdLst>
     <p:sldId id="262" r:id="rId2"/>
@@ -17,6 +17,9 @@
     <p:sldId id="289" r:id="rId8"/>
     <p:sldId id="290" r:id="rId9"/>
     <p:sldId id="292" r:id="rId10"/>
+    <p:sldId id="296" r:id="rId11"/>
+    <p:sldId id="297" r:id="rId12"/>
+    <p:sldId id="298" r:id="rId13"/>
   </p:sldIdLst>
   <p:sldSz cx="12192000" cy="6858000"/>
   <p:notesSz cx="6858000" cy="9144000"/>
@@ -208,7 +211,7 @@
           <a:p>
             <a:fld id="{8403E68E-9B88-4DB5-BADA-D5AB9607083E}" type="datetimeFigureOut">
               <a:rPr lang="ko-KR" altLang="en-US" smtClean="0"/>
-              <a:t>2021-07-28</a:t>
+              <a:t>2021-07-29</a:t>
             </a:fld>
             <a:endParaRPr lang="ko-KR" altLang="en-US"/>
           </a:p>
@@ -519,10 +522,6 @@
           <a:bodyPr/>
           <a:lstStyle/>
           <a:p>
-            <a:r>
-              <a:rPr lang="en-US" altLang="ko-KR" dirty="0"/>
-              <a:t>https://www.youtube.com/watch?v=Bmx2S1dSAV0&amp;list=PL1Kb3QTCLIVtyOuMgyVgT-OeW0PYXl3j5&amp;index=12</a:t>
-            </a:r>
             <a:endParaRPr lang="ko-KR" altLang="en-US" dirty="0"/>
           </a:p>
         </p:txBody>
@@ -544,7 +543,7 @@
           <a:p>
             <a:fld id="{5FAAA766-79CA-47E4-9E45-0D897C7C3898}" type="slidenum">
               <a:rPr lang="ko-KR" altLang="en-US" smtClean="0"/>
-              <a:t>4</a:t>
+              <a:t>3</a:t>
             </a:fld>
             <a:endParaRPr lang="ko-KR" altLang="en-US"/>
           </a:p>
@@ -553,7 +552,91 @@
     </p:spTree>
     <p:extLst>
       <p:ext uri="{BB962C8B-B14F-4D97-AF65-F5344CB8AC3E}">
-        <p14:creationId xmlns:p14="http://schemas.microsoft.com/office/powerpoint/2010/main" val="4194237956"/>
+        <p14:creationId xmlns:p14="http://schemas.microsoft.com/office/powerpoint/2010/main" val="4009640834"/>
+      </p:ext>
+    </p:extLst>
+  </p:cSld>
+  <p:clrMapOvr>
+    <a:masterClrMapping/>
+  </p:clrMapOvr>
+</p:notes>
+</file>
+
+<file path=ppt/notesSlides/notesSlide10.xml><?xml version="1.0" encoding="utf-8"?>
+<p:notes xmlns:a="http://schemas.openxmlformats.org/drawingml/2006/main" xmlns:r="http://schemas.openxmlformats.org/officeDocument/2006/relationships" xmlns:p="http://schemas.openxmlformats.org/presentationml/2006/main">
+  <p:cSld>
+    <p:spTree>
+      <p:nvGrpSpPr>
+        <p:cNvPr id="1" name=""/>
+        <p:cNvGrpSpPr/>
+        <p:nvPr/>
+      </p:nvGrpSpPr>
+      <p:grpSpPr>
+        <a:xfrm>
+          <a:off x="0" y="0"/>
+          <a:ext cx="0" cy="0"/>
+          <a:chOff x="0" y="0"/>
+          <a:chExt cx="0" cy="0"/>
+        </a:xfrm>
+      </p:grpSpPr>
+      <p:sp>
+        <p:nvSpPr>
+          <p:cNvPr id="2" name="슬라이드 이미지 개체 틀 1"/>
+          <p:cNvSpPr>
+            <a:spLocks noGrp="1" noRot="1" noChangeAspect="1"/>
+          </p:cNvSpPr>
+          <p:nvPr>
+            <p:ph type="sldImg"/>
+          </p:nvPr>
+        </p:nvSpPr>
+        <p:spPr/>
+      </p:sp>
+      <p:sp>
+        <p:nvSpPr>
+          <p:cNvPr id="3" name="슬라이드 노트 개체 틀 2"/>
+          <p:cNvSpPr>
+            <a:spLocks noGrp="1"/>
+          </p:cNvSpPr>
+          <p:nvPr>
+            <p:ph type="body" idx="1"/>
+          </p:nvPr>
+        </p:nvSpPr>
+        <p:spPr/>
+        <p:txBody>
+          <a:bodyPr/>
+          <a:lstStyle/>
+          <a:p>
+            <a:endParaRPr lang="ko-KR" altLang="en-US" dirty="0"/>
+          </a:p>
+        </p:txBody>
+      </p:sp>
+      <p:sp>
+        <p:nvSpPr>
+          <p:cNvPr id="4" name="슬라이드 번호 개체 틀 3"/>
+          <p:cNvSpPr>
+            <a:spLocks noGrp="1"/>
+          </p:cNvSpPr>
+          <p:nvPr>
+            <p:ph type="sldNum" sz="quarter" idx="5"/>
+          </p:nvPr>
+        </p:nvSpPr>
+        <p:spPr/>
+        <p:txBody>
+          <a:bodyPr/>
+          <a:lstStyle/>
+          <a:p>
+            <a:fld id="{5FAAA766-79CA-47E4-9E45-0D897C7C3898}" type="slidenum">
+              <a:rPr lang="ko-KR" altLang="en-US" smtClean="0"/>
+              <a:t>12</a:t>
+            </a:fld>
+            <a:endParaRPr lang="ko-KR" altLang="en-US"/>
+          </a:p>
+        </p:txBody>
+      </p:sp>
+    </p:spTree>
+    <p:extLst>
+      <p:ext uri="{BB962C8B-B14F-4D97-AF65-F5344CB8AC3E}">
+        <p14:creationId xmlns:p14="http://schemas.microsoft.com/office/powerpoint/2010/main" val="3211281174"/>
       </p:ext>
     </p:extLst>
   </p:cSld>
@@ -607,6 +690,10 @@
           <a:bodyPr/>
           <a:lstStyle/>
           <a:p>
+            <a:r>
+              <a:rPr lang="en-US" altLang="ko-KR" dirty="0"/>
+              <a:t>https://www.youtube.com/watch?v=Bmx2S1dSAV0&amp;list=PL1Kb3QTCLIVtyOuMgyVgT-OeW0PYXl3j5&amp;index=12</a:t>
+            </a:r>
             <a:endParaRPr lang="ko-KR" altLang="en-US" dirty="0"/>
           </a:p>
         </p:txBody>
@@ -628,7 +715,7 @@
           <a:p>
             <a:fld id="{5FAAA766-79CA-47E4-9E45-0D897C7C3898}" type="slidenum">
               <a:rPr lang="ko-KR" altLang="en-US" smtClean="0"/>
-              <a:t>5</a:t>
+              <a:t>4</a:t>
             </a:fld>
             <a:endParaRPr lang="ko-KR" altLang="en-US"/>
           </a:p>
@@ -637,7 +724,7 @@
     </p:spTree>
     <p:extLst>
       <p:ext uri="{BB962C8B-B14F-4D97-AF65-F5344CB8AC3E}">
-        <p14:creationId xmlns:p14="http://schemas.microsoft.com/office/powerpoint/2010/main" val="1258608104"/>
+        <p14:creationId xmlns:p14="http://schemas.microsoft.com/office/powerpoint/2010/main" val="4194237956"/>
       </p:ext>
     </p:extLst>
   </p:cSld>
@@ -691,44 +778,6 @@
           <a:bodyPr/>
           <a:lstStyle/>
           <a:p>
-            <a:r>
-              <a:rPr lang="ko-KR" altLang="en-US" dirty="0"/>
-              <a:t>게이트</a:t>
-            </a:r>
-            <a:endParaRPr lang="en-US" altLang="ko-KR" dirty="0"/>
-          </a:p>
-          <a:p>
-            <a:r>
-              <a:rPr lang="ko-KR" altLang="en-US" dirty="0"/>
-              <a:t>이전의 기억 셀에서 </a:t>
-            </a:r>
-            <a:r>
-              <a:rPr lang="ko-KR" altLang="en-US" dirty="0" err="1"/>
-              <a:t>필요없는</a:t>
-            </a:r>
-            <a:r>
-              <a:rPr lang="ko-KR" altLang="en-US" dirty="0"/>
-              <a:t> 부분 제거 </a:t>
-            </a:r>
-            <a:r>
-              <a:rPr lang="en-US" altLang="ko-KR" dirty="0"/>
-              <a:t>+ </a:t>
-            </a:r>
-            <a:r>
-              <a:rPr lang="ko-KR" altLang="en-US" dirty="0"/>
-              <a:t>새로운 내용 추가 </a:t>
-            </a:r>
-            <a:r>
-              <a:rPr lang="en-US" altLang="ko-KR" dirty="0"/>
-              <a:t>= </a:t>
-            </a:r>
-            <a:r>
-              <a:rPr lang="ko-KR" altLang="en-US" dirty="0"/>
-              <a:t>갱신 기억 셀 </a:t>
-            </a:r>
-            <a:endParaRPr lang="en-US" altLang="ko-KR" dirty="0"/>
-          </a:p>
-          <a:p>
             <a:endParaRPr lang="ko-KR" altLang="en-US" dirty="0"/>
           </a:p>
         </p:txBody>
@@ -750,7 +799,7 @@
           <a:p>
             <a:fld id="{5FAAA766-79CA-47E4-9E45-0D897C7C3898}" type="slidenum">
               <a:rPr lang="ko-KR" altLang="en-US" smtClean="0"/>
-              <a:t>6</a:t>
+              <a:t>5</a:t>
             </a:fld>
             <a:endParaRPr lang="ko-KR" altLang="en-US"/>
           </a:p>
@@ -759,7 +808,7 @@
     </p:spTree>
     <p:extLst>
       <p:ext uri="{BB962C8B-B14F-4D97-AF65-F5344CB8AC3E}">
-        <p14:creationId xmlns:p14="http://schemas.microsoft.com/office/powerpoint/2010/main" val="2164079528"/>
+        <p14:creationId xmlns:p14="http://schemas.microsoft.com/office/powerpoint/2010/main" val="1258608104"/>
       </p:ext>
     </p:extLst>
   </p:cSld>
@@ -813,6 +862,44 @@
           <a:bodyPr/>
           <a:lstStyle/>
           <a:p>
+            <a:r>
+              <a:rPr lang="ko-KR" altLang="en-US" dirty="0"/>
+              <a:t>게이트</a:t>
+            </a:r>
+            <a:endParaRPr lang="en-US" altLang="ko-KR" dirty="0"/>
+          </a:p>
+          <a:p>
+            <a:r>
+              <a:rPr lang="ko-KR" altLang="en-US" dirty="0"/>
+              <a:t>이전의 기억 셀에서 </a:t>
+            </a:r>
+            <a:r>
+              <a:rPr lang="ko-KR" altLang="en-US" dirty="0" err="1"/>
+              <a:t>필요없는</a:t>
+            </a:r>
+            <a:r>
+              <a:rPr lang="ko-KR" altLang="en-US" dirty="0"/>
+              <a:t> 부분 제거 </a:t>
+            </a:r>
+            <a:r>
+              <a:rPr lang="en-US" altLang="ko-KR" dirty="0"/>
+              <a:t>+ </a:t>
+            </a:r>
+            <a:r>
+              <a:rPr lang="ko-KR" altLang="en-US" dirty="0"/>
+              <a:t>새로운 내용 추가 </a:t>
+            </a:r>
+            <a:r>
+              <a:rPr lang="en-US" altLang="ko-KR" dirty="0"/>
+              <a:t>= </a:t>
+            </a:r>
+            <a:r>
+              <a:rPr lang="ko-KR" altLang="en-US" dirty="0"/>
+              <a:t>갱신 기억 셀 </a:t>
+            </a:r>
+            <a:endParaRPr lang="en-US" altLang="ko-KR" dirty="0"/>
+          </a:p>
+          <a:p>
             <a:endParaRPr lang="ko-KR" altLang="en-US" dirty="0"/>
           </a:p>
         </p:txBody>
@@ -834,7 +921,7 @@
           <a:p>
             <a:fld id="{5FAAA766-79CA-47E4-9E45-0D897C7C3898}" type="slidenum">
               <a:rPr lang="ko-KR" altLang="en-US" smtClean="0"/>
-              <a:t>7</a:t>
+              <a:t>6</a:t>
             </a:fld>
             <a:endParaRPr lang="ko-KR" altLang="en-US"/>
           </a:p>
@@ -843,7 +930,7 @@
     </p:spTree>
     <p:extLst>
       <p:ext uri="{BB962C8B-B14F-4D97-AF65-F5344CB8AC3E}">
-        <p14:creationId xmlns:p14="http://schemas.microsoft.com/office/powerpoint/2010/main" val="1006482676"/>
+        <p14:creationId xmlns:p14="http://schemas.microsoft.com/office/powerpoint/2010/main" val="2164079528"/>
       </p:ext>
     </p:extLst>
   </p:cSld>
@@ -918,7 +1005,7 @@
           <a:p>
             <a:fld id="{5FAAA766-79CA-47E4-9E45-0D897C7C3898}" type="slidenum">
               <a:rPr lang="ko-KR" altLang="en-US" smtClean="0"/>
-              <a:t>8</a:t>
+              <a:t>7</a:t>
             </a:fld>
             <a:endParaRPr lang="ko-KR" altLang="en-US"/>
           </a:p>
@@ -927,7 +1014,7 @@
     </p:spTree>
     <p:extLst>
       <p:ext uri="{BB962C8B-B14F-4D97-AF65-F5344CB8AC3E}">
-        <p14:creationId xmlns:p14="http://schemas.microsoft.com/office/powerpoint/2010/main" val="3534730762"/>
+        <p14:creationId xmlns:p14="http://schemas.microsoft.com/office/powerpoint/2010/main" val="1006482676"/>
       </p:ext>
     </p:extLst>
   </p:cSld>
@@ -1002,6 +1089,90 @@
           <a:p>
             <a:fld id="{5FAAA766-79CA-47E4-9E45-0D897C7C3898}" type="slidenum">
               <a:rPr lang="ko-KR" altLang="en-US" smtClean="0"/>
+              <a:t>8</a:t>
+            </a:fld>
+            <a:endParaRPr lang="ko-KR" altLang="en-US"/>
+          </a:p>
+        </p:txBody>
+      </p:sp>
+    </p:spTree>
+    <p:extLst>
+      <p:ext uri="{BB962C8B-B14F-4D97-AF65-F5344CB8AC3E}">
+        <p14:creationId xmlns:p14="http://schemas.microsoft.com/office/powerpoint/2010/main" val="3534730762"/>
+      </p:ext>
+    </p:extLst>
+  </p:cSld>
+  <p:clrMapOvr>
+    <a:masterClrMapping/>
+  </p:clrMapOvr>
+</p:notes>
+</file>
+
+<file path=ppt/notesSlides/notesSlide7.xml><?xml version="1.0" encoding="utf-8"?>
+<p:notes xmlns:a="http://schemas.openxmlformats.org/drawingml/2006/main" xmlns:r="http://schemas.openxmlformats.org/officeDocument/2006/relationships" xmlns:p="http://schemas.openxmlformats.org/presentationml/2006/main">
+  <p:cSld>
+    <p:spTree>
+      <p:nvGrpSpPr>
+        <p:cNvPr id="1" name=""/>
+        <p:cNvGrpSpPr/>
+        <p:nvPr/>
+      </p:nvGrpSpPr>
+      <p:grpSpPr>
+        <a:xfrm>
+          <a:off x="0" y="0"/>
+          <a:ext cx="0" cy="0"/>
+          <a:chOff x="0" y="0"/>
+          <a:chExt cx="0" cy="0"/>
+        </a:xfrm>
+      </p:grpSpPr>
+      <p:sp>
+        <p:nvSpPr>
+          <p:cNvPr id="2" name="슬라이드 이미지 개체 틀 1"/>
+          <p:cNvSpPr>
+            <a:spLocks noGrp="1" noRot="1" noChangeAspect="1"/>
+          </p:cNvSpPr>
+          <p:nvPr>
+            <p:ph type="sldImg"/>
+          </p:nvPr>
+        </p:nvSpPr>
+        <p:spPr/>
+      </p:sp>
+      <p:sp>
+        <p:nvSpPr>
+          <p:cNvPr id="3" name="슬라이드 노트 개체 틀 2"/>
+          <p:cNvSpPr>
+            <a:spLocks noGrp="1"/>
+          </p:cNvSpPr>
+          <p:nvPr>
+            <p:ph type="body" idx="1"/>
+          </p:nvPr>
+        </p:nvSpPr>
+        <p:spPr/>
+        <p:txBody>
+          <a:bodyPr/>
+          <a:lstStyle/>
+          <a:p>
+            <a:endParaRPr lang="ko-KR" altLang="en-US" dirty="0"/>
+          </a:p>
+        </p:txBody>
+      </p:sp>
+      <p:sp>
+        <p:nvSpPr>
+          <p:cNvPr id="4" name="슬라이드 번호 개체 틀 3"/>
+          <p:cNvSpPr>
+            <a:spLocks noGrp="1"/>
+          </p:cNvSpPr>
+          <p:nvPr>
+            <p:ph type="sldNum" sz="quarter" idx="5"/>
+          </p:nvPr>
+        </p:nvSpPr>
+        <p:spPr/>
+        <p:txBody>
+          <a:bodyPr/>
+          <a:lstStyle/>
+          <a:p>
+            <a:fld id="{5FAAA766-79CA-47E4-9E45-0D897C7C3898}" type="slidenum">
+              <a:rPr lang="ko-KR" altLang="en-US" smtClean="0"/>
               <a:t>9</a:t>
             </a:fld>
             <a:endParaRPr lang="ko-KR" altLang="en-US"/>
@@ -1012,6 +1183,174 @@
     <p:extLst>
       <p:ext uri="{BB962C8B-B14F-4D97-AF65-F5344CB8AC3E}">
         <p14:creationId xmlns:p14="http://schemas.microsoft.com/office/powerpoint/2010/main" val="3546463941"/>
+      </p:ext>
+    </p:extLst>
+  </p:cSld>
+  <p:clrMapOvr>
+    <a:masterClrMapping/>
+  </p:clrMapOvr>
+</p:notes>
+</file>
+
+<file path=ppt/notesSlides/notesSlide8.xml><?xml version="1.0" encoding="utf-8"?>
+<p:notes xmlns:a="http://schemas.openxmlformats.org/drawingml/2006/main" xmlns:r="http://schemas.openxmlformats.org/officeDocument/2006/relationships" xmlns:p="http://schemas.openxmlformats.org/presentationml/2006/main">
+  <p:cSld>
+    <p:spTree>
+      <p:nvGrpSpPr>
+        <p:cNvPr id="1" name=""/>
+        <p:cNvGrpSpPr/>
+        <p:nvPr/>
+      </p:nvGrpSpPr>
+      <p:grpSpPr>
+        <a:xfrm>
+          <a:off x="0" y="0"/>
+          <a:ext cx="0" cy="0"/>
+          <a:chOff x="0" y="0"/>
+          <a:chExt cx="0" cy="0"/>
+        </a:xfrm>
+      </p:grpSpPr>
+      <p:sp>
+        <p:nvSpPr>
+          <p:cNvPr id="2" name="슬라이드 이미지 개체 틀 1"/>
+          <p:cNvSpPr>
+            <a:spLocks noGrp="1" noRot="1" noChangeAspect="1"/>
+          </p:cNvSpPr>
+          <p:nvPr>
+            <p:ph type="sldImg"/>
+          </p:nvPr>
+        </p:nvSpPr>
+        <p:spPr/>
+      </p:sp>
+      <p:sp>
+        <p:nvSpPr>
+          <p:cNvPr id="3" name="슬라이드 노트 개체 틀 2"/>
+          <p:cNvSpPr>
+            <a:spLocks noGrp="1"/>
+          </p:cNvSpPr>
+          <p:nvPr>
+            <p:ph type="body" idx="1"/>
+          </p:nvPr>
+        </p:nvSpPr>
+        <p:spPr/>
+        <p:txBody>
+          <a:bodyPr/>
+          <a:lstStyle/>
+          <a:p>
+            <a:endParaRPr lang="ko-KR" altLang="en-US" dirty="0"/>
+          </a:p>
+        </p:txBody>
+      </p:sp>
+      <p:sp>
+        <p:nvSpPr>
+          <p:cNvPr id="4" name="슬라이드 번호 개체 틀 3"/>
+          <p:cNvSpPr>
+            <a:spLocks noGrp="1"/>
+          </p:cNvSpPr>
+          <p:nvPr>
+            <p:ph type="sldNum" sz="quarter" idx="5"/>
+          </p:nvPr>
+        </p:nvSpPr>
+        <p:spPr/>
+        <p:txBody>
+          <a:bodyPr/>
+          <a:lstStyle/>
+          <a:p>
+            <a:fld id="{5FAAA766-79CA-47E4-9E45-0D897C7C3898}" type="slidenum">
+              <a:rPr lang="ko-KR" altLang="en-US" smtClean="0"/>
+              <a:t>10</a:t>
+            </a:fld>
+            <a:endParaRPr lang="ko-KR" altLang="en-US"/>
+          </a:p>
+        </p:txBody>
+      </p:sp>
+    </p:spTree>
+    <p:extLst>
+      <p:ext uri="{BB962C8B-B14F-4D97-AF65-F5344CB8AC3E}">
+        <p14:creationId xmlns:p14="http://schemas.microsoft.com/office/powerpoint/2010/main" val="3545613438"/>
+      </p:ext>
+    </p:extLst>
+  </p:cSld>
+  <p:clrMapOvr>
+    <a:masterClrMapping/>
+  </p:clrMapOvr>
+</p:notes>
+</file>
+
+<file path=ppt/notesSlides/notesSlide9.xml><?xml version="1.0" encoding="utf-8"?>
+<p:notes xmlns:a="http://schemas.openxmlformats.org/drawingml/2006/main" xmlns:r="http://schemas.openxmlformats.org/officeDocument/2006/relationships" xmlns:p="http://schemas.openxmlformats.org/presentationml/2006/main">
+  <p:cSld>
+    <p:spTree>
+      <p:nvGrpSpPr>
+        <p:cNvPr id="1" name=""/>
+        <p:cNvGrpSpPr/>
+        <p:nvPr/>
+      </p:nvGrpSpPr>
+      <p:grpSpPr>
+        <a:xfrm>
+          <a:off x="0" y="0"/>
+          <a:ext cx="0" cy="0"/>
+          <a:chOff x="0" y="0"/>
+          <a:chExt cx="0" cy="0"/>
+        </a:xfrm>
+      </p:grpSpPr>
+      <p:sp>
+        <p:nvSpPr>
+          <p:cNvPr id="2" name="슬라이드 이미지 개체 틀 1"/>
+          <p:cNvSpPr>
+            <a:spLocks noGrp="1" noRot="1" noChangeAspect="1"/>
+          </p:cNvSpPr>
+          <p:nvPr>
+            <p:ph type="sldImg"/>
+          </p:nvPr>
+        </p:nvSpPr>
+        <p:spPr/>
+      </p:sp>
+      <p:sp>
+        <p:nvSpPr>
+          <p:cNvPr id="3" name="슬라이드 노트 개체 틀 2"/>
+          <p:cNvSpPr>
+            <a:spLocks noGrp="1"/>
+          </p:cNvSpPr>
+          <p:nvPr>
+            <p:ph type="body" idx="1"/>
+          </p:nvPr>
+        </p:nvSpPr>
+        <p:spPr/>
+        <p:txBody>
+          <a:bodyPr/>
+          <a:lstStyle/>
+          <a:p>
+            <a:endParaRPr lang="ko-KR" altLang="en-US" dirty="0"/>
+          </a:p>
+        </p:txBody>
+      </p:sp>
+      <p:sp>
+        <p:nvSpPr>
+          <p:cNvPr id="4" name="슬라이드 번호 개체 틀 3"/>
+          <p:cNvSpPr>
+            <a:spLocks noGrp="1"/>
+          </p:cNvSpPr>
+          <p:nvPr>
+            <p:ph type="sldNum" sz="quarter" idx="5"/>
+          </p:nvPr>
+        </p:nvSpPr>
+        <p:spPr/>
+        <p:txBody>
+          <a:bodyPr/>
+          <a:lstStyle/>
+          <a:p>
+            <a:fld id="{5FAAA766-79CA-47E4-9E45-0D897C7C3898}" type="slidenum">
+              <a:rPr lang="ko-KR" altLang="en-US" smtClean="0"/>
+              <a:t>11</a:t>
+            </a:fld>
+            <a:endParaRPr lang="ko-KR" altLang="en-US"/>
+          </a:p>
+        </p:txBody>
+      </p:sp>
+    </p:spTree>
+    <p:extLst>
+      <p:ext uri="{BB962C8B-B14F-4D97-AF65-F5344CB8AC3E}">
+        <p14:creationId xmlns:p14="http://schemas.microsoft.com/office/powerpoint/2010/main" val="3355102204"/>
       </p:ext>
     </p:extLst>
   </p:cSld>
@@ -1168,7 +1507,7 @@
           <a:p>
             <a:fld id="{81824485-37D6-4A4E-B3C2-55E690D391A0}" type="datetime1">
               <a:rPr lang="ko-KR" altLang="en-US" smtClean="0"/>
-              <a:t>2021-07-28</a:t>
+              <a:t>2021-07-29</a:t>
             </a:fld>
             <a:endParaRPr lang="ko-KR" altLang="en-US"/>
           </a:p>
@@ -1366,7 +1705,7 @@
           <a:p>
             <a:fld id="{3DF715B5-1D12-4CA6-88BA-3982FCF342B2}" type="datetime1">
               <a:rPr lang="ko-KR" altLang="en-US" smtClean="0"/>
-              <a:t>2021-07-28</a:t>
+              <a:t>2021-07-29</a:t>
             </a:fld>
             <a:endParaRPr lang="ko-KR" altLang="en-US"/>
           </a:p>
@@ -1574,7 +1913,7 @@
           <a:p>
             <a:fld id="{13D876F9-D66F-4450-8B0D-7B53B1CAD061}" type="datetime1">
               <a:rPr lang="ko-KR" altLang="en-US" smtClean="0"/>
-              <a:t>2021-07-28</a:t>
+              <a:t>2021-07-29</a:t>
             </a:fld>
             <a:endParaRPr lang="ko-KR" altLang="en-US"/>
           </a:p>
@@ -1772,7 +2111,7 @@
           <a:p>
             <a:fld id="{4DF80924-3D40-475B-A14E-A89456D8CB0D}" type="datetime1">
               <a:rPr lang="ko-KR" altLang="en-US" smtClean="0"/>
-              <a:t>2021-07-28</a:t>
+              <a:t>2021-07-29</a:t>
             </a:fld>
             <a:endParaRPr lang="ko-KR" altLang="en-US"/>
           </a:p>
@@ -2047,7 +2386,7 @@
           <a:p>
             <a:fld id="{27271DA4-6E68-43A7-BA9A-44AAD2A570A2}" type="datetime1">
               <a:rPr lang="ko-KR" altLang="en-US" smtClean="0"/>
-              <a:t>2021-07-28</a:t>
+              <a:t>2021-07-29</a:t>
             </a:fld>
             <a:endParaRPr lang="ko-KR" altLang="en-US"/>
           </a:p>
@@ -2312,7 +2651,7 @@
           <a:p>
             <a:fld id="{FB8660EF-7488-4688-B47B-499D7661BB9A}" type="datetime1">
               <a:rPr lang="ko-KR" altLang="en-US" smtClean="0"/>
-              <a:t>2021-07-28</a:t>
+              <a:t>2021-07-29</a:t>
             </a:fld>
             <a:endParaRPr lang="ko-KR" altLang="en-US"/>
           </a:p>
@@ -2724,7 +3063,7 @@
           <a:p>
             <a:fld id="{B2A0DCBC-07E3-4F51-A8B0-7DDB83A3B59C}" type="datetime1">
               <a:rPr lang="ko-KR" altLang="en-US" smtClean="0"/>
-              <a:t>2021-07-28</a:t>
+              <a:t>2021-07-29</a:t>
             </a:fld>
             <a:endParaRPr lang="ko-KR" altLang="en-US"/>
           </a:p>
@@ -2865,7 +3204,7 @@
           <a:p>
             <a:fld id="{B8772A87-66B2-4830-AD9F-DE65303EA9D0}" type="datetime1">
               <a:rPr lang="ko-KR" altLang="en-US" smtClean="0"/>
-              <a:t>2021-07-28</a:t>
+              <a:t>2021-07-29</a:t>
             </a:fld>
             <a:endParaRPr lang="ko-KR" altLang="en-US"/>
           </a:p>
@@ -2978,7 +3317,7 @@
           <a:p>
             <a:fld id="{C338DA32-DAFA-4ECD-8F80-B4DE9A5BE697}" type="datetime1">
               <a:rPr lang="ko-KR" altLang="en-US" smtClean="0"/>
-              <a:t>2021-07-28</a:t>
+              <a:t>2021-07-29</a:t>
             </a:fld>
             <a:endParaRPr lang="ko-KR" altLang="en-US"/>
           </a:p>
@@ -3289,7 +3628,7 @@
           <a:p>
             <a:fld id="{650E3E3D-B19B-4A86-A742-753C828A8F1C}" type="datetime1">
               <a:rPr lang="ko-KR" altLang="en-US" smtClean="0"/>
-              <a:t>2021-07-28</a:t>
+              <a:t>2021-07-29</a:t>
             </a:fld>
             <a:endParaRPr lang="ko-KR" altLang="en-US"/>
           </a:p>
@@ -3577,7 +3916,7 @@
           <a:p>
             <a:fld id="{95E62AEA-E495-403A-8773-B058821D500F}" type="datetime1">
               <a:rPr lang="ko-KR" altLang="en-US" smtClean="0"/>
-              <a:t>2021-07-28</a:t>
+              <a:t>2021-07-29</a:t>
             </a:fld>
             <a:endParaRPr lang="ko-KR" altLang="en-US"/>
           </a:p>
@@ -3818,7 +4157,7 @@
           <a:p>
             <a:fld id="{AD2AA275-37EC-4747-8BBB-86137B98CC85}" type="datetime1">
               <a:rPr lang="ko-KR" altLang="en-US" smtClean="0"/>
-              <a:t>2021-07-28</a:t>
+              <a:t>2021-07-29</a:t>
             </a:fld>
             <a:endParaRPr lang="ko-KR" altLang="en-US"/>
           </a:p>
@@ -4399,7 +4738,7 @@
 </p:sld>
 </file>
 
-<file path=ppt/slides/slide2.xml><?xml version="1.0" encoding="utf-8"?>
+<file path=ppt/slides/slide10.xml><?xml version="1.0" encoding="utf-8"?>
 <p:sld xmlns:a="http://schemas.openxmlformats.org/drawingml/2006/main" xmlns:r="http://schemas.openxmlformats.org/officeDocument/2006/relationships" xmlns:p="http://schemas.openxmlformats.org/presentationml/2006/main">
   <p:cSld>
     <p:spTree>
@@ -4504,7 +4843,7 @@
           <a:p>
             <a:fld id="{C3EC3709-AF19-4BC3-8020-8E9C5E0E1F7D}" type="slidenum">
               <a:rPr lang="ko-KR" altLang="en-US" smtClean="0"/>
-              <a:t>2</a:t>
+              <a:t>10</a:t>
             </a:fld>
             <a:endParaRPr lang="ko-KR" altLang="en-US"/>
           </a:p>
@@ -4540,25 +4879,325 @@
           <a:p>
             <a:r>
               <a:rPr lang="en-US" altLang="ko-KR" sz="2400" dirty="0"/>
-              <a:t>Vis-Causal / </a:t>
-            </a:r>
-            <a:r>
-              <a:rPr lang="en-US" altLang="ko-KR" sz="2400" dirty="0" err="1"/>
-              <a:t>ResNetAsContext</a:t>
-            </a:r>
-            <a:r>
-              <a:rPr lang="en-US" altLang="ko-KR" sz="2400" dirty="0"/>
-              <a:t> Model </a:t>
-            </a:r>
-            <a:r>
-              <a:rPr lang="ko-KR" altLang="en-US" sz="2400" dirty="0"/>
-              <a:t>사용</a:t>
-            </a:r>
-            <a:r>
-              <a:rPr lang="en-US" altLang="ko-KR" sz="2400" dirty="0"/>
+              <a:t>Attention – Soft </a:t>
+            </a:r>
+            <a:endParaRPr lang="ko-KR" altLang="en-US" sz="2400" dirty="0"/>
+          </a:p>
+        </p:txBody>
+      </p:sp>
+      <p:sp>
+        <p:nvSpPr>
+          <p:cNvPr id="5" name="TextBox 4">
+            <a:extLst>
+              <a:ext uri="{FF2B5EF4-FFF2-40B4-BE49-F238E27FC236}">
+                <a16:creationId xmlns:a16="http://schemas.microsoft.com/office/drawing/2014/main" id="{F314C4F2-F522-449C-8FBB-430B3F4A7343}"/>
+              </a:ext>
+            </a:extLst>
+          </p:cNvPr>
+          <p:cNvSpPr txBox="1"/>
+          <p:nvPr/>
+        </p:nvSpPr>
+        <p:spPr>
+          <a:xfrm>
+            <a:off x="204918" y="1903261"/>
+            <a:ext cx="11782163" cy="4476675"/>
+          </a:xfrm>
+          <a:prstGeom prst="rect">
+            <a:avLst/>
+          </a:prstGeom>
+          <a:noFill/>
+        </p:spPr>
+        <p:txBody>
+          <a:bodyPr wrap="square" rtlCol="0">
+            <a:spAutoFit/>
+          </a:bodyPr>
+          <a:lstStyle/>
+          <a:p>
+            <a:pPr marL="285750" indent="-285750">
+              <a:lnSpc>
+                <a:spcPct val="150000"/>
+              </a:lnSpc>
+              <a:buFont typeface="Arial" panose="020B0604020202020204" pitchFamily="34" charset="0"/>
+              <a:buChar char="•"/>
+            </a:pPr>
+            <a:endParaRPr lang="en-US" altLang="ko-KR" sz="1600" dirty="0">
+              <a:latin typeface="맑은 고딕" panose="020B0503020000020004" pitchFamily="50" charset="-127"/>
+              <a:ea typeface="맑은 고딕" panose="020B0503020000020004" pitchFamily="50" charset="-127"/>
+            </a:endParaRPr>
+          </a:p>
+          <a:p>
+            <a:pPr marL="285750" indent="-285750">
+              <a:lnSpc>
+                <a:spcPct val="150000"/>
+              </a:lnSpc>
+              <a:buFont typeface="Arial" panose="020B0604020202020204" pitchFamily="34" charset="0"/>
+              <a:buChar char="•"/>
+            </a:pPr>
+            <a:r>
+              <a:rPr lang="en-US" altLang="ko-KR" sz="1600" dirty="0">
+                <a:latin typeface="맑은 고딕" panose="020B0503020000020004" pitchFamily="50" charset="-127"/>
+                <a:ea typeface="맑은 고딕" panose="020B0503020000020004" pitchFamily="50" charset="-127"/>
+              </a:rPr>
+              <a:t>Soft attention : </a:t>
+            </a:r>
+            <a:r>
+              <a:rPr lang="en-US" altLang="ko-KR" sz="1600" dirty="0"/>
+              <a:t>hard attention</a:t>
+            </a:r>
+            <a:r>
+              <a:rPr lang="ko-KR" altLang="en-US" sz="1600" dirty="0"/>
+              <a:t>과 달리 </a:t>
+            </a:r>
+            <a:r>
+              <a:rPr lang="en-US" altLang="ko-KR" sz="1600" dirty="0">
+                <a:latin typeface="맑은 고딕" panose="020B0503020000020004" pitchFamily="50" charset="-127"/>
+              </a:rPr>
+              <a:t>feature vector </a:t>
+            </a:r>
+            <a:r>
+              <a:rPr lang="ko-KR" altLang="en-US" sz="1600" dirty="0">
+                <a:solidFill>
+                  <a:srgbClr val="333333"/>
+                </a:solidFill>
+                <a:latin typeface="Apple SD Gothic Neo"/>
+              </a:rPr>
+              <a:t>중 하나의 위치만</a:t>
+            </a:r>
+            <a:r>
+              <a:rPr lang="ko-KR" altLang="en-US" sz="1600" dirty="0"/>
+              <a:t> 고르지 않고</a:t>
+            </a:r>
+            <a:r>
+              <a:rPr lang="en-US" altLang="ko-KR" sz="1600" dirty="0"/>
+              <a:t>, </a:t>
+            </a:r>
+            <a:r>
+              <a:rPr lang="ko-KR" altLang="en-US" sz="1600" dirty="0"/>
+              <a:t>어느 것을 얼만큼 사용할 것인지 비율로 고려</a:t>
+            </a:r>
+            <a:r>
+              <a:rPr lang="en-US" altLang="ko-KR" sz="1600" dirty="0"/>
               <a:t> </a:t>
             </a:r>
-            <a:endParaRPr lang="ko-KR" altLang="en-US" sz="2400" dirty="0"/>
+            <a:r>
+              <a:rPr lang="en-US" altLang="ko-KR" sz="1600" b="0" i="0" dirty="0">
+                <a:solidFill>
+                  <a:srgbClr val="333333"/>
+                </a:solidFill>
+                <a:effectLst/>
+                <a:latin typeface="Apple SD Gothic Neo"/>
+              </a:rPr>
+              <a:t>-&gt; </a:t>
+            </a:r>
+            <a:r>
+              <a:rPr lang="en-US" altLang="ko-KR" sz="1600" dirty="0"/>
+              <a:t>sampling</a:t>
+            </a:r>
+            <a:r>
+              <a:rPr lang="ko-KR" altLang="en-US" sz="1600" dirty="0"/>
+              <a:t>하지 않아도 되고</a:t>
+            </a:r>
+            <a:r>
+              <a:rPr lang="en-US" altLang="ko-KR" sz="1600" dirty="0"/>
+              <a:t>, end-to-end</a:t>
+            </a:r>
+            <a:r>
+              <a:rPr lang="ko-KR" altLang="en-US" sz="1600" dirty="0"/>
+              <a:t>로 학습 가능</a:t>
+            </a:r>
+            <a:endParaRPr lang="en-US" altLang="ko-KR" sz="1600" dirty="0"/>
+          </a:p>
+          <a:p>
+            <a:pPr marL="285750" indent="-285750">
+              <a:lnSpc>
+                <a:spcPct val="150000"/>
+              </a:lnSpc>
+              <a:buFont typeface="Arial" panose="020B0604020202020204" pitchFamily="34" charset="0"/>
+              <a:buChar char="•"/>
+            </a:pPr>
+            <a:endParaRPr lang="en-US" altLang="ko-KR" sz="1600" b="0" i="0" dirty="0">
+              <a:solidFill>
+                <a:srgbClr val="333333"/>
+              </a:solidFill>
+              <a:effectLst/>
+              <a:latin typeface="Apple SD Gothic Neo"/>
+            </a:endParaRPr>
+          </a:p>
+          <a:p>
+            <a:pPr marL="285750" indent="-285750">
+              <a:lnSpc>
+                <a:spcPct val="150000"/>
+              </a:lnSpc>
+              <a:buFontTx/>
+              <a:buChar char="-"/>
+            </a:pPr>
+            <a:r>
+              <a:rPr lang="en-US" altLang="ko-KR" sz="1600" dirty="0">
+                <a:latin typeface="맑은 고딕" panose="020B0503020000020004" pitchFamily="50" charset="-127"/>
+              </a:rPr>
+              <a:t>Loss function</a:t>
+            </a:r>
+          </a:p>
+          <a:p>
+            <a:pPr marL="742950" lvl="1" indent="-285750">
+              <a:lnSpc>
+                <a:spcPct val="150000"/>
+              </a:lnSpc>
+              <a:buFontTx/>
+              <a:buChar char="-"/>
+            </a:pPr>
+            <a:r>
+              <a:rPr lang="en-US" altLang="ko-KR" sz="1600" dirty="0">
+                <a:latin typeface="맑은 고딕" panose="020B0503020000020004" pitchFamily="50" charset="-127"/>
+              </a:rPr>
+              <a:t>Feature vector a </a:t>
+            </a:r>
+            <a:r>
+              <a:rPr lang="ko-KR" altLang="en-US" sz="1600" dirty="0">
+                <a:latin typeface="맑은 고딕" panose="020B0503020000020004" pitchFamily="50" charset="-127"/>
+              </a:rPr>
+              <a:t>에</a:t>
+            </a:r>
+            <a:r>
+              <a:rPr lang="en-US" altLang="ko-KR" sz="1600" dirty="0">
+                <a:latin typeface="맑은 고딕" panose="020B0503020000020004" pitchFamily="50" charset="-127"/>
+              </a:rPr>
+              <a:t> </a:t>
+            </a:r>
+            <a:r>
+              <a:rPr lang="ko-KR" altLang="en-US" sz="1600" dirty="0">
+                <a:latin typeface="맑은 고딕" panose="020B0503020000020004" pitchFamily="50" charset="-127"/>
+              </a:rPr>
+              <a:t>대한 </a:t>
+            </a:r>
+            <a:r>
+              <a:rPr lang="en-US" altLang="ko-KR" sz="1600" dirty="0">
+                <a:latin typeface="맑은 고딕" panose="020B0503020000020004" pitchFamily="50" charset="-127"/>
+              </a:rPr>
+              <a:t>caption y</a:t>
+            </a:r>
+            <a:r>
+              <a:rPr lang="ko-KR" altLang="en-US" sz="1600" dirty="0">
+                <a:latin typeface="맑은 고딕" panose="020B0503020000020004" pitchFamily="50" charset="-127"/>
+              </a:rPr>
+              <a:t>의 확률 값에 </a:t>
+            </a:r>
+            <a:r>
+              <a:rPr lang="en-US" altLang="ko-KR" sz="1600" dirty="0">
+                <a:latin typeface="맑은 고딕" panose="020B0503020000020004" pitchFamily="50" charset="-127"/>
+              </a:rPr>
+              <a:t>log</a:t>
+            </a:r>
+          </a:p>
+          <a:p>
+            <a:pPr marL="742950" lvl="1" indent="-285750">
+              <a:lnSpc>
+                <a:spcPct val="150000"/>
+              </a:lnSpc>
+              <a:buFontTx/>
+              <a:buChar char="-"/>
+            </a:pPr>
+            <a:r>
+              <a:rPr lang="ko-KR" altLang="en-US" sz="1600" dirty="0">
+                <a:latin typeface="맑은 고딕" panose="020B0503020000020004" pitchFamily="50" charset="-127"/>
+              </a:rPr>
+              <a:t>정보가 많을 때 이미지의 일부를 무시할 수 있도록 </a:t>
+            </a:r>
+            <a:r>
+              <a:rPr lang="en-US" altLang="ko-KR" sz="1600" dirty="0">
+                <a:latin typeface="맑은 고딕" panose="020B0503020000020004" pitchFamily="50" charset="-127"/>
+              </a:rPr>
+              <a:t>a</a:t>
+            </a:r>
+            <a:r>
+              <a:rPr lang="ko-KR" altLang="en-US" sz="1600" dirty="0">
+                <a:latin typeface="맑은 고딕" panose="020B0503020000020004" pitchFamily="50" charset="-127"/>
+              </a:rPr>
+              <a:t>의 합이 </a:t>
+            </a:r>
+            <a:r>
+              <a:rPr lang="en-US" altLang="ko-KR" sz="1600" dirty="0">
+                <a:latin typeface="맑은 고딕" panose="020B0503020000020004" pitchFamily="50" charset="-127"/>
+              </a:rPr>
+              <a:t>1</a:t>
+            </a:r>
+            <a:r>
+              <a:rPr lang="ko-KR" altLang="en-US" sz="1600" dirty="0">
+                <a:latin typeface="맑은 고딕" panose="020B0503020000020004" pitchFamily="50" charset="-127"/>
+              </a:rPr>
+              <a:t>이 아닌 조건 추가</a:t>
+            </a:r>
+            <a:endParaRPr lang="en-US" altLang="ko-KR" sz="1600" dirty="0">
+              <a:latin typeface="맑은 고딕" panose="020B0503020000020004" pitchFamily="50" charset="-127"/>
+            </a:endParaRPr>
+          </a:p>
+          <a:p>
+            <a:pPr marL="742950" lvl="1" indent="-285750">
+              <a:lnSpc>
+                <a:spcPct val="150000"/>
+              </a:lnSpc>
+              <a:buFontTx/>
+              <a:buChar char="-"/>
+            </a:pPr>
+            <a:endParaRPr lang="en-US" altLang="ko-KR" sz="1600" b="0" i="0" dirty="0">
+              <a:solidFill>
+                <a:srgbClr val="333333"/>
+              </a:solidFill>
+              <a:effectLst/>
+              <a:latin typeface="Apple SD Gothic Neo"/>
+            </a:endParaRPr>
+          </a:p>
+          <a:p>
+            <a:pPr marL="285750" indent="-285750">
+              <a:lnSpc>
+                <a:spcPct val="150000"/>
+              </a:lnSpc>
+              <a:buFontTx/>
+              <a:buChar char="-"/>
+            </a:pPr>
+            <a:endParaRPr lang="ko-KR" altLang="ko-KR" sz="1600" dirty="0">
+              <a:latin typeface="맑은 고딕" panose="020B0503020000020004" pitchFamily="50" charset="-127"/>
+              <a:ea typeface="맑은 고딕" panose="020B0503020000020004" pitchFamily="50" charset="-127"/>
+            </a:endParaRPr>
+          </a:p>
+          <a:p>
+            <a:pPr marL="285750" indent="-285750">
+              <a:lnSpc>
+                <a:spcPct val="150000"/>
+              </a:lnSpc>
+              <a:buFontTx/>
+              <a:buChar char="-"/>
+            </a:pPr>
+            <a:endParaRPr lang="en-US" altLang="ko-KR" sz="1600" dirty="0">
+              <a:latin typeface="맑은 고딕" panose="020B0503020000020004" pitchFamily="50" charset="-127"/>
+              <a:ea typeface="맑은 고딕" panose="020B0503020000020004" pitchFamily="50" charset="-127"/>
+            </a:endParaRPr>
+          </a:p>
+          <a:p>
+            <a:pPr marL="285750" indent="-285750">
+              <a:lnSpc>
+                <a:spcPct val="150000"/>
+              </a:lnSpc>
+              <a:buFontTx/>
+              <a:buChar char="-"/>
+            </a:pPr>
+            <a:endParaRPr lang="en-US" altLang="ko-KR" sz="1600" dirty="0">
+              <a:latin typeface="맑은 고딕" panose="020B0503020000020004" pitchFamily="50" charset="-127"/>
+              <a:ea typeface="맑은 고딕" panose="020B0503020000020004" pitchFamily="50" charset="-127"/>
+            </a:endParaRPr>
+          </a:p>
+          <a:p>
+            <a:pPr marL="285750" indent="-285750">
+              <a:lnSpc>
+                <a:spcPct val="150000"/>
+              </a:lnSpc>
+              <a:buFontTx/>
+              <a:buChar char="-"/>
+            </a:pPr>
+            <a:endParaRPr lang="ko-KR" altLang="en-US" sz="1600" dirty="0">
+              <a:latin typeface="맑은 고딕" panose="020B0503020000020004" pitchFamily="50" charset="-127"/>
+              <a:ea typeface="맑은 고딕" panose="020B0503020000020004" pitchFamily="50" charset="-127"/>
+            </a:endParaRPr>
           </a:p>
         </p:txBody>
       </p:sp>
@@ -4567,7 +5206,36 @@
           <p:cNvPr id="2" name="그림 1">
             <a:extLst>
               <a:ext uri="{FF2B5EF4-FFF2-40B4-BE49-F238E27FC236}">
-                <a16:creationId xmlns:a16="http://schemas.microsoft.com/office/drawing/2014/main" id="{8164A83C-1077-4A6E-BEE8-857EDAD1AEEC}"/>
+                <a16:creationId xmlns:a16="http://schemas.microsoft.com/office/drawing/2014/main" id="{B394E5C9-1B6E-4888-AF93-C6FD02E83D49}"/>
+              </a:ext>
+            </a:extLst>
+          </p:cNvPr>
+          <p:cNvPicPr>
+            <a:picLocks noChangeAspect="1"/>
+          </p:cNvPicPr>
+          <p:nvPr/>
+        </p:nvPicPr>
+        <p:blipFill rotWithShape="1">
+          <a:blip r:embed="rId3"/>
+          <a:srcRect l="1092" t="4031" r="8687" b="11812"/>
+          <a:stretch/>
+        </p:blipFill>
+        <p:spPr>
+          <a:xfrm>
+            <a:off x="8301718" y="1052505"/>
+            <a:ext cx="3540578" cy="1066127"/>
+          </a:xfrm>
+          <a:prstGeom prst="rect">
+            <a:avLst/>
+          </a:prstGeom>
+        </p:spPr>
+      </p:pic>
+      <p:pic>
+        <p:nvPicPr>
+          <p:cNvPr id="6" name="그림 5">
+            <a:extLst>
+              <a:ext uri="{FF2B5EF4-FFF2-40B4-BE49-F238E27FC236}">
+                <a16:creationId xmlns:a16="http://schemas.microsoft.com/office/drawing/2014/main" id="{32358FDD-47F5-486C-B3D8-2F980DAEED1C}"/>
               </a:ext>
             </a:extLst>
           </p:cNvPr>
@@ -4577,238 +5245,55 @@
           <p:nvPr/>
         </p:nvPicPr>
         <p:blipFill>
-          <a:blip r:embed="rId2"/>
+          <a:blip r:embed="rId4"/>
           <a:stretch>
             <a:fillRect/>
           </a:stretch>
         </p:blipFill>
         <p:spPr>
           <a:xfrm>
-            <a:off x="8344404" y="434761"/>
-            <a:ext cx="3180766" cy="6423239"/>
+            <a:off x="6747800" y="3635662"/>
+            <a:ext cx="5444200" cy="475529"/>
           </a:xfrm>
           <a:prstGeom prst="rect">
             <a:avLst/>
           </a:prstGeom>
         </p:spPr>
       </p:pic>
-      <p:sp>
-        <p:nvSpPr>
-          <p:cNvPr id="3" name="TextBox 2">
-            <a:extLst>
-              <a:ext uri="{FF2B5EF4-FFF2-40B4-BE49-F238E27FC236}">
-                <a16:creationId xmlns:a16="http://schemas.microsoft.com/office/drawing/2014/main" id="{7F08EA38-BF7B-4423-A30D-D1B3B0CCF4B1}"/>
-              </a:ext>
-            </a:extLst>
-          </p:cNvPr>
-          <p:cNvSpPr txBox="1"/>
+      <p:pic>
+        <p:nvPicPr>
+          <p:cNvPr id="7" name="그림 6">
+            <a:extLst>
+              <a:ext uri="{FF2B5EF4-FFF2-40B4-BE49-F238E27FC236}">
+                <a16:creationId xmlns:a16="http://schemas.microsoft.com/office/drawing/2014/main" id="{ED3414B4-4F3A-42A9-8236-D0D09366F1FD}"/>
+              </a:ext>
+            </a:extLst>
+          </p:cNvPr>
+          <p:cNvPicPr>
+            <a:picLocks noChangeAspect="1"/>
+          </p:cNvPicPr>
           <p:nvPr/>
-        </p:nvSpPr>
+        </p:nvPicPr>
+        <p:blipFill>
+          <a:blip r:embed="rId5"/>
+          <a:stretch>
+            <a:fillRect/>
+          </a:stretch>
+        </p:blipFill>
         <p:spPr>
           <a:xfrm>
-            <a:off x="547007" y="1175658"/>
-            <a:ext cx="7058025" cy="3139321"/>
+            <a:off x="7683141" y="4614203"/>
+            <a:ext cx="4406399" cy="865953"/>
           </a:xfrm>
           <a:prstGeom prst="rect">
             <a:avLst/>
           </a:prstGeom>
-          <a:noFill/>
         </p:spPr>
-        <p:txBody>
-          <a:bodyPr wrap="square" rtlCol="0">
-            <a:spAutoFit/>
-          </a:bodyPr>
-          <a:lstStyle/>
-          <a:p>
-            <a:r>
-              <a:rPr lang="en-US" altLang="ko-KR" dirty="0"/>
-              <a:t>Resnet</a:t>
-            </a:r>
-            <a:r>
-              <a:rPr lang="ko-KR" altLang="en-US" dirty="0"/>
-              <a:t>에서 </a:t>
-            </a:r>
-            <a:r>
-              <a:rPr lang="en-US" altLang="ko-KR" dirty="0"/>
-              <a:t>feature </a:t>
-            </a:r>
-            <a:r>
-              <a:rPr lang="ko-KR" altLang="en-US" dirty="0"/>
-              <a:t>값을 추출하여 </a:t>
-            </a:r>
-            <a:r>
-              <a:rPr lang="en-US" altLang="ko-KR" dirty="0"/>
-              <a:t>context </a:t>
-            </a:r>
-            <a:r>
-              <a:rPr lang="ko-KR" altLang="en-US" dirty="0"/>
-              <a:t>값 대신 사용</a:t>
-            </a:r>
-            <a:r>
-              <a:rPr lang="en-US" altLang="ko-KR" dirty="0"/>
-              <a:t>.</a:t>
-            </a:r>
-          </a:p>
-          <a:p>
-            <a:endParaRPr lang="en-US" altLang="ko-KR" dirty="0"/>
-          </a:p>
-          <a:p>
-            <a:r>
-              <a:rPr lang="en-US" altLang="ko-KR" dirty="0"/>
-              <a:t>Resnet152 </a:t>
-            </a:r>
-            <a:r>
-              <a:rPr lang="ko-KR" altLang="en-US" dirty="0"/>
-              <a:t>마지막 </a:t>
-            </a:r>
-            <a:r>
-              <a:rPr lang="en-US" altLang="ko-KR" dirty="0" err="1"/>
-              <a:t>avgpool</a:t>
-            </a:r>
-            <a:r>
-              <a:rPr lang="en-US" altLang="ko-KR" dirty="0"/>
-              <a:t> </a:t>
-            </a:r>
-            <a:r>
-              <a:rPr lang="ko-KR" altLang="en-US" dirty="0"/>
-              <a:t>계층을 얻음</a:t>
-            </a:r>
-            <a:endParaRPr lang="en-US" altLang="ko-KR" dirty="0"/>
-          </a:p>
-          <a:p>
-            <a:r>
-              <a:rPr lang="en-US" altLang="ko-KR" dirty="0"/>
-              <a:t>layer = model._</a:t>
-            </a:r>
-            <a:r>
-              <a:rPr lang="en-US" altLang="ko-KR" dirty="0" err="1"/>
-              <a:t>modules.get</a:t>
-            </a:r>
-            <a:r>
-              <a:rPr lang="en-US" altLang="ko-KR" dirty="0"/>
-              <a:t>('</a:t>
-            </a:r>
-            <a:r>
-              <a:rPr lang="en-US" altLang="ko-KR" dirty="0" err="1"/>
-              <a:t>avgpool</a:t>
-            </a:r>
-            <a:r>
-              <a:rPr lang="en-US" altLang="ko-KR" dirty="0"/>
-              <a:t>’)</a:t>
-            </a:r>
-          </a:p>
-          <a:p>
-            <a:endParaRPr lang="en-US" altLang="ko-KR" dirty="0"/>
-          </a:p>
-          <a:p>
-            <a:r>
-              <a:rPr lang="en-US" altLang="ko-KR" dirty="0"/>
-              <a:t>Hook</a:t>
-            </a:r>
-            <a:r>
-              <a:rPr lang="ko-KR" altLang="en-US" dirty="0"/>
-              <a:t>을 사용하기위한 </a:t>
-            </a:r>
-            <a:r>
-              <a:rPr lang="en-US" altLang="ko-KR" dirty="0"/>
-              <a:t>extractor </a:t>
-            </a:r>
-            <a:r>
-              <a:rPr lang="ko-KR" altLang="en-US" dirty="0"/>
-              <a:t>정의</a:t>
-            </a:r>
-            <a:endParaRPr lang="en-US" altLang="ko-KR" dirty="0"/>
-          </a:p>
-          <a:p>
-            <a:r>
-              <a:rPr lang="ko-KR" altLang="en-US" dirty="0"/>
-              <a:t>마지막층 출력을 </a:t>
-            </a:r>
-            <a:r>
-              <a:rPr lang="en-US" altLang="ko-KR" dirty="0" err="1"/>
-              <a:t>register_forward_hook</a:t>
-            </a:r>
-            <a:r>
-              <a:rPr lang="ko-KR" altLang="en-US" dirty="0"/>
-              <a:t>을 사용하여 복사</a:t>
-            </a:r>
-            <a:r>
-              <a:rPr lang="en-US" altLang="ko-KR" dirty="0"/>
-              <a:t>.</a:t>
-            </a:r>
-          </a:p>
-          <a:p>
-            <a:endParaRPr lang="en-US" altLang="ko-KR" dirty="0"/>
-          </a:p>
-          <a:p>
-            <a:r>
-              <a:rPr lang="en-US" altLang="ko-KR" dirty="0" err="1"/>
-              <a:t>Img</a:t>
-            </a:r>
-            <a:r>
-              <a:rPr lang="ko-KR" altLang="en-US" dirty="0"/>
-              <a:t> </a:t>
-            </a:r>
-            <a:r>
-              <a:rPr lang="en-US" altLang="ko-KR" dirty="0"/>
-              <a:t>filename, </a:t>
-            </a:r>
-            <a:r>
-              <a:rPr lang="en-US" altLang="ko-KR" dirty="0" err="1"/>
-              <a:t>extracedfeature</a:t>
-            </a:r>
-            <a:r>
-              <a:rPr lang="en-US" altLang="ko-KR" dirty="0"/>
-              <a:t> </a:t>
-            </a:r>
-            <a:r>
-              <a:rPr lang="en-US" altLang="ko-KR" dirty="0" err="1"/>
-              <a:t>dataframe</a:t>
-            </a:r>
-            <a:r>
-              <a:rPr lang="en-US" altLang="ko-KR" dirty="0"/>
-              <a:t> </a:t>
-            </a:r>
-            <a:r>
-              <a:rPr lang="ko-KR" altLang="en-US" dirty="0" err="1"/>
-              <a:t>저장후</a:t>
-            </a:r>
-            <a:r>
-              <a:rPr lang="ko-KR" altLang="en-US" dirty="0"/>
-              <a:t> </a:t>
-            </a:r>
-            <a:r>
-              <a:rPr lang="en-US" altLang="ko-KR" dirty="0" err="1"/>
-              <a:t>pkl</a:t>
-            </a:r>
-            <a:r>
-              <a:rPr lang="ko-KR" altLang="en-US" dirty="0"/>
-              <a:t> 파일로 저장</a:t>
-            </a:r>
-            <a:r>
-              <a:rPr lang="en-US" altLang="ko-KR" dirty="0"/>
-              <a:t>.</a:t>
-            </a:r>
-          </a:p>
-          <a:p>
-            <a:endParaRPr lang="en-US" altLang="ko-KR" dirty="0"/>
-          </a:p>
-          <a:p>
-            <a:r>
-              <a:rPr lang="ko-KR" altLang="en-US" dirty="0"/>
-              <a:t>추출한 특징 크기 </a:t>
-            </a:r>
-            <a:r>
-              <a:rPr lang="en-US" altLang="ko-KR" dirty="0"/>
-              <a:t>2048 </a:t>
-            </a:r>
-          </a:p>
-        </p:txBody>
-      </p:sp>
+      </p:pic>
     </p:spTree>
     <p:extLst>
       <p:ext uri="{BB962C8B-B14F-4D97-AF65-F5344CB8AC3E}">
-        <p14:creationId xmlns:p14="http://schemas.microsoft.com/office/powerpoint/2010/main" val="3782898680"/>
+        <p14:creationId xmlns:p14="http://schemas.microsoft.com/office/powerpoint/2010/main" val="3417411974"/>
       </p:ext>
     </p:extLst>
   </p:cSld>
@@ -4818,7 +5303,7 @@
 </p:sld>
 </file>
 
-<file path=ppt/slides/slide3.xml><?xml version="1.0" encoding="utf-8"?>
+<file path=ppt/slides/slide11.xml><?xml version="1.0" encoding="utf-8"?>
 <p:sld xmlns:a="http://schemas.openxmlformats.org/drawingml/2006/main" xmlns:r="http://schemas.openxmlformats.org/officeDocument/2006/relationships" xmlns:p="http://schemas.openxmlformats.org/presentationml/2006/main">
   <p:cSld>
     <p:spTree>
@@ -4923,9 +5408,9 @@
           <a:p>
             <a:fld id="{C3EC3709-AF19-4BC3-8020-8E9C5E0E1F7D}" type="slidenum">
               <a:rPr lang="ko-KR" altLang="en-US" smtClean="0"/>
-              <a:t>3</a:t>
+              <a:t>11</a:t>
             </a:fld>
-            <a:endParaRPr lang="ko-KR" altLang="en-US"/>
+            <a:endParaRPr lang="ko-KR" altLang="en-US" dirty="0"/>
           </a:p>
         </p:txBody>
       </p:sp>
@@ -4959,26 +5444,48 @@
           <a:p>
             <a:r>
               <a:rPr lang="en-US" altLang="ko-KR" sz="2400" dirty="0"/>
-              <a:t>Vis-Causal </a:t>
-            </a:r>
-            <a:r>
-              <a:rPr lang="ko-KR" altLang="en-US" sz="2400" dirty="0"/>
-              <a:t>실행 결과 추가</a:t>
-            </a:r>
-            <a:r>
-              <a:rPr lang="en-US" altLang="ko-KR" sz="2400" dirty="0"/>
-              <a:t> </a:t>
+              <a:t>Experiment</a:t>
             </a:r>
             <a:endParaRPr lang="ko-KR" altLang="en-US" sz="2400" dirty="0"/>
           </a:p>
         </p:txBody>
       </p:sp>
-      <p:sp>
-        <p:nvSpPr>
-          <p:cNvPr id="5" name="TextBox 4">
-            <a:extLst>
-              <a:ext uri="{FF2B5EF4-FFF2-40B4-BE49-F238E27FC236}">
-                <a16:creationId xmlns:a16="http://schemas.microsoft.com/office/drawing/2014/main" id="{485CEAA9-0B3E-432B-9279-BBC8FC703840}"/>
+      <p:pic>
+        <p:nvPicPr>
+          <p:cNvPr id="2" name="그림 1">
+            <a:extLst>
+              <a:ext uri="{FF2B5EF4-FFF2-40B4-BE49-F238E27FC236}">
+                <a16:creationId xmlns:a16="http://schemas.microsoft.com/office/drawing/2014/main" id="{FCE19AD9-0A4D-4ED2-B56C-8357F975055D}"/>
+              </a:ext>
+            </a:extLst>
+          </p:cNvPr>
+          <p:cNvPicPr>
+            <a:picLocks noChangeAspect="1"/>
+          </p:cNvPicPr>
+          <p:nvPr/>
+        </p:nvPicPr>
+        <p:blipFill>
+          <a:blip r:embed="rId3"/>
+          <a:stretch>
+            <a:fillRect/>
+          </a:stretch>
+        </p:blipFill>
+        <p:spPr>
+          <a:xfrm>
+            <a:off x="1506312" y="1128164"/>
+            <a:ext cx="7429272" cy="1973239"/>
+          </a:xfrm>
+          <a:prstGeom prst="rect">
+            <a:avLst/>
+          </a:prstGeom>
+        </p:spPr>
+      </p:pic>
+      <p:sp>
+        <p:nvSpPr>
+          <p:cNvPr id="3" name="TextBox 2">
+            <a:extLst>
+              <a:ext uri="{FF2B5EF4-FFF2-40B4-BE49-F238E27FC236}">
+                <a16:creationId xmlns:a16="http://schemas.microsoft.com/office/drawing/2014/main" id="{C67E7DEB-1D30-4BC0-9ED2-C682D4B9CB0E}"/>
               </a:ext>
             </a:extLst>
           </p:cNvPr>
@@ -4987,8 +5494,8 @@
         </p:nvSpPr>
         <p:spPr>
           <a:xfrm>
-            <a:off x="524656" y="1124262"/>
-            <a:ext cx="10373193" cy="1477328"/>
+            <a:off x="423748" y="5733605"/>
+            <a:ext cx="11397343" cy="783356"/>
           </a:xfrm>
           <a:prstGeom prst="rect">
             <a:avLst/>
@@ -5002,94 +5509,103 @@
           <a:lstStyle/>
           <a:p>
             <a:pPr marL="285750" indent="-285750">
-              <a:buFontTx/>
-              <a:buChar char="-"/>
+              <a:lnSpc>
+                <a:spcPct val="150000"/>
+              </a:lnSpc>
+              <a:buFont typeface="Arial" panose="020B0604020202020204" pitchFamily="34" charset="0"/>
+              <a:buChar char="•"/>
             </a:pPr>
             <a:r>
-              <a:rPr lang="en-US" altLang="ko-KR" dirty="0"/>
-              <a:t>GPT-2</a:t>
+              <a:rPr lang="ko-KR" altLang="en-US" sz="1600" dirty="0"/>
+              <a:t>하얗게 된 부분이 </a:t>
+            </a:r>
+            <a:r>
+              <a:rPr lang="en-US" altLang="ko-KR" sz="1600" dirty="0"/>
+              <a:t>caption</a:t>
+            </a:r>
+            <a:r>
+              <a:rPr lang="ko-KR" altLang="en-US" sz="1600" dirty="0"/>
+              <a:t>을 생성할 때 이미지에서 고려한 부분</a:t>
+            </a:r>
+            <a:r>
+              <a:rPr lang="en-US" altLang="ko-KR" sz="1600" dirty="0"/>
+              <a:t>.</a:t>
             </a:r>
           </a:p>
           <a:p>
             <a:pPr marL="285750" indent="-285750">
-              <a:buFontTx/>
-              <a:buChar char="-"/>
+              <a:lnSpc>
+                <a:spcPct val="150000"/>
+              </a:lnSpc>
+              <a:buFont typeface="Arial" panose="020B0604020202020204" pitchFamily="34" charset="0"/>
+              <a:buChar char="•"/>
             </a:pPr>
-            <a:endParaRPr lang="en-US" altLang="ko-KR" dirty="0"/>
-          </a:p>
-          <a:p>
-            <a:pPr marL="285750" indent="-285750">
-              <a:buFontTx/>
-              <a:buChar char="-"/>
-            </a:pPr>
-            <a:r>
-              <a:rPr lang="en-US" altLang="ko-KR" dirty="0"/>
-              <a:t>Epoch </a:t>
-            </a:r>
-            <a:r>
-              <a:rPr lang="ko-KR" altLang="en-US" dirty="0"/>
-              <a:t>늘린 경우 </a:t>
-            </a:r>
-            <a:r>
-              <a:rPr lang="en-US" altLang="ko-KR" dirty="0"/>
-              <a:t>loss</a:t>
-            </a:r>
-          </a:p>
-          <a:p>
-            <a:pPr marL="285750" indent="-285750">
-              <a:buFontTx/>
-              <a:buChar char="-"/>
-            </a:pPr>
-            <a:endParaRPr lang="en-US" altLang="ko-KR" dirty="0"/>
-          </a:p>
-          <a:p>
-            <a:pPr marL="285750" indent="-285750">
-              <a:buFontTx/>
-              <a:buChar char="-"/>
-            </a:pPr>
-            <a:r>
-              <a:rPr lang="en-US" altLang="ko-KR" dirty="0"/>
-              <a:t>Print</a:t>
-            </a:r>
-            <a:r>
-              <a:rPr lang="ko-KR" altLang="en-US" dirty="0"/>
-              <a:t> </a:t>
-            </a:r>
-            <a:r>
-              <a:rPr lang="en-US" altLang="ko-KR" dirty="0" err="1"/>
-              <a:t>gt</a:t>
-            </a:r>
-            <a:r>
-              <a:rPr lang="ko-KR" altLang="en-US" dirty="0"/>
-              <a:t> </a:t>
-            </a:r>
-            <a:r>
-              <a:rPr lang="en-US" altLang="ko-KR" dirty="0"/>
-              <a:t>and</a:t>
-            </a:r>
-            <a:r>
-              <a:rPr lang="ko-KR" altLang="en-US" dirty="0"/>
-              <a:t> </a:t>
-            </a:r>
-            <a:r>
-              <a:rPr lang="en-US" altLang="ko-KR" dirty="0"/>
-              <a:t>result</a:t>
-            </a:r>
-            <a:r>
-              <a:rPr lang="ko-KR" altLang="en-US" dirty="0"/>
-              <a:t> </a:t>
-            </a:r>
-            <a:r>
-              <a:rPr lang="en-US" altLang="ko-KR" dirty="0"/>
-              <a:t>sentence</a:t>
-            </a:r>
-          </a:p>
-        </p:txBody>
-      </p:sp>
+            <a:r>
+              <a:rPr lang="en-US" altLang="ko-KR" sz="1600" dirty="0"/>
+              <a:t>Hard</a:t>
+            </a:r>
+            <a:r>
+              <a:rPr lang="ko-KR" altLang="en-US" sz="1600" dirty="0"/>
+              <a:t>는  이미지의 정확한 부분을 고르고 </a:t>
+            </a:r>
+            <a:r>
+              <a:rPr lang="en-US" altLang="ko-KR" sz="1600" dirty="0"/>
+              <a:t>soft</a:t>
+            </a:r>
+            <a:r>
+              <a:rPr lang="ko-KR" altLang="en-US" sz="1600" dirty="0"/>
+              <a:t>는 이미지의 전반적인 부부분을 </a:t>
+            </a:r>
+            <a:r>
+              <a:rPr lang="en-US" altLang="ko-KR" sz="1600" dirty="0"/>
+              <a:t>attend</a:t>
+            </a:r>
+            <a:r>
+              <a:rPr lang="ko-KR" altLang="en-US" sz="1600" dirty="0"/>
+              <a:t>하는 것을 볼 수 있다</a:t>
+            </a:r>
+            <a:r>
+              <a:rPr lang="en-US" altLang="ko-KR" sz="1600" dirty="0"/>
+              <a:t>.</a:t>
+            </a:r>
+            <a:endParaRPr lang="ko-KR" altLang="en-US" sz="1600" dirty="0"/>
+          </a:p>
+        </p:txBody>
+      </p:sp>
+      <p:pic>
+        <p:nvPicPr>
+          <p:cNvPr id="6" name="그림 5">
+            <a:extLst>
+              <a:ext uri="{FF2B5EF4-FFF2-40B4-BE49-F238E27FC236}">
+                <a16:creationId xmlns:a16="http://schemas.microsoft.com/office/drawing/2014/main" id="{EC01EA3C-2A04-488D-99B1-8EFB124AF185}"/>
+              </a:ext>
+            </a:extLst>
+          </p:cNvPr>
+          <p:cNvPicPr>
+            <a:picLocks noChangeAspect="1"/>
+          </p:cNvPicPr>
+          <p:nvPr/>
+        </p:nvPicPr>
+        <p:blipFill>
+          <a:blip r:embed="rId4"/>
+          <a:stretch>
+            <a:fillRect/>
+          </a:stretch>
+        </p:blipFill>
+        <p:spPr>
+          <a:xfrm>
+            <a:off x="2886076" y="3429000"/>
+            <a:ext cx="5208813" cy="2020661"/>
+          </a:xfrm>
+          <a:prstGeom prst="rect">
+            <a:avLst/>
+          </a:prstGeom>
+        </p:spPr>
+      </p:pic>
     </p:spTree>
     <p:extLst>
       <p:ext uri="{BB962C8B-B14F-4D97-AF65-F5344CB8AC3E}">
-        <p14:creationId xmlns:p14="http://schemas.microsoft.com/office/powerpoint/2010/main" val="956808064"/>
+        <p14:creationId xmlns:p14="http://schemas.microsoft.com/office/powerpoint/2010/main" val="2878143827"/>
       </p:ext>
     </p:extLst>
   </p:cSld>
@@ -5099,7 +5615,7 @@
 </p:sld>
 </file>
 
-<file path=ppt/slides/slide4.xml><?xml version="1.0" encoding="utf-8"?>
+<file path=ppt/slides/slide12.xml><?xml version="1.0" encoding="utf-8"?>
 <p:sld xmlns:a="http://schemas.openxmlformats.org/drawingml/2006/main" xmlns:r="http://schemas.openxmlformats.org/officeDocument/2006/relationships" xmlns:p="http://schemas.openxmlformats.org/presentationml/2006/main">
   <p:cSld>
     <p:spTree>
@@ -5204,9 +5720,9 @@
           <a:p>
             <a:fld id="{C3EC3709-AF19-4BC3-8020-8E9C5E0E1F7D}" type="slidenum">
               <a:rPr lang="ko-KR" altLang="en-US" smtClean="0"/>
-              <a:t>4</a:t>
+              <a:t>12</a:t>
             </a:fld>
-            <a:endParaRPr lang="ko-KR" altLang="en-US"/>
+            <a:endParaRPr lang="ko-KR" altLang="en-US" dirty="0"/>
           </a:p>
         </p:txBody>
       </p:sp>
@@ -5240,6 +5756,1232 @@
           <a:p>
             <a:r>
               <a:rPr lang="en-US" altLang="ko-KR" sz="2400" dirty="0"/>
+              <a:t>Experiment</a:t>
+            </a:r>
+            <a:endParaRPr lang="ko-KR" altLang="en-US" sz="2400" dirty="0"/>
+          </a:p>
+        </p:txBody>
+      </p:sp>
+      <p:sp>
+        <p:nvSpPr>
+          <p:cNvPr id="3" name="TextBox 2">
+            <a:extLst>
+              <a:ext uri="{FF2B5EF4-FFF2-40B4-BE49-F238E27FC236}">
+                <a16:creationId xmlns:a16="http://schemas.microsoft.com/office/drawing/2014/main" id="{C67E7DEB-1D30-4BC0-9ED2-C682D4B9CB0E}"/>
+              </a:ext>
+            </a:extLst>
+          </p:cNvPr>
+          <p:cNvSpPr txBox="1"/>
+          <p:nvPr/>
+        </p:nvSpPr>
+        <p:spPr>
+          <a:xfrm>
+            <a:off x="550294" y="4521209"/>
+            <a:ext cx="11397343" cy="783356"/>
+          </a:xfrm>
+          <a:prstGeom prst="rect">
+            <a:avLst/>
+          </a:prstGeom>
+          <a:noFill/>
+        </p:spPr>
+        <p:txBody>
+          <a:bodyPr wrap="square" rtlCol="0">
+            <a:spAutoFit/>
+          </a:bodyPr>
+          <a:lstStyle/>
+          <a:p>
+            <a:pPr marL="285750" indent="-285750">
+              <a:lnSpc>
+                <a:spcPct val="150000"/>
+              </a:lnSpc>
+              <a:buFont typeface="Arial" panose="020B0604020202020204" pitchFamily="34" charset="0"/>
+              <a:buChar char="•"/>
+            </a:pPr>
+            <a:r>
+              <a:rPr lang="en-US" altLang="ko-KR" sz="1600" dirty="0"/>
+              <a:t>Flickr dataset </a:t>
+            </a:r>
+            <a:r>
+              <a:rPr lang="ko-KR" altLang="en-US" sz="1600" dirty="0"/>
+              <a:t>및 </a:t>
+            </a:r>
+            <a:r>
+              <a:rPr lang="en-US" altLang="ko-KR" sz="1600" dirty="0"/>
+              <a:t>COCO dataset </a:t>
+            </a:r>
+            <a:r>
+              <a:rPr lang="ko-KR" altLang="en-US" sz="1600" dirty="0"/>
+              <a:t>모두에서 </a:t>
+            </a:r>
+            <a:r>
+              <a:rPr lang="en-US" altLang="ko-KR" sz="1600" dirty="0"/>
+              <a:t>attention</a:t>
+            </a:r>
+            <a:r>
+              <a:rPr lang="ko-KR" altLang="en-US" sz="1600" dirty="0"/>
+              <a:t>을 적용한 모델의 성능</a:t>
+            </a:r>
+            <a:r>
+              <a:rPr lang="en-US" altLang="ko-KR" sz="1600" dirty="0"/>
+              <a:t>(BLEU score)</a:t>
+            </a:r>
+            <a:r>
+              <a:rPr lang="ko-KR" altLang="en-US" sz="1600" dirty="0"/>
+              <a:t>이 더 높다</a:t>
+            </a:r>
+            <a:r>
+              <a:rPr lang="en-US" altLang="ko-KR" sz="1600" dirty="0"/>
+              <a:t>.</a:t>
+            </a:r>
+          </a:p>
+          <a:p>
+            <a:pPr marL="285750" indent="-285750">
+              <a:lnSpc>
+                <a:spcPct val="150000"/>
+              </a:lnSpc>
+              <a:buFont typeface="Arial" panose="020B0604020202020204" pitchFamily="34" charset="0"/>
+              <a:buChar char="•"/>
+            </a:pPr>
+            <a:r>
+              <a:rPr lang="en-US" altLang="ko-KR" sz="1600" dirty="0"/>
+              <a:t>BLEU</a:t>
+            </a:r>
+            <a:r>
+              <a:rPr lang="ko-KR" altLang="en-US" sz="1600" dirty="0"/>
+              <a:t> </a:t>
+            </a:r>
+            <a:r>
+              <a:rPr lang="en-US" altLang="ko-KR" sz="1600" dirty="0"/>
+              <a:t>: </a:t>
+            </a:r>
+            <a:r>
+              <a:rPr lang="ko-KR" altLang="en-US" sz="1600" dirty="0"/>
+              <a:t>단어의 겹치는 정도</a:t>
+            </a:r>
+            <a:r>
+              <a:rPr lang="en-US" altLang="ko-KR" sz="1600" dirty="0"/>
+              <a:t>, </a:t>
+            </a:r>
+            <a:r>
+              <a:rPr lang="ko-KR" altLang="en-US" sz="1600" dirty="0"/>
+              <a:t>같은 단어 반복</a:t>
+            </a:r>
+            <a:r>
+              <a:rPr lang="en-US" altLang="ko-KR" sz="1600" dirty="0"/>
+              <a:t> </a:t>
+            </a:r>
+            <a:r>
+              <a:rPr lang="ko-KR" altLang="en-US" sz="1600" dirty="0"/>
+              <a:t>사용 </a:t>
+            </a:r>
+            <a:r>
+              <a:rPr lang="en-US" altLang="ko-KR" sz="1600" dirty="0"/>
+              <a:t>, </a:t>
+            </a:r>
+            <a:r>
+              <a:rPr lang="ko-KR" altLang="en-US" sz="1600" dirty="0"/>
+              <a:t>문장 길이에 대한 보정을 통해 </a:t>
+            </a:r>
+            <a:r>
+              <a:rPr lang="en-US" altLang="ko-KR" sz="1600" dirty="0"/>
+              <a:t>caption</a:t>
+            </a:r>
+            <a:r>
+              <a:rPr lang="ko-KR" altLang="en-US" sz="1600" dirty="0"/>
+              <a:t>의 점수 계산</a:t>
+            </a:r>
+            <a:r>
+              <a:rPr lang="en-US" altLang="ko-KR" sz="1600" dirty="0"/>
+              <a:t> </a:t>
+            </a:r>
+            <a:endParaRPr lang="ko-KR" altLang="en-US" sz="1600" dirty="0"/>
+          </a:p>
+        </p:txBody>
+      </p:sp>
+      <p:pic>
+        <p:nvPicPr>
+          <p:cNvPr id="5" name="그림 4">
+            <a:extLst>
+              <a:ext uri="{FF2B5EF4-FFF2-40B4-BE49-F238E27FC236}">
+                <a16:creationId xmlns:a16="http://schemas.microsoft.com/office/drawing/2014/main" id="{FE3C2877-C1DF-42C7-82BB-399F10262253}"/>
+              </a:ext>
+            </a:extLst>
+          </p:cNvPr>
+          <p:cNvPicPr>
+            <a:picLocks noChangeAspect="1"/>
+          </p:cNvPicPr>
+          <p:nvPr/>
+        </p:nvPicPr>
+        <p:blipFill rotWithShape="1">
+          <a:blip r:embed="rId3"/>
+          <a:srcRect r="7328" b="7796"/>
+          <a:stretch/>
+        </p:blipFill>
+        <p:spPr>
+          <a:xfrm>
+            <a:off x="2316828" y="1007762"/>
+            <a:ext cx="6246359" cy="3225338"/>
+          </a:xfrm>
+          <a:prstGeom prst="rect">
+            <a:avLst/>
+          </a:prstGeom>
+        </p:spPr>
+      </p:pic>
+    </p:spTree>
+    <p:extLst>
+      <p:ext uri="{BB962C8B-B14F-4D97-AF65-F5344CB8AC3E}">
+        <p14:creationId xmlns:p14="http://schemas.microsoft.com/office/powerpoint/2010/main" val="683173844"/>
+      </p:ext>
+    </p:extLst>
+  </p:cSld>
+  <p:clrMapOvr>
+    <a:masterClrMapping/>
+  </p:clrMapOvr>
+</p:sld>
+</file>
+
+<file path=ppt/slides/slide2.xml><?xml version="1.0" encoding="utf-8"?>
+<p:sld xmlns:a="http://schemas.openxmlformats.org/drawingml/2006/main" xmlns:r="http://schemas.openxmlformats.org/officeDocument/2006/relationships" xmlns:p="http://schemas.openxmlformats.org/presentationml/2006/main">
+  <p:cSld>
+    <p:spTree>
+      <p:nvGrpSpPr>
+        <p:cNvPr id="1" name=""/>
+        <p:cNvGrpSpPr/>
+        <p:nvPr/>
+      </p:nvGrpSpPr>
+      <p:grpSpPr>
+        <a:xfrm>
+          <a:off x="0" y="0"/>
+          <a:ext cx="0" cy="0"/>
+          <a:chOff x="0" y="0"/>
+          <a:chExt cx="0" cy="0"/>
+        </a:xfrm>
+      </p:grpSpPr>
+      <p:sp>
+        <p:nvSpPr>
+          <p:cNvPr id="8" name="직사각형 7">
+            <a:extLst>
+              <a:ext uri="{FF2B5EF4-FFF2-40B4-BE49-F238E27FC236}">
+                <a16:creationId xmlns:a16="http://schemas.microsoft.com/office/drawing/2014/main" id="{212AE0A1-5F92-478A-A843-443E581BDF91}"/>
+              </a:ext>
+            </a:extLst>
+          </p:cNvPr>
+          <p:cNvSpPr/>
+          <p:nvPr/>
+        </p:nvSpPr>
+        <p:spPr>
+          <a:xfrm>
+            <a:off x="0" y="-1"/>
+            <a:ext cx="12192000" cy="825731"/>
+          </a:xfrm>
+          <a:prstGeom prst="rect">
+            <a:avLst/>
+          </a:prstGeom>
+          <a:solidFill>
+            <a:schemeClr val="accent6">
+              <a:lumMod val="40000"/>
+              <a:lumOff val="60000"/>
+            </a:schemeClr>
+          </a:solidFill>
+          <a:ln>
+            <a:solidFill>
+              <a:schemeClr val="accent6">
+                <a:lumMod val="40000"/>
+                <a:lumOff val="60000"/>
+              </a:schemeClr>
+            </a:solidFill>
+          </a:ln>
+        </p:spPr>
+        <p:style>
+          <a:lnRef idx="2">
+            <a:schemeClr val="accent1">
+              <a:shade val="50000"/>
+            </a:schemeClr>
+          </a:lnRef>
+          <a:fillRef idx="1">
+            <a:schemeClr val="accent1"/>
+          </a:fillRef>
+          <a:effectRef idx="0">
+            <a:schemeClr val="accent1"/>
+          </a:effectRef>
+          <a:fontRef idx="minor">
+            <a:schemeClr val="lt1"/>
+          </a:fontRef>
+        </p:style>
+        <p:txBody>
+          <a:bodyPr rtlCol="0" anchor="ctr"/>
+          <a:lstStyle/>
+          <a:p>
+            <a:pPr algn="ctr"/>
+            <a:endParaRPr lang="ko-KR" altLang="en-US"/>
+          </a:p>
+        </p:txBody>
+      </p:sp>
+      <p:sp>
+        <p:nvSpPr>
+          <p:cNvPr id="4" name="슬라이드 번호 개체 틀 3">
+            <a:extLst>
+              <a:ext uri="{FF2B5EF4-FFF2-40B4-BE49-F238E27FC236}">
+                <a16:creationId xmlns:a16="http://schemas.microsoft.com/office/drawing/2014/main" id="{B11A7AB9-7540-40FD-94B6-0135A3ED289C}"/>
+              </a:ext>
+            </a:extLst>
+          </p:cNvPr>
+          <p:cNvSpPr>
+            <a:spLocks noGrp="1"/>
+          </p:cNvSpPr>
+          <p:nvPr>
+            <p:ph type="sldNum" sz="quarter" idx="12"/>
+          </p:nvPr>
+        </p:nvSpPr>
+        <p:spPr>
+          <a:xfrm>
+            <a:off x="8563187" y="6379936"/>
+            <a:ext cx="2743200" cy="365125"/>
+          </a:xfrm>
+        </p:spPr>
+        <p:txBody>
+          <a:bodyPr/>
+          <a:lstStyle/>
+          <a:p>
+            <a:fld id="{C3EC3709-AF19-4BC3-8020-8E9C5E0E1F7D}" type="slidenum">
+              <a:rPr lang="ko-KR" altLang="en-US" smtClean="0"/>
+              <a:t>2</a:t>
+            </a:fld>
+            <a:endParaRPr lang="ko-KR" altLang="en-US"/>
+          </a:p>
+        </p:txBody>
+      </p:sp>
+      <p:sp>
+        <p:nvSpPr>
+          <p:cNvPr id="9" name="TextBox 8">
+            <a:extLst>
+              <a:ext uri="{FF2B5EF4-FFF2-40B4-BE49-F238E27FC236}">
+                <a16:creationId xmlns:a16="http://schemas.microsoft.com/office/drawing/2014/main" id="{19B6216F-12C7-418D-A944-6484C1992BBE}"/>
+              </a:ext>
+            </a:extLst>
+          </p:cNvPr>
+          <p:cNvSpPr txBox="1"/>
+          <p:nvPr/>
+        </p:nvSpPr>
+        <p:spPr>
+          <a:xfrm>
+            <a:off x="231339" y="182031"/>
+            <a:ext cx="11782163" cy="461665"/>
+          </a:xfrm>
+          <a:prstGeom prst="rect">
+            <a:avLst/>
+          </a:prstGeom>
+          <a:noFill/>
+        </p:spPr>
+        <p:txBody>
+          <a:bodyPr wrap="square" rtlCol="0">
+            <a:spAutoFit/>
+          </a:bodyPr>
+          <a:lstStyle/>
+          <a:p>
+            <a:r>
+              <a:rPr lang="en-US" altLang="ko-KR" sz="2400" dirty="0"/>
+              <a:t>Vis-Causal / </a:t>
+            </a:r>
+            <a:r>
+              <a:rPr lang="en-US" altLang="ko-KR" sz="2400" dirty="0" err="1"/>
+              <a:t>ResNetAsContext</a:t>
+            </a:r>
+            <a:r>
+              <a:rPr lang="en-US" altLang="ko-KR" sz="2400" dirty="0"/>
+              <a:t> Model </a:t>
+            </a:r>
+            <a:r>
+              <a:rPr lang="ko-KR" altLang="en-US" sz="2400" dirty="0"/>
+              <a:t>사용</a:t>
+            </a:r>
+            <a:r>
+              <a:rPr lang="en-US" altLang="ko-KR" sz="2400" dirty="0"/>
+              <a:t> </a:t>
+            </a:r>
+            <a:endParaRPr lang="ko-KR" altLang="en-US" sz="2400" dirty="0"/>
+          </a:p>
+        </p:txBody>
+      </p:sp>
+      <p:pic>
+        <p:nvPicPr>
+          <p:cNvPr id="2" name="그림 1">
+            <a:extLst>
+              <a:ext uri="{FF2B5EF4-FFF2-40B4-BE49-F238E27FC236}">
+                <a16:creationId xmlns:a16="http://schemas.microsoft.com/office/drawing/2014/main" id="{8164A83C-1077-4A6E-BEE8-857EDAD1AEEC}"/>
+              </a:ext>
+            </a:extLst>
+          </p:cNvPr>
+          <p:cNvPicPr>
+            <a:picLocks noChangeAspect="1"/>
+          </p:cNvPicPr>
+          <p:nvPr/>
+        </p:nvPicPr>
+        <p:blipFill rotWithShape="1">
+          <a:blip r:embed="rId2"/>
+          <a:srcRect b="72852"/>
+          <a:stretch/>
+        </p:blipFill>
+        <p:spPr>
+          <a:xfrm>
+            <a:off x="8087277" y="1140240"/>
+            <a:ext cx="3180766" cy="1743747"/>
+          </a:xfrm>
+          <a:prstGeom prst="rect">
+            <a:avLst/>
+          </a:prstGeom>
+        </p:spPr>
+      </p:pic>
+      <p:sp>
+        <p:nvSpPr>
+          <p:cNvPr id="3" name="TextBox 2">
+            <a:extLst>
+              <a:ext uri="{FF2B5EF4-FFF2-40B4-BE49-F238E27FC236}">
+                <a16:creationId xmlns:a16="http://schemas.microsoft.com/office/drawing/2014/main" id="{7F08EA38-BF7B-4423-A30D-D1B3B0CCF4B1}"/>
+              </a:ext>
+            </a:extLst>
+          </p:cNvPr>
+          <p:cNvSpPr txBox="1"/>
+          <p:nvPr/>
+        </p:nvSpPr>
+        <p:spPr>
+          <a:xfrm>
+            <a:off x="547007" y="1175658"/>
+            <a:ext cx="7058025" cy="2630015"/>
+          </a:xfrm>
+          <a:prstGeom prst="rect">
+            <a:avLst/>
+          </a:prstGeom>
+          <a:noFill/>
+        </p:spPr>
+        <p:txBody>
+          <a:bodyPr wrap="square" rtlCol="0">
+            <a:spAutoFit/>
+          </a:bodyPr>
+          <a:lstStyle/>
+          <a:p>
+            <a:pPr marL="285750" indent="-285750">
+              <a:lnSpc>
+                <a:spcPct val="150000"/>
+              </a:lnSpc>
+              <a:buFontTx/>
+              <a:buChar char="-"/>
+            </a:pPr>
+            <a:r>
+              <a:rPr lang="en-US" altLang="ko-KR" sz="1600" dirty="0"/>
+              <a:t>Resnet</a:t>
+            </a:r>
+            <a:r>
+              <a:rPr lang="ko-KR" altLang="en-US" sz="1600" dirty="0"/>
+              <a:t>에서 </a:t>
+            </a:r>
+            <a:r>
+              <a:rPr lang="en-US" altLang="ko-KR" sz="1600" dirty="0"/>
+              <a:t>feature </a:t>
+            </a:r>
+            <a:r>
+              <a:rPr lang="ko-KR" altLang="en-US" sz="1600" dirty="0"/>
+              <a:t>값을 추출하여 </a:t>
+            </a:r>
+            <a:r>
+              <a:rPr lang="en-US" altLang="ko-KR" sz="1600" dirty="0"/>
+              <a:t>context </a:t>
+            </a:r>
+            <a:r>
+              <a:rPr lang="ko-KR" altLang="en-US" sz="1600" dirty="0"/>
+              <a:t>값 대신 사용</a:t>
+            </a:r>
+            <a:r>
+              <a:rPr lang="en-US" altLang="ko-KR" sz="1600" dirty="0"/>
+              <a:t>.</a:t>
+            </a:r>
+          </a:p>
+          <a:p>
+            <a:pPr marL="285750" indent="-285750">
+              <a:lnSpc>
+                <a:spcPct val="150000"/>
+              </a:lnSpc>
+              <a:buFontTx/>
+              <a:buChar char="-"/>
+            </a:pPr>
+            <a:r>
+              <a:rPr lang="en-US" altLang="ko-KR" sz="1600" dirty="0"/>
+              <a:t>Resnet152</a:t>
+            </a:r>
+            <a:r>
+              <a:rPr lang="ko-KR" altLang="en-US" sz="1600" dirty="0"/>
+              <a:t>의 마지막 </a:t>
+            </a:r>
+            <a:r>
+              <a:rPr lang="en-US" altLang="ko-KR" sz="1600" dirty="0" err="1"/>
+              <a:t>avgpool</a:t>
+            </a:r>
+            <a:r>
+              <a:rPr lang="en-US" altLang="ko-KR" sz="1600" dirty="0"/>
+              <a:t> </a:t>
+            </a:r>
+            <a:r>
+              <a:rPr lang="ko-KR" altLang="en-US" sz="1600" dirty="0"/>
+              <a:t>계층을 얻음</a:t>
+            </a:r>
+            <a:r>
+              <a:rPr lang="en-US" altLang="ko-KR" sz="1600" dirty="0"/>
+              <a:t>. </a:t>
+            </a:r>
+          </a:p>
+          <a:p>
+            <a:pPr>
+              <a:lnSpc>
+                <a:spcPct val="150000"/>
+              </a:lnSpc>
+            </a:pPr>
+            <a:r>
+              <a:rPr lang="en-US" altLang="ko-KR" sz="1600" dirty="0"/>
+              <a:t>	layer = model._</a:t>
+            </a:r>
+            <a:r>
+              <a:rPr lang="en-US" altLang="ko-KR" sz="1600" dirty="0" err="1"/>
+              <a:t>modules.get</a:t>
+            </a:r>
+            <a:r>
+              <a:rPr lang="en-US" altLang="ko-KR" sz="1600" dirty="0"/>
+              <a:t>('</a:t>
+            </a:r>
+            <a:r>
+              <a:rPr lang="en-US" altLang="ko-KR" sz="1600" dirty="0" err="1"/>
+              <a:t>avgpool</a:t>
+            </a:r>
+            <a:r>
+              <a:rPr lang="en-US" altLang="ko-KR" sz="1600" dirty="0"/>
+              <a:t>’)</a:t>
+            </a:r>
+          </a:p>
+          <a:p>
+            <a:pPr marL="285750" indent="-285750">
+              <a:lnSpc>
+                <a:spcPct val="150000"/>
+              </a:lnSpc>
+              <a:buFontTx/>
+              <a:buChar char="-"/>
+            </a:pPr>
+            <a:r>
+              <a:rPr lang="en-US" altLang="ko-KR" sz="1600" dirty="0"/>
+              <a:t>Hook</a:t>
+            </a:r>
+            <a:r>
+              <a:rPr lang="ko-KR" altLang="en-US" sz="1600" dirty="0"/>
+              <a:t>을 사용하기위한 </a:t>
+            </a:r>
+            <a:r>
+              <a:rPr lang="en-US" altLang="ko-KR" sz="1600" dirty="0"/>
+              <a:t>extractor </a:t>
+            </a:r>
+            <a:r>
+              <a:rPr lang="ko-KR" altLang="en-US" sz="1600" dirty="0"/>
+              <a:t>정의</a:t>
+            </a:r>
+            <a:endParaRPr lang="en-US" altLang="ko-KR" sz="1600" dirty="0"/>
+          </a:p>
+          <a:p>
+            <a:pPr marL="285750" indent="-285750">
+              <a:lnSpc>
+                <a:spcPct val="150000"/>
+              </a:lnSpc>
+              <a:buFontTx/>
+              <a:buChar char="-"/>
+            </a:pPr>
+            <a:r>
+              <a:rPr lang="ko-KR" altLang="en-US" sz="1600" dirty="0"/>
+              <a:t>마지막층 출력을 </a:t>
+            </a:r>
+            <a:r>
+              <a:rPr lang="en-US" altLang="ko-KR" sz="1600" dirty="0" err="1"/>
+              <a:t>register_forward_hook</a:t>
+            </a:r>
+            <a:r>
+              <a:rPr lang="ko-KR" altLang="en-US" sz="1600" dirty="0"/>
+              <a:t>을 사용하여 복사</a:t>
+            </a:r>
+            <a:r>
+              <a:rPr lang="en-US" altLang="ko-KR" sz="1600" dirty="0"/>
+              <a:t>.</a:t>
+            </a:r>
+          </a:p>
+          <a:p>
+            <a:pPr marL="285750" indent="-285750">
+              <a:lnSpc>
+                <a:spcPct val="150000"/>
+              </a:lnSpc>
+              <a:buFontTx/>
+              <a:buChar char="-"/>
+            </a:pPr>
+            <a:r>
+              <a:rPr lang="en-US" altLang="ko-KR" sz="1600" dirty="0" err="1"/>
+              <a:t>Img</a:t>
+            </a:r>
+            <a:r>
+              <a:rPr lang="ko-KR" altLang="en-US" sz="1600" dirty="0"/>
+              <a:t> </a:t>
+            </a:r>
+            <a:r>
+              <a:rPr lang="en-US" altLang="ko-KR" sz="1600" dirty="0"/>
+              <a:t>filename, </a:t>
+            </a:r>
+            <a:r>
+              <a:rPr lang="en-US" altLang="ko-KR" sz="1600" dirty="0" err="1"/>
+              <a:t>extracedfeature</a:t>
+            </a:r>
+            <a:r>
+              <a:rPr lang="en-US" altLang="ko-KR" sz="1600" dirty="0"/>
+              <a:t> </a:t>
+            </a:r>
+            <a:r>
+              <a:rPr lang="en-US" altLang="ko-KR" sz="1600" dirty="0" err="1"/>
+              <a:t>dataframe</a:t>
+            </a:r>
+            <a:r>
+              <a:rPr lang="en-US" altLang="ko-KR" sz="1600" dirty="0"/>
+              <a:t> </a:t>
+            </a:r>
+            <a:r>
+              <a:rPr lang="ko-KR" altLang="en-US" sz="1600" dirty="0" err="1"/>
+              <a:t>저장후</a:t>
+            </a:r>
+            <a:r>
+              <a:rPr lang="ko-KR" altLang="en-US" sz="1600" dirty="0"/>
+              <a:t> </a:t>
+            </a:r>
+            <a:r>
+              <a:rPr lang="en-US" altLang="ko-KR" sz="1600" dirty="0" err="1"/>
+              <a:t>pkl</a:t>
+            </a:r>
+            <a:r>
+              <a:rPr lang="ko-KR" altLang="en-US" sz="1600" dirty="0"/>
+              <a:t> 파일로 저장</a:t>
+            </a:r>
+            <a:r>
+              <a:rPr lang="en-US" altLang="ko-KR" sz="1600" dirty="0"/>
+              <a:t>.</a:t>
+            </a:r>
+          </a:p>
+          <a:p>
+            <a:pPr marL="285750" indent="-285750">
+              <a:lnSpc>
+                <a:spcPct val="150000"/>
+              </a:lnSpc>
+              <a:buFontTx/>
+              <a:buChar char="-"/>
+            </a:pPr>
+            <a:r>
+              <a:rPr lang="ko-KR" altLang="en-US" sz="1600" dirty="0"/>
+              <a:t>추출한 특징 크기 </a:t>
+            </a:r>
+            <a:r>
+              <a:rPr lang="en-US" altLang="ko-KR" sz="1600" dirty="0"/>
+              <a:t>2048 </a:t>
+            </a:r>
+          </a:p>
+        </p:txBody>
+      </p:sp>
+      <p:pic>
+        <p:nvPicPr>
+          <p:cNvPr id="5" name="그림 4">
+            <a:extLst>
+              <a:ext uri="{FF2B5EF4-FFF2-40B4-BE49-F238E27FC236}">
+                <a16:creationId xmlns:a16="http://schemas.microsoft.com/office/drawing/2014/main" id="{4125D89C-A33D-4DD4-81A1-C354281043D5}"/>
+              </a:ext>
+            </a:extLst>
+          </p:cNvPr>
+          <p:cNvPicPr>
+            <a:picLocks noChangeAspect="1"/>
+          </p:cNvPicPr>
+          <p:nvPr/>
+        </p:nvPicPr>
+        <p:blipFill>
+          <a:blip r:embed="rId3"/>
+          <a:stretch>
+            <a:fillRect/>
+          </a:stretch>
+        </p:blipFill>
+        <p:spPr>
+          <a:xfrm>
+            <a:off x="3111144" y="4251013"/>
+            <a:ext cx="3695020" cy="2212379"/>
+          </a:xfrm>
+          <a:prstGeom prst="rect">
+            <a:avLst/>
+          </a:prstGeom>
+        </p:spPr>
+      </p:pic>
+      <p:pic>
+        <p:nvPicPr>
+          <p:cNvPr id="10" name="그림 9">
+            <a:extLst>
+              <a:ext uri="{FF2B5EF4-FFF2-40B4-BE49-F238E27FC236}">
+                <a16:creationId xmlns:a16="http://schemas.microsoft.com/office/drawing/2014/main" id="{68E9D683-31AA-4A6C-A969-21DC7D51F358}"/>
+              </a:ext>
+            </a:extLst>
+          </p:cNvPr>
+          <p:cNvPicPr>
+            <a:picLocks noChangeAspect="1"/>
+          </p:cNvPicPr>
+          <p:nvPr/>
+        </p:nvPicPr>
+        <p:blipFill rotWithShape="1">
+          <a:blip r:embed="rId2"/>
+          <a:srcRect t="54793"/>
+          <a:stretch/>
+        </p:blipFill>
+        <p:spPr>
+          <a:xfrm>
+            <a:off x="8087277" y="3559628"/>
+            <a:ext cx="3180766" cy="2903764"/>
+          </a:xfrm>
+          <a:prstGeom prst="rect">
+            <a:avLst/>
+          </a:prstGeom>
+        </p:spPr>
+      </p:pic>
+    </p:spTree>
+    <p:extLst>
+      <p:ext uri="{BB962C8B-B14F-4D97-AF65-F5344CB8AC3E}">
+        <p14:creationId xmlns:p14="http://schemas.microsoft.com/office/powerpoint/2010/main" val="3782898680"/>
+      </p:ext>
+    </p:extLst>
+  </p:cSld>
+  <p:clrMapOvr>
+    <a:masterClrMapping/>
+  </p:clrMapOvr>
+</p:sld>
+</file>
+
+<file path=ppt/slides/slide3.xml><?xml version="1.0" encoding="utf-8"?>
+<p:sld xmlns:a="http://schemas.openxmlformats.org/drawingml/2006/main" xmlns:r="http://schemas.openxmlformats.org/officeDocument/2006/relationships" xmlns:p="http://schemas.openxmlformats.org/presentationml/2006/main">
+  <p:cSld>
+    <p:spTree>
+      <p:nvGrpSpPr>
+        <p:cNvPr id="1" name=""/>
+        <p:cNvGrpSpPr/>
+        <p:nvPr/>
+      </p:nvGrpSpPr>
+      <p:grpSpPr>
+        <a:xfrm>
+          <a:off x="0" y="0"/>
+          <a:ext cx="0" cy="0"/>
+          <a:chOff x="0" y="0"/>
+          <a:chExt cx="0" cy="0"/>
+        </a:xfrm>
+      </p:grpSpPr>
+      <p:sp>
+        <p:nvSpPr>
+          <p:cNvPr id="8" name="직사각형 7">
+            <a:extLst>
+              <a:ext uri="{FF2B5EF4-FFF2-40B4-BE49-F238E27FC236}">
+                <a16:creationId xmlns:a16="http://schemas.microsoft.com/office/drawing/2014/main" id="{212AE0A1-5F92-478A-A843-443E581BDF91}"/>
+              </a:ext>
+            </a:extLst>
+          </p:cNvPr>
+          <p:cNvSpPr/>
+          <p:nvPr/>
+        </p:nvSpPr>
+        <p:spPr>
+          <a:xfrm>
+            <a:off x="0" y="-1"/>
+            <a:ext cx="12192000" cy="825731"/>
+          </a:xfrm>
+          <a:prstGeom prst="rect">
+            <a:avLst/>
+          </a:prstGeom>
+          <a:solidFill>
+            <a:schemeClr val="accent6">
+              <a:lumMod val="40000"/>
+              <a:lumOff val="60000"/>
+            </a:schemeClr>
+          </a:solidFill>
+          <a:ln>
+            <a:solidFill>
+              <a:schemeClr val="accent6">
+                <a:lumMod val="40000"/>
+                <a:lumOff val="60000"/>
+              </a:schemeClr>
+            </a:solidFill>
+          </a:ln>
+        </p:spPr>
+        <p:style>
+          <a:lnRef idx="2">
+            <a:schemeClr val="accent1">
+              <a:shade val="50000"/>
+            </a:schemeClr>
+          </a:lnRef>
+          <a:fillRef idx="1">
+            <a:schemeClr val="accent1"/>
+          </a:fillRef>
+          <a:effectRef idx="0">
+            <a:schemeClr val="accent1"/>
+          </a:effectRef>
+          <a:fontRef idx="minor">
+            <a:schemeClr val="lt1"/>
+          </a:fontRef>
+        </p:style>
+        <p:txBody>
+          <a:bodyPr rtlCol="0" anchor="ctr"/>
+          <a:lstStyle/>
+          <a:p>
+            <a:pPr algn="ctr"/>
+            <a:endParaRPr lang="ko-KR" altLang="en-US"/>
+          </a:p>
+        </p:txBody>
+      </p:sp>
+      <p:sp>
+        <p:nvSpPr>
+          <p:cNvPr id="4" name="슬라이드 번호 개체 틀 3">
+            <a:extLst>
+              <a:ext uri="{FF2B5EF4-FFF2-40B4-BE49-F238E27FC236}">
+                <a16:creationId xmlns:a16="http://schemas.microsoft.com/office/drawing/2014/main" id="{B11A7AB9-7540-40FD-94B6-0135A3ED289C}"/>
+              </a:ext>
+            </a:extLst>
+          </p:cNvPr>
+          <p:cNvSpPr>
+            <a:spLocks noGrp="1"/>
+          </p:cNvSpPr>
+          <p:nvPr>
+            <p:ph type="sldNum" sz="quarter" idx="12"/>
+          </p:nvPr>
+        </p:nvSpPr>
+        <p:spPr>
+          <a:xfrm>
+            <a:off x="8563187" y="6379936"/>
+            <a:ext cx="2743200" cy="365125"/>
+          </a:xfrm>
+        </p:spPr>
+        <p:txBody>
+          <a:bodyPr/>
+          <a:lstStyle/>
+          <a:p>
+            <a:fld id="{C3EC3709-AF19-4BC3-8020-8E9C5E0E1F7D}" type="slidenum">
+              <a:rPr lang="ko-KR" altLang="en-US" smtClean="0"/>
+              <a:t>3</a:t>
+            </a:fld>
+            <a:endParaRPr lang="ko-KR" altLang="en-US"/>
+          </a:p>
+        </p:txBody>
+      </p:sp>
+      <p:sp>
+        <p:nvSpPr>
+          <p:cNvPr id="9" name="TextBox 8">
+            <a:extLst>
+              <a:ext uri="{FF2B5EF4-FFF2-40B4-BE49-F238E27FC236}">
+                <a16:creationId xmlns:a16="http://schemas.microsoft.com/office/drawing/2014/main" id="{19B6216F-12C7-418D-A944-6484C1992BBE}"/>
+              </a:ext>
+            </a:extLst>
+          </p:cNvPr>
+          <p:cNvSpPr txBox="1"/>
+          <p:nvPr/>
+        </p:nvSpPr>
+        <p:spPr>
+          <a:xfrm>
+            <a:off x="231339" y="182031"/>
+            <a:ext cx="11782163" cy="461665"/>
+          </a:xfrm>
+          <a:prstGeom prst="rect">
+            <a:avLst/>
+          </a:prstGeom>
+          <a:noFill/>
+        </p:spPr>
+        <p:txBody>
+          <a:bodyPr wrap="square" rtlCol="0">
+            <a:spAutoFit/>
+          </a:bodyPr>
+          <a:lstStyle/>
+          <a:p>
+            <a:r>
+              <a:rPr lang="en-US" altLang="ko-KR" sz="2400" dirty="0"/>
+              <a:t>Vis-Causal / </a:t>
+            </a:r>
+            <a:r>
+              <a:rPr lang="ko-KR" altLang="en-US" sz="2400" dirty="0"/>
+              <a:t>실행 결과</a:t>
+            </a:r>
+          </a:p>
+        </p:txBody>
+      </p:sp>
+      <p:sp>
+        <p:nvSpPr>
+          <p:cNvPr id="5" name="TextBox 4">
+            <a:extLst>
+              <a:ext uri="{FF2B5EF4-FFF2-40B4-BE49-F238E27FC236}">
+                <a16:creationId xmlns:a16="http://schemas.microsoft.com/office/drawing/2014/main" id="{485CEAA9-0B3E-432B-9279-BBC8FC703840}"/>
+              </a:ext>
+            </a:extLst>
+          </p:cNvPr>
+          <p:cNvSpPr txBox="1"/>
+          <p:nvPr/>
+        </p:nvSpPr>
+        <p:spPr>
+          <a:xfrm>
+            <a:off x="496081" y="4603840"/>
+            <a:ext cx="10373193" cy="2116285"/>
+          </a:xfrm>
+          <a:prstGeom prst="rect">
+            <a:avLst/>
+          </a:prstGeom>
+          <a:noFill/>
+        </p:spPr>
+        <p:txBody>
+          <a:bodyPr wrap="square" rtlCol="0">
+            <a:spAutoFit/>
+          </a:bodyPr>
+          <a:lstStyle/>
+          <a:p>
+            <a:pPr marL="285750" indent="-285750">
+              <a:lnSpc>
+                <a:spcPct val="150000"/>
+              </a:lnSpc>
+              <a:buFont typeface="Arial" panose="020B0604020202020204" pitchFamily="34" charset="0"/>
+              <a:buChar char="•"/>
+            </a:pPr>
+            <a:r>
+              <a:rPr lang="en-US" altLang="ko-KR" dirty="0"/>
+              <a:t>Epoch </a:t>
+            </a:r>
+            <a:r>
+              <a:rPr lang="ko-KR" altLang="en-US" dirty="0"/>
+              <a:t>늘린 경우 </a:t>
+            </a:r>
+            <a:r>
+              <a:rPr lang="en-US" altLang="ko-KR" dirty="0"/>
+              <a:t>loss</a:t>
+            </a:r>
+          </a:p>
+          <a:p>
+            <a:pPr lvl="1">
+              <a:lnSpc>
+                <a:spcPct val="150000"/>
+              </a:lnSpc>
+            </a:pPr>
+            <a:r>
+              <a:rPr lang="en-US" altLang="ko-KR" dirty="0"/>
+              <a:t>Using Model : Full-Model</a:t>
+            </a:r>
+          </a:p>
+          <a:p>
+            <a:pPr lvl="1">
+              <a:lnSpc>
+                <a:spcPct val="150000"/>
+              </a:lnSpc>
+            </a:pPr>
+            <a:r>
+              <a:rPr lang="en-US" altLang="ko-KR" dirty="0"/>
+              <a:t>##Iteration: 1 [0/ train loss] : 1.0730084997729734</a:t>
+            </a:r>
+          </a:p>
+          <a:p>
+            <a:pPr lvl="1">
+              <a:lnSpc>
+                <a:spcPct val="150000"/>
+              </a:lnSpc>
+            </a:pPr>
+            <a:r>
+              <a:rPr lang="en-US" altLang="ko-KR" dirty="0"/>
+              <a:t>##Iteration: 150 | 149/ train loss] : 0.03535061746709573</a:t>
+            </a:r>
+          </a:p>
+          <a:p>
+            <a:pPr lvl="1">
+              <a:lnSpc>
+                <a:spcPct val="150000"/>
+              </a:lnSpc>
+            </a:pPr>
+            <a:r>
+              <a:rPr lang="en-US" altLang="ko-KR" dirty="0"/>
+              <a:t>##Iteration: 300 |  299/ train loss] : 0.01979305717568069</a:t>
+            </a:r>
+          </a:p>
+        </p:txBody>
+      </p:sp>
+      <p:pic>
+        <p:nvPicPr>
+          <p:cNvPr id="2" name="그림 1">
+            <a:extLst>
+              <a:ext uri="{FF2B5EF4-FFF2-40B4-BE49-F238E27FC236}">
+                <a16:creationId xmlns:a16="http://schemas.microsoft.com/office/drawing/2014/main" id="{0CE0F897-F4D2-4805-9922-02E8DD5EB625}"/>
+              </a:ext>
+            </a:extLst>
+          </p:cNvPr>
+          <p:cNvPicPr>
+            <a:picLocks noChangeAspect="1"/>
+          </p:cNvPicPr>
+          <p:nvPr/>
+        </p:nvPicPr>
+        <p:blipFill>
+          <a:blip r:embed="rId3"/>
+          <a:stretch>
+            <a:fillRect/>
+          </a:stretch>
+        </p:blipFill>
+        <p:spPr>
+          <a:xfrm>
+            <a:off x="1023608" y="1745872"/>
+            <a:ext cx="3956650" cy="2437138"/>
+          </a:xfrm>
+          <a:prstGeom prst="rect">
+            <a:avLst/>
+          </a:prstGeom>
+        </p:spPr>
+      </p:pic>
+      <p:pic>
+        <p:nvPicPr>
+          <p:cNvPr id="3" name="그림 2">
+            <a:extLst>
+              <a:ext uri="{FF2B5EF4-FFF2-40B4-BE49-F238E27FC236}">
+                <a16:creationId xmlns:a16="http://schemas.microsoft.com/office/drawing/2014/main" id="{2D258764-05CE-4961-8714-8C99C187BE37}"/>
+              </a:ext>
+            </a:extLst>
+          </p:cNvPr>
+          <p:cNvPicPr>
+            <a:picLocks noChangeAspect="1"/>
+          </p:cNvPicPr>
+          <p:nvPr/>
+        </p:nvPicPr>
+        <p:blipFill rotWithShape="1">
+          <a:blip r:embed="rId4"/>
+          <a:srcRect b="52338"/>
+          <a:stretch/>
+        </p:blipFill>
+        <p:spPr>
+          <a:xfrm>
+            <a:off x="4980258" y="2878927"/>
+            <a:ext cx="3808714" cy="1583871"/>
+          </a:xfrm>
+          <a:prstGeom prst="rect">
+            <a:avLst/>
+          </a:prstGeom>
+        </p:spPr>
+      </p:pic>
+      <p:sp>
+        <p:nvSpPr>
+          <p:cNvPr id="6" name="TextBox 5">
+            <a:extLst>
+              <a:ext uri="{FF2B5EF4-FFF2-40B4-BE49-F238E27FC236}">
+                <a16:creationId xmlns:a16="http://schemas.microsoft.com/office/drawing/2014/main" id="{48AF8069-79CE-45CF-903D-B83307032F8F}"/>
+              </a:ext>
+            </a:extLst>
+          </p:cNvPr>
+          <p:cNvSpPr txBox="1"/>
+          <p:nvPr/>
+        </p:nvSpPr>
+        <p:spPr>
+          <a:xfrm>
+            <a:off x="496081" y="1209866"/>
+            <a:ext cx="1400174" cy="369332"/>
+          </a:xfrm>
+          <a:prstGeom prst="rect">
+            <a:avLst/>
+          </a:prstGeom>
+          <a:noFill/>
+        </p:spPr>
+        <p:txBody>
+          <a:bodyPr wrap="square" rtlCol="0">
+            <a:spAutoFit/>
+          </a:bodyPr>
+          <a:lstStyle/>
+          <a:p>
+            <a:pPr marL="285750" indent="-285750">
+              <a:buFont typeface="Arial" panose="020B0604020202020204" pitchFamily="34" charset="0"/>
+              <a:buChar char="•"/>
+            </a:pPr>
+            <a:r>
+              <a:rPr lang="en-US" altLang="ko-KR" dirty="0"/>
+              <a:t>GPT-2</a:t>
+            </a:r>
+            <a:endParaRPr lang="ko-KR" altLang="en-US" dirty="0"/>
+          </a:p>
+        </p:txBody>
+      </p:sp>
+      <p:pic>
+        <p:nvPicPr>
+          <p:cNvPr id="7" name="그림 6">
+            <a:extLst>
+              <a:ext uri="{FF2B5EF4-FFF2-40B4-BE49-F238E27FC236}">
+                <a16:creationId xmlns:a16="http://schemas.microsoft.com/office/drawing/2014/main" id="{F364E89C-580B-4177-B896-11140F578C2C}"/>
+              </a:ext>
+            </a:extLst>
+          </p:cNvPr>
+          <p:cNvPicPr>
+            <a:picLocks noChangeAspect="1"/>
+          </p:cNvPicPr>
+          <p:nvPr/>
+        </p:nvPicPr>
+        <p:blipFill>
+          <a:blip r:embed="rId5"/>
+          <a:stretch>
+            <a:fillRect/>
+          </a:stretch>
+        </p:blipFill>
+        <p:spPr>
+          <a:xfrm>
+            <a:off x="4980258" y="1579198"/>
+            <a:ext cx="6296653" cy="1107504"/>
+          </a:xfrm>
+          <a:prstGeom prst="rect">
+            <a:avLst/>
+          </a:prstGeom>
+        </p:spPr>
+      </p:pic>
+    </p:spTree>
+    <p:extLst>
+      <p:ext uri="{BB962C8B-B14F-4D97-AF65-F5344CB8AC3E}">
+        <p14:creationId xmlns:p14="http://schemas.microsoft.com/office/powerpoint/2010/main" val="956808064"/>
+      </p:ext>
+    </p:extLst>
+  </p:cSld>
+  <p:clrMapOvr>
+    <a:masterClrMapping/>
+  </p:clrMapOvr>
+</p:sld>
+</file>
+
+<file path=ppt/slides/slide4.xml><?xml version="1.0" encoding="utf-8"?>
+<p:sld xmlns:a="http://schemas.openxmlformats.org/drawingml/2006/main" xmlns:r="http://schemas.openxmlformats.org/officeDocument/2006/relationships" xmlns:p="http://schemas.openxmlformats.org/presentationml/2006/main">
+  <p:cSld>
+    <p:spTree>
+      <p:nvGrpSpPr>
+        <p:cNvPr id="1" name=""/>
+        <p:cNvGrpSpPr/>
+        <p:nvPr/>
+      </p:nvGrpSpPr>
+      <p:grpSpPr>
+        <a:xfrm>
+          <a:off x="0" y="0"/>
+          <a:ext cx="0" cy="0"/>
+          <a:chOff x="0" y="0"/>
+          <a:chExt cx="0" cy="0"/>
+        </a:xfrm>
+      </p:grpSpPr>
+      <p:sp>
+        <p:nvSpPr>
+          <p:cNvPr id="8" name="직사각형 7">
+            <a:extLst>
+              <a:ext uri="{FF2B5EF4-FFF2-40B4-BE49-F238E27FC236}">
+                <a16:creationId xmlns:a16="http://schemas.microsoft.com/office/drawing/2014/main" id="{212AE0A1-5F92-478A-A843-443E581BDF91}"/>
+              </a:ext>
+            </a:extLst>
+          </p:cNvPr>
+          <p:cNvSpPr/>
+          <p:nvPr/>
+        </p:nvSpPr>
+        <p:spPr>
+          <a:xfrm>
+            <a:off x="0" y="-1"/>
+            <a:ext cx="12192000" cy="825731"/>
+          </a:xfrm>
+          <a:prstGeom prst="rect">
+            <a:avLst/>
+          </a:prstGeom>
+          <a:solidFill>
+            <a:schemeClr val="accent6">
+              <a:lumMod val="40000"/>
+              <a:lumOff val="60000"/>
+            </a:schemeClr>
+          </a:solidFill>
+          <a:ln>
+            <a:solidFill>
+              <a:schemeClr val="accent6">
+                <a:lumMod val="40000"/>
+                <a:lumOff val="60000"/>
+              </a:schemeClr>
+            </a:solidFill>
+          </a:ln>
+        </p:spPr>
+        <p:style>
+          <a:lnRef idx="2">
+            <a:schemeClr val="accent1">
+              <a:shade val="50000"/>
+            </a:schemeClr>
+          </a:lnRef>
+          <a:fillRef idx="1">
+            <a:schemeClr val="accent1"/>
+          </a:fillRef>
+          <a:effectRef idx="0">
+            <a:schemeClr val="accent1"/>
+          </a:effectRef>
+          <a:fontRef idx="minor">
+            <a:schemeClr val="lt1"/>
+          </a:fontRef>
+        </p:style>
+        <p:txBody>
+          <a:bodyPr rtlCol="0" anchor="ctr"/>
+          <a:lstStyle/>
+          <a:p>
+            <a:pPr algn="ctr"/>
+            <a:endParaRPr lang="ko-KR" altLang="en-US"/>
+          </a:p>
+        </p:txBody>
+      </p:sp>
+      <p:sp>
+        <p:nvSpPr>
+          <p:cNvPr id="4" name="슬라이드 번호 개체 틀 3">
+            <a:extLst>
+              <a:ext uri="{FF2B5EF4-FFF2-40B4-BE49-F238E27FC236}">
+                <a16:creationId xmlns:a16="http://schemas.microsoft.com/office/drawing/2014/main" id="{B11A7AB9-7540-40FD-94B6-0135A3ED289C}"/>
+              </a:ext>
+            </a:extLst>
+          </p:cNvPr>
+          <p:cNvSpPr>
+            <a:spLocks noGrp="1"/>
+          </p:cNvSpPr>
+          <p:nvPr>
+            <p:ph type="sldNum" sz="quarter" idx="12"/>
+          </p:nvPr>
+        </p:nvSpPr>
+        <p:spPr>
+          <a:xfrm>
+            <a:off x="8563187" y="6379936"/>
+            <a:ext cx="2743200" cy="365125"/>
+          </a:xfrm>
+        </p:spPr>
+        <p:txBody>
+          <a:bodyPr/>
+          <a:lstStyle/>
+          <a:p>
+            <a:fld id="{C3EC3709-AF19-4BC3-8020-8E9C5E0E1F7D}" type="slidenum">
+              <a:rPr lang="ko-KR" altLang="en-US" smtClean="0"/>
+              <a:t>4</a:t>
+            </a:fld>
+            <a:endParaRPr lang="ko-KR" altLang="en-US"/>
+          </a:p>
+        </p:txBody>
+      </p:sp>
+      <p:sp>
+        <p:nvSpPr>
+          <p:cNvPr id="9" name="TextBox 8">
+            <a:extLst>
+              <a:ext uri="{FF2B5EF4-FFF2-40B4-BE49-F238E27FC236}">
+                <a16:creationId xmlns:a16="http://schemas.microsoft.com/office/drawing/2014/main" id="{19B6216F-12C7-418D-A944-6484C1992BBE}"/>
+              </a:ext>
+            </a:extLst>
+          </p:cNvPr>
+          <p:cNvSpPr txBox="1"/>
+          <p:nvPr/>
+        </p:nvSpPr>
+        <p:spPr>
+          <a:xfrm>
+            <a:off x="231339" y="182031"/>
+            <a:ext cx="11782163" cy="461665"/>
+          </a:xfrm>
+          <a:prstGeom prst="rect">
+            <a:avLst/>
+          </a:prstGeom>
+          <a:noFill/>
+        </p:spPr>
+        <p:txBody>
+          <a:bodyPr wrap="square" rtlCol="0">
+            <a:spAutoFit/>
+          </a:bodyPr>
+          <a:lstStyle/>
+          <a:p>
+            <a:r>
+              <a:rPr lang="en-US" altLang="ko-KR" sz="2400" dirty="0"/>
               <a:t>Show, Attend and Tell: Neural Image Caption Generation with Visual Attention</a:t>
             </a:r>
             <a:endParaRPr lang="ko-KR" altLang="en-US" sz="2400" dirty="0"/>
@@ -5261,7 +7003,7 @@
         <p:spPr>
           <a:xfrm>
             <a:off x="231339" y="1560219"/>
-            <a:ext cx="11782163" cy="3368679"/>
+            <a:ext cx="11782163" cy="2999347"/>
           </a:xfrm>
           <a:prstGeom prst="rect">
             <a:avLst/>
@@ -5318,36 +7060,6 @@
               </a:rPr>
               <a:t>2015.</a:t>
             </a:r>
-          </a:p>
-          <a:p>
-            <a:pPr marL="285750" indent="-285750">
-              <a:lnSpc>
-                <a:spcPct val="150000"/>
-              </a:lnSpc>
-              <a:buFont typeface="Arial" panose="020B0604020202020204" pitchFamily="34" charset="0"/>
-              <a:buChar char="•"/>
-            </a:pPr>
-            <a:r>
-              <a:rPr lang="ko-KR" altLang="en-US" sz="1600" dirty="0">
-                <a:solidFill>
-                  <a:srgbClr val="000000"/>
-                </a:solidFill>
-                <a:latin typeface="Malgun Gothic" panose="020B0503020000020004" pitchFamily="50" charset="-127"/>
-                <a:ea typeface="Malgun Gothic" panose="020B0503020000020004" pitchFamily="50" charset="-127"/>
-              </a:rPr>
-              <a:t>배경</a:t>
-            </a:r>
-            <a:r>
-              <a:rPr lang="en-US" altLang="ko-KR" sz="1600" dirty="0">
-                <a:solidFill>
-                  <a:srgbClr val="000000"/>
-                </a:solidFill>
-                <a:latin typeface="Malgun Gothic" panose="020B0503020000020004" pitchFamily="50" charset="-127"/>
-                <a:ea typeface="Malgun Gothic" panose="020B0503020000020004" pitchFamily="50" charset="-127"/>
-              </a:rPr>
-              <a:t>…</a:t>
-            </a:r>
-            <a:endParaRPr lang="en-US" altLang="ko-KR" sz="1600" dirty="0"/>
           </a:p>
           <a:p>
             <a:pPr marL="285750" indent="-285750">
@@ -6846,17 +8558,19 @@
             </a:r>
           </a:p>
           <a:p>
-            <a:pPr>
+            <a:pPr marL="285750" indent="-285750">
               <a:lnSpc>
                 <a:spcPct val="150000"/>
               </a:lnSpc>
+              <a:buFontTx/>
+              <a:buChar char="-"/>
             </a:pPr>
             <a:r>
               <a:rPr lang="en-US" altLang="ko-KR" sz="1600" dirty="0">
                 <a:latin typeface="맑은 고딕" panose="020B0503020000020004" pitchFamily="50" charset="-127"/>
                 <a:ea typeface="맑은 고딕" panose="020B0503020000020004" pitchFamily="50" charset="-127"/>
               </a:rPr>
-              <a:t> - LSTM </a:t>
+              <a:t>LSTM </a:t>
             </a:r>
             <a:r>
               <a:rPr lang="ko-KR" altLang="en-US" sz="1600" dirty="0">
@@ -8133,16 +9847,6 @@
               <a:t>a</a:t>
             </a:r>
             <a:r>
-              <a:rPr lang="ko-KR" altLang="en-US" sz="1600" b="1" dirty="0">
-                <a:solidFill>
-                  <a:srgbClr val="333333"/>
-                </a:solidFill>
-                <a:latin typeface="맑은 고딕" panose="020B0503020000020004" pitchFamily="50" charset="-127"/>
-                <a:ea typeface="맑은 고딕" panose="020B0503020000020004" pitchFamily="50" charset="-127"/>
-              </a:rPr>
-              <a:t>를</a:t>
-            </a:r>
-            <a:r>
               <a:rPr lang="ko-KR" altLang="en-US" sz="1600" dirty="0">
                 <a:solidFill>
                   <a:srgbClr val="333333"/>
@@ -8150,7 +9854,7 @@
                 <a:latin typeface="맑은 고딕" panose="020B0503020000020004" pitchFamily="50" charset="-127"/>
                 <a:ea typeface="맑은 고딕" panose="020B0503020000020004" pitchFamily="50" charset="-127"/>
               </a:rPr>
-              <a:t> 초점을 맞출 부분을 고려하여 표현한 것</a:t>
+              <a:t>를 초점을 맞출 부분을 고려하여 표현한 것</a:t>
             </a:r>
             <a:r>
               <a:rPr lang="en-US" altLang="ko-KR" sz="1600" dirty="0">
@@ -10357,21 +12061,7 @@
                 <a:latin typeface="맑은 고딕" panose="020B0503020000020004" pitchFamily="50" charset="-127"/>
                 <a:ea typeface="맑은 고딕" panose="020B0503020000020004" pitchFamily="50" charset="-127"/>
               </a:rPr>
-              <a:t>평균 값을 </a:t>
-            </a:r>
-            <a:r>
-              <a:rPr lang="ko-KR" altLang="en-US" sz="1600" dirty="0" err="1">
-                <a:latin typeface="맑은 고딕" panose="020B0503020000020004" pitchFamily="50" charset="-127"/>
-                <a:ea typeface="맑은 고딕" panose="020B0503020000020004" pitchFamily="50" charset="-127"/>
-              </a:rPr>
-              <a:t>낸것을</a:t>
-            </a:r>
-            <a:r>
-              <a:rPr lang="ko-KR" altLang="en-US" sz="1600" dirty="0">
-                <a:latin typeface="맑은 고딕" panose="020B0503020000020004" pitchFamily="50" charset="-127"/>
-                <a:ea typeface="맑은 고딕" panose="020B0503020000020004" pitchFamily="50" charset="-127"/>
-              </a:rPr>
-              <a:t> 대신 사용</a:t>
+              <a:t>평균 값 낸 것을 대신 사용</a:t>
             </a:r>
             <a:endParaRPr lang="en-US" altLang="ko-KR" sz="1600" dirty="0">
               <a:latin typeface="맑은 고딕" panose="020B0503020000020004" pitchFamily="50" charset="-127"/>
@@ -10398,21 +12088,7 @@
                 <a:latin typeface="맑은 고딕" panose="020B0503020000020004" pitchFamily="50" charset="-127"/>
                 <a:ea typeface="맑은 고딕" panose="020B0503020000020004" pitchFamily="50" charset="-127"/>
               </a:rPr>
-              <a:t>을 할 </a:t>
-            </a:r>
-            <a:r>
-              <a:rPr lang="ko-KR" altLang="en-US" sz="1600" dirty="0" err="1">
-                <a:latin typeface="맑은 고딕" panose="020B0503020000020004" pitchFamily="50" charset="-127"/>
-                <a:ea typeface="맑은 고딕" panose="020B0503020000020004" pitchFamily="50" charset="-127"/>
-              </a:rPr>
-              <a:t>떄</a:t>
-            </a:r>
-            <a:r>
-              <a:rPr lang="ko-KR" altLang="en-US" sz="1600" dirty="0">
-                <a:latin typeface="맑은 고딕" panose="020B0503020000020004" pitchFamily="50" charset="-127"/>
-                <a:ea typeface="맑은 고딕" panose="020B0503020000020004" pitchFamily="50" charset="-127"/>
-              </a:rPr>
-              <a:t> 분산이 커지는 것을 방지하기 위해 </a:t>
+              <a:t>을 할 때 분산이 커지는 것을 방지하기 위해 </a:t>
             </a:r>
             <a:r>
               <a:rPr lang="en-US" altLang="ko-KR" sz="1600" b="0" i="0" dirty="0">
@@ -10585,8 +12261,8 @@
         </p:blipFill>
         <p:spPr>
           <a:xfrm>
-            <a:off x="7929774" y="2299104"/>
-            <a:ext cx="4010025" cy="1336675"/>
+            <a:off x="8308168" y="2359089"/>
+            <a:ext cx="3722572" cy="1240857"/>
           </a:xfrm>
           <a:prstGeom prst="rect">
             <a:avLst/>
